--- a/Rascunhos/Imagens/imagens para HIV.pptx
+++ b/Rascunhos/Imagens/imagens para HIV.pptx
@@ -243,7 +243,7 @@
           <a:p>
             <a:fld id="{6EC27022-61B4-4658-BCF4-E6488D58E6A6}" type="datetimeFigureOut">
               <a:rPr lang="pt-BR" smtClean="0"/>
-              <a:t>10/04/2019</a:t>
+              <a:t>11/04/2019</a:t>
             </a:fld>
             <a:endParaRPr lang="pt-BR"/>
           </a:p>
@@ -413,7 +413,7 @@
           <a:p>
             <a:fld id="{6EC27022-61B4-4658-BCF4-E6488D58E6A6}" type="datetimeFigureOut">
               <a:rPr lang="pt-BR" smtClean="0"/>
-              <a:t>10/04/2019</a:t>
+              <a:t>11/04/2019</a:t>
             </a:fld>
             <a:endParaRPr lang="pt-BR"/>
           </a:p>
@@ -593,7 +593,7 @@
           <a:p>
             <a:fld id="{6EC27022-61B4-4658-BCF4-E6488D58E6A6}" type="datetimeFigureOut">
               <a:rPr lang="pt-BR" smtClean="0"/>
-              <a:t>10/04/2019</a:t>
+              <a:t>11/04/2019</a:t>
             </a:fld>
             <a:endParaRPr lang="pt-BR"/>
           </a:p>
@@ -763,7 +763,7 @@
           <a:p>
             <a:fld id="{6EC27022-61B4-4658-BCF4-E6488D58E6A6}" type="datetimeFigureOut">
               <a:rPr lang="pt-BR" smtClean="0"/>
-              <a:t>10/04/2019</a:t>
+              <a:t>11/04/2019</a:t>
             </a:fld>
             <a:endParaRPr lang="pt-BR"/>
           </a:p>
@@ -1009,7 +1009,7 @@
           <a:p>
             <a:fld id="{6EC27022-61B4-4658-BCF4-E6488D58E6A6}" type="datetimeFigureOut">
               <a:rPr lang="pt-BR" smtClean="0"/>
-              <a:t>10/04/2019</a:t>
+              <a:t>11/04/2019</a:t>
             </a:fld>
             <a:endParaRPr lang="pt-BR"/>
           </a:p>
@@ -1241,7 +1241,7 @@
           <a:p>
             <a:fld id="{6EC27022-61B4-4658-BCF4-E6488D58E6A6}" type="datetimeFigureOut">
               <a:rPr lang="pt-BR" smtClean="0"/>
-              <a:t>10/04/2019</a:t>
+              <a:t>11/04/2019</a:t>
             </a:fld>
             <a:endParaRPr lang="pt-BR"/>
           </a:p>
@@ -1608,7 +1608,7 @@
           <a:p>
             <a:fld id="{6EC27022-61B4-4658-BCF4-E6488D58E6A6}" type="datetimeFigureOut">
               <a:rPr lang="pt-BR" smtClean="0"/>
-              <a:t>10/04/2019</a:t>
+              <a:t>11/04/2019</a:t>
             </a:fld>
             <a:endParaRPr lang="pt-BR"/>
           </a:p>
@@ -1726,7 +1726,7 @@
           <a:p>
             <a:fld id="{6EC27022-61B4-4658-BCF4-E6488D58E6A6}" type="datetimeFigureOut">
               <a:rPr lang="pt-BR" smtClean="0"/>
-              <a:t>10/04/2019</a:t>
+              <a:t>11/04/2019</a:t>
             </a:fld>
             <a:endParaRPr lang="pt-BR"/>
           </a:p>
@@ -1821,7 +1821,7 @@
           <a:p>
             <a:fld id="{6EC27022-61B4-4658-BCF4-E6488D58E6A6}" type="datetimeFigureOut">
               <a:rPr lang="pt-BR" smtClean="0"/>
-              <a:t>10/04/2019</a:t>
+              <a:t>11/04/2019</a:t>
             </a:fld>
             <a:endParaRPr lang="pt-BR"/>
           </a:p>
@@ -2098,7 +2098,7 @@
           <a:p>
             <a:fld id="{6EC27022-61B4-4658-BCF4-E6488D58E6A6}" type="datetimeFigureOut">
               <a:rPr lang="pt-BR" smtClean="0"/>
-              <a:t>10/04/2019</a:t>
+              <a:t>11/04/2019</a:t>
             </a:fld>
             <a:endParaRPr lang="pt-BR"/>
           </a:p>
@@ -2351,7 +2351,7 @@
           <a:p>
             <a:fld id="{6EC27022-61B4-4658-BCF4-E6488D58E6A6}" type="datetimeFigureOut">
               <a:rPr lang="pt-BR" smtClean="0"/>
-              <a:t>10/04/2019</a:t>
+              <a:t>11/04/2019</a:t>
             </a:fld>
             <a:endParaRPr lang="pt-BR"/>
           </a:p>
@@ -2564,7 +2564,7 @@
           <a:p>
             <a:fld id="{6EC27022-61B4-4658-BCF4-E6488D58E6A6}" type="datetimeFigureOut">
               <a:rPr lang="pt-BR" smtClean="0"/>
-              <a:t>10/04/2019</a:t>
+              <a:t>11/04/2019</a:t>
             </a:fld>
             <a:endParaRPr lang="pt-BR"/>
           </a:p>
@@ -5043,7 +5043,7 @@
               <p:cNvPr id="16" name="Retângulo: Cantos Arredondados 8">
                 <a:extLst>
                   <a:ext uri="{FF2B5EF4-FFF2-40B4-BE49-F238E27FC236}">
-                    <a16:creationId xmlns="" xmlns:a16="http://schemas.microsoft.com/office/drawing/2014/main" id="{F8102B5C-A279-4902-B60D-5047349AC13D}"/>
+                    <a16:creationId xmlns:a16="http://schemas.microsoft.com/office/drawing/2014/main" xmlns="" id="{F8102B5C-A279-4902-B60D-5047349AC13D}"/>
                   </a:ext>
                 </a:extLst>
               </p:cNvPr>
@@ -5408,7 +5408,7 @@
               <p:cNvPr id="59" name="Agrupar 6">
                 <a:extLst>
                   <a:ext uri="{FF2B5EF4-FFF2-40B4-BE49-F238E27FC236}">
-                    <a16:creationId xmlns="" xmlns:a16="http://schemas.microsoft.com/office/drawing/2014/main" id="{E976DEB7-185B-4375-9DBA-5D78AF26D6D7}"/>
+                    <a16:creationId xmlns:a16="http://schemas.microsoft.com/office/drawing/2014/main" xmlns="" id="{E976DEB7-185B-4375-9DBA-5D78AF26D6D7}"/>
                   </a:ext>
                 </a:extLst>
               </p:cNvPr>
@@ -5428,7 +5428,7 @@
                 <p:cNvPr id="61" name="Elipse 60">
                   <a:extLst>
                     <a:ext uri="{FF2B5EF4-FFF2-40B4-BE49-F238E27FC236}">
-                      <a16:creationId xmlns="" xmlns:a16="http://schemas.microsoft.com/office/drawing/2014/main" id="{8DA61EDA-D65F-407B-82BD-B427144766D3}"/>
+                      <a16:creationId xmlns:a16="http://schemas.microsoft.com/office/drawing/2014/main" xmlns="" id="{8DA61EDA-D65F-407B-82BD-B427144766D3}"/>
                     </a:ext>
                   </a:extLst>
                 </p:cNvPr>
@@ -5480,7 +5480,7 @@
                 <p:cNvPr id="62" name="Elipse 61">
                   <a:extLst>
                     <a:ext uri="{FF2B5EF4-FFF2-40B4-BE49-F238E27FC236}">
-                      <a16:creationId xmlns="" xmlns:a16="http://schemas.microsoft.com/office/drawing/2014/main" id="{A6965E2E-3446-4C27-9E1F-A31F25446713}"/>
+                      <a16:creationId xmlns:a16="http://schemas.microsoft.com/office/drawing/2014/main" xmlns="" id="{A6965E2E-3446-4C27-9E1F-A31F25446713}"/>
                     </a:ext>
                   </a:extLst>
                 </p:cNvPr>
@@ -5884,7 +5884,7 @@
               <p:cNvPr id="80" name="Agrupar 6">
                 <a:extLst>
                   <a:ext uri="{FF2B5EF4-FFF2-40B4-BE49-F238E27FC236}">
-                    <a16:creationId xmlns="" xmlns:a16="http://schemas.microsoft.com/office/drawing/2014/main" id="{E976DEB7-185B-4375-9DBA-5D78AF26D6D7}"/>
+                    <a16:creationId xmlns:a16="http://schemas.microsoft.com/office/drawing/2014/main" xmlns="" id="{E976DEB7-185B-4375-9DBA-5D78AF26D6D7}"/>
                   </a:ext>
                 </a:extLst>
               </p:cNvPr>
@@ -5904,7 +5904,7 @@
                 <p:cNvPr id="82" name="Elipse 81">
                   <a:extLst>
                     <a:ext uri="{FF2B5EF4-FFF2-40B4-BE49-F238E27FC236}">
-                      <a16:creationId xmlns="" xmlns:a16="http://schemas.microsoft.com/office/drawing/2014/main" id="{8DA61EDA-D65F-407B-82BD-B427144766D3}"/>
+                      <a16:creationId xmlns:a16="http://schemas.microsoft.com/office/drawing/2014/main" xmlns="" id="{8DA61EDA-D65F-407B-82BD-B427144766D3}"/>
                     </a:ext>
                   </a:extLst>
                 </p:cNvPr>
@@ -5956,7 +5956,7 @@
                 <p:cNvPr id="83" name="Elipse 82">
                   <a:extLst>
                     <a:ext uri="{FF2B5EF4-FFF2-40B4-BE49-F238E27FC236}">
-                      <a16:creationId xmlns="" xmlns:a16="http://schemas.microsoft.com/office/drawing/2014/main" id="{A6965E2E-3446-4C27-9E1F-A31F25446713}"/>
+                      <a16:creationId xmlns:a16="http://schemas.microsoft.com/office/drawing/2014/main" xmlns="" id="{A6965E2E-3446-4C27-9E1F-A31F25446713}"/>
                     </a:ext>
                   </a:extLst>
                 </p:cNvPr>
@@ -6656,7 +6656,7 @@
               <p:cNvPr id="106" name="Agrupar 6">
                 <a:extLst>
                   <a:ext uri="{FF2B5EF4-FFF2-40B4-BE49-F238E27FC236}">
-                    <a16:creationId xmlns="" xmlns:a16="http://schemas.microsoft.com/office/drawing/2014/main" id="{E976DEB7-185B-4375-9DBA-5D78AF26D6D7}"/>
+                    <a16:creationId xmlns:a16="http://schemas.microsoft.com/office/drawing/2014/main" xmlns="" id="{E976DEB7-185B-4375-9DBA-5D78AF26D6D7}"/>
                   </a:ext>
                 </a:extLst>
               </p:cNvPr>
@@ -6676,7 +6676,7 @@
                 <p:cNvPr id="108" name="Elipse 107">
                   <a:extLst>
                     <a:ext uri="{FF2B5EF4-FFF2-40B4-BE49-F238E27FC236}">
-                      <a16:creationId xmlns="" xmlns:a16="http://schemas.microsoft.com/office/drawing/2014/main" id="{8DA61EDA-D65F-407B-82BD-B427144766D3}"/>
+                      <a16:creationId xmlns:a16="http://schemas.microsoft.com/office/drawing/2014/main" xmlns="" id="{8DA61EDA-D65F-407B-82BD-B427144766D3}"/>
                     </a:ext>
                   </a:extLst>
                 </p:cNvPr>
@@ -6728,7 +6728,7 @@
                 <p:cNvPr id="109" name="Elipse 108">
                   <a:extLst>
                     <a:ext uri="{FF2B5EF4-FFF2-40B4-BE49-F238E27FC236}">
-                      <a16:creationId xmlns="" xmlns:a16="http://schemas.microsoft.com/office/drawing/2014/main" id="{A6965E2E-3446-4C27-9E1F-A31F25446713}"/>
+                      <a16:creationId xmlns:a16="http://schemas.microsoft.com/office/drawing/2014/main" xmlns="" id="{A6965E2E-3446-4C27-9E1F-A31F25446713}"/>
                     </a:ext>
                   </a:extLst>
                 </p:cNvPr>
@@ -6836,7 +6836,7 @@
               <p:cNvPr id="111" name="Agrupar 6">
                 <a:extLst>
                   <a:ext uri="{FF2B5EF4-FFF2-40B4-BE49-F238E27FC236}">
-                    <a16:creationId xmlns="" xmlns:a16="http://schemas.microsoft.com/office/drawing/2014/main" id="{E976DEB7-185B-4375-9DBA-5D78AF26D6D7}"/>
+                    <a16:creationId xmlns:a16="http://schemas.microsoft.com/office/drawing/2014/main" xmlns="" id="{E976DEB7-185B-4375-9DBA-5D78AF26D6D7}"/>
                   </a:ext>
                 </a:extLst>
               </p:cNvPr>
@@ -6856,7 +6856,7 @@
                 <p:cNvPr id="113" name="Elipse 112">
                   <a:extLst>
                     <a:ext uri="{FF2B5EF4-FFF2-40B4-BE49-F238E27FC236}">
-                      <a16:creationId xmlns="" xmlns:a16="http://schemas.microsoft.com/office/drawing/2014/main" id="{8DA61EDA-D65F-407B-82BD-B427144766D3}"/>
+                      <a16:creationId xmlns:a16="http://schemas.microsoft.com/office/drawing/2014/main" xmlns="" id="{8DA61EDA-D65F-407B-82BD-B427144766D3}"/>
                     </a:ext>
                   </a:extLst>
                 </p:cNvPr>
@@ -6908,7 +6908,7 @@
                 <p:cNvPr id="114" name="Elipse 113">
                   <a:extLst>
                     <a:ext uri="{FF2B5EF4-FFF2-40B4-BE49-F238E27FC236}">
-                      <a16:creationId xmlns="" xmlns:a16="http://schemas.microsoft.com/office/drawing/2014/main" id="{A6965E2E-3446-4C27-9E1F-A31F25446713}"/>
+                      <a16:creationId xmlns:a16="http://schemas.microsoft.com/office/drawing/2014/main" xmlns="" id="{A6965E2E-3446-4C27-9E1F-A31F25446713}"/>
                     </a:ext>
                   </a:extLst>
                 </p:cNvPr>
@@ -7016,7 +7016,7 @@
               <p:cNvPr id="116" name="Agrupar 6">
                 <a:extLst>
                   <a:ext uri="{FF2B5EF4-FFF2-40B4-BE49-F238E27FC236}">
-                    <a16:creationId xmlns="" xmlns:a16="http://schemas.microsoft.com/office/drawing/2014/main" id="{E976DEB7-185B-4375-9DBA-5D78AF26D6D7}"/>
+                    <a16:creationId xmlns:a16="http://schemas.microsoft.com/office/drawing/2014/main" xmlns="" id="{E976DEB7-185B-4375-9DBA-5D78AF26D6D7}"/>
                   </a:ext>
                 </a:extLst>
               </p:cNvPr>
@@ -7036,7 +7036,7 @@
                 <p:cNvPr id="118" name="Elipse 117">
                   <a:extLst>
                     <a:ext uri="{FF2B5EF4-FFF2-40B4-BE49-F238E27FC236}">
-                      <a16:creationId xmlns="" xmlns:a16="http://schemas.microsoft.com/office/drawing/2014/main" id="{8DA61EDA-D65F-407B-82BD-B427144766D3}"/>
+                      <a16:creationId xmlns:a16="http://schemas.microsoft.com/office/drawing/2014/main" xmlns="" id="{8DA61EDA-D65F-407B-82BD-B427144766D3}"/>
                     </a:ext>
                   </a:extLst>
                 </p:cNvPr>
@@ -7088,7 +7088,7 @@
                 <p:cNvPr id="119" name="Elipse 118">
                   <a:extLst>
                     <a:ext uri="{FF2B5EF4-FFF2-40B4-BE49-F238E27FC236}">
-                      <a16:creationId xmlns="" xmlns:a16="http://schemas.microsoft.com/office/drawing/2014/main" id="{A6965E2E-3446-4C27-9E1F-A31F25446713}"/>
+                      <a16:creationId xmlns:a16="http://schemas.microsoft.com/office/drawing/2014/main" xmlns="" id="{A6965E2E-3446-4C27-9E1F-A31F25446713}"/>
                     </a:ext>
                   </a:extLst>
                 </p:cNvPr>
@@ -7495,7 +7495,7 @@
               <p:cNvPr id="122" name="Retângulo: Cantos Arredondados 8">
                 <a:extLst>
                   <a:ext uri="{FF2B5EF4-FFF2-40B4-BE49-F238E27FC236}">
-                    <a16:creationId xmlns="" xmlns:a16="http://schemas.microsoft.com/office/drawing/2014/main" id="{F8102B5C-A279-4902-B60D-5047349AC13D}"/>
+                    <a16:creationId xmlns:a16="http://schemas.microsoft.com/office/drawing/2014/main" xmlns="" id="{F8102B5C-A279-4902-B60D-5047349AC13D}"/>
                   </a:ext>
                 </a:extLst>
               </p:cNvPr>
@@ -7863,7 +7863,7 @@
               <p:cNvPr id="131" name="Retângulo: Cantos Arredondados 8">
                 <a:extLst>
                   <a:ext uri="{FF2B5EF4-FFF2-40B4-BE49-F238E27FC236}">
-                    <a16:creationId xmlns="" xmlns:a16="http://schemas.microsoft.com/office/drawing/2014/main" id="{F8102B5C-A279-4902-B60D-5047349AC13D}"/>
+                    <a16:creationId xmlns:a16="http://schemas.microsoft.com/office/drawing/2014/main" xmlns="" id="{F8102B5C-A279-4902-B60D-5047349AC13D}"/>
                   </a:ext>
                 </a:extLst>
               </p:cNvPr>
@@ -8231,7 +8231,7 @@
               <p:cNvPr id="140" name="Retângulo: Cantos Arredondados 8">
                 <a:extLst>
                   <a:ext uri="{FF2B5EF4-FFF2-40B4-BE49-F238E27FC236}">
-                    <a16:creationId xmlns="" xmlns:a16="http://schemas.microsoft.com/office/drawing/2014/main" id="{F8102B5C-A279-4902-B60D-5047349AC13D}"/>
+                    <a16:creationId xmlns:a16="http://schemas.microsoft.com/office/drawing/2014/main" xmlns="" id="{F8102B5C-A279-4902-B60D-5047349AC13D}"/>
                   </a:ext>
                 </a:extLst>
               </p:cNvPr>
@@ -8300,7 +8300,7 @@
               <p:cNvPr id="148" name="Agrupar 6">
                 <a:extLst>
                   <a:ext uri="{FF2B5EF4-FFF2-40B4-BE49-F238E27FC236}">
-                    <a16:creationId xmlns="" xmlns:a16="http://schemas.microsoft.com/office/drawing/2014/main" id="{E976DEB7-185B-4375-9DBA-5D78AF26D6D7}"/>
+                    <a16:creationId xmlns:a16="http://schemas.microsoft.com/office/drawing/2014/main" xmlns="" id="{E976DEB7-185B-4375-9DBA-5D78AF26D6D7}"/>
                   </a:ext>
                 </a:extLst>
               </p:cNvPr>
@@ -8320,7 +8320,7 @@
                 <p:cNvPr id="150" name="Elipse 149">
                   <a:extLst>
                     <a:ext uri="{FF2B5EF4-FFF2-40B4-BE49-F238E27FC236}">
-                      <a16:creationId xmlns="" xmlns:a16="http://schemas.microsoft.com/office/drawing/2014/main" id="{8DA61EDA-D65F-407B-82BD-B427144766D3}"/>
+                      <a16:creationId xmlns:a16="http://schemas.microsoft.com/office/drawing/2014/main" xmlns="" id="{8DA61EDA-D65F-407B-82BD-B427144766D3}"/>
                     </a:ext>
                   </a:extLst>
                 </p:cNvPr>
@@ -8372,7 +8372,7 @@
                 <p:cNvPr id="151" name="Elipse 150">
                   <a:extLst>
                     <a:ext uri="{FF2B5EF4-FFF2-40B4-BE49-F238E27FC236}">
-                      <a16:creationId xmlns="" xmlns:a16="http://schemas.microsoft.com/office/drawing/2014/main" id="{A6965E2E-3446-4C27-9E1F-A31F25446713}"/>
+                      <a16:creationId xmlns:a16="http://schemas.microsoft.com/office/drawing/2014/main" xmlns="" id="{A6965E2E-3446-4C27-9E1F-A31F25446713}"/>
                     </a:ext>
                   </a:extLst>
                 </p:cNvPr>
@@ -9371,7 +9371,7 @@
               <p:cNvPr id="72" name="Retângulo: Cantos Arredondados 8">
                 <a:extLst>
                   <a:ext uri="{FF2B5EF4-FFF2-40B4-BE49-F238E27FC236}">
-                    <a16:creationId xmlns="" xmlns:a16="http://schemas.microsoft.com/office/drawing/2014/main" id="{F8102B5C-A279-4902-B60D-5047349AC13D}"/>
+                    <a16:creationId xmlns:a16="http://schemas.microsoft.com/office/drawing/2014/main" xmlns="" id="{F8102B5C-A279-4902-B60D-5047349AC13D}"/>
                   </a:ext>
                 </a:extLst>
               </p:cNvPr>
@@ -9452,283 +9452,6 @@
           <a:chExt cx="0" cy="0"/>
         </a:xfrm>
       </p:grpSpPr>
-      <p:pic>
-        <p:nvPicPr>
-          <p:cNvPr id="2050" name="Picture 2"/>
-          <p:cNvPicPr>
-            <a:picLocks noChangeAspect="1" noChangeArrowheads="1"/>
-          </p:cNvPicPr>
-          <p:nvPr/>
-        </p:nvPicPr>
-        <p:blipFill>
-          <a:blip r:embed="rId2">
-            <a:extLst>
-              <a:ext uri="{28A0092B-C50C-407E-A947-70E740481C1C}">
-                <a14:useLocalDpi xmlns:a14="http://schemas.microsoft.com/office/drawing/2010/main" val="0"/>
-              </a:ext>
-            </a:extLst>
-          </a:blip>
-          <a:srcRect/>
-          <a:stretch>
-            <a:fillRect/>
-          </a:stretch>
-        </p:blipFill>
-        <p:spPr bwMode="auto">
-          <a:xfrm>
-            <a:off x="719138" y="885824"/>
-            <a:ext cx="3405187" cy="4792485"/>
-          </a:xfrm>
-          <a:prstGeom prst="rect">
-            <a:avLst/>
-          </a:prstGeom>
-          <a:noFill/>
-          <a:ln>
-            <a:noFill/>
-          </a:ln>
-          <a:extLst>
-            <a:ext uri="{909E8E84-426E-40DD-AFC4-6F175D3DCCD1}">
-              <a14:hiddenFill xmlns:a14="http://schemas.microsoft.com/office/drawing/2010/main">
-                <a:solidFill>
-                  <a:schemeClr val="accent1"/>
-                </a:solidFill>
-              </a14:hiddenFill>
-            </a:ext>
-            <a:ext uri="{91240B29-F687-4F45-9708-019B960494DF}">
-              <a14:hiddenLine xmlns:a14="http://schemas.microsoft.com/office/drawing/2010/main" w="9525">
-                <a:solidFill>
-                  <a:schemeClr val="tx1"/>
-                </a:solidFill>
-                <a:miter lim="800000"/>
-                <a:headEnd/>
-                <a:tailEnd/>
-              </a14:hiddenLine>
-            </a:ext>
-          </a:extLst>
-        </p:spPr>
-      </p:pic>
-      <p:grpSp>
-        <p:nvGrpSpPr>
-          <p:cNvPr id="18" name="Grupo 17"/>
-          <p:cNvGrpSpPr/>
-          <p:nvPr/>
-        </p:nvGrpSpPr>
-        <p:grpSpPr>
-          <a:xfrm>
-            <a:off x="7207792" y="657224"/>
-            <a:ext cx="1563828" cy="4629151"/>
-            <a:chOff x="7398292" y="738890"/>
-            <a:chExt cx="1563828" cy="4629151"/>
-          </a:xfrm>
-        </p:grpSpPr>
-        <p:sp>
-          <p:nvSpPr>
-            <p:cNvPr id="4" name="Retângulo 3"/>
-            <p:cNvSpPr/>
-            <p:nvPr/>
-          </p:nvSpPr>
-          <p:spPr>
-            <a:xfrm>
-              <a:off x="7398292" y="833348"/>
-              <a:ext cx="1563828" cy="647191"/>
-            </a:xfrm>
-            <a:prstGeom prst="rect">
-              <a:avLst/>
-            </a:prstGeom>
-            <a:solidFill>
-              <a:srgbClr val="C00000"/>
-            </a:solidFill>
-            <a:ln>
-              <a:noFill/>
-            </a:ln>
-          </p:spPr>
-          <p:style>
-            <a:lnRef idx="2">
-              <a:schemeClr val="accent1">
-                <a:shade val="50000"/>
-              </a:schemeClr>
-            </a:lnRef>
-            <a:fillRef idx="1">
-              <a:schemeClr val="accent1"/>
-            </a:fillRef>
-            <a:effectRef idx="0">
-              <a:schemeClr val="accent1"/>
-            </a:effectRef>
-            <a:fontRef idx="minor">
-              <a:schemeClr val="lt1"/>
-            </a:fontRef>
-          </p:style>
-          <p:txBody>
-            <a:bodyPr rtlCol="0" anchor="ctr"/>
-            <a:lstStyle/>
-            <a:p>
-              <a:pPr algn="ctr"/>
-              <a:endParaRPr lang="pt-BR"/>
-            </a:p>
-          </p:txBody>
-        </p:sp>
-        <p:sp>
-          <p:nvSpPr>
-            <p:cNvPr id="11" name="Retângulo 10"/>
-            <p:cNvSpPr/>
-            <p:nvPr/>
-          </p:nvSpPr>
-          <p:spPr>
-            <a:xfrm rot="19800000">
-              <a:off x="7748936" y="738891"/>
-              <a:ext cx="862543" cy="4629150"/>
-            </a:xfrm>
-            <a:custGeom>
-              <a:avLst/>
-              <a:gdLst/>
-              <a:ahLst/>
-              <a:cxnLst/>
-              <a:rect l="l" t="t" r="r" b="b"/>
-              <a:pathLst>
-                <a:path w="862543" h="4629150">
-                  <a:moveTo>
-                    <a:pt x="0" y="0"/>
-                  </a:moveTo>
-                  <a:lnTo>
-                    <a:pt x="862543" y="0"/>
-                  </a:lnTo>
-                  <a:lnTo>
-                    <a:pt x="862543" y="4629150"/>
-                  </a:lnTo>
-                  <a:lnTo>
-                    <a:pt x="0" y="4629150"/>
-                  </a:lnTo>
-                  <a:lnTo>
-                    <a:pt x="0" y="4629147"/>
-                  </a:lnTo>
-                  <a:lnTo>
-                    <a:pt x="862541" y="4629147"/>
-                  </a:lnTo>
-                  <a:lnTo>
-                    <a:pt x="431269" y="4139840"/>
-                  </a:lnTo>
-                  <a:lnTo>
-                    <a:pt x="0" y="4629143"/>
-                  </a:lnTo>
-                  <a:close/>
-                </a:path>
-              </a:pathLst>
-            </a:custGeom>
-            <a:solidFill>
-              <a:srgbClr val="FF3737"/>
-            </a:solidFill>
-            <a:ln>
-              <a:noFill/>
-            </a:ln>
-          </p:spPr>
-          <p:style>
-            <a:lnRef idx="2">
-              <a:schemeClr val="accent1">
-                <a:shade val="50000"/>
-              </a:schemeClr>
-            </a:lnRef>
-            <a:fillRef idx="1">
-              <a:schemeClr val="accent1"/>
-            </a:fillRef>
-            <a:effectRef idx="0">
-              <a:schemeClr val="accent1"/>
-            </a:effectRef>
-            <a:fontRef idx="minor">
-              <a:schemeClr val="lt1"/>
-            </a:fontRef>
-          </p:style>
-          <p:txBody>
-            <a:bodyPr rtlCol="0" anchor="ctr"/>
-            <a:lstStyle/>
-            <a:p>
-              <a:pPr algn="ctr"/>
-              <a:endParaRPr lang="pt-BR"/>
-            </a:p>
-          </p:txBody>
-        </p:sp>
-        <p:sp>
-          <p:nvSpPr>
-            <p:cNvPr id="13" name="Retângulo 12"/>
-            <p:cNvSpPr/>
-            <p:nvPr/>
-          </p:nvSpPr>
-          <p:spPr>
-            <a:xfrm rot="1800000" flipH="1">
-              <a:off x="7748935" y="738890"/>
-              <a:ext cx="862543" cy="4629150"/>
-            </a:xfrm>
-            <a:custGeom>
-              <a:avLst/>
-              <a:gdLst/>
-              <a:ahLst/>
-              <a:cxnLst/>
-              <a:rect l="l" t="t" r="r" b="b"/>
-              <a:pathLst>
-                <a:path w="862543" h="4629150">
-                  <a:moveTo>
-                    <a:pt x="862543" y="4629149"/>
-                  </a:moveTo>
-                  <a:lnTo>
-                    <a:pt x="0" y="4629149"/>
-                  </a:lnTo>
-                  <a:lnTo>
-                    <a:pt x="0" y="4629150"/>
-                  </a:lnTo>
-                  <a:lnTo>
-                    <a:pt x="862543" y="4629150"/>
-                  </a:lnTo>
-                  <a:close/>
-                  <a:moveTo>
-                    <a:pt x="862543" y="0"/>
-                  </a:moveTo>
-                  <a:lnTo>
-                    <a:pt x="0" y="0"/>
-                  </a:lnTo>
-                  <a:lnTo>
-                    <a:pt x="0" y="4629149"/>
-                  </a:lnTo>
-                  <a:lnTo>
-                    <a:pt x="431272" y="4139842"/>
-                  </a:lnTo>
-                  <a:lnTo>
-                    <a:pt x="862543" y="4629147"/>
-                  </a:lnTo>
-                  <a:close/>
-                </a:path>
-              </a:pathLst>
-            </a:custGeom>
-            <a:solidFill>
-              <a:srgbClr val="E20000"/>
-            </a:solidFill>
-            <a:ln>
-              <a:noFill/>
-            </a:ln>
-          </p:spPr>
-          <p:style>
-            <a:lnRef idx="2">
-              <a:schemeClr val="accent1">
-                <a:shade val="50000"/>
-              </a:schemeClr>
-            </a:lnRef>
-            <a:fillRef idx="1">
-              <a:schemeClr val="accent1"/>
-            </a:fillRef>
-            <a:effectRef idx="0">
-              <a:schemeClr val="accent1"/>
-            </a:effectRef>
-            <a:fontRef idx="minor">
-              <a:schemeClr val="lt1"/>
-            </a:fontRef>
-          </p:style>
-          <p:txBody>
-            <a:bodyPr rtlCol="0" anchor="ctr"/>
-            <a:lstStyle/>
-            <a:p>
-              <a:pPr algn="ctr"/>
-              <a:endParaRPr lang="pt-BR"/>
-            </a:p>
-          </p:txBody>
-        </p:sp>
-      </p:grpSp>
       <p:sp>
         <p:nvSpPr>
           <p:cNvPr id="2" name="CaixaDeTexto 1"/>
@@ -9759,6 +9482,2373 @@
           </a:p>
         </p:txBody>
       </p:sp>
+      <p:grpSp>
+        <p:nvGrpSpPr>
+          <p:cNvPr id="8" name="Grupo 7"/>
+          <p:cNvGrpSpPr/>
+          <p:nvPr/>
+        </p:nvGrpSpPr>
+        <p:grpSpPr>
+          <a:xfrm>
+            <a:off x="3771629" y="1275065"/>
+            <a:ext cx="4045027" cy="4500917"/>
+            <a:chOff x="5699997" y="896767"/>
+            <a:chExt cx="4045027" cy="4500917"/>
+          </a:xfrm>
+        </p:grpSpPr>
+        <p:sp>
+          <p:nvSpPr>
+            <p:cNvPr id="9" name="Retângulo 4"/>
+            <p:cNvSpPr/>
+            <p:nvPr/>
+          </p:nvSpPr>
+          <p:spPr>
+            <a:xfrm rot="19113608">
+              <a:off x="7862326" y="1477437"/>
+              <a:ext cx="1017640" cy="3920247"/>
+            </a:xfrm>
+            <a:custGeom>
+              <a:avLst/>
+              <a:gdLst>
+                <a:gd name="connsiteX0" fmla="*/ 0 w 1397985"/>
+                <a:gd name="connsiteY0" fmla="*/ 0 h 4258811"/>
+                <a:gd name="connsiteX1" fmla="*/ 1397985 w 1397985"/>
+                <a:gd name="connsiteY1" fmla="*/ 0 h 4258811"/>
+                <a:gd name="connsiteX2" fmla="*/ 1397985 w 1397985"/>
+                <a:gd name="connsiteY2" fmla="*/ 4258811 h 4258811"/>
+                <a:gd name="connsiteX3" fmla="*/ 0 w 1397985"/>
+                <a:gd name="connsiteY3" fmla="*/ 4258811 h 4258811"/>
+                <a:gd name="connsiteX4" fmla="*/ 0 w 1397985"/>
+                <a:gd name="connsiteY4" fmla="*/ 0 h 4258811"/>
+                <a:gd name="connsiteX0" fmla="*/ 0 w 1445386"/>
+                <a:gd name="connsiteY0" fmla="*/ 0 h 4258811"/>
+                <a:gd name="connsiteX1" fmla="*/ 1445386 w 1445386"/>
+                <a:gd name="connsiteY1" fmla="*/ 41848 h 4258811"/>
+                <a:gd name="connsiteX2" fmla="*/ 1397985 w 1445386"/>
+                <a:gd name="connsiteY2" fmla="*/ 4258811 h 4258811"/>
+                <a:gd name="connsiteX3" fmla="*/ 0 w 1445386"/>
+                <a:gd name="connsiteY3" fmla="*/ 4258811 h 4258811"/>
+                <a:gd name="connsiteX4" fmla="*/ 0 w 1445386"/>
+                <a:gd name="connsiteY4" fmla="*/ 0 h 4258811"/>
+                <a:gd name="connsiteX0" fmla="*/ 278464 w 1445386"/>
+                <a:gd name="connsiteY0" fmla="*/ 723046 h 4216963"/>
+                <a:gd name="connsiteX1" fmla="*/ 1445386 w 1445386"/>
+                <a:gd name="connsiteY1" fmla="*/ 0 h 4216963"/>
+                <a:gd name="connsiteX2" fmla="*/ 1397985 w 1445386"/>
+                <a:gd name="connsiteY2" fmla="*/ 4216963 h 4216963"/>
+                <a:gd name="connsiteX3" fmla="*/ 0 w 1445386"/>
+                <a:gd name="connsiteY3" fmla="*/ 4216963 h 4216963"/>
+                <a:gd name="connsiteX4" fmla="*/ 278464 w 1445386"/>
+                <a:gd name="connsiteY4" fmla="*/ 723046 h 4216963"/>
+                <a:gd name="connsiteX0" fmla="*/ 278464 w 1445386"/>
+                <a:gd name="connsiteY0" fmla="*/ 723046 h 4216963"/>
+                <a:gd name="connsiteX1" fmla="*/ 1445386 w 1445386"/>
+                <a:gd name="connsiteY1" fmla="*/ 0 h 4216963"/>
+                <a:gd name="connsiteX2" fmla="*/ 1068841 w 1445386"/>
+                <a:gd name="connsiteY2" fmla="*/ 3634409 h 4216963"/>
+                <a:gd name="connsiteX3" fmla="*/ 0 w 1445386"/>
+                <a:gd name="connsiteY3" fmla="*/ 4216963 h 4216963"/>
+                <a:gd name="connsiteX4" fmla="*/ 278464 w 1445386"/>
+                <a:gd name="connsiteY4" fmla="*/ 723046 h 4216963"/>
+                <a:gd name="connsiteX0" fmla="*/ 293704 w 1460626"/>
+                <a:gd name="connsiteY0" fmla="*/ 723046 h 4248924"/>
+                <a:gd name="connsiteX1" fmla="*/ 1460626 w 1460626"/>
+                <a:gd name="connsiteY1" fmla="*/ 0 h 4248924"/>
+                <a:gd name="connsiteX2" fmla="*/ 1084081 w 1460626"/>
+                <a:gd name="connsiteY2" fmla="*/ 3634409 h 4248924"/>
+                <a:gd name="connsiteX3" fmla="*/ 0 w 1460626"/>
+                <a:gd name="connsiteY3" fmla="*/ 4248924 h 4248924"/>
+                <a:gd name="connsiteX4" fmla="*/ 293704 w 1460626"/>
+                <a:gd name="connsiteY4" fmla="*/ 723046 h 4248924"/>
+                <a:gd name="connsiteX0" fmla="*/ 302385 w 1469307"/>
+                <a:gd name="connsiteY0" fmla="*/ 723046 h 4248924"/>
+                <a:gd name="connsiteX1" fmla="*/ 1469307 w 1469307"/>
+                <a:gd name="connsiteY1" fmla="*/ 0 h 4248924"/>
+                <a:gd name="connsiteX2" fmla="*/ 1092762 w 1469307"/>
+                <a:gd name="connsiteY2" fmla="*/ 3634409 h 4248924"/>
+                <a:gd name="connsiteX3" fmla="*/ 8681 w 1469307"/>
+                <a:gd name="connsiteY3" fmla="*/ 4248924 h 4248924"/>
+                <a:gd name="connsiteX4" fmla="*/ 302385 w 1469307"/>
+                <a:gd name="connsiteY4" fmla="*/ 723046 h 4248924"/>
+                <a:gd name="connsiteX0" fmla="*/ 324594 w 1491516"/>
+                <a:gd name="connsiteY0" fmla="*/ 723046 h 4248924"/>
+                <a:gd name="connsiteX1" fmla="*/ 1491516 w 1491516"/>
+                <a:gd name="connsiteY1" fmla="*/ 0 h 4248924"/>
+                <a:gd name="connsiteX2" fmla="*/ 1114971 w 1491516"/>
+                <a:gd name="connsiteY2" fmla="*/ 3634409 h 4248924"/>
+                <a:gd name="connsiteX3" fmla="*/ 30890 w 1491516"/>
+                <a:gd name="connsiteY3" fmla="*/ 4248924 h 4248924"/>
+                <a:gd name="connsiteX4" fmla="*/ 324594 w 1491516"/>
+                <a:gd name="connsiteY4" fmla="*/ 723046 h 4248924"/>
+                <a:gd name="connsiteX0" fmla="*/ 293704 w 1460626"/>
+                <a:gd name="connsiteY0" fmla="*/ 723046 h 4248924"/>
+                <a:gd name="connsiteX1" fmla="*/ 1460626 w 1460626"/>
+                <a:gd name="connsiteY1" fmla="*/ 0 h 4248924"/>
+                <a:gd name="connsiteX2" fmla="*/ 1084081 w 1460626"/>
+                <a:gd name="connsiteY2" fmla="*/ 3634409 h 4248924"/>
+                <a:gd name="connsiteX3" fmla="*/ 0 w 1460626"/>
+                <a:gd name="connsiteY3" fmla="*/ 4248924 h 4248924"/>
+                <a:gd name="connsiteX4" fmla="*/ 293704 w 1460626"/>
+                <a:gd name="connsiteY4" fmla="*/ 723046 h 4248924"/>
+                <a:gd name="connsiteX0" fmla="*/ 276327 w 1460626"/>
+                <a:gd name="connsiteY0" fmla="*/ 720681 h 4248924"/>
+                <a:gd name="connsiteX1" fmla="*/ 1460626 w 1460626"/>
+                <a:gd name="connsiteY1" fmla="*/ 0 h 4248924"/>
+                <a:gd name="connsiteX2" fmla="*/ 1084081 w 1460626"/>
+                <a:gd name="connsiteY2" fmla="*/ 3634409 h 4248924"/>
+                <a:gd name="connsiteX3" fmla="*/ 0 w 1460626"/>
+                <a:gd name="connsiteY3" fmla="*/ 4248924 h 4248924"/>
+                <a:gd name="connsiteX4" fmla="*/ 276327 w 1460626"/>
+                <a:gd name="connsiteY4" fmla="*/ 720681 h 4248924"/>
+                <a:gd name="connsiteX0" fmla="*/ 276327 w 1460626"/>
+                <a:gd name="connsiteY0" fmla="*/ 720681 h 4248924"/>
+                <a:gd name="connsiteX1" fmla="*/ 1460626 w 1460626"/>
+                <a:gd name="connsiteY1" fmla="*/ 0 h 4248924"/>
+                <a:gd name="connsiteX2" fmla="*/ 1084081 w 1460626"/>
+                <a:gd name="connsiteY2" fmla="*/ 3634409 h 4248924"/>
+                <a:gd name="connsiteX3" fmla="*/ 0 w 1460626"/>
+                <a:gd name="connsiteY3" fmla="*/ 4248924 h 4248924"/>
+                <a:gd name="connsiteX4" fmla="*/ 276327 w 1460626"/>
+                <a:gd name="connsiteY4" fmla="*/ 720681 h 4248924"/>
+                <a:gd name="connsiteX0" fmla="*/ 276327 w 1460626"/>
+                <a:gd name="connsiteY0" fmla="*/ 720681 h 4248924"/>
+                <a:gd name="connsiteX1" fmla="*/ 1460626 w 1460626"/>
+                <a:gd name="connsiteY1" fmla="*/ 0 h 4248924"/>
+                <a:gd name="connsiteX2" fmla="*/ 1084081 w 1460626"/>
+                <a:gd name="connsiteY2" fmla="*/ 3634409 h 4248924"/>
+                <a:gd name="connsiteX3" fmla="*/ 0 w 1460626"/>
+                <a:gd name="connsiteY3" fmla="*/ 4248924 h 4248924"/>
+                <a:gd name="connsiteX4" fmla="*/ 276327 w 1460626"/>
+                <a:gd name="connsiteY4" fmla="*/ 720681 h 4248924"/>
+                <a:gd name="connsiteX0" fmla="*/ 276327 w 1460626"/>
+                <a:gd name="connsiteY0" fmla="*/ 720681 h 4248924"/>
+                <a:gd name="connsiteX1" fmla="*/ 1460626 w 1460626"/>
+                <a:gd name="connsiteY1" fmla="*/ 0 h 4248924"/>
+                <a:gd name="connsiteX2" fmla="*/ 1084081 w 1460626"/>
+                <a:gd name="connsiteY2" fmla="*/ 3634409 h 4248924"/>
+                <a:gd name="connsiteX3" fmla="*/ 0 w 1460626"/>
+                <a:gd name="connsiteY3" fmla="*/ 4248924 h 4248924"/>
+                <a:gd name="connsiteX4" fmla="*/ 276327 w 1460626"/>
+                <a:gd name="connsiteY4" fmla="*/ 720681 h 4248924"/>
+                <a:gd name="connsiteX0" fmla="*/ 290911 w 1460626"/>
+                <a:gd name="connsiteY0" fmla="*/ 733557 h 4248924"/>
+                <a:gd name="connsiteX1" fmla="*/ 1460626 w 1460626"/>
+                <a:gd name="connsiteY1" fmla="*/ 0 h 4248924"/>
+                <a:gd name="connsiteX2" fmla="*/ 1084081 w 1460626"/>
+                <a:gd name="connsiteY2" fmla="*/ 3634409 h 4248924"/>
+                <a:gd name="connsiteX3" fmla="*/ 0 w 1460626"/>
+                <a:gd name="connsiteY3" fmla="*/ 4248924 h 4248924"/>
+                <a:gd name="connsiteX4" fmla="*/ 290911 w 1460626"/>
+                <a:gd name="connsiteY4" fmla="*/ 733557 h 4248924"/>
+                <a:gd name="connsiteX0" fmla="*/ 290911 w 1460626"/>
+                <a:gd name="connsiteY0" fmla="*/ 733557 h 4248924"/>
+                <a:gd name="connsiteX1" fmla="*/ 1460626 w 1460626"/>
+                <a:gd name="connsiteY1" fmla="*/ 0 h 4248924"/>
+                <a:gd name="connsiteX2" fmla="*/ 1084081 w 1460626"/>
+                <a:gd name="connsiteY2" fmla="*/ 3634409 h 4248924"/>
+                <a:gd name="connsiteX3" fmla="*/ 0 w 1460626"/>
+                <a:gd name="connsiteY3" fmla="*/ 4248924 h 4248924"/>
+                <a:gd name="connsiteX4" fmla="*/ 290911 w 1460626"/>
+                <a:gd name="connsiteY4" fmla="*/ 733557 h 4248924"/>
+                <a:gd name="connsiteX0" fmla="*/ 290911 w 1460626"/>
+                <a:gd name="connsiteY0" fmla="*/ 733557 h 4248924"/>
+                <a:gd name="connsiteX1" fmla="*/ 1460626 w 1460626"/>
+                <a:gd name="connsiteY1" fmla="*/ 0 h 4248924"/>
+                <a:gd name="connsiteX2" fmla="*/ 1084081 w 1460626"/>
+                <a:gd name="connsiteY2" fmla="*/ 3634409 h 4248924"/>
+                <a:gd name="connsiteX3" fmla="*/ 0 w 1460626"/>
+                <a:gd name="connsiteY3" fmla="*/ 4248924 h 4248924"/>
+                <a:gd name="connsiteX4" fmla="*/ 290911 w 1460626"/>
+                <a:gd name="connsiteY4" fmla="*/ 733557 h 4248924"/>
+                <a:gd name="connsiteX0" fmla="*/ 290911 w 1460626"/>
+                <a:gd name="connsiteY0" fmla="*/ 733557 h 4248924"/>
+                <a:gd name="connsiteX1" fmla="*/ 1460626 w 1460626"/>
+                <a:gd name="connsiteY1" fmla="*/ 0 h 4248924"/>
+                <a:gd name="connsiteX2" fmla="*/ 1084081 w 1460626"/>
+                <a:gd name="connsiteY2" fmla="*/ 3634409 h 4248924"/>
+                <a:gd name="connsiteX3" fmla="*/ 0 w 1460626"/>
+                <a:gd name="connsiteY3" fmla="*/ 4248924 h 4248924"/>
+                <a:gd name="connsiteX4" fmla="*/ 290911 w 1460626"/>
+                <a:gd name="connsiteY4" fmla="*/ 733557 h 4248924"/>
+                <a:gd name="connsiteX0" fmla="*/ 290911 w 1460626"/>
+                <a:gd name="connsiteY0" fmla="*/ 733557 h 4248924"/>
+                <a:gd name="connsiteX1" fmla="*/ 1460626 w 1460626"/>
+                <a:gd name="connsiteY1" fmla="*/ 0 h 4248924"/>
+                <a:gd name="connsiteX2" fmla="*/ 1084081 w 1460626"/>
+                <a:gd name="connsiteY2" fmla="*/ 3634409 h 4248924"/>
+                <a:gd name="connsiteX3" fmla="*/ 0 w 1460626"/>
+                <a:gd name="connsiteY3" fmla="*/ 4248924 h 4248924"/>
+                <a:gd name="connsiteX4" fmla="*/ 290911 w 1460626"/>
+                <a:gd name="connsiteY4" fmla="*/ 733557 h 4248924"/>
+                <a:gd name="connsiteX0" fmla="*/ 290911 w 1109552"/>
+                <a:gd name="connsiteY0" fmla="*/ 557867 h 4073234"/>
+                <a:gd name="connsiteX1" fmla="*/ 1109552 w 1109552"/>
+                <a:gd name="connsiteY1" fmla="*/ 0 h 4073234"/>
+                <a:gd name="connsiteX2" fmla="*/ 1084081 w 1109552"/>
+                <a:gd name="connsiteY2" fmla="*/ 3458719 h 4073234"/>
+                <a:gd name="connsiteX3" fmla="*/ 0 w 1109552"/>
+                <a:gd name="connsiteY3" fmla="*/ 4073234 h 4073234"/>
+                <a:gd name="connsiteX4" fmla="*/ 290911 w 1109552"/>
+                <a:gd name="connsiteY4" fmla="*/ 557867 h 4073234"/>
+              </a:gdLst>
+              <a:ahLst/>
+              <a:cxnLst>
+                <a:cxn ang="0">
+                  <a:pos x="connsiteX0" y="connsiteY0"/>
+                </a:cxn>
+                <a:cxn ang="0">
+                  <a:pos x="connsiteX1" y="connsiteY1"/>
+                </a:cxn>
+                <a:cxn ang="0">
+                  <a:pos x="connsiteX2" y="connsiteY2"/>
+                </a:cxn>
+                <a:cxn ang="0">
+                  <a:pos x="connsiteX3" y="connsiteY3"/>
+                </a:cxn>
+                <a:cxn ang="0">
+                  <a:pos x="connsiteX4" y="connsiteY4"/>
+                </a:cxn>
+              </a:cxnLst>
+              <a:rect l="l" t="t" r="r" b="b"/>
+              <a:pathLst>
+                <a:path w="1109552" h="4073234">
+                  <a:moveTo>
+                    <a:pt x="290911" y="557867"/>
+                  </a:moveTo>
+                  <a:cubicBezTo>
+                    <a:pt x="531650" y="278981"/>
+                    <a:pt x="686700" y="176503"/>
+                    <a:pt x="1109552" y="0"/>
+                  </a:cubicBezTo>
+                  <a:cubicBezTo>
+                    <a:pt x="281181" y="603925"/>
+                    <a:pt x="874022" y="2392178"/>
+                    <a:pt x="1084081" y="3458719"/>
+                  </a:cubicBezTo>
+                  <a:lnTo>
+                    <a:pt x="0" y="4073234"/>
+                  </a:lnTo>
+                  <a:cubicBezTo>
+                    <a:pt x="57596" y="2803963"/>
+                    <a:pt x="-46585" y="1593002"/>
+                    <a:pt x="290911" y="557867"/>
+                  </a:cubicBezTo>
+                  <a:close/>
+                </a:path>
+              </a:pathLst>
+            </a:custGeom>
+            <a:solidFill>
+              <a:schemeClr val="bg1">
+                <a:lumMod val="65000"/>
+              </a:schemeClr>
+            </a:solidFill>
+            <a:ln>
+              <a:noFill/>
+            </a:ln>
+            <a:effectLst/>
+          </p:spPr>
+          <p:style>
+            <a:lnRef idx="2">
+              <a:schemeClr val="accent1">
+                <a:shade val="50000"/>
+              </a:schemeClr>
+            </a:lnRef>
+            <a:fillRef idx="1">
+              <a:schemeClr val="accent1"/>
+            </a:fillRef>
+            <a:effectRef idx="0">
+              <a:schemeClr val="accent1"/>
+            </a:effectRef>
+            <a:fontRef idx="minor">
+              <a:schemeClr val="lt1"/>
+            </a:fontRef>
+          </p:style>
+          <p:txBody>
+            <a:bodyPr rtlCol="0" anchor="ctr"/>
+            <a:lstStyle/>
+            <a:p>
+              <a:pPr algn="ctr"/>
+              <a:endParaRPr lang="pt-BR"/>
+            </a:p>
+          </p:txBody>
+        </p:sp>
+        <p:grpSp>
+          <p:nvGrpSpPr>
+            <p:cNvPr id="10" name="Grupo 9"/>
+            <p:cNvGrpSpPr/>
+            <p:nvPr/>
+          </p:nvGrpSpPr>
+          <p:grpSpPr>
+            <a:xfrm>
+              <a:off x="5699997" y="896767"/>
+              <a:ext cx="4045027" cy="4366426"/>
+              <a:chOff x="5699997" y="896767"/>
+              <a:chExt cx="4045027" cy="4366426"/>
+            </a:xfrm>
+          </p:grpSpPr>
+          <p:sp>
+            <p:nvSpPr>
+              <p:cNvPr id="12" name="Retângulo 1"/>
+              <p:cNvSpPr/>
+              <p:nvPr/>
+            </p:nvSpPr>
+            <p:spPr>
+              <a:xfrm rot="19604205">
+                <a:off x="5784374" y="1868660"/>
+                <a:ext cx="3960650" cy="2797937"/>
+              </a:xfrm>
+              <a:custGeom>
+                <a:avLst/>
+                <a:gdLst>
+                  <a:gd name="connsiteX0" fmla="*/ 0 w 4924425"/>
+                  <a:gd name="connsiteY0" fmla="*/ 0 h 1219200"/>
+                  <a:gd name="connsiteX1" fmla="*/ 4924425 w 4924425"/>
+                  <a:gd name="connsiteY1" fmla="*/ 0 h 1219200"/>
+                  <a:gd name="connsiteX2" fmla="*/ 4924425 w 4924425"/>
+                  <a:gd name="connsiteY2" fmla="*/ 1219200 h 1219200"/>
+                  <a:gd name="connsiteX3" fmla="*/ 0 w 4924425"/>
+                  <a:gd name="connsiteY3" fmla="*/ 1219200 h 1219200"/>
+                  <a:gd name="connsiteX4" fmla="*/ 0 w 4924425"/>
+                  <a:gd name="connsiteY4" fmla="*/ 0 h 1219200"/>
+                  <a:gd name="connsiteX0" fmla="*/ 0 w 4924425"/>
+                  <a:gd name="connsiteY0" fmla="*/ 214339 h 1433539"/>
+                  <a:gd name="connsiteX1" fmla="*/ 2843706 w 4924425"/>
+                  <a:gd name="connsiteY1" fmla="*/ 0 h 1433539"/>
+                  <a:gd name="connsiteX2" fmla="*/ 4924425 w 4924425"/>
+                  <a:gd name="connsiteY2" fmla="*/ 1433539 h 1433539"/>
+                  <a:gd name="connsiteX3" fmla="*/ 0 w 4924425"/>
+                  <a:gd name="connsiteY3" fmla="*/ 1433539 h 1433539"/>
+                  <a:gd name="connsiteX4" fmla="*/ 0 w 4924425"/>
+                  <a:gd name="connsiteY4" fmla="*/ 214339 h 1433539"/>
+                  <a:gd name="connsiteX0" fmla="*/ 0 w 4924425"/>
+                  <a:gd name="connsiteY0" fmla="*/ 214339 h 1433539"/>
+                  <a:gd name="connsiteX1" fmla="*/ 2843706 w 4924425"/>
+                  <a:gd name="connsiteY1" fmla="*/ 0 h 1433539"/>
+                  <a:gd name="connsiteX2" fmla="*/ 4924425 w 4924425"/>
+                  <a:gd name="connsiteY2" fmla="*/ 1433539 h 1433539"/>
+                  <a:gd name="connsiteX3" fmla="*/ 0 w 4924425"/>
+                  <a:gd name="connsiteY3" fmla="*/ 1433539 h 1433539"/>
+                  <a:gd name="connsiteX4" fmla="*/ 0 w 4924425"/>
+                  <a:gd name="connsiteY4" fmla="*/ 214339 h 1433539"/>
+                  <a:gd name="connsiteX0" fmla="*/ 0 w 4924425"/>
+                  <a:gd name="connsiteY0" fmla="*/ 507488 h 1726688"/>
+                  <a:gd name="connsiteX1" fmla="*/ 2830955 w 4924425"/>
+                  <a:gd name="connsiteY1" fmla="*/ 0 h 1726688"/>
+                  <a:gd name="connsiteX2" fmla="*/ 4924425 w 4924425"/>
+                  <a:gd name="connsiteY2" fmla="*/ 1726688 h 1726688"/>
+                  <a:gd name="connsiteX3" fmla="*/ 0 w 4924425"/>
+                  <a:gd name="connsiteY3" fmla="*/ 1726688 h 1726688"/>
+                  <a:gd name="connsiteX4" fmla="*/ 0 w 4924425"/>
+                  <a:gd name="connsiteY4" fmla="*/ 507488 h 1726688"/>
+                  <a:gd name="connsiteX0" fmla="*/ 0 w 4924425"/>
+                  <a:gd name="connsiteY0" fmla="*/ 507488 h 1726688"/>
+                  <a:gd name="connsiteX1" fmla="*/ 2830955 w 4924425"/>
+                  <a:gd name="connsiteY1" fmla="*/ 0 h 1726688"/>
+                  <a:gd name="connsiteX2" fmla="*/ 4924425 w 4924425"/>
+                  <a:gd name="connsiteY2" fmla="*/ 1726688 h 1726688"/>
+                  <a:gd name="connsiteX3" fmla="*/ 0 w 4924425"/>
+                  <a:gd name="connsiteY3" fmla="*/ 1726688 h 1726688"/>
+                  <a:gd name="connsiteX4" fmla="*/ 0 w 4924425"/>
+                  <a:gd name="connsiteY4" fmla="*/ 507488 h 1726688"/>
+                  <a:gd name="connsiteX0" fmla="*/ 0 w 4924425"/>
+                  <a:gd name="connsiteY0" fmla="*/ 507488 h 1726688"/>
+                  <a:gd name="connsiteX1" fmla="*/ 2830955 w 4924425"/>
+                  <a:gd name="connsiteY1" fmla="*/ 0 h 1726688"/>
+                  <a:gd name="connsiteX2" fmla="*/ 4924425 w 4924425"/>
+                  <a:gd name="connsiteY2" fmla="*/ 1726688 h 1726688"/>
+                  <a:gd name="connsiteX3" fmla="*/ 0 w 4924425"/>
+                  <a:gd name="connsiteY3" fmla="*/ 1726688 h 1726688"/>
+                  <a:gd name="connsiteX4" fmla="*/ 0 w 4924425"/>
+                  <a:gd name="connsiteY4" fmla="*/ 507488 h 1726688"/>
+                  <a:gd name="connsiteX0" fmla="*/ 0 w 4924425"/>
+                  <a:gd name="connsiteY0" fmla="*/ 507488 h 1726688"/>
+                  <a:gd name="connsiteX1" fmla="*/ 2830955 w 4924425"/>
+                  <a:gd name="connsiteY1" fmla="*/ 0 h 1726688"/>
+                  <a:gd name="connsiteX2" fmla="*/ 4924425 w 4924425"/>
+                  <a:gd name="connsiteY2" fmla="*/ 1726688 h 1726688"/>
+                  <a:gd name="connsiteX3" fmla="*/ 0 w 4924425"/>
+                  <a:gd name="connsiteY3" fmla="*/ 1726688 h 1726688"/>
+                  <a:gd name="connsiteX4" fmla="*/ 0 w 4924425"/>
+                  <a:gd name="connsiteY4" fmla="*/ 507488 h 1726688"/>
+                  <a:gd name="connsiteX0" fmla="*/ 0 w 5281653"/>
+                  <a:gd name="connsiteY0" fmla="*/ 507488 h 1726688"/>
+                  <a:gd name="connsiteX1" fmla="*/ 2830955 w 5281653"/>
+                  <a:gd name="connsiteY1" fmla="*/ 0 h 1726688"/>
+                  <a:gd name="connsiteX2" fmla="*/ 5281653 w 5281653"/>
+                  <a:gd name="connsiteY2" fmla="*/ 1095271 h 1726688"/>
+                  <a:gd name="connsiteX3" fmla="*/ 0 w 5281653"/>
+                  <a:gd name="connsiteY3" fmla="*/ 1726688 h 1726688"/>
+                  <a:gd name="connsiteX4" fmla="*/ 0 w 5281653"/>
+                  <a:gd name="connsiteY4" fmla="*/ 507488 h 1726688"/>
+                  <a:gd name="connsiteX0" fmla="*/ 0 w 4692468"/>
+                  <a:gd name="connsiteY0" fmla="*/ 507488 h 1726688"/>
+                  <a:gd name="connsiteX1" fmla="*/ 2830955 w 4692468"/>
+                  <a:gd name="connsiteY1" fmla="*/ 0 h 1726688"/>
+                  <a:gd name="connsiteX2" fmla="*/ 4692468 w 4692468"/>
+                  <a:gd name="connsiteY2" fmla="*/ 378440 h 1726688"/>
+                  <a:gd name="connsiteX3" fmla="*/ 0 w 4692468"/>
+                  <a:gd name="connsiteY3" fmla="*/ 1726688 h 1726688"/>
+                  <a:gd name="connsiteX4" fmla="*/ 0 w 4692468"/>
+                  <a:gd name="connsiteY4" fmla="*/ 507488 h 1726688"/>
+                  <a:gd name="connsiteX0" fmla="*/ 0 w 4843025"/>
+                  <a:gd name="connsiteY0" fmla="*/ 1169214 h 2388414"/>
+                  <a:gd name="connsiteX1" fmla="*/ 2830955 w 4843025"/>
+                  <a:gd name="connsiteY1" fmla="*/ 661726 h 2388414"/>
+                  <a:gd name="connsiteX2" fmla="*/ 3959456 w 4843025"/>
+                  <a:gd name="connsiteY2" fmla="*/ 4235 h 2388414"/>
+                  <a:gd name="connsiteX3" fmla="*/ 4692468 w 4843025"/>
+                  <a:gd name="connsiteY3" fmla="*/ 1040166 h 2388414"/>
+                  <a:gd name="connsiteX4" fmla="*/ 0 w 4843025"/>
+                  <a:gd name="connsiteY4" fmla="*/ 2388414 h 2388414"/>
+                  <a:gd name="connsiteX5" fmla="*/ 0 w 4843025"/>
+                  <a:gd name="connsiteY5" fmla="*/ 1169214 h 2388414"/>
+                  <a:gd name="connsiteX0" fmla="*/ 0 w 4780066"/>
+                  <a:gd name="connsiteY0" fmla="*/ 510063 h 1729263"/>
+                  <a:gd name="connsiteX1" fmla="*/ 2830955 w 4780066"/>
+                  <a:gd name="connsiteY1" fmla="*/ 2575 h 1729263"/>
+                  <a:gd name="connsiteX2" fmla="*/ 4692468 w 4780066"/>
+                  <a:gd name="connsiteY2" fmla="*/ 381015 h 1729263"/>
+                  <a:gd name="connsiteX3" fmla="*/ 0 w 4780066"/>
+                  <a:gd name="connsiteY3" fmla="*/ 1729263 h 1729263"/>
+                  <a:gd name="connsiteX4" fmla="*/ 0 w 4780066"/>
+                  <a:gd name="connsiteY4" fmla="*/ 510063 h 1729263"/>
+                  <a:gd name="connsiteX0" fmla="*/ 0 w 3810256"/>
+                  <a:gd name="connsiteY0" fmla="*/ 508581 h 1727781"/>
+                  <a:gd name="connsiteX1" fmla="*/ 2830955 w 3810256"/>
+                  <a:gd name="connsiteY1" fmla="*/ 1093 h 1727781"/>
+                  <a:gd name="connsiteX2" fmla="*/ 3623923 w 3810256"/>
+                  <a:gd name="connsiteY2" fmla="*/ 567138 h 1727781"/>
+                  <a:gd name="connsiteX3" fmla="*/ 0 w 3810256"/>
+                  <a:gd name="connsiteY3" fmla="*/ 1727781 h 1727781"/>
+                  <a:gd name="connsiteX4" fmla="*/ 0 w 3810256"/>
+                  <a:gd name="connsiteY4" fmla="*/ 508581 h 1727781"/>
+                  <a:gd name="connsiteX0" fmla="*/ 270716 w 4080972"/>
+                  <a:gd name="connsiteY0" fmla="*/ 508581 h 1914726"/>
+                  <a:gd name="connsiteX1" fmla="*/ 3101671 w 4080972"/>
+                  <a:gd name="connsiteY1" fmla="*/ 1093 h 1914726"/>
+                  <a:gd name="connsiteX2" fmla="*/ 3894639 w 4080972"/>
+                  <a:gd name="connsiteY2" fmla="*/ 567138 h 1914726"/>
+                  <a:gd name="connsiteX3" fmla="*/ 0 w 4080972"/>
+                  <a:gd name="connsiteY3" fmla="*/ 1914726 h 1914726"/>
+                  <a:gd name="connsiteX4" fmla="*/ 270716 w 4080972"/>
+                  <a:gd name="connsiteY4" fmla="*/ 508581 h 1914726"/>
+                  <a:gd name="connsiteX0" fmla="*/ 270716 w 4257821"/>
+                  <a:gd name="connsiteY0" fmla="*/ 1255704 h 2661849"/>
+                  <a:gd name="connsiteX1" fmla="*/ 3101671 w 4257821"/>
+                  <a:gd name="connsiteY1" fmla="*/ 748216 h 2661849"/>
+                  <a:gd name="connsiteX2" fmla="*/ 3999717 w 4257821"/>
+                  <a:gd name="connsiteY2" fmla="*/ 7903 h 2661849"/>
+                  <a:gd name="connsiteX3" fmla="*/ 3894639 w 4257821"/>
+                  <a:gd name="connsiteY3" fmla="*/ 1314261 h 2661849"/>
+                  <a:gd name="connsiteX4" fmla="*/ 0 w 4257821"/>
+                  <a:gd name="connsiteY4" fmla="*/ 2661849 h 2661849"/>
+                  <a:gd name="connsiteX5" fmla="*/ 270716 w 4257821"/>
+                  <a:gd name="connsiteY5" fmla="*/ 1255704 h 2661849"/>
+                  <a:gd name="connsiteX0" fmla="*/ 270716 w 4257821"/>
+                  <a:gd name="connsiteY0" fmla="*/ 1247866 h 2654011"/>
+                  <a:gd name="connsiteX1" fmla="*/ 3101671 w 4257821"/>
+                  <a:gd name="connsiteY1" fmla="*/ 740378 h 2654011"/>
+                  <a:gd name="connsiteX2" fmla="*/ 3999717 w 4257821"/>
+                  <a:gd name="connsiteY2" fmla="*/ 65 h 2654011"/>
+                  <a:gd name="connsiteX3" fmla="*/ 3894639 w 4257821"/>
+                  <a:gd name="connsiteY3" fmla="*/ 1306423 h 2654011"/>
+                  <a:gd name="connsiteX4" fmla="*/ 0 w 4257821"/>
+                  <a:gd name="connsiteY4" fmla="*/ 2654011 h 2654011"/>
+                  <a:gd name="connsiteX5" fmla="*/ 270716 w 4257821"/>
+                  <a:gd name="connsiteY5" fmla="*/ 1247866 h 2654011"/>
+                  <a:gd name="connsiteX0" fmla="*/ 270716 w 4198965"/>
+                  <a:gd name="connsiteY0" fmla="*/ 1300661 h 2706806"/>
+                  <a:gd name="connsiteX1" fmla="*/ 3101671 w 4198965"/>
+                  <a:gd name="connsiteY1" fmla="*/ 793173 h 2706806"/>
+                  <a:gd name="connsiteX2" fmla="*/ 3999717 w 4198965"/>
+                  <a:gd name="connsiteY2" fmla="*/ 52860 h 2706806"/>
+                  <a:gd name="connsiteX3" fmla="*/ 3894639 w 4198965"/>
+                  <a:gd name="connsiteY3" fmla="*/ 1359218 h 2706806"/>
+                  <a:gd name="connsiteX4" fmla="*/ 0 w 4198965"/>
+                  <a:gd name="connsiteY4" fmla="*/ 2706806 h 2706806"/>
+                  <a:gd name="connsiteX5" fmla="*/ 270716 w 4198965"/>
+                  <a:gd name="connsiteY5" fmla="*/ 1300661 h 2706806"/>
+                  <a:gd name="connsiteX0" fmla="*/ 270716 w 4073874"/>
+                  <a:gd name="connsiteY0" fmla="*/ 507488 h 1913633"/>
+                  <a:gd name="connsiteX1" fmla="*/ 3101671 w 4073874"/>
+                  <a:gd name="connsiteY1" fmla="*/ 0 h 1913633"/>
+                  <a:gd name="connsiteX2" fmla="*/ 3894639 w 4073874"/>
+                  <a:gd name="connsiteY2" fmla="*/ 566045 h 1913633"/>
+                  <a:gd name="connsiteX3" fmla="*/ 0 w 4073874"/>
+                  <a:gd name="connsiteY3" fmla="*/ 1913633 h 1913633"/>
+                  <a:gd name="connsiteX4" fmla="*/ 270716 w 4073874"/>
+                  <a:gd name="connsiteY4" fmla="*/ 507488 h 1913633"/>
+                  <a:gd name="connsiteX0" fmla="*/ 270716 w 3101671"/>
+                  <a:gd name="connsiteY0" fmla="*/ 507488 h 1913633"/>
+                  <a:gd name="connsiteX1" fmla="*/ 3101671 w 3101671"/>
+                  <a:gd name="connsiteY1" fmla="*/ 0 h 1913633"/>
+                  <a:gd name="connsiteX2" fmla="*/ 0 w 3101671"/>
+                  <a:gd name="connsiteY2" fmla="*/ 1913633 h 1913633"/>
+                  <a:gd name="connsiteX3" fmla="*/ 270716 w 3101671"/>
+                  <a:gd name="connsiteY3" fmla="*/ 507488 h 1913633"/>
+                  <a:gd name="connsiteX0" fmla="*/ 270716 w 3764782"/>
+                  <a:gd name="connsiteY0" fmla="*/ 514922 h 1921067"/>
+                  <a:gd name="connsiteX1" fmla="*/ 3101671 w 3764782"/>
+                  <a:gd name="connsiteY1" fmla="*/ 7434 h 1921067"/>
+                  <a:gd name="connsiteX2" fmla="*/ 3549548 w 3764782"/>
+                  <a:gd name="connsiteY2" fmla="*/ 543838 h 1921067"/>
+                  <a:gd name="connsiteX3" fmla="*/ 0 w 3764782"/>
+                  <a:gd name="connsiteY3" fmla="*/ 1921067 h 1921067"/>
+                  <a:gd name="connsiteX4" fmla="*/ 270716 w 3764782"/>
+                  <a:gd name="connsiteY4" fmla="*/ 514922 h 1921067"/>
+                  <a:gd name="connsiteX0" fmla="*/ 270716 w 3829101"/>
+                  <a:gd name="connsiteY0" fmla="*/ 2145800 h 3551945"/>
+                  <a:gd name="connsiteX1" fmla="*/ 3101671 w 3829101"/>
+                  <a:gd name="connsiteY1" fmla="*/ 1638312 h 3551945"/>
+                  <a:gd name="connsiteX2" fmla="*/ 3504313 w 3829101"/>
+                  <a:gd name="connsiteY2" fmla="*/ 3467 h 3551945"/>
+                  <a:gd name="connsiteX3" fmla="*/ 3549548 w 3829101"/>
+                  <a:gd name="connsiteY3" fmla="*/ 2174716 h 3551945"/>
+                  <a:gd name="connsiteX4" fmla="*/ 0 w 3829101"/>
+                  <a:gd name="connsiteY4" fmla="*/ 3551945 h 3551945"/>
+                  <a:gd name="connsiteX5" fmla="*/ 270716 w 3829101"/>
+                  <a:gd name="connsiteY5" fmla="*/ 2145800 h 3551945"/>
+                  <a:gd name="connsiteX0" fmla="*/ 270716 w 3912666"/>
+                  <a:gd name="connsiteY0" fmla="*/ 1620791 h 3026936"/>
+                  <a:gd name="connsiteX1" fmla="*/ 3101671 w 3912666"/>
+                  <a:gd name="connsiteY1" fmla="*/ 1113303 h 3026936"/>
+                  <a:gd name="connsiteX2" fmla="*/ 3751284 w 3912666"/>
+                  <a:gd name="connsiteY2" fmla="*/ 4985 h 3026936"/>
+                  <a:gd name="connsiteX3" fmla="*/ 3549548 w 3912666"/>
+                  <a:gd name="connsiteY3" fmla="*/ 1649707 h 3026936"/>
+                  <a:gd name="connsiteX4" fmla="*/ 0 w 3912666"/>
+                  <a:gd name="connsiteY4" fmla="*/ 3026936 h 3026936"/>
+                  <a:gd name="connsiteX5" fmla="*/ 270716 w 3912666"/>
+                  <a:gd name="connsiteY5" fmla="*/ 1620791 h 3026936"/>
+                  <a:gd name="connsiteX0" fmla="*/ 270716 w 4031083"/>
+                  <a:gd name="connsiteY0" fmla="*/ 1309776 h 2715921"/>
+                  <a:gd name="connsiteX1" fmla="*/ 3101671 w 4031083"/>
+                  <a:gd name="connsiteY1" fmla="*/ 802288 h 2715921"/>
+                  <a:gd name="connsiteX2" fmla="*/ 3967603 w 4031083"/>
+                  <a:gd name="connsiteY2" fmla="*/ 6735 h 2715921"/>
+                  <a:gd name="connsiteX3" fmla="*/ 3549548 w 4031083"/>
+                  <a:gd name="connsiteY3" fmla="*/ 1338692 h 2715921"/>
+                  <a:gd name="connsiteX4" fmla="*/ 0 w 4031083"/>
+                  <a:gd name="connsiteY4" fmla="*/ 2715921 h 2715921"/>
+                  <a:gd name="connsiteX5" fmla="*/ 270716 w 4031083"/>
+                  <a:gd name="connsiteY5" fmla="*/ 1309776 h 2715921"/>
+                  <a:gd name="connsiteX0" fmla="*/ 270716 w 3978139"/>
+                  <a:gd name="connsiteY0" fmla="*/ 1309776 h 2715921"/>
+                  <a:gd name="connsiteX1" fmla="*/ 3101671 w 3978139"/>
+                  <a:gd name="connsiteY1" fmla="*/ 802288 h 2715921"/>
+                  <a:gd name="connsiteX2" fmla="*/ 3967603 w 3978139"/>
+                  <a:gd name="connsiteY2" fmla="*/ 6735 h 2715921"/>
+                  <a:gd name="connsiteX3" fmla="*/ 3549548 w 3978139"/>
+                  <a:gd name="connsiteY3" fmla="*/ 1338692 h 2715921"/>
+                  <a:gd name="connsiteX4" fmla="*/ 0 w 3978139"/>
+                  <a:gd name="connsiteY4" fmla="*/ 2715921 h 2715921"/>
+                  <a:gd name="connsiteX5" fmla="*/ 270716 w 3978139"/>
+                  <a:gd name="connsiteY5" fmla="*/ 1309776 h 2715921"/>
+                  <a:gd name="connsiteX0" fmla="*/ 270716 w 3997782"/>
+                  <a:gd name="connsiteY0" fmla="*/ 1326890 h 2733035"/>
+                  <a:gd name="connsiteX1" fmla="*/ 3101671 w 3997782"/>
+                  <a:gd name="connsiteY1" fmla="*/ 819402 h 2733035"/>
+                  <a:gd name="connsiteX2" fmla="*/ 3967603 w 3997782"/>
+                  <a:gd name="connsiteY2" fmla="*/ 23849 h 2733035"/>
+                  <a:gd name="connsiteX3" fmla="*/ 3549548 w 3997782"/>
+                  <a:gd name="connsiteY3" fmla="*/ 1355806 h 2733035"/>
+                  <a:gd name="connsiteX4" fmla="*/ 0 w 3997782"/>
+                  <a:gd name="connsiteY4" fmla="*/ 2733035 h 2733035"/>
+                  <a:gd name="connsiteX5" fmla="*/ 270716 w 3997782"/>
+                  <a:gd name="connsiteY5" fmla="*/ 1326890 h 2733035"/>
+                  <a:gd name="connsiteX0" fmla="*/ 270716 w 3981690"/>
+                  <a:gd name="connsiteY0" fmla="*/ 1325819 h 2731964"/>
+                  <a:gd name="connsiteX1" fmla="*/ 3101671 w 3981690"/>
+                  <a:gd name="connsiteY1" fmla="*/ 818331 h 2731964"/>
+                  <a:gd name="connsiteX2" fmla="*/ 3967603 w 3981690"/>
+                  <a:gd name="connsiteY2" fmla="*/ 22778 h 2731964"/>
+                  <a:gd name="connsiteX3" fmla="*/ 3494565 w 3981690"/>
+                  <a:gd name="connsiteY3" fmla="*/ 1421191 h 2731964"/>
+                  <a:gd name="connsiteX4" fmla="*/ 0 w 3981690"/>
+                  <a:gd name="connsiteY4" fmla="*/ 2731964 h 2731964"/>
+                  <a:gd name="connsiteX5" fmla="*/ 270716 w 3981690"/>
+                  <a:gd name="connsiteY5" fmla="*/ 1325819 h 2731964"/>
+                  <a:gd name="connsiteX0" fmla="*/ 270716 w 3981690"/>
+                  <a:gd name="connsiteY0" fmla="*/ 1325819 h 2731964"/>
+                  <a:gd name="connsiteX1" fmla="*/ 3101671 w 3981690"/>
+                  <a:gd name="connsiteY1" fmla="*/ 818331 h 2731964"/>
+                  <a:gd name="connsiteX2" fmla="*/ 3967603 w 3981690"/>
+                  <a:gd name="connsiteY2" fmla="*/ 22778 h 2731964"/>
+                  <a:gd name="connsiteX3" fmla="*/ 3494565 w 3981690"/>
+                  <a:gd name="connsiteY3" fmla="*/ 1421191 h 2731964"/>
+                  <a:gd name="connsiteX4" fmla="*/ 0 w 3981690"/>
+                  <a:gd name="connsiteY4" fmla="*/ 2731964 h 2731964"/>
+                  <a:gd name="connsiteX5" fmla="*/ 270716 w 3981690"/>
+                  <a:gd name="connsiteY5" fmla="*/ 1325819 h 2731964"/>
+                  <a:gd name="connsiteX0" fmla="*/ 270716 w 3981690"/>
+                  <a:gd name="connsiteY0" fmla="*/ 1331311 h 2737456"/>
+                  <a:gd name="connsiteX1" fmla="*/ 3101671 w 3981690"/>
+                  <a:gd name="connsiteY1" fmla="*/ 823823 h 2737456"/>
+                  <a:gd name="connsiteX2" fmla="*/ 3506141 w 3981690"/>
+                  <a:gd name="connsiteY2" fmla="*/ 456326 h 2737456"/>
+                  <a:gd name="connsiteX3" fmla="*/ 3967603 w 3981690"/>
+                  <a:gd name="connsiteY3" fmla="*/ 28270 h 2737456"/>
+                  <a:gd name="connsiteX4" fmla="*/ 3494565 w 3981690"/>
+                  <a:gd name="connsiteY4" fmla="*/ 1426683 h 2737456"/>
+                  <a:gd name="connsiteX5" fmla="*/ 0 w 3981690"/>
+                  <a:gd name="connsiteY5" fmla="*/ 2737456 h 2737456"/>
+                  <a:gd name="connsiteX6" fmla="*/ 270716 w 3981690"/>
+                  <a:gd name="connsiteY6" fmla="*/ 1331311 h 2737456"/>
+                  <a:gd name="connsiteX0" fmla="*/ 270716 w 3981690"/>
+                  <a:gd name="connsiteY0" fmla="*/ 1407690 h 2813835"/>
+                  <a:gd name="connsiteX1" fmla="*/ 3101671 w 3981690"/>
+                  <a:gd name="connsiteY1" fmla="*/ 900202 h 2813835"/>
+                  <a:gd name="connsiteX2" fmla="*/ 3506141 w 3981690"/>
+                  <a:gd name="connsiteY2" fmla="*/ 532705 h 2813835"/>
+                  <a:gd name="connsiteX3" fmla="*/ 3967603 w 3981690"/>
+                  <a:gd name="connsiteY3" fmla="*/ 104649 h 2813835"/>
+                  <a:gd name="connsiteX4" fmla="*/ 3494565 w 3981690"/>
+                  <a:gd name="connsiteY4" fmla="*/ 1503062 h 2813835"/>
+                  <a:gd name="connsiteX5" fmla="*/ 0 w 3981690"/>
+                  <a:gd name="connsiteY5" fmla="*/ 2813835 h 2813835"/>
+                  <a:gd name="connsiteX6" fmla="*/ 270716 w 3981690"/>
+                  <a:gd name="connsiteY6" fmla="*/ 1407690 h 2813835"/>
+                  <a:gd name="connsiteX0" fmla="*/ 270716 w 3981690"/>
+                  <a:gd name="connsiteY0" fmla="*/ 1407690 h 2813835"/>
+                  <a:gd name="connsiteX1" fmla="*/ 3101671 w 3981690"/>
+                  <a:gd name="connsiteY1" fmla="*/ 900202 h 2813835"/>
+                  <a:gd name="connsiteX2" fmla="*/ 3506141 w 3981690"/>
+                  <a:gd name="connsiteY2" fmla="*/ 532705 h 2813835"/>
+                  <a:gd name="connsiteX3" fmla="*/ 3967603 w 3981690"/>
+                  <a:gd name="connsiteY3" fmla="*/ 104649 h 2813835"/>
+                  <a:gd name="connsiteX4" fmla="*/ 3494565 w 3981690"/>
+                  <a:gd name="connsiteY4" fmla="*/ 1503062 h 2813835"/>
+                  <a:gd name="connsiteX5" fmla="*/ 0 w 3981690"/>
+                  <a:gd name="connsiteY5" fmla="*/ 2813835 h 2813835"/>
+                  <a:gd name="connsiteX6" fmla="*/ 270716 w 3981690"/>
+                  <a:gd name="connsiteY6" fmla="*/ 1407690 h 2813835"/>
+                  <a:gd name="connsiteX0" fmla="*/ 270716 w 3981690"/>
+                  <a:gd name="connsiteY0" fmla="*/ 1341084 h 2747229"/>
+                  <a:gd name="connsiteX1" fmla="*/ 3101671 w 3981690"/>
+                  <a:gd name="connsiteY1" fmla="*/ 833596 h 2747229"/>
+                  <a:gd name="connsiteX2" fmla="*/ 3506141 w 3981690"/>
+                  <a:gd name="connsiteY2" fmla="*/ 466099 h 2747229"/>
+                  <a:gd name="connsiteX3" fmla="*/ 3967603 w 3981690"/>
+                  <a:gd name="connsiteY3" fmla="*/ 38043 h 2747229"/>
+                  <a:gd name="connsiteX4" fmla="*/ 3494565 w 3981690"/>
+                  <a:gd name="connsiteY4" fmla="*/ 1436456 h 2747229"/>
+                  <a:gd name="connsiteX5" fmla="*/ 0 w 3981690"/>
+                  <a:gd name="connsiteY5" fmla="*/ 2747229 h 2747229"/>
+                  <a:gd name="connsiteX6" fmla="*/ 270716 w 3981690"/>
+                  <a:gd name="connsiteY6" fmla="*/ 1341084 h 2747229"/>
+                  <a:gd name="connsiteX0" fmla="*/ 270716 w 3981690"/>
+                  <a:gd name="connsiteY0" fmla="*/ 1341084 h 2747229"/>
+                  <a:gd name="connsiteX1" fmla="*/ 3101671 w 3981690"/>
+                  <a:gd name="connsiteY1" fmla="*/ 833596 h 2747229"/>
+                  <a:gd name="connsiteX2" fmla="*/ 3506141 w 3981690"/>
+                  <a:gd name="connsiteY2" fmla="*/ 466099 h 2747229"/>
+                  <a:gd name="connsiteX3" fmla="*/ 3967603 w 3981690"/>
+                  <a:gd name="connsiteY3" fmla="*/ 38043 h 2747229"/>
+                  <a:gd name="connsiteX4" fmla="*/ 3494565 w 3981690"/>
+                  <a:gd name="connsiteY4" fmla="*/ 1436456 h 2747229"/>
+                  <a:gd name="connsiteX5" fmla="*/ 0 w 3981690"/>
+                  <a:gd name="connsiteY5" fmla="*/ 2747229 h 2747229"/>
+                  <a:gd name="connsiteX6" fmla="*/ 270716 w 3981690"/>
+                  <a:gd name="connsiteY6" fmla="*/ 1341084 h 2747229"/>
+                  <a:gd name="connsiteX0" fmla="*/ 270716 w 3981690"/>
+                  <a:gd name="connsiteY0" fmla="*/ 1325819 h 2731964"/>
+                  <a:gd name="connsiteX1" fmla="*/ 3101671 w 3981690"/>
+                  <a:gd name="connsiteY1" fmla="*/ 818331 h 2731964"/>
+                  <a:gd name="connsiteX2" fmla="*/ 3967603 w 3981690"/>
+                  <a:gd name="connsiteY2" fmla="*/ 22778 h 2731964"/>
+                  <a:gd name="connsiteX3" fmla="*/ 3494565 w 3981690"/>
+                  <a:gd name="connsiteY3" fmla="*/ 1421191 h 2731964"/>
+                  <a:gd name="connsiteX4" fmla="*/ 0 w 3981690"/>
+                  <a:gd name="connsiteY4" fmla="*/ 2731964 h 2731964"/>
+                  <a:gd name="connsiteX5" fmla="*/ 270716 w 3981690"/>
+                  <a:gd name="connsiteY5" fmla="*/ 1325819 h 2731964"/>
+                  <a:gd name="connsiteX0" fmla="*/ 270716 w 3981690"/>
+                  <a:gd name="connsiteY0" fmla="*/ 1325819 h 2731964"/>
+                  <a:gd name="connsiteX1" fmla="*/ 3115116 w 3981690"/>
+                  <a:gd name="connsiteY1" fmla="*/ 849933 h 2731964"/>
+                  <a:gd name="connsiteX2" fmla="*/ 3967603 w 3981690"/>
+                  <a:gd name="connsiteY2" fmla="*/ 22778 h 2731964"/>
+                  <a:gd name="connsiteX3" fmla="*/ 3494565 w 3981690"/>
+                  <a:gd name="connsiteY3" fmla="*/ 1421191 h 2731964"/>
+                  <a:gd name="connsiteX4" fmla="*/ 0 w 3981690"/>
+                  <a:gd name="connsiteY4" fmla="*/ 2731964 h 2731964"/>
+                  <a:gd name="connsiteX5" fmla="*/ 270716 w 3981690"/>
+                  <a:gd name="connsiteY5" fmla="*/ 1325819 h 2731964"/>
+                  <a:gd name="connsiteX0" fmla="*/ 270716 w 3979616"/>
+                  <a:gd name="connsiteY0" fmla="*/ 1338805 h 2744950"/>
+                  <a:gd name="connsiteX1" fmla="*/ 3115116 w 3979616"/>
+                  <a:gd name="connsiteY1" fmla="*/ 862919 h 2744950"/>
+                  <a:gd name="connsiteX2" fmla="*/ 3964863 w 3979616"/>
+                  <a:gd name="connsiteY2" fmla="*/ 22575 h 2744950"/>
+                  <a:gd name="connsiteX3" fmla="*/ 3494565 w 3979616"/>
+                  <a:gd name="connsiteY3" fmla="*/ 1434177 h 2744950"/>
+                  <a:gd name="connsiteX4" fmla="*/ 0 w 3979616"/>
+                  <a:gd name="connsiteY4" fmla="*/ 2744950 h 2744950"/>
+                  <a:gd name="connsiteX5" fmla="*/ 270716 w 3979616"/>
+                  <a:gd name="connsiteY5" fmla="*/ 1338805 h 2744950"/>
+                  <a:gd name="connsiteX0" fmla="*/ 270716 w 3979616"/>
+                  <a:gd name="connsiteY0" fmla="*/ 1338805 h 2744950"/>
+                  <a:gd name="connsiteX1" fmla="*/ 3115116 w 3979616"/>
+                  <a:gd name="connsiteY1" fmla="*/ 862919 h 2744950"/>
+                  <a:gd name="connsiteX2" fmla="*/ 3964863 w 3979616"/>
+                  <a:gd name="connsiteY2" fmla="*/ 22575 h 2744950"/>
+                  <a:gd name="connsiteX3" fmla="*/ 3494565 w 3979616"/>
+                  <a:gd name="connsiteY3" fmla="*/ 1434177 h 2744950"/>
+                  <a:gd name="connsiteX4" fmla="*/ 0 w 3979616"/>
+                  <a:gd name="connsiteY4" fmla="*/ 2744950 h 2744950"/>
+                  <a:gd name="connsiteX5" fmla="*/ 270716 w 3979616"/>
+                  <a:gd name="connsiteY5" fmla="*/ 1338805 h 2744950"/>
+                  <a:gd name="connsiteX0" fmla="*/ 270716 w 3979616"/>
+                  <a:gd name="connsiteY0" fmla="*/ 1338805 h 2744950"/>
+                  <a:gd name="connsiteX1" fmla="*/ 3147171 w 3979616"/>
+                  <a:gd name="connsiteY1" fmla="*/ 856261 h 2744950"/>
+                  <a:gd name="connsiteX2" fmla="*/ 3964863 w 3979616"/>
+                  <a:gd name="connsiteY2" fmla="*/ 22575 h 2744950"/>
+                  <a:gd name="connsiteX3" fmla="*/ 3494565 w 3979616"/>
+                  <a:gd name="connsiteY3" fmla="*/ 1434177 h 2744950"/>
+                  <a:gd name="connsiteX4" fmla="*/ 0 w 3979616"/>
+                  <a:gd name="connsiteY4" fmla="*/ 2744950 h 2744950"/>
+                  <a:gd name="connsiteX5" fmla="*/ 270716 w 3979616"/>
+                  <a:gd name="connsiteY5" fmla="*/ 1338805 h 2744950"/>
+                  <a:gd name="connsiteX0" fmla="*/ 270716 w 3979616"/>
+                  <a:gd name="connsiteY0" fmla="*/ 1338805 h 2744950"/>
+                  <a:gd name="connsiteX1" fmla="*/ 3147171 w 3979616"/>
+                  <a:gd name="connsiteY1" fmla="*/ 856261 h 2744950"/>
+                  <a:gd name="connsiteX2" fmla="*/ 3964863 w 3979616"/>
+                  <a:gd name="connsiteY2" fmla="*/ 22575 h 2744950"/>
+                  <a:gd name="connsiteX3" fmla="*/ 3494565 w 3979616"/>
+                  <a:gd name="connsiteY3" fmla="*/ 1434177 h 2744950"/>
+                  <a:gd name="connsiteX4" fmla="*/ 0 w 3979616"/>
+                  <a:gd name="connsiteY4" fmla="*/ 2744950 h 2744950"/>
+                  <a:gd name="connsiteX5" fmla="*/ 270716 w 3979616"/>
+                  <a:gd name="connsiteY5" fmla="*/ 1338805 h 2744950"/>
+                  <a:gd name="connsiteX0" fmla="*/ 270716 w 3979616"/>
+                  <a:gd name="connsiteY0" fmla="*/ 1338805 h 2744950"/>
+                  <a:gd name="connsiteX1" fmla="*/ 3147171 w 3979616"/>
+                  <a:gd name="connsiteY1" fmla="*/ 856261 h 2744950"/>
+                  <a:gd name="connsiteX2" fmla="*/ 3964863 w 3979616"/>
+                  <a:gd name="connsiteY2" fmla="*/ 22575 h 2744950"/>
+                  <a:gd name="connsiteX3" fmla="*/ 3494565 w 3979616"/>
+                  <a:gd name="connsiteY3" fmla="*/ 1434177 h 2744950"/>
+                  <a:gd name="connsiteX4" fmla="*/ 0 w 3979616"/>
+                  <a:gd name="connsiteY4" fmla="*/ 2744950 h 2744950"/>
+                  <a:gd name="connsiteX5" fmla="*/ 270716 w 3979616"/>
+                  <a:gd name="connsiteY5" fmla="*/ 1338805 h 2744950"/>
+                  <a:gd name="connsiteX0" fmla="*/ 270716 w 3987461"/>
+                  <a:gd name="connsiteY0" fmla="*/ 1290171 h 2696316"/>
+                  <a:gd name="connsiteX1" fmla="*/ 3147171 w 3987461"/>
+                  <a:gd name="connsiteY1" fmla="*/ 807627 h 2696316"/>
+                  <a:gd name="connsiteX2" fmla="*/ 3975128 w 3987461"/>
+                  <a:gd name="connsiteY2" fmla="*/ 23350 h 2696316"/>
+                  <a:gd name="connsiteX3" fmla="*/ 3494565 w 3987461"/>
+                  <a:gd name="connsiteY3" fmla="*/ 1385543 h 2696316"/>
+                  <a:gd name="connsiteX4" fmla="*/ 0 w 3987461"/>
+                  <a:gd name="connsiteY4" fmla="*/ 2696316 h 2696316"/>
+                  <a:gd name="connsiteX5" fmla="*/ 270716 w 3987461"/>
+                  <a:gd name="connsiteY5" fmla="*/ 1290171 h 2696316"/>
+                  <a:gd name="connsiteX0" fmla="*/ 270716 w 4052855"/>
+                  <a:gd name="connsiteY0" fmla="*/ 1291744 h 2697889"/>
+                  <a:gd name="connsiteX1" fmla="*/ 3147171 w 4052855"/>
+                  <a:gd name="connsiteY1" fmla="*/ 809200 h 2697889"/>
+                  <a:gd name="connsiteX2" fmla="*/ 3975128 w 4052855"/>
+                  <a:gd name="connsiteY2" fmla="*/ 24923 h 2697889"/>
+                  <a:gd name="connsiteX3" fmla="*/ 3668247 w 4052855"/>
+                  <a:gd name="connsiteY3" fmla="*/ 1295999 h 2697889"/>
+                  <a:gd name="connsiteX4" fmla="*/ 0 w 4052855"/>
+                  <a:gd name="connsiteY4" fmla="*/ 2697889 h 2697889"/>
+                  <a:gd name="connsiteX5" fmla="*/ 270716 w 4052855"/>
+                  <a:gd name="connsiteY5" fmla="*/ 1291744 h 2697889"/>
+                  <a:gd name="connsiteX0" fmla="*/ 270716 w 3994568"/>
+                  <a:gd name="connsiteY0" fmla="*/ 1296864 h 2703009"/>
+                  <a:gd name="connsiteX1" fmla="*/ 3147171 w 3994568"/>
+                  <a:gd name="connsiteY1" fmla="*/ 814320 h 2703009"/>
+                  <a:gd name="connsiteX2" fmla="*/ 3975128 w 3994568"/>
+                  <a:gd name="connsiteY2" fmla="*/ 30043 h 2703009"/>
+                  <a:gd name="connsiteX3" fmla="*/ 3668247 w 3994568"/>
+                  <a:gd name="connsiteY3" fmla="*/ 1301119 h 2703009"/>
+                  <a:gd name="connsiteX4" fmla="*/ 0 w 3994568"/>
+                  <a:gd name="connsiteY4" fmla="*/ 2703009 h 2703009"/>
+                  <a:gd name="connsiteX5" fmla="*/ 270716 w 3994568"/>
+                  <a:gd name="connsiteY5" fmla="*/ 1296864 h 2703009"/>
+                  <a:gd name="connsiteX0" fmla="*/ 270716 w 4005801"/>
+                  <a:gd name="connsiteY0" fmla="*/ 1301070 h 2707215"/>
+                  <a:gd name="connsiteX1" fmla="*/ 3147171 w 4005801"/>
+                  <a:gd name="connsiteY1" fmla="*/ 818526 h 2707215"/>
+                  <a:gd name="connsiteX2" fmla="*/ 3975128 w 4005801"/>
+                  <a:gd name="connsiteY2" fmla="*/ 34249 h 2707215"/>
+                  <a:gd name="connsiteX3" fmla="*/ 3668247 w 4005801"/>
+                  <a:gd name="connsiteY3" fmla="*/ 1305325 h 2707215"/>
+                  <a:gd name="connsiteX4" fmla="*/ 0 w 4005801"/>
+                  <a:gd name="connsiteY4" fmla="*/ 2707215 h 2707215"/>
+                  <a:gd name="connsiteX5" fmla="*/ 270716 w 4005801"/>
+                  <a:gd name="connsiteY5" fmla="*/ 1301070 h 2707215"/>
+                  <a:gd name="connsiteX0" fmla="*/ 270716 w 3960650"/>
+                  <a:gd name="connsiteY0" fmla="*/ 1391792 h 2797937"/>
+                  <a:gd name="connsiteX1" fmla="*/ 3147171 w 3960650"/>
+                  <a:gd name="connsiteY1" fmla="*/ 909248 h 2797937"/>
+                  <a:gd name="connsiteX2" fmla="*/ 3891389 w 3960650"/>
+                  <a:gd name="connsiteY2" fmla="*/ 31331 h 2797937"/>
+                  <a:gd name="connsiteX3" fmla="*/ 3668247 w 3960650"/>
+                  <a:gd name="connsiteY3" fmla="*/ 1396047 h 2797937"/>
+                  <a:gd name="connsiteX4" fmla="*/ 0 w 3960650"/>
+                  <a:gd name="connsiteY4" fmla="*/ 2797937 h 2797937"/>
+                  <a:gd name="connsiteX5" fmla="*/ 270716 w 3960650"/>
+                  <a:gd name="connsiteY5" fmla="*/ 1391792 h 2797937"/>
+                </a:gdLst>
+                <a:ahLst/>
+                <a:cxnLst>
+                  <a:cxn ang="0">
+                    <a:pos x="connsiteX0" y="connsiteY0"/>
+                  </a:cxn>
+                  <a:cxn ang="0">
+                    <a:pos x="connsiteX1" y="connsiteY1"/>
+                  </a:cxn>
+                  <a:cxn ang="0">
+                    <a:pos x="connsiteX2" y="connsiteY2"/>
+                  </a:cxn>
+                  <a:cxn ang="0">
+                    <a:pos x="connsiteX3" y="connsiteY3"/>
+                  </a:cxn>
+                  <a:cxn ang="0">
+                    <a:pos x="connsiteX4" y="connsiteY4"/>
+                  </a:cxn>
+                  <a:cxn ang="0">
+                    <a:pos x="connsiteX5" y="connsiteY5"/>
+                  </a:cxn>
+                </a:cxnLst>
+                <a:rect l="l" t="t" r="r" b="b"/>
+                <a:pathLst>
+                  <a:path w="3960650" h="2797937">
+                    <a:moveTo>
+                      <a:pt x="270716" y="1391792"/>
+                    </a:moveTo>
+                    <a:cubicBezTo>
+                      <a:pt x="1218618" y="1320346"/>
+                      <a:pt x="2411184" y="1187184"/>
+                      <a:pt x="3147171" y="909248"/>
+                    </a:cubicBezTo>
+                    <a:cubicBezTo>
+                      <a:pt x="3724295" y="624949"/>
+                      <a:pt x="3815514" y="220212"/>
+                      <a:pt x="3891389" y="31331"/>
+                    </a:cubicBezTo>
+                    <a:cubicBezTo>
+                      <a:pt x="3889825" y="-179868"/>
+                      <a:pt x="4151288" y="721288"/>
+                      <a:pt x="3668247" y="1396047"/>
+                    </a:cubicBezTo>
+                    <a:cubicBezTo>
+                      <a:pt x="3050248" y="1686104"/>
+                      <a:pt x="444304" y="2741434"/>
+                      <a:pt x="0" y="2797937"/>
+                    </a:cubicBezTo>
+                    <a:lnTo>
+                      <a:pt x="270716" y="1391792"/>
+                    </a:lnTo>
+                    <a:close/>
+                  </a:path>
+                </a:pathLst>
+              </a:custGeom>
+              <a:solidFill>
+                <a:schemeClr val="bg1">
+                  <a:lumMod val="65000"/>
+                </a:schemeClr>
+              </a:solidFill>
+              <a:ln>
+                <a:noFill/>
+              </a:ln>
+              <a:effectLst/>
+            </p:spPr>
+            <p:style>
+              <a:lnRef idx="2">
+                <a:schemeClr val="accent1">
+                  <a:shade val="50000"/>
+                </a:schemeClr>
+              </a:lnRef>
+              <a:fillRef idx="1">
+                <a:schemeClr val="accent1"/>
+              </a:fillRef>
+              <a:effectRef idx="0">
+                <a:schemeClr val="accent1"/>
+              </a:effectRef>
+              <a:fontRef idx="minor">
+                <a:schemeClr val="lt1"/>
+              </a:fontRef>
+            </p:style>
+            <p:txBody>
+              <a:bodyPr rtlCol="0" anchor="ctr"/>
+              <a:lstStyle/>
+              <a:p>
+                <a:pPr algn="ctr"/>
+                <a:endParaRPr lang="pt-BR"/>
+              </a:p>
+            </p:txBody>
+          </p:sp>
+          <p:sp>
+            <p:nvSpPr>
+              <p:cNvPr id="14" name="Retângulo 2"/>
+              <p:cNvSpPr/>
+              <p:nvPr/>
+            </p:nvSpPr>
+            <p:spPr>
+              <a:xfrm>
+                <a:off x="7410249" y="896767"/>
+                <a:ext cx="1269902" cy="987053"/>
+              </a:xfrm>
+              <a:custGeom>
+                <a:avLst/>
+                <a:gdLst>
+                  <a:gd name="connsiteX0" fmla="*/ 0 w 1296365"/>
+                  <a:gd name="connsiteY0" fmla="*/ 0 h 946592"/>
+                  <a:gd name="connsiteX1" fmla="*/ 1296365 w 1296365"/>
+                  <a:gd name="connsiteY1" fmla="*/ 0 h 946592"/>
+                  <a:gd name="connsiteX2" fmla="*/ 1296365 w 1296365"/>
+                  <a:gd name="connsiteY2" fmla="*/ 946592 h 946592"/>
+                  <a:gd name="connsiteX3" fmla="*/ 0 w 1296365"/>
+                  <a:gd name="connsiteY3" fmla="*/ 946592 h 946592"/>
+                  <a:gd name="connsiteX4" fmla="*/ 0 w 1296365"/>
+                  <a:gd name="connsiteY4" fmla="*/ 0 h 946592"/>
+                  <a:gd name="connsiteX0" fmla="*/ 0 w 1296365"/>
+                  <a:gd name="connsiteY0" fmla="*/ 5919 h 952511"/>
+                  <a:gd name="connsiteX1" fmla="*/ 1296365 w 1296365"/>
+                  <a:gd name="connsiteY1" fmla="*/ 0 h 952511"/>
+                  <a:gd name="connsiteX2" fmla="*/ 1296365 w 1296365"/>
+                  <a:gd name="connsiteY2" fmla="*/ 952511 h 952511"/>
+                  <a:gd name="connsiteX3" fmla="*/ 0 w 1296365"/>
+                  <a:gd name="connsiteY3" fmla="*/ 952511 h 952511"/>
+                  <a:gd name="connsiteX4" fmla="*/ 0 w 1296365"/>
+                  <a:gd name="connsiteY4" fmla="*/ 5919 h 952511"/>
+                  <a:gd name="connsiteX0" fmla="*/ 0 w 1296365"/>
+                  <a:gd name="connsiteY0" fmla="*/ 5919 h 952511"/>
+                  <a:gd name="connsiteX1" fmla="*/ 1296365 w 1296365"/>
+                  <a:gd name="connsiteY1" fmla="*/ 0 h 952511"/>
+                  <a:gd name="connsiteX2" fmla="*/ 1296365 w 1296365"/>
+                  <a:gd name="connsiteY2" fmla="*/ 952511 h 952511"/>
+                  <a:gd name="connsiteX3" fmla="*/ 0 w 1296365"/>
+                  <a:gd name="connsiteY3" fmla="*/ 952511 h 952511"/>
+                  <a:gd name="connsiteX4" fmla="*/ 0 w 1296365"/>
+                  <a:gd name="connsiteY4" fmla="*/ 5919 h 952511"/>
+                  <a:gd name="connsiteX0" fmla="*/ 0 w 1296365"/>
+                  <a:gd name="connsiteY0" fmla="*/ 5919 h 952511"/>
+                  <a:gd name="connsiteX1" fmla="*/ 1296365 w 1296365"/>
+                  <a:gd name="connsiteY1" fmla="*/ 0 h 952511"/>
+                  <a:gd name="connsiteX2" fmla="*/ 1284528 w 1296365"/>
+                  <a:gd name="connsiteY2" fmla="*/ 937715 h 952511"/>
+                  <a:gd name="connsiteX3" fmla="*/ 0 w 1296365"/>
+                  <a:gd name="connsiteY3" fmla="*/ 952511 h 952511"/>
+                  <a:gd name="connsiteX4" fmla="*/ 0 w 1296365"/>
+                  <a:gd name="connsiteY4" fmla="*/ 5919 h 952511"/>
+                  <a:gd name="connsiteX0" fmla="*/ 0 w 1296365"/>
+                  <a:gd name="connsiteY0" fmla="*/ 5919 h 952511"/>
+                  <a:gd name="connsiteX1" fmla="*/ 1296365 w 1296365"/>
+                  <a:gd name="connsiteY1" fmla="*/ 0 h 952511"/>
+                  <a:gd name="connsiteX2" fmla="*/ 1284528 w 1296365"/>
+                  <a:gd name="connsiteY2" fmla="*/ 937715 h 952511"/>
+                  <a:gd name="connsiteX3" fmla="*/ 0 w 1296365"/>
+                  <a:gd name="connsiteY3" fmla="*/ 952511 h 952511"/>
+                  <a:gd name="connsiteX4" fmla="*/ 0 w 1296365"/>
+                  <a:gd name="connsiteY4" fmla="*/ 5919 h 952511"/>
+                  <a:gd name="connsiteX0" fmla="*/ 0 w 1296365"/>
+                  <a:gd name="connsiteY0" fmla="*/ 5919 h 952511"/>
+                  <a:gd name="connsiteX1" fmla="*/ 1296365 w 1296365"/>
+                  <a:gd name="connsiteY1" fmla="*/ 0 h 952511"/>
+                  <a:gd name="connsiteX2" fmla="*/ 1284528 w 1296365"/>
+                  <a:gd name="connsiteY2" fmla="*/ 937715 h 952511"/>
+                  <a:gd name="connsiteX3" fmla="*/ 0 w 1296365"/>
+                  <a:gd name="connsiteY3" fmla="*/ 952511 h 952511"/>
+                  <a:gd name="connsiteX4" fmla="*/ 0 w 1296365"/>
+                  <a:gd name="connsiteY4" fmla="*/ 5919 h 952511"/>
+                  <a:gd name="connsiteX0" fmla="*/ 0 w 1296365"/>
+                  <a:gd name="connsiteY0" fmla="*/ 5919 h 952511"/>
+                  <a:gd name="connsiteX1" fmla="*/ 1296365 w 1296365"/>
+                  <a:gd name="connsiteY1" fmla="*/ 0 h 952511"/>
+                  <a:gd name="connsiteX2" fmla="*/ 1284528 w 1296365"/>
+                  <a:gd name="connsiteY2" fmla="*/ 937715 h 952511"/>
+                  <a:gd name="connsiteX3" fmla="*/ 0 w 1296365"/>
+                  <a:gd name="connsiteY3" fmla="*/ 952511 h 952511"/>
+                  <a:gd name="connsiteX4" fmla="*/ 0 w 1296365"/>
+                  <a:gd name="connsiteY4" fmla="*/ 5919 h 952511"/>
+                  <a:gd name="connsiteX0" fmla="*/ 0 w 1296365"/>
+                  <a:gd name="connsiteY0" fmla="*/ 5919 h 952511"/>
+                  <a:gd name="connsiteX1" fmla="*/ 1296365 w 1296365"/>
+                  <a:gd name="connsiteY1" fmla="*/ 0 h 952511"/>
+                  <a:gd name="connsiteX2" fmla="*/ 1284528 w 1296365"/>
+                  <a:gd name="connsiteY2" fmla="*/ 937715 h 952511"/>
+                  <a:gd name="connsiteX3" fmla="*/ 0 w 1296365"/>
+                  <a:gd name="connsiteY3" fmla="*/ 952511 h 952511"/>
+                  <a:gd name="connsiteX4" fmla="*/ 0 w 1296365"/>
+                  <a:gd name="connsiteY4" fmla="*/ 5919 h 952511"/>
+                  <a:gd name="connsiteX0" fmla="*/ 0 w 1296365"/>
+                  <a:gd name="connsiteY0" fmla="*/ 5919 h 967307"/>
+                  <a:gd name="connsiteX1" fmla="*/ 1296365 w 1296365"/>
+                  <a:gd name="connsiteY1" fmla="*/ 0 h 967307"/>
+                  <a:gd name="connsiteX2" fmla="*/ 1284528 w 1296365"/>
+                  <a:gd name="connsiteY2" fmla="*/ 937715 h 967307"/>
+                  <a:gd name="connsiteX3" fmla="*/ 127247 w 1296365"/>
+                  <a:gd name="connsiteY3" fmla="*/ 967307 h 967307"/>
+                  <a:gd name="connsiteX4" fmla="*/ 0 w 1296365"/>
+                  <a:gd name="connsiteY4" fmla="*/ 5919 h 967307"/>
+                  <a:gd name="connsiteX0" fmla="*/ 0 w 1296365"/>
+                  <a:gd name="connsiteY0" fmla="*/ 5919 h 967307"/>
+                  <a:gd name="connsiteX1" fmla="*/ 1296365 w 1296365"/>
+                  <a:gd name="connsiteY1" fmla="*/ 0 h 967307"/>
+                  <a:gd name="connsiteX2" fmla="*/ 1284528 w 1296365"/>
+                  <a:gd name="connsiteY2" fmla="*/ 937715 h 967307"/>
+                  <a:gd name="connsiteX3" fmla="*/ 127247 w 1296365"/>
+                  <a:gd name="connsiteY3" fmla="*/ 967307 h 967307"/>
+                  <a:gd name="connsiteX4" fmla="*/ 0 w 1296365"/>
+                  <a:gd name="connsiteY4" fmla="*/ 5919 h 967307"/>
+                  <a:gd name="connsiteX0" fmla="*/ 0 w 1296365"/>
+                  <a:gd name="connsiteY0" fmla="*/ 5919 h 967307"/>
+                  <a:gd name="connsiteX1" fmla="*/ 1296365 w 1296365"/>
+                  <a:gd name="connsiteY1" fmla="*/ 0 h 967307"/>
+                  <a:gd name="connsiteX2" fmla="*/ 1127689 w 1296365"/>
+                  <a:gd name="connsiteY2" fmla="*/ 937715 h 967307"/>
+                  <a:gd name="connsiteX3" fmla="*/ 127247 w 1296365"/>
+                  <a:gd name="connsiteY3" fmla="*/ 967307 h 967307"/>
+                  <a:gd name="connsiteX4" fmla="*/ 0 w 1296365"/>
+                  <a:gd name="connsiteY4" fmla="*/ 5919 h 967307"/>
+                  <a:gd name="connsiteX0" fmla="*/ 0 w 1296365"/>
+                  <a:gd name="connsiteY0" fmla="*/ 5919 h 967307"/>
+                  <a:gd name="connsiteX1" fmla="*/ 1296365 w 1296365"/>
+                  <a:gd name="connsiteY1" fmla="*/ 0 h 967307"/>
+                  <a:gd name="connsiteX2" fmla="*/ 1127689 w 1296365"/>
+                  <a:gd name="connsiteY2" fmla="*/ 937715 h 967307"/>
+                  <a:gd name="connsiteX3" fmla="*/ 127247 w 1296365"/>
+                  <a:gd name="connsiteY3" fmla="*/ 967307 h 967307"/>
+                  <a:gd name="connsiteX4" fmla="*/ 0 w 1296365"/>
+                  <a:gd name="connsiteY4" fmla="*/ 5919 h 967307"/>
+                  <a:gd name="connsiteX0" fmla="*/ 0 w 1296365"/>
+                  <a:gd name="connsiteY0" fmla="*/ 5919 h 967307"/>
+                  <a:gd name="connsiteX1" fmla="*/ 1296365 w 1296365"/>
+                  <a:gd name="connsiteY1" fmla="*/ 0 h 967307"/>
+                  <a:gd name="connsiteX2" fmla="*/ 1127689 w 1296365"/>
+                  <a:gd name="connsiteY2" fmla="*/ 937715 h 967307"/>
+                  <a:gd name="connsiteX3" fmla="*/ 127247 w 1296365"/>
+                  <a:gd name="connsiteY3" fmla="*/ 967307 h 967307"/>
+                  <a:gd name="connsiteX4" fmla="*/ 0 w 1296365"/>
+                  <a:gd name="connsiteY4" fmla="*/ 5919 h 967307"/>
+                  <a:gd name="connsiteX0" fmla="*/ 0 w 1249018"/>
+                  <a:gd name="connsiteY0" fmla="*/ 177554 h 967307"/>
+                  <a:gd name="connsiteX1" fmla="*/ 1249018 w 1249018"/>
+                  <a:gd name="connsiteY1" fmla="*/ 0 h 967307"/>
+                  <a:gd name="connsiteX2" fmla="*/ 1080342 w 1249018"/>
+                  <a:gd name="connsiteY2" fmla="*/ 937715 h 967307"/>
+                  <a:gd name="connsiteX3" fmla="*/ 79900 w 1249018"/>
+                  <a:gd name="connsiteY3" fmla="*/ 967307 h 967307"/>
+                  <a:gd name="connsiteX4" fmla="*/ 0 w 1249018"/>
+                  <a:gd name="connsiteY4" fmla="*/ 177554 h 967307"/>
+                  <a:gd name="connsiteX0" fmla="*/ 0 w 1293407"/>
+                  <a:gd name="connsiteY0" fmla="*/ 349189 h 967307"/>
+                  <a:gd name="connsiteX1" fmla="*/ 1293407 w 1293407"/>
+                  <a:gd name="connsiteY1" fmla="*/ 0 h 967307"/>
+                  <a:gd name="connsiteX2" fmla="*/ 1124731 w 1293407"/>
+                  <a:gd name="connsiteY2" fmla="*/ 937715 h 967307"/>
+                  <a:gd name="connsiteX3" fmla="*/ 124289 w 1293407"/>
+                  <a:gd name="connsiteY3" fmla="*/ 967307 h 967307"/>
+                  <a:gd name="connsiteX4" fmla="*/ 0 w 1293407"/>
+                  <a:gd name="connsiteY4" fmla="*/ 349189 h 967307"/>
+                  <a:gd name="connsiteX0" fmla="*/ 0 w 1293407"/>
+                  <a:gd name="connsiteY0" fmla="*/ 349189 h 967307"/>
+                  <a:gd name="connsiteX1" fmla="*/ 1293407 w 1293407"/>
+                  <a:gd name="connsiteY1" fmla="*/ 0 h 967307"/>
+                  <a:gd name="connsiteX2" fmla="*/ 1124731 w 1293407"/>
+                  <a:gd name="connsiteY2" fmla="*/ 937715 h 967307"/>
+                  <a:gd name="connsiteX3" fmla="*/ 124289 w 1293407"/>
+                  <a:gd name="connsiteY3" fmla="*/ 967307 h 967307"/>
+                  <a:gd name="connsiteX4" fmla="*/ 0 w 1293407"/>
+                  <a:gd name="connsiteY4" fmla="*/ 349189 h 967307"/>
+                  <a:gd name="connsiteX0" fmla="*/ 0 w 1148405"/>
+                  <a:gd name="connsiteY0" fmla="*/ 0 h 618118"/>
+                  <a:gd name="connsiteX1" fmla="*/ 1148405 w 1148405"/>
+                  <a:gd name="connsiteY1" fmla="*/ 50307 h 618118"/>
+                  <a:gd name="connsiteX2" fmla="*/ 1124731 w 1148405"/>
+                  <a:gd name="connsiteY2" fmla="*/ 588526 h 618118"/>
+                  <a:gd name="connsiteX3" fmla="*/ 124289 w 1148405"/>
+                  <a:gd name="connsiteY3" fmla="*/ 618118 h 618118"/>
+                  <a:gd name="connsiteX4" fmla="*/ 0 w 1148405"/>
+                  <a:gd name="connsiteY4" fmla="*/ 0 h 618118"/>
+                  <a:gd name="connsiteX0" fmla="*/ 0 w 1257896"/>
+                  <a:gd name="connsiteY0" fmla="*/ 147961 h 766079"/>
+                  <a:gd name="connsiteX1" fmla="*/ 1257896 w 1257896"/>
+                  <a:gd name="connsiteY1" fmla="*/ 0 h 766079"/>
+                  <a:gd name="connsiteX2" fmla="*/ 1124731 w 1257896"/>
+                  <a:gd name="connsiteY2" fmla="*/ 736487 h 766079"/>
+                  <a:gd name="connsiteX3" fmla="*/ 124289 w 1257896"/>
+                  <a:gd name="connsiteY3" fmla="*/ 766079 h 766079"/>
+                  <a:gd name="connsiteX4" fmla="*/ 0 w 1257896"/>
+                  <a:gd name="connsiteY4" fmla="*/ 147961 h 766079"/>
+                  <a:gd name="connsiteX0" fmla="*/ 0 w 1266094"/>
+                  <a:gd name="connsiteY0" fmla="*/ 147961 h 766079"/>
+                  <a:gd name="connsiteX1" fmla="*/ 1257896 w 1266094"/>
+                  <a:gd name="connsiteY1" fmla="*/ 0 h 766079"/>
+                  <a:gd name="connsiteX2" fmla="*/ 1124731 w 1266094"/>
+                  <a:gd name="connsiteY2" fmla="*/ 736487 h 766079"/>
+                  <a:gd name="connsiteX3" fmla="*/ 124289 w 1266094"/>
+                  <a:gd name="connsiteY3" fmla="*/ 766079 h 766079"/>
+                  <a:gd name="connsiteX4" fmla="*/ 0 w 1266094"/>
+                  <a:gd name="connsiteY4" fmla="*/ 147961 h 766079"/>
+                  <a:gd name="connsiteX0" fmla="*/ 0 w 1270231"/>
+                  <a:gd name="connsiteY0" fmla="*/ 147961 h 766079"/>
+                  <a:gd name="connsiteX1" fmla="*/ 1257896 w 1270231"/>
+                  <a:gd name="connsiteY1" fmla="*/ 0 h 766079"/>
+                  <a:gd name="connsiteX2" fmla="*/ 1124731 w 1270231"/>
+                  <a:gd name="connsiteY2" fmla="*/ 736487 h 766079"/>
+                  <a:gd name="connsiteX3" fmla="*/ 124289 w 1270231"/>
+                  <a:gd name="connsiteY3" fmla="*/ 766079 h 766079"/>
+                  <a:gd name="connsiteX4" fmla="*/ 0 w 1270231"/>
+                  <a:gd name="connsiteY4" fmla="*/ 147961 h 766079"/>
+                  <a:gd name="connsiteX0" fmla="*/ 0 w 1261805"/>
+                  <a:gd name="connsiteY0" fmla="*/ 147961 h 766079"/>
+                  <a:gd name="connsiteX1" fmla="*/ 1257896 w 1261805"/>
+                  <a:gd name="connsiteY1" fmla="*/ 0 h 766079"/>
+                  <a:gd name="connsiteX2" fmla="*/ 1124731 w 1261805"/>
+                  <a:gd name="connsiteY2" fmla="*/ 736487 h 766079"/>
+                  <a:gd name="connsiteX3" fmla="*/ 124289 w 1261805"/>
+                  <a:gd name="connsiteY3" fmla="*/ 766079 h 766079"/>
+                  <a:gd name="connsiteX4" fmla="*/ 0 w 1261805"/>
+                  <a:gd name="connsiteY4" fmla="*/ 147961 h 766079"/>
+                  <a:gd name="connsiteX0" fmla="*/ 0 w 1257896"/>
+                  <a:gd name="connsiteY0" fmla="*/ 147961 h 766079"/>
+                  <a:gd name="connsiteX1" fmla="*/ 1257896 w 1257896"/>
+                  <a:gd name="connsiteY1" fmla="*/ 0 h 766079"/>
+                  <a:gd name="connsiteX2" fmla="*/ 1124731 w 1257896"/>
+                  <a:gd name="connsiteY2" fmla="*/ 736487 h 766079"/>
+                  <a:gd name="connsiteX3" fmla="*/ 124289 w 1257896"/>
+                  <a:gd name="connsiteY3" fmla="*/ 766079 h 766079"/>
+                  <a:gd name="connsiteX4" fmla="*/ 0 w 1257896"/>
+                  <a:gd name="connsiteY4" fmla="*/ 147961 h 766079"/>
+                  <a:gd name="connsiteX0" fmla="*/ 0 w 1243099"/>
+                  <a:gd name="connsiteY0" fmla="*/ 130205 h 748323"/>
+                  <a:gd name="connsiteX1" fmla="*/ 1243099 w 1243099"/>
+                  <a:gd name="connsiteY1" fmla="*/ 0 h 748323"/>
+                  <a:gd name="connsiteX2" fmla="*/ 1124731 w 1243099"/>
+                  <a:gd name="connsiteY2" fmla="*/ 718731 h 748323"/>
+                  <a:gd name="connsiteX3" fmla="*/ 124289 w 1243099"/>
+                  <a:gd name="connsiteY3" fmla="*/ 748323 h 748323"/>
+                  <a:gd name="connsiteX4" fmla="*/ 0 w 1243099"/>
+                  <a:gd name="connsiteY4" fmla="*/ 130205 h 748323"/>
+                  <a:gd name="connsiteX0" fmla="*/ 0 w 1254517"/>
+                  <a:gd name="connsiteY0" fmla="*/ 130205 h 748323"/>
+                  <a:gd name="connsiteX1" fmla="*/ 1243099 w 1254517"/>
+                  <a:gd name="connsiteY1" fmla="*/ 0 h 748323"/>
+                  <a:gd name="connsiteX2" fmla="*/ 1124731 w 1254517"/>
+                  <a:gd name="connsiteY2" fmla="*/ 718731 h 748323"/>
+                  <a:gd name="connsiteX3" fmla="*/ 124289 w 1254517"/>
+                  <a:gd name="connsiteY3" fmla="*/ 748323 h 748323"/>
+                  <a:gd name="connsiteX4" fmla="*/ 0 w 1254517"/>
+                  <a:gd name="connsiteY4" fmla="*/ 130205 h 748323"/>
+                  <a:gd name="connsiteX0" fmla="*/ 0 w 1256988"/>
+                  <a:gd name="connsiteY0" fmla="*/ 130205 h 748323"/>
+                  <a:gd name="connsiteX1" fmla="*/ 1243099 w 1256988"/>
+                  <a:gd name="connsiteY1" fmla="*/ 0 h 748323"/>
+                  <a:gd name="connsiteX2" fmla="*/ 1124731 w 1256988"/>
+                  <a:gd name="connsiteY2" fmla="*/ 718731 h 748323"/>
+                  <a:gd name="connsiteX3" fmla="*/ 124289 w 1256988"/>
+                  <a:gd name="connsiteY3" fmla="*/ 748323 h 748323"/>
+                  <a:gd name="connsiteX4" fmla="*/ 0 w 1256988"/>
+                  <a:gd name="connsiteY4" fmla="*/ 130205 h 748323"/>
+                  <a:gd name="connsiteX0" fmla="*/ 0 w 1256988"/>
+                  <a:gd name="connsiteY0" fmla="*/ 130205 h 751283"/>
+                  <a:gd name="connsiteX1" fmla="*/ 1243099 w 1256988"/>
+                  <a:gd name="connsiteY1" fmla="*/ 0 h 751283"/>
+                  <a:gd name="connsiteX2" fmla="*/ 1124731 w 1256988"/>
+                  <a:gd name="connsiteY2" fmla="*/ 718731 h 751283"/>
+                  <a:gd name="connsiteX3" fmla="*/ 139085 w 1256988"/>
+                  <a:gd name="connsiteY3" fmla="*/ 751283 h 751283"/>
+                  <a:gd name="connsiteX4" fmla="*/ 0 w 1256988"/>
+                  <a:gd name="connsiteY4" fmla="*/ 130205 h 751283"/>
+                  <a:gd name="connsiteX0" fmla="*/ 0 w 1256988"/>
+                  <a:gd name="connsiteY0" fmla="*/ 130205 h 751283"/>
+                  <a:gd name="connsiteX1" fmla="*/ 1243099 w 1256988"/>
+                  <a:gd name="connsiteY1" fmla="*/ 0 h 751283"/>
+                  <a:gd name="connsiteX2" fmla="*/ 1124731 w 1256988"/>
+                  <a:gd name="connsiteY2" fmla="*/ 718731 h 751283"/>
+                  <a:gd name="connsiteX3" fmla="*/ 139085 w 1256988"/>
+                  <a:gd name="connsiteY3" fmla="*/ 751283 h 751283"/>
+                  <a:gd name="connsiteX4" fmla="*/ 0 w 1256988"/>
+                  <a:gd name="connsiteY4" fmla="*/ 130205 h 751283"/>
+                  <a:gd name="connsiteX0" fmla="*/ 0 w 1256988"/>
+                  <a:gd name="connsiteY0" fmla="*/ 280313 h 901391"/>
+                  <a:gd name="connsiteX1" fmla="*/ 1243099 w 1256988"/>
+                  <a:gd name="connsiteY1" fmla="*/ 150108 h 901391"/>
+                  <a:gd name="connsiteX2" fmla="*/ 1124731 w 1256988"/>
+                  <a:gd name="connsiteY2" fmla="*/ 868839 h 901391"/>
+                  <a:gd name="connsiteX3" fmla="*/ 139085 w 1256988"/>
+                  <a:gd name="connsiteY3" fmla="*/ 901391 h 901391"/>
+                  <a:gd name="connsiteX4" fmla="*/ 0 w 1256988"/>
+                  <a:gd name="connsiteY4" fmla="*/ 280313 h 901391"/>
+                  <a:gd name="connsiteX0" fmla="*/ 0 w 1256988"/>
+                  <a:gd name="connsiteY0" fmla="*/ 362333 h 983411"/>
+                  <a:gd name="connsiteX1" fmla="*/ 1243099 w 1256988"/>
+                  <a:gd name="connsiteY1" fmla="*/ 232128 h 983411"/>
+                  <a:gd name="connsiteX2" fmla="*/ 1124731 w 1256988"/>
+                  <a:gd name="connsiteY2" fmla="*/ 950859 h 983411"/>
+                  <a:gd name="connsiteX3" fmla="*/ 139085 w 1256988"/>
+                  <a:gd name="connsiteY3" fmla="*/ 983411 h 983411"/>
+                  <a:gd name="connsiteX4" fmla="*/ 0 w 1256988"/>
+                  <a:gd name="connsiteY4" fmla="*/ 362333 h 983411"/>
+                  <a:gd name="connsiteX0" fmla="*/ 0 w 1253077"/>
+                  <a:gd name="connsiteY0" fmla="*/ 360297 h 981375"/>
+                  <a:gd name="connsiteX1" fmla="*/ 1238639 w 1253077"/>
+                  <a:gd name="connsiteY1" fmla="*/ 234553 h 981375"/>
+                  <a:gd name="connsiteX2" fmla="*/ 1124731 w 1253077"/>
+                  <a:gd name="connsiteY2" fmla="*/ 948823 h 981375"/>
+                  <a:gd name="connsiteX3" fmla="*/ 139085 w 1253077"/>
+                  <a:gd name="connsiteY3" fmla="*/ 981375 h 981375"/>
+                  <a:gd name="connsiteX4" fmla="*/ 0 w 1253077"/>
+                  <a:gd name="connsiteY4" fmla="*/ 360297 h 981375"/>
+                  <a:gd name="connsiteX0" fmla="*/ 0 w 1256988"/>
+                  <a:gd name="connsiteY0" fmla="*/ 364387 h 985465"/>
+                  <a:gd name="connsiteX1" fmla="*/ 1243099 w 1256988"/>
+                  <a:gd name="connsiteY1" fmla="*/ 229722 h 985465"/>
+                  <a:gd name="connsiteX2" fmla="*/ 1124731 w 1256988"/>
+                  <a:gd name="connsiteY2" fmla="*/ 952913 h 985465"/>
+                  <a:gd name="connsiteX3" fmla="*/ 139085 w 1256988"/>
+                  <a:gd name="connsiteY3" fmla="*/ 985465 h 985465"/>
+                  <a:gd name="connsiteX4" fmla="*/ 0 w 1256988"/>
+                  <a:gd name="connsiteY4" fmla="*/ 364387 h 985465"/>
+                  <a:gd name="connsiteX0" fmla="*/ 0 w 1256988"/>
+                  <a:gd name="connsiteY0" fmla="*/ 351884 h 972962"/>
+                  <a:gd name="connsiteX1" fmla="*/ 1243099 w 1256988"/>
+                  <a:gd name="connsiteY1" fmla="*/ 217219 h 972962"/>
+                  <a:gd name="connsiteX2" fmla="*/ 1124731 w 1256988"/>
+                  <a:gd name="connsiteY2" fmla="*/ 940410 h 972962"/>
+                  <a:gd name="connsiteX3" fmla="*/ 139085 w 1256988"/>
+                  <a:gd name="connsiteY3" fmla="*/ 972962 h 972962"/>
+                  <a:gd name="connsiteX4" fmla="*/ 0 w 1256988"/>
+                  <a:gd name="connsiteY4" fmla="*/ 351884 h 972962"/>
+                  <a:gd name="connsiteX0" fmla="*/ 0 w 1256988"/>
+                  <a:gd name="connsiteY0" fmla="*/ 365975 h 987053"/>
+                  <a:gd name="connsiteX1" fmla="*/ 1243099 w 1256988"/>
+                  <a:gd name="connsiteY1" fmla="*/ 231310 h 987053"/>
+                  <a:gd name="connsiteX2" fmla="*/ 1124731 w 1256988"/>
+                  <a:gd name="connsiteY2" fmla="*/ 954501 h 987053"/>
+                  <a:gd name="connsiteX3" fmla="*/ 139085 w 1256988"/>
+                  <a:gd name="connsiteY3" fmla="*/ 987053 h 987053"/>
+                  <a:gd name="connsiteX4" fmla="*/ 0 w 1256988"/>
+                  <a:gd name="connsiteY4" fmla="*/ 365975 h 987053"/>
+                  <a:gd name="connsiteX0" fmla="*/ 0 w 1269902"/>
+                  <a:gd name="connsiteY0" fmla="*/ 365975 h 987053"/>
+                  <a:gd name="connsiteX1" fmla="*/ 1243099 w 1269902"/>
+                  <a:gd name="connsiteY1" fmla="*/ 231310 h 987053"/>
+                  <a:gd name="connsiteX2" fmla="*/ 1187178 w 1269902"/>
+                  <a:gd name="connsiteY2" fmla="*/ 976803 h 987053"/>
+                  <a:gd name="connsiteX3" fmla="*/ 139085 w 1269902"/>
+                  <a:gd name="connsiteY3" fmla="*/ 987053 h 987053"/>
+                  <a:gd name="connsiteX4" fmla="*/ 0 w 1269902"/>
+                  <a:gd name="connsiteY4" fmla="*/ 365975 h 987053"/>
+                </a:gdLst>
+                <a:ahLst/>
+                <a:cxnLst>
+                  <a:cxn ang="0">
+                    <a:pos x="connsiteX0" y="connsiteY0"/>
+                  </a:cxn>
+                  <a:cxn ang="0">
+                    <a:pos x="connsiteX1" y="connsiteY1"/>
+                  </a:cxn>
+                  <a:cxn ang="0">
+                    <a:pos x="connsiteX2" y="connsiteY2"/>
+                  </a:cxn>
+                  <a:cxn ang="0">
+                    <a:pos x="connsiteX3" y="connsiteY3"/>
+                  </a:cxn>
+                  <a:cxn ang="0">
+                    <a:pos x="connsiteX4" y="connsiteY4"/>
+                  </a:cxn>
+                </a:cxnLst>
+                <a:rect l="l" t="t" r="r" b="b"/>
+                <a:pathLst>
+                  <a:path w="1269902" h="987053">
+                    <a:moveTo>
+                      <a:pt x="0" y="365975"/>
+                    </a:moveTo>
+                    <a:cubicBezTo>
+                      <a:pt x="29667" y="-204169"/>
+                      <a:pt x="1270899" y="6880"/>
+                      <a:pt x="1243099" y="231310"/>
+                    </a:cubicBezTo>
+                    <a:cubicBezTo>
+                      <a:pt x="1287488" y="584325"/>
+                      <a:pt x="1281873" y="753993"/>
+                      <a:pt x="1187178" y="976803"/>
+                    </a:cubicBezTo>
+                    <a:cubicBezTo>
+                      <a:pt x="1054923" y="969898"/>
+                      <a:pt x="756651" y="698034"/>
+                      <a:pt x="139085" y="987053"/>
+                    </a:cubicBezTo>
+                    <a:cubicBezTo>
+                      <a:pt x="79900" y="795810"/>
+                      <a:pt x="26634" y="743649"/>
+                      <a:pt x="0" y="365975"/>
+                    </a:cubicBezTo>
+                    <a:close/>
+                  </a:path>
+                </a:pathLst>
+              </a:custGeom>
+              <a:solidFill>
+                <a:srgbClr val="C00000"/>
+              </a:solidFill>
+              <a:ln>
+                <a:noFill/>
+              </a:ln>
+              <a:effectLst>
+                <a:outerShdw dist="38100" dir="3000000" sx="105000" sy="105000" algn="t" rotWithShape="0">
+                  <a:prstClr val="black">
+                    <a:alpha val="40000"/>
+                  </a:prstClr>
+                </a:outerShdw>
+              </a:effectLst>
+            </p:spPr>
+            <p:style>
+              <a:lnRef idx="2">
+                <a:schemeClr val="accent1">
+                  <a:shade val="50000"/>
+                </a:schemeClr>
+              </a:lnRef>
+              <a:fillRef idx="1">
+                <a:schemeClr val="accent1"/>
+              </a:fillRef>
+              <a:effectRef idx="0">
+                <a:schemeClr val="accent1"/>
+              </a:effectRef>
+              <a:fontRef idx="minor">
+                <a:schemeClr val="lt1"/>
+              </a:fontRef>
+            </p:style>
+            <p:txBody>
+              <a:bodyPr rtlCol="0" anchor="ctr"/>
+              <a:lstStyle/>
+              <a:p>
+                <a:pPr algn="ctr"/>
+                <a:endParaRPr lang="pt-BR"/>
+              </a:p>
+            </p:txBody>
+          </p:sp>
+          <p:sp>
+            <p:nvSpPr>
+              <p:cNvPr id="15" name="Retângulo 4"/>
+              <p:cNvSpPr/>
+              <p:nvPr/>
+            </p:nvSpPr>
+            <p:spPr>
+              <a:xfrm rot="19113608">
+                <a:off x="7607407" y="1014269"/>
+                <a:ext cx="1460626" cy="4248924"/>
+              </a:xfrm>
+              <a:custGeom>
+                <a:avLst/>
+                <a:gdLst>
+                  <a:gd name="connsiteX0" fmla="*/ 0 w 1397985"/>
+                  <a:gd name="connsiteY0" fmla="*/ 0 h 4258811"/>
+                  <a:gd name="connsiteX1" fmla="*/ 1397985 w 1397985"/>
+                  <a:gd name="connsiteY1" fmla="*/ 0 h 4258811"/>
+                  <a:gd name="connsiteX2" fmla="*/ 1397985 w 1397985"/>
+                  <a:gd name="connsiteY2" fmla="*/ 4258811 h 4258811"/>
+                  <a:gd name="connsiteX3" fmla="*/ 0 w 1397985"/>
+                  <a:gd name="connsiteY3" fmla="*/ 4258811 h 4258811"/>
+                  <a:gd name="connsiteX4" fmla="*/ 0 w 1397985"/>
+                  <a:gd name="connsiteY4" fmla="*/ 0 h 4258811"/>
+                  <a:gd name="connsiteX0" fmla="*/ 0 w 1445386"/>
+                  <a:gd name="connsiteY0" fmla="*/ 0 h 4258811"/>
+                  <a:gd name="connsiteX1" fmla="*/ 1445386 w 1445386"/>
+                  <a:gd name="connsiteY1" fmla="*/ 41848 h 4258811"/>
+                  <a:gd name="connsiteX2" fmla="*/ 1397985 w 1445386"/>
+                  <a:gd name="connsiteY2" fmla="*/ 4258811 h 4258811"/>
+                  <a:gd name="connsiteX3" fmla="*/ 0 w 1445386"/>
+                  <a:gd name="connsiteY3" fmla="*/ 4258811 h 4258811"/>
+                  <a:gd name="connsiteX4" fmla="*/ 0 w 1445386"/>
+                  <a:gd name="connsiteY4" fmla="*/ 0 h 4258811"/>
+                  <a:gd name="connsiteX0" fmla="*/ 278464 w 1445386"/>
+                  <a:gd name="connsiteY0" fmla="*/ 723046 h 4216963"/>
+                  <a:gd name="connsiteX1" fmla="*/ 1445386 w 1445386"/>
+                  <a:gd name="connsiteY1" fmla="*/ 0 h 4216963"/>
+                  <a:gd name="connsiteX2" fmla="*/ 1397985 w 1445386"/>
+                  <a:gd name="connsiteY2" fmla="*/ 4216963 h 4216963"/>
+                  <a:gd name="connsiteX3" fmla="*/ 0 w 1445386"/>
+                  <a:gd name="connsiteY3" fmla="*/ 4216963 h 4216963"/>
+                  <a:gd name="connsiteX4" fmla="*/ 278464 w 1445386"/>
+                  <a:gd name="connsiteY4" fmla="*/ 723046 h 4216963"/>
+                  <a:gd name="connsiteX0" fmla="*/ 278464 w 1445386"/>
+                  <a:gd name="connsiteY0" fmla="*/ 723046 h 4216963"/>
+                  <a:gd name="connsiteX1" fmla="*/ 1445386 w 1445386"/>
+                  <a:gd name="connsiteY1" fmla="*/ 0 h 4216963"/>
+                  <a:gd name="connsiteX2" fmla="*/ 1068841 w 1445386"/>
+                  <a:gd name="connsiteY2" fmla="*/ 3634409 h 4216963"/>
+                  <a:gd name="connsiteX3" fmla="*/ 0 w 1445386"/>
+                  <a:gd name="connsiteY3" fmla="*/ 4216963 h 4216963"/>
+                  <a:gd name="connsiteX4" fmla="*/ 278464 w 1445386"/>
+                  <a:gd name="connsiteY4" fmla="*/ 723046 h 4216963"/>
+                  <a:gd name="connsiteX0" fmla="*/ 293704 w 1460626"/>
+                  <a:gd name="connsiteY0" fmla="*/ 723046 h 4248924"/>
+                  <a:gd name="connsiteX1" fmla="*/ 1460626 w 1460626"/>
+                  <a:gd name="connsiteY1" fmla="*/ 0 h 4248924"/>
+                  <a:gd name="connsiteX2" fmla="*/ 1084081 w 1460626"/>
+                  <a:gd name="connsiteY2" fmla="*/ 3634409 h 4248924"/>
+                  <a:gd name="connsiteX3" fmla="*/ 0 w 1460626"/>
+                  <a:gd name="connsiteY3" fmla="*/ 4248924 h 4248924"/>
+                  <a:gd name="connsiteX4" fmla="*/ 293704 w 1460626"/>
+                  <a:gd name="connsiteY4" fmla="*/ 723046 h 4248924"/>
+                  <a:gd name="connsiteX0" fmla="*/ 302385 w 1469307"/>
+                  <a:gd name="connsiteY0" fmla="*/ 723046 h 4248924"/>
+                  <a:gd name="connsiteX1" fmla="*/ 1469307 w 1469307"/>
+                  <a:gd name="connsiteY1" fmla="*/ 0 h 4248924"/>
+                  <a:gd name="connsiteX2" fmla="*/ 1092762 w 1469307"/>
+                  <a:gd name="connsiteY2" fmla="*/ 3634409 h 4248924"/>
+                  <a:gd name="connsiteX3" fmla="*/ 8681 w 1469307"/>
+                  <a:gd name="connsiteY3" fmla="*/ 4248924 h 4248924"/>
+                  <a:gd name="connsiteX4" fmla="*/ 302385 w 1469307"/>
+                  <a:gd name="connsiteY4" fmla="*/ 723046 h 4248924"/>
+                  <a:gd name="connsiteX0" fmla="*/ 324594 w 1491516"/>
+                  <a:gd name="connsiteY0" fmla="*/ 723046 h 4248924"/>
+                  <a:gd name="connsiteX1" fmla="*/ 1491516 w 1491516"/>
+                  <a:gd name="connsiteY1" fmla="*/ 0 h 4248924"/>
+                  <a:gd name="connsiteX2" fmla="*/ 1114971 w 1491516"/>
+                  <a:gd name="connsiteY2" fmla="*/ 3634409 h 4248924"/>
+                  <a:gd name="connsiteX3" fmla="*/ 30890 w 1491516"/>
+                  <a:gd name="connsiteY3" fmla="*/ 4248924 h 4248924"/>
+                  <a:gd name="connsiteX4" fmla="*/ 324594 w 1491516"/>
+                  <a:gd name="connsiteY4" fmla="*/ 723046 h 4248924"/>
+                  <a:gd name="connsiteX0" fmla="*/ 293704 w 1460626"/>
+                  <a:gd name="connsiteY0" fmla="*/ 723046 h 4248924"/>
+                  <a:gd name="connsiteX1" fmla="*/ 1460626 w 1460626"/>
+                  <a:gd name="connsiteY1" fmla="*/ 0 h 4248924"/>
+                  <a:gd name="connsiteX2" fmla="*/ 1084081 w 1460626"/>
+                  <a:gd name="connsiteY2" fmla="*/ 3634409 h 4248924"/>
+                  <a:gd name="connsiteX3" fmla="*/ 0 w 1460626"/>
+                  <a:gd name="connsiteY3" fmla="*/ 4248924 h 4248924"/>
+                  <a:gd name="connsiteX4" fmla="*/ 293704 w 1460626"/>
+                  <a:gd name="connsiteY4" fmla="*/ 723046 h 4248924"/>
+                  <a:gd name="connsiteX0" fmla="*/ 276327 w 1460626"/>
+                  <a:gd name="connsiteY0" fmla="*/ 720681 h 4248924"/>
+                  <a:gd name="connsiteX1" fmla="*/ 1460626 w 1460626"/>
+                  <a:gd name="connsiteY1" fmla="*/ 0 h 4248924"/>
+                  <a:gd name="connsiteX2" fmla="*/ 1084081 w 1460626"/>
+                  <a:gd name="connsiteY2" fmla="*/ 3634409 h 4248924"/>
+                  <a:gd name="connsiteX3" fmla="*/ 0 w 1460626"/>
+                  <a:gd name="connsiteY3" fmla="*/ 4248924 h 4248924"/>
+                  <a:gd name="connsiteX4" fmla="*/ 276327 w 1460626"/>
+                  <a:gd name="connsiteY4" fmla="*/ 720681 h 4248924"/>
+                  <a:gd name="connsiteX0" fmla="*/ 276327 w 1460626"/>
+                  <a:gd name="connsiteY0" fmla="*/ 720681 h 4248924"/>
+                  <a:gd name="connsiteX1" fmla="*/ 1460626 w 1460626"/>
+                  <a:gd name="connsiteY1" fmla="*/ 0 h 4248924"/>
+                  <a:gd name="connsiteX2" fmla="*/ 1084081 w 1460626"/>
+                  <a:gd name="connsiteY2" fmla="*/ 3634409 h 4248924"/>
+                  <a:gd name="connsiteX3" fmla="*/ 0 w 1460626"/>
+                  <a:gd name="connsiteY3" fmla="*/ 4248924 h 4248924"/>
+                  <a:gd name="connsiteX4" fmla="*/ 276327 w 1460626"/>
+                  <a:gd name="connsiteY4" fmla="*/ 720681 h 4248924"/>
+                  <a:gd name="connsiteX0" fmla="*/ 276327 w 1460626"/>
+                  <a:gd name="connsiteY0" fmla="*/ 720681 h 4248924"/>
+                  <a:gd name="connsiteX1" fmla="*/ 1460626 w 1460626"/>
+                  <a:gd name="connsiteY1" fmla="*/ 0 h 4248924"/>
+                  <a:gd name="connsiteX2" fmla="*/ 1084081 w 1460626"/>
+                  <a:gd name="connsiteY2" fmla="*/ 3634409 h 4248924"/>
+                  <a:gd name="connsiteX3" fmla="*/ 0 w 1460626"/>
+                  <a:gd name="connsiteY3" fmla="*/ 4248924 h 4248924"/>
+                  <a:gd name="connsiteX4" fmla="*/ 276327 w 1460626"/>
+                  <a:gd name="connsiteY4" fmla="*/ 720681 h 4248924"/>
+                  <a:gd name="connsiteX0" fmla="*/ 276327 w 1460626"/>
+                  <a:gd name="connsiteY0" fmla="*/ 720681 h 4248924"/>
+                  <a:gd name="connsiteX1" fmla="*/ 1460626 w 1460626"/>
+                  <a:gd name="connsiteY1" fmla="*/ 0 h 4248924"/>
+                  <a:gd name="connsiteX2" fmla="*/ 1084081 w 1460626"/>
+                  <a:gd name="connsiteY2" fmla="*/ 3634409 h 4248924"/>
+                  <a:gd name="connsiteX3" fmla="*/ 0 w 1460626"/>
+                  <a:gd name="connsiteY3" fmla="*/ 4248924 h 4248924"/>
+                  <a:gd name="connsiteX4" fmla="*/ 276327 w 1460626"/>
+                  <a:gd name="connsiteY4" fmla="*/ 720681 h 4248924"/>
+                  <a:gd name="connsiteX0" fmla="*/ 290911 w 1460626"/>
+                  <a:gd name="connsiteY0" fmla="*/ 733557 h 4248924"/>
+                  <a:gd name="connsiteX1" fmla="*/ 1460626 w 1460626"/>
+                  <a:gd name="connsiteY1" fmla="*/ 0 h 4248924"/>
+                  <a:gd name="connsiteX2" fmla="*/ 1084081 w 1460626"/>
+                  <a:gd name="connsiteY2" fmla="*/ 3634409 h 4248924"/>
+                  <a:gd name="connsiteX3" fmla="*/ 0 w 1460626"/>
+                  <a:gd name="connsiteY3" fmla="*/ 4248924 h 4248924"/>
+                  <a:gd name="connsiteX4" fmla="*/ 290911 w 1460626"/>
+                  <a:gd name="connsiteY4" fmla="*/ 733557 h 4248924"/>
+                  <a:gd name="connsiteX0" fmla="*/ 290911 w 1460626"/>
+                  <a:gd name="connsiteY0" fmla="*/ 733557 h 4248924"/>
+                  <a:gd name="connsiteX1" fmla="*/ 1460626 w 1460626"/>
+                  <a:gd name="connsiteY1" fmla="*/ 0 h 4248924"/>
+                  <a:gd name="connsiteX2" fmla="*/ 1084081 w 1460626"/>
+                  <a:gd name="connsiteY2" fmla="*/ 3634409 h 4248924"/>
+                  <a:gd name="connsiteX3" fmla="*/ 0 w 1460626"/>
+                  <a:gd name="connsiteY3" fmla="*/ 4248924 h 4248924"/>
+                  <a:gd name="connsiteX4" fmla="*/ 290911 w 1460626"/>
+                  <a:gd name="connsiteY4" fmla="*/ 733557 h 4248924"/>
+                  <a:gd name="connsiteX0" fmla="*/ 290911 w 1460626"/>
+                  <a:gd name="connsiteY0" fmla="*/ 733557 h 4248924"/>
+                  <a:gd name="connsiteX1" fmla="*/ 1460626 w 1460626"/>
+                  <a:gd name="connsiteY1" fmla="*/ 0 h 4248924"/>
+                  <a:gd name="connsiteX2" fmla="*/ 1084081 w 1460626"/>
+                  <a:gd name="connsiteY2" fmla="*/ 3634409 h 4248924"/>
+                  <a:gd name="connsiteX3" fmla="*/ 0 w 1460626"/>
+                  <a:gd name="connsiteY3" fmla="*/ 4248924 h 4248924"/>
+                  <a:gd name="connsiteX4" fmla="*/ 290911 w 1460626"/>
+                  <a:gd name="connsiteY4" fmla="*/ 733557 h 4248924"/>
+                  <a:gd name="connsiteX0" fmla="*/ 290911 w 1460626"/>
+                  <a:gd name="connsiteY0" fmla="*/ 733557 h 4248924"/>
+                  <a:gd name="connsiteX1" fmla="*/ 1460626 w 1460626"/>
+                  <a:gd name="connsiteY1" fmla="*/ 0 h 4248924"/>
+                  <a:gd name="connsiteX2" fmla="*/ 1084081 w 1460626"/>
+                  <a:gd name="connsiteY2" fmla="*/ 3634409 h 4248924"/>
+                  <a:gd name="connsiteX3" fmla="*/ 0 w 1460626"/>
+                  <a:gd name="connsiteY3" fmla="*/ 4248924 h 4248924"/>
+                  <a:gd name="connsiteX4" fmla="*/ 290911 w 1460626"/>
+                  <a:gd name="connsiteY4" fmla="*/ 733557 h 4248924"/>
+                  <a:gd name="connsiteX0" fmla="*/ 290911 w 1460626"/>
+                  <a:gd name="connsiteY0" fmla="*/ 733557 h 4248924"/>
+                  <a:gd name="connsiteX1" fmla="*/ 1460626 w 1460626"/>
+                  <a:gd name="connsiteY1" fmla="*/ 0 h 4248924"/>
+                  <a:gd name="connsiteX2" fmla="*/ 1084081 w 1460626"/>
+                  <a:gd name="connsiteY2" fmla="*/ 3634409 h 4248924"/>
+                  <a:gd name="connsiteX3" fmla="*/ 0 w 1460626"/>
+                  <a:gd name="connsiteY3" fmla="*/ 4248924 h 4248924"/>
+                  <a:gd name="connsiteX4" fmla="*/ 290911 w 1460626"/>
+                  <a:gd name="connsiteY4" fmla="*/ 733557 h 4248924"/>
+                </a:gdLst>
+                <a:ahLst/>
+                <a:cxnLst>
+                  <a:cxn ang="0">
+                    <a:pos x="connsiteX0" y="connsiteY0"/>
+                  </a:cxn>
+                  <a:cxn ang="0">
+                    <a:pos x="connsiteX1" y="connsiteY1"/>
+                  </a:cxn>
+                  <a:cxn ang="0">
+                    <a:pos x="connsiteX2" y="connsiteY2"/>
+                  </a:cxn>
+                  <a:cxn ang="0">
+                    <a:pos x="connsiteX3" y="connsiteY3"/>
+                  </a:cxn>
+                  <a:cxn ang="0">
+                    <a:pos x="connsiteX4" y="connsiteY4"/>
+                  </a:cxn>
+                </a:cxnLst>
+                <a:rect l="l" t="t" r="r" b="b"/>
+                <a:pathLst>
+                  <a:path w="1460626" h="4248924">
+                    <a:moveTo>
+                      <a:pt x="290911" y="733557"/>
+                    </a:moveTo>
+                    <a:cubicBezTo>
+                      <a:pt x="531650" y="454671"/>
+                      <a:pt x="1037774" y="176503"/>
+                      <a:pt x="1460626" y="0"/>
+                    </a:cubicBezTo>
+                    <a:cubicBezTo>
+                      <a:pt x="632255" y="603925"/>
+                      <a:pt x="874022" y="2567868"/>
+                      <a:pt x="1084081" y="3634409"/>
+                    </a:cubicBezTo>
+                    <a:lnTo>
+                      <a:pt x="0" y="4248924"/>
+                    </a:lnTo>
+                    <a:cubicBezTo>
+                      <a:pt x="57596" y="2979653"/>
+                      <a:pt x="-46585" y="1768692"/>
+                      <a:pt x="290911" y="733557"/>
+                    </a:cubicBezTo>
+                    <a:close/>
+                  </a:path>
+                </a:pathLst>
+              </a:custGeom>
+              <a:solidFill>
+                <a:srgbClr val="FF0000"/>
+              </a:solidFill>
+              <a:ln>
+                <a:noFill/>
+              </a:ln>
+              <a:effectLst/>
+            </p:spPr>
+            <p:style>
+              <a:lnRef idx="2">
+                <a:schemeClr val="accent1">
+                  <a:shade val="50000"/>
+                </a:schemeClr>
+              </a:lnRef>
+              <a:fillRef idx="1">
+                <a:schemeClr val="accent1"/>
+              </a:fillRef>
+              <a:effectRef idx="0">
+                <a:schemeClr val="accent1"/>
+              </a:effectRef>
+              <a:fontRef idx="minor">
+                <a:schemeClr val="lt1"/>
+              </a:fontRef>
+            </p:style>
+            <p:txBody>
+              <a:bodyPr rtlCol="0" anchor="ctr"/>
+              <a:lstStyle/>
+              <a:p>
+                <a:pPr algn="ctr"/>
+                <a:endParaRPr lang="pt-BR"/>
+              </a:p>
+            </p:txBody>
+          </p:sp>
+          <p:sp>
+            <p:nvSpPr>
+              <p:cNvPr id="16" name="Retângulo 1"/>
+              <p:cNvSpPr/>
+              <p:nvPr/>
+            </p:nvSpPr>
+            <p:spPr>
+              <a:xfrm rot="19604205">
+                <a:off x="5699997" y="1909793"/>
+                <a:ext cx="4005801" cy="2707215"/>
+              </a:xfrm>
+              <a:custGeom>
+                <a:avLst/>
+                <a:gdLst>
+                  <a:gd name="connsiteX0" fmla="*/ 0 w 4924425"/>
+                  <a:gd name="connsiteY0" fmla="*/ 0 h 1219200"/>
+                  <a:gd name="connsiteX1" fmla="*/ 4924425 w 4924425"/>
+                  <a:gd name="connsiteY1" fmla="*/ 0 h 1219200"/>
+                  <a:gd name="connsiteX2" fmla="*/ 4924425 w 4924425"/>
+                  <a:gd name="connsiteY2" fmla="*/ 1219200 h 1219200"/>
+                  <a:gd name="connsiteX3" fmla="*/ 0 w 4924425"/>
+                  <a:gd name="connsiteY3" fmla="*/ 1219200 h 1219200"/>
+                  <a:gd name="connsiteX4" fmla="*/ 0 w 4924425"/>
+                  <a:gd name="connsiteY4" fmla="*/ 0 h 1219200"/>
+                  <a:gd name="connsiteX0" fmla="*/ 0 w 4924425"/>
+                  <a:gd name="connsiteY0" fmla="*/ 214339 h 1433539"/>
+                  <a:gd name="connsiteX1" fmla="*/ 2843706 w 4924425"/>
+                  <a:gd name="connsiteY1" fmla="*/ 0 h 1433539"/>
+                  <a:gd name="connsiteX2" fmla="*/ 4924425 w 4924425"/>
+                  <a:gd name="connsiteY2" fmla="*/ 1433539 h 1433539"/>
+                  <a:gd name="connsiteX3" fmla="*/ 0 w 4924425"/>
+                  <a:gd name="connsiteY3" fmla="*/ 1433539 h 1433539"/>
+                  <a:gd name="connsiteX4" fmla="*/ 0 w 4924425"/>
+                  <a:gd name="connsiteY4" fmla="*/ 214339 h 1433539"/>
+                  <a:gd name="connsiteX0" fmla="*/ 0 w 4924425"/>
+                  <a:gd name="connsiteY0" fmla="*/ 214339 h 1433539"/>
+                  <a:gd name="connsiteX1" fmla="*/ 2843706 w 4924425"/>
+                  <a:gd name="connsiteY1" fmla="*/ 0 h 1433539"/>
+                  <a:gd name="connsiteX2" fmla="*/ 4924425 w 4924425"/>
+                  <a:gd name="connsiteY2" fmla="*/ 1433539 h 1433539"/>
+                  <a:gd name="connsiteX3" fmla="*/ 0 w 4924425"/>
+                  <a:gd name="connsiteY3" fmla="*/ 1433539 h 1433539"/>
+                  <a:gd name="connsiteX4" fmla="*/ 0 w 4924425"/>
+                  <a:gd name="connsiteY4" fmla="*/ 214339 h 1433539"/>
+                  <a:gd name="connsiteX0" fmla="*/ 0 w 4924425"/>
+                  <a:gd name="connsiteY0" fmla="*/ 507488 h 1726688"/>
+                  <a:gd name="connsiteX1" fmla="*/ 2830955 w 4924425"/>
+                  <a:gd name="connsiteY1" fmla="*/ 0 h 1726688"/>
+                  <a:gd name="connsiteX2" fmla="*/ 4924425 w 4924425"/>
+                  <a:gd name="connsiteY2" fmla="*/ 1726688 h 1726688"/>
+                  <a:gd name="connsiteX3" fmla="*/ 0 w 4924425"/>
+                  <a:gd name="connsiteY3" fmla="*/ 1726688 h 1726688"/>
+                  <a:gd name="connsiteX4" fmla="*/ 0 w 4924425"/>
+                  <a:gd name="connsiteY4" fmla="*/ 507488 h 1726688"/>
+                  <a:gd name="connsiteX0" fmla="*/ 0 w 4924425"/>
+                  <a:gd name="connsiteY0" fmla="*/ 507488 h 1726688"/>
+                  <a:gd name="connsiteX1" fmla="*/ 2830955 w 4924425"/>
+                  <a:gd name="connsiteY1" fmla="*/ 0 h 1726688"/>
+                  <a:gd name="connsiteX2" fmla="*/ 4924425 w 4924425"/>
+                  <a:gd name="connsiteY2" fmla="*/ 1726688 h 1726688"/>
+                  <a:gd name="connsiteX3" fmla="*/ 0 w 4924425"/>
+                  <a:gd name="connsiteY3" fmla="*/ 1726688 h 1726688"/>
+                  <a:gd name="connsiteX4" fmla="*/ 0 w 4924425"/>
+                  <a:gd name="connsiteY4" fmla="*/ 507488 h 1726688"/>
+                  <a:gd name="connsiteX0" fmla="*/ 0 w 4924425"/>
+                  <a:gd name="connsiteY0" fmla="*/ 507488 h 1726688"/>
+                  <a:gd name="connsiteX1" fmla="*/ 2830955 w 4924425"/>
+                  <a:gd name="connsiteY1" fmla="*/ 0 h 1726688"/>
+                  <a:gd name="connsiteX2" fmla="*/ 4924425 w 4924425"/>
+                  <a:gd name="connsiteY2" fmla="*/ 1726688 h 1726688"/>
+                  <a:gd name="connsiteX3" fmla="*/ 0 w 4924425"/>
+                  <a:gd name="connsiteY3" fmla="*/ 1726688 h 1726688"/>
+                  <a:gd name="connsiteX4" fmla="*/ 0 w 4924425"/>
+                  <a:gd name="connsiteY4" fmla="*/ 507488 h 1726688"/>
+                  <a:gd name="connsiteX0" fmla="*/ 0 w 4924425"/>
+                  <a:gd name="connsiteY0" fmla="*/ 507488 h 1726688"/>
+                  <a:gd name="connsiteX1" fmla="*/ 2830955 w 4924425"/>
+                  <a:gd name="connsiteY1" fmla="*/ 0 h 1726688"/>
+                  <a:gd name="connsiteX2" fmla="*/ 4924425 w 4924425"/>
+                  <a:gd name="connsiteY2" fmla="*/ 1726688 h 1726688"/>
+                  <a:gd name="connsiteX3" fmla="*/ 0 w 4924425"/>
+                  <a:gd name="connsiteY3" fmla="*/ 1726688 h 1726688"/>
+                  <a:gd name="connsiteX4" fmla="*/ 0 w 4924425"/>
+                  <a:gd name="connsiteY4" fmla="*/ 507488 h 1726688"/>
+                  <a:gd name="connsiteX0" fmla="*/ 0 w 5281653"/>
+                  <a:gd name="connsiteY0" fmla="*/ 507488 h 1726688"/>
+                  <a:gd name="connsiteX1" fmla="*/ 2830955 w 5281653"/>
+                  <a:gd name="connsiteY1" fmla="*/ 0 h 1726688"/>
+                  <a:gd name="connsiteX2" fmla="*/ 5281653 w 5281653"/>
+                  <a:gd name="connsiteY2" fmla="*/ 1095271 h 1726688"/>
+                  <a:gd name="connsiteX3" fmla="*/ 0 w 5281653"/>
+                  <a:gd name="connsiteY3" fmla="*/ 1726688 h 1726688"/>
+                  <a:gd name="connsiteX4" fmla="*/ 0 w 5281653"/>
+                  <a:gd name="connsiteY4" fmla="*/ 507488 h 1726688"/>
+                  <a:gd name="connsiteX0" fmla="*/ 0 w 4692468"/>
+                  <a:gd name="connsiteY0" fmla="*/ 507488 h 1726688"/>
+                  <a:gd name="connsiteX1" fmla="*/ 2830955 w 4692468"/>
+                  <a:gd name="connsiteY1" fmla="*/ 0 h 1726688"/>
+                  <a:gd name="connsiteX2" fmla="*/ 4692468 w 4692468"/>
+                  <a:gd name="connsiteY2" fmla="*/ 378440 h 1726688"/>
+                  <a:gd name="connsiteX3" fmla="*/ 0 w 4692468"/>
+                  <a:gd name="connsiteY3" fmla="*/ 1726688 h 1726688"/>
+                  <a:gd name="connsiteX4" fmla="*/ 0 w 4692468"/>
+                  <a:gd name="connsiteY4" fmla="*/ 507488 h 1726688"/>
+                  <a:gd name="connsiteX0" fmla="*/ 0 w 4843025"/>
+                  <a:gd name="connsiteY0" fmla="*/ 1169214 h 2388414"/>
+                  <a:gd name="connsiteX1" fmla="*/ 2830955 w 4843025"/>
+                  <a:gd name="connsiteY1" fmla="*/ 661726 h 2388414"/>
+                  <a:gd name="connsiteX2" fmla="*/ 3959456 w 4843025"/>
+                  <a:gd name="connsiteY2" fmla="*/ 4235 h 2388414"/>
+                  <a:gd name="connsiteX3" fmla="*/ 4692468 w 4843025"/>
+                  <a:gd name="connsiteY3" fmla="*/ 1040166 h 2388414"/>
+                  <a:gd name="connsiteX4" fmla="*/ 0 w 4843025"/>
+                  <a:gd name="connsiteY4" fmla="*/ 2388414 h 2388414"/>
+                  <a:gd name="connsiteX5" fmla="*/ 0 w 4843025"/>
+                  <a:gd name="connsiteY5" fmla="*/ 1169214 h 2388414"/>
+                  <a:gd name="connsiteX0" fmla="*/ 0 w 4780066"/>
+                  <a:gd name="connsiteY0" fmla="*/ 510063 h 1729263"/>
+                  <a:gd name="connsiteX1" fmla="*/ 2830955 w 4780066"/>
+                  <a:gd name="connsiteY1" fmla="*/ 2575 h 1729263"/>
+                  <a:gd name="connsiteX2" fmla="*/ 4692468 w 4780066"/>
+                  <a:gd name="connsiteY2" fmla="*/ 381015 h 1729263"/>
+                  <a:gd name="connsiteX3" fmla="*/ 0 w 4780066"/>
+                  <a:gd name="connsiteY3" fmla="*/ 1729263 h 1729263"/>
+                  <a:gd name="connsiteX4" fmla="*/ 0 w 4780066"/>
+                  <a:gd name="connsiteY4" fmla="*/ 510063 h 1729263"/>
+                  <a:gd name="connsiteX0" fmla="*/ 0 w 3810256"/>
+                  <a:gd name="connsiteY0" fmla="*/ 508581 h 1727781"/>
+                  <a:gd name="connsiteX1" fmla="*/ 2830955 w 3810256"/>
+                  <a:gd name="connsiteY1" fmla="*/ 1093 h 1727781"/>
+                  <a:gd name="connsiteX2" fmla="*/ 3623923 w 3810256"/>
+                  <a:gd name="connsiteY2" fmla="*/ 567138 h 1727781"/>
+                  <a:gd name="connsiteX3" fmla="*/ 0 w 3810256"/>
+                  <a:gd name="connsiteY3" fmla="*/ 1727781 h 1727781"/>
+                  <a:gd name="connsiteX4" fmla="*/ 0 w 3810256"/>
+                  <a:gd name="connsiteY4" fmla="*/ 508581 h 1727781"/>
+                  <a:gd name="connsiteX0" fmla="*/ 270716 w 4080972"/>
+                  <a:gd name="connsiteY0" fmla="*/ 508581 h 1914726"/>
+                  <a:gd name="connsiteX1" fmla="*/ 3101671 w 4080972"/>
+                  <a:gd name="connsiteY1" fmla="*/ 1093 h 1914726"/>
+                  <a:gd name="connsiteX2" fmla="*/ 3894639 w 4080972"/>
+                  <a:gd name="connsiteY2" fmla="*/ 567138 h 1914726"/>
+                  <a:gd name="connsiteX3" fmla="*/ 0 w 4080972"/>
+                  <a:gd name="connsiteY3" fmla="*/ 1914726 h 1914726"/>
+                  <a:gd name="connsiteX4" fmla="*/ 270716 w 4080972"/>
+                  <a:gd name="connsiteY4" fmla="*/ 508581 h 1914726"/>
+                  <a:gd name="connsiteX0" fmla="*/ 270716 w 4257821"/>
+                  <a:gd name="connsiteY0" fmla="*/ 1255704 h 2661849"/>
+                  <a:gd name="connsiteX1" fmla="*/ 3101671 w 4257821"/>
+                  <a:gd name="connsiteY1" fmla="*/ 748216 h 2661849"/>
+                  <a:gd name="connsiteX2" fmla="*/ 3999717 w 4257821"/>
+                  <a:gd name="connsiteY2" fmla="*/ 7903 h 2661849"/>
+                  <a:gd name="connsiteX3" fmla="*/ 3894639 w 4257821"/>
+                  <a:gd name="connsiteY3" fmla="*/ 1314261 h 2661849"/>
+                  <a:gd name="connsiteX4" fmla="*/ 0 w 4257821"/>
+                  <a:gd name="connsiteY4" fmla="*/ 2661849 h 2661849"/>
+                  <a:gd name="connsiteX5" fmla="*/ 270716 w 4257821"/>
+                  <a:gd name="connsiteY5" fmla="*/ 1255704 h 2661849"/>
+                  <a:gd name="connsiteX0" fmla="*/ 270716 w 4257821"/>
+                  <a:gd name="connsiteY0" fmla="*/ 1247866 h 2654011"/>
+                  <a:gd name="connsiteX1" fmla="*/ 3101671 w 4257821"/>
+                  <a:gd name="connsiteY1" fmla="*/ 740378 h 2654011"/>
+                  <a:gd name="connsiteX2" fmla="*/ 3999717 w 4257821"/>
+                  <a:gd name="connsiteY2" fmla="*/ 65 h 2654011"/>
+                  <a:gd name="connsiteX3" fmla="*/ 3894639 w 4257821"/>
+                  <a:gd name="connsiteY3" fmla="*/ 1306423 h 2654011"/>
+                  <a:gd name="connsiteX4" fmla="*/ 0 w 4257821"/>
+                  <a:gd name="connsiteY4" fmla="*/ 2654011 h 2654011"/>
+                  <a:gd name="connsiteX5" fmla="*/ 270716 w 4257821"/>
+                  <a:gd name="connsiteY5" fmla="*/ 1247866 h 2654011"/>
+                  <a:gd name="connsiteX0" fmla="*/ 270716 w 4198965"/>
+                  <a:gd name="connsiteY0" fmla="*/ 1300661 h 2706806"/>
+                  <a:gd name="connsiteX1" fmla="*/ 3101671 w 4198965"/>
+                  <a:gd name="connsiteY1" fmla="*/ 793173 h 2706806"/>
+                  <a:gd name="connsiteX2" fmla="*/ 3999717 w 4198965"/>
+                  <a:gd name="connsiteY2" fmla="*/ 52860 h 2706806"/>
+                  <a:gd name="connsiteX3" fmla="*/ 3894639 w 4198965"/>
+                  <a:gd name="connsiteY3" fmla="*/ 1359218 h 2706806"/>
+                  <a:gd name="connsiteX4" fmla="*/ 0 w 4198965"/>
+                  <a:gd name="connsiteY4" fmla="*/ 2706806 h 2706806"/>
+                  <a:gd name="connsiteX5" fmla="*/ 270716 w 4198965"/>
+                  <a:gd name="connsiteY5" fmla="*/ 1300661 h 2706806"/>
+                  <a:gd name="connsiteX0" fmla="*/ 270716 w 4073874"/>
+                  <a:gd name="connsiteY0" fmla="*/ 507488 h 1913633"/>
+                  <a:gd name="connsiteX1" fmla="*/ 3101671 w 4073874"/>
+                  <a:gd name="connsiteY1" fmla="*/ 0 h 1913633"/>
+                  <a:gd name="connsiteX2" fmla="*/ 3894639 w 4073874"/>
+                  <a:gd name="connsiteY2" fmla="*/ 566045 h 1913633"/>
+                  <a:gd name="connsiteX3" fmla="*/ 0 w 4073874"/>
+                  <a:gd name="connsiteY3" fmla="*/ 1913633 h 1913633"/>
+                  <a:gd name="connsiteX4" fmla="*/ 270716 w 4073874"/>
+                  <a:gd name="connsiteY4" fmla="*/ 507488 h 1913633"/>
+                  <a:gd name="connsiteX0" fmla="*/ 270716 w 3101671"/>
+                  <a:gd name="connsiteY0" fmla="*/ 507488 h 1913633"/>
+                  <a:gd name="connsiteX1" fmla="*/ 3101671 w 3101671"/>
+                  <a:gd name="connsiteY1" fmla="*/ 0 h 1913633"/>
+                  <a:gd name="connsiteX2" fmla="*/ 0 w 3101671"/>
+                  <a:gd name="connsiteY2" fmla="*/ 1913633 h 1913633"/>
+                  <a:gd name="connsiteX3" fmla="*/ 270716 w 3101671"/>
+                  <a:gd name="connsiteY3" fmla="*/ 507488 h 1913633"/>
+                  <a:gd name="connsiteX0" fmla="*/ 270716 w 3764782"/>
+                  <a:gd name="connsiteY0" fmla="*/ 514922 h 1921067"/>
+                  <a:gd name="connsiteX1" fmla="*/ 3101671 w 3764782"/>
+                  <a:gd name="connsiteY1" fmla="*/ 7434 h 1921067"/>
+                  <a:gd name="connsiteX2" fmla="*/ 3549548 w 3764782"/>
+                  <a:gd name="connsiteY2" fmla="*/ 543838 h 1921067"/>
+                  <a:gd name="connsiteX3" fmla="*/ 0 w 3764782"/>
+                  <a:gd name="connsiteY3" fmla="*/ 1921067 h 1921067"/>
+                  <a:gd name="connsiteX4" fmla="*/ 270716 w 3764782"/>
+                  <a:gd name="connsiteY4" fmla="*/ 514922 h 1921067"/>
+                  <a:gd name="connsiteX0" fmla="*/ 270716 w 3829101"/>
+                  <a:gd name="connsiteY0" fmla="*/ 2145800 h 3551945"/>
+                  <a:gd name="connsiteX1" fmla="*/ 3101671 w 3829101"/>
+                  <a:gd name="connsiteY1" fmla="*/ 1638312 h 3551945"/>
+                  <a:gd name="connsiteX2" fmla="*/ 3504313 w 3829101"/>
+                  <a:gd name="connsiteY2" fmla="*/ 3467 h 3551945"/>
+                  <a:gd name="connsiteX3" fmla="*/ 3549548 w 3829101"/>
+                  <a:gd name="connsiteY3" fmla="*/ 2174716 h 3551945"/>
+                  <a:gd name="connsiteX4" fmla="*/ 0 w 3829101"/>
+                  <a:gd name="connsiteY4" fmla="*/ 3551945 h 3551945"/>
+                  <a:gd name="connsiteX5" fmla="*/ 270716 w 3829101"/>
+                  <a:gd name="connsiteY5" fmla="*/ 2145800 h 3551945"/>
+                  <a:gd name="connsiteX0" fmla="*/ 270716 w 3912666"/>
+                  <a:gd name="connsiteY0" fmla="*/ 1620791 h 3026936"/>
+                  <a:gd name="connsiteX1" fmla="*/ 3101671 w 3912666"/>
+                  <a:gd name="connsiteY1" fmla="*/ 1113303 h 3026936"/>
+                  <a:gd name="connsiteX2" fmla="*/ 3751284 w 3912666"/>
+                  <a:gd name="connsiteY2" fmla="*/ 4985 h 3026936"/>
+                  <a:gd name="connsiteX3" fmla="*/ 3549548 w 3912666"/>
+                  <a:gd name="connsiteY3" fmla="*/ 1649707 h 3026936"/>
+                  <a:gd name="connsiteX4" fmla="*/ 0 w 3912666"/>
+                  <a:gd name="connsiteY4" fmla="*/ 3026936 h 3026936"/>
+                  <a:gd name="connsiteX5" fmla="*/ 270716 w 3912666"/>
+                  <a:gd name="connsiteY5" fmla="*/ 1620791 h 3026936"/>
+                  <a:gd name="connsiteX0" fmla="*/ 270716 w 4031083"/>
+                  <a:gd name="connsiteY0" fmla="*/ 1309776 h 2715921"/>
+                  <a:gd name="connsiteX1" fmla="*/ 3101671 w 4031083"/>
+                  <a:gd name="connsiteY1" fmla="*/ 802288 h 2715921"/>
+                  <a:gd name="connsiteX2" fmla="*/ 3967603 w 4031083"/>
+                  <a:gd name="connsiteY2" fmla="*/ 6735 h 2715921"/>
+                  <a:gd name="connsiteX3" fmla="*/ 3549548 w 4031083"/>
+                  <a:gd name="connsiteY3" fmla="*/ 1338692 h 2715921"/>
+                  <a:gd name="connsiteX4" fmla="*/ 0 w 4031083"/>
+                  <a:gd name="connsiteY4" fmla="*/ 2715921 h 2715921"/>
+                  <a:gd name="connsiteX5" fmla="*/ 270716 w 4031083"/>
+                  <a:gd name="connsiteY5" fmla="*/ 1309776 h 2715921"/>
+                  <a:gd name="connsiteX0" fmla="*/ 270716 w 3978139"/>
+                  <a:gd name="connsiteY0" fmla="*/ 1309776 h 2715921"/>
+                  <a:gd name="connsiteX1" fmla="*/ 3101671 w 3978139"/>
+                  <a:gd name="connsiteY1" fmla="*/ 802288 h 2715921"/>
+                  <a:gd name="connsiteX2" fmla="*/ 3967603 w 3978139"/>
+                  <a:gd name="connsiteY2" fmla="*/ 6735 h 2715921"/>
+                  <a:gd name="connsiteX3" fmla="*/ 3549548 w 3978139"/>
+                  <a:gd name="connsiteY3" fmla="*/ 1338692 h 2715921"/>
+                  <a:gd name="connsiteX4" fmla="*/ 0 w 3978139"/>
+                  <a:gd name="connsiteY4" fmla="*/ 2715921 h 2715921"/>
+                  <a:gd name="connsiteX5" fmla="*/ 270716 w 3978139"/>
+                  <a:gd name="connsiteY5" fmla="*/ 1309776 h 2715921"/>
+                  <a:gd name="connsiteX0" fmla="*/ 270716 w 3997782"/>
+                  <a:gd name="connsiteY0" fmla="*/ 1326890 h 2733035"/>
+                  <a:gd name="connsiteX1" fmla="*/ 3101671 w 3997782"/>
+                  <a:gd name="connsiteY1" fmla="*/ 819402 h 2733035"/>
+                  <a:gd name="connsiteX2" fmla="*/ 3967603 w 3997782"/>
+                  <a:gd name="connsiteY2" fmla="*/ 23849 h 2733035"/>
+                  <a:gd name="connsiteX3" fmla="*/ 3549548 w 3997782"/>
+                  <a:gd name="connsiteY3" fmla="*/ 1355806 h 2733035"/>
+                  <a:gd name="connsiteX4" fmla="*/ 0 w 3997782"/>
+                  <a:gd name="connsiteY4" fmla="*/ 2733035 h 2733035"/>
+                  <a:gd name="connsiteX5" fmla="*/ 270716 w 3997782"/>
+                  <a:gd name="connsiteY5" fmla="*/ 1326890 h 2733035"/>
+                  <a:gd name="connsiteX0" fmla="*/ 270716 w 3981690"/>
+                  <a:gd name="connsiteY0" fmla="*/ 1325819 h 2731964"/>
+                  <a:gd name="connsiteX1" fmla="*/ 3101671 w 3981690"/>
+                  <a:gd name="connsiteY1" fmla="*/ 818331 h 2731964"/>
+                  <a:gd name="connsiteX2" fmla="*/ 3967603 w 3981690"/>
+                  <a:gd name="connsiteY2" fmla="*/ 22778 h 2731964"/>
+                  <a:gd name="connsiteX3" fmla="*/ 3494565 w 3981690"/>
+                  <a:gd name="connsiteY3" fmla="*/ 1421191 h 2731964"/>
+                  <a:gd name="connsiteX4" fmla="*/ 0 w 3981690"/>
+                  <a:gd name="connsiteY4" fmla="*/ 2731964 h 2731964"/>
+                  <a:gd name="connsiteX5" fmla="*/ 270716 w 3981690"/>
+                  <a:gd name="connsiteY5" fmla="*/ 1325819 h 2731964"/>
+                  <a:gd name="connsiteX0" fmla="*/ 270716 w 3981690"/>
+                  <a:gd name="connsiteY0" fmla="*/ 1325819 h 2731964"/>
+                  <a:gd name="connsiteX1" fmla="*/ 3101671 w 3981690"/>
+                  <a:gd name="connsiteY1" fmla="*/ 818331 h 2731964"/>
+                  <a:gd name="connsiteX2" fmla="*/ 3967603 w 3981690"/>
+                  <a:gd name="connsiteY2" fmla="*/ 22778 h 2731964"/>
+                  <a:gd name="connsiteX3" fmla="*/ 3494565 w 3981690"/>
+                  <a:gd name="connsiteY3" fmla="*/ 1421191 h 2731964"/>
+                  <a:gd name="connsiteX4" fmla="*/ 0 w 3981690"/>
+                  <a:gd name="connsiteY4" fmla="*/ 2731964 h 2731964"/>
+                  <a:gd name="connsiteX5" fmla="*/ 270716 w 3981690"/>
+                  <a:gd name="connsiteY5" fmla="*/ 1325819 h 2731964"/>
+                  <a:gd name="connsiteX0" fmla="*/ 270716 w 3981690"/>
+                  <a:gd name="connsiteY0" fmla="*/ 1331311 h 2737456"/>
+                  <a:gd name="connsiteX1" fmla="*/ 3101671 w 3981690"/>
+                  <a:gd name="connsiteY1" fmla="*/ 823823 h 2737456"/>
+                  <a:gd name="connsiteX2" fmla="*/ 3506141 w 3981690"/>
+                  <a:gd name="connsiteY2" fmla="*/ 456326 h 2737456"/>
+                  <a:gd name="connsiteX3" fmla="*/ 3967603 w 3981690"/>
+                  <a:gd name="connsiteY3" fmla="*/ 28270 h 2737456"/>
+                  <a:gd name="connsiteX4" fmla="*/ 3494565 w 3981690"/>
+                  <a:gd name="connsiteY4" fmla="*/ 1426683 h 2737456"/>
+                  <a:gd name="connsiteX5" fmla="*/ 0 w 3981690"/>
+                  <a:gd name="connsiteY5" fmla="*/ 2737456 h 2737456"/>
+                  <a:gd name="connsiteX6" fmla="*/ 270716 w 3981690"/>
+                  <a:gd name="connsiteY6" fmla="*/ 1331311 h 2737456"/>
+                  <a:gd name="connsiteX0" fmla="*/ 270716 w 3981690"/>
+                  <a:gd name="connsiteY0" fmla="*/ 1407690 h 2813835"/>
+                  <a:gd name="connsiteX1" fmla="*/ 3101671 w 3981690"/>
+                  <a:gd name="connsiteY1" fmla="*/ 900202 h 2813835"/>
+                  <a:gd name="connsiteX2" fmla="*/ 3506141 w 3981690"/>
+                  <a:gd name="connsiteY2" fmla="*/ 532705 h 2813835"/>
+                  <a:gd name="connsiteX3" fmla="*/ 3967603 w 3981690"/>
+                  <a:gd name="connsiteY3" fmla="*/ 104649 h 2813835"/>
+                  <a:gd name="connsiteX4" fmla="*/ 3494565 w 3981690"/>
+                  <a:gd name="connsiteY4" fmla="*/ 1503062 h 2813835"/>
+                  <a:gd name="connsiteX5" fmla="*/ 0 w 3981690"/>
+                  <a:gd name="connsiteY5" fmla="*/ 2813835 h 2813835"/>
+                  <a:gd name="connsiteX6" fmla="*/ 270716 w 3981690"/>
+                  <a:gd name="connsiteY6" fmla="*/ 1407690 h 2813835"/>
+                  <a:gd name="connsiteX0" fmla="*/ 270716 w 3981690"/>
+                  <a:gd name="connsiteY0" fmla="*/ 1407690 h 2813835"/>
+                  <a:gd name="connsiteX1" fmla="*/ 3101671 w 3981690"/>
+                  <a:gd name="connsiteY1" fmla="*/ 900202 h 2813835"/>
+                  <a:gd name="connsiteX2" fmla="*/ 3506141 w 3981690"/>
+                  <a:gd name="connsiteY2" fmla="*/ 532705 h 2813835"/>
+                  <a:gd name="connsiteX3" fmla="*/ 3967603 w 3981690"/>
+                  <a:gd name="connsiteY3" fmla="*/ 104649 h 2813835"/>
+                  <a:gd name="connsiteX4" fmla="*/ 3494565 w 3981690"/>
+                  <a:gd name="connsiteY4" fmla="*/ 1503062 h 2813835"/>
+                  <a:gd name="connsiteX5" fmla="*/ 0 w 3981690"/>
+                  <a:gd name="connsiteY5" fmla="*/ 2813835 h 2813835"/>
+                  <a:gd name="connsiteX6" fmla="*/ 270716 w 3981690"/>
+                  <a:gd name="connsiteY6" fmla="*/ 1407690 h 2813835"/>
+                  <a:gd name="connsiteX0" fmla="*/ 270716 w 3981690"/>
+                  <a:gd name="connsiteY0" fmla="*/ 1341084 h 2747229"/>
+                  <a:gd name="connsiteX1" fmla="*/ 3101671 w 3981690"/>
+                  <a:gd name="connsiteY1" fmla="*/ 833596 h 2747229"/>
+                  <a:gd name="connsiteX2" fmla="*/ 3506141 w 3981690"/>
+                  <a:gd name="connsiteY2" fmla="*/ 466099 h 2747229"/>
+                  <a:gd name="connsiteX3" fmla="*/ 3967603 w 3981690"/>
+                  <a:gd name="connsiteY3" fmla="*/ 38043 h 2747229"/>
+                  <a:gd name="connsiteX4" fmla="*/ 3494565 w 3981690"/>
+                  <a:gd name="connsiteY4" fmla="*/ 1436456 h 2747229"/>
+                  <a:gd name="connsiteX5" fmla="*/ 0 w 3981690"/>
+                  <a:gd name="connsiteY5" fmla="*/ 2747229 h 2747229"/>
+                  <a:gd name="connsiteX6" fmla="*/ 270716 w 3981690"/>
+                  <a:gd name="connsiteY6" fmla="*/ 1341084 h 2747229"/>
+                  <a:gd name="connsiteX0" fmla="*/ 270716 w 3981690"/>
+                  <a:gd name="connsiteY0" fmla="*/ 1341084 h 2747229"/>
+                  <a:gd name="connsiteX1" fmla="*/ 3101671 w 3981690"/>
+                  <a:gd name="connsiteY1" fmla="*/ 833596 h 2747229"/>
+                  <a:gd name="connsiteX2" fmla="*/ 3506141 w 3981690"/>
+                  <a:gd name="connsiteY2" fmla="*/ 466099 h 2747229"/>
+                  <a:gd name="connsiteX3" fmla="*/ 3967603 w 3981690"/>
+                  <a:gd name="connsiteY3" fmla="*/ 38043 h 2747229"/>
+                  <a:gd name="connsiteX4" fmla="*/ 3494565 w 3981690"/>
+                  <a:gd name="connsiteY4" fmla="*/ 1436456 h 2747229"/>
+                  <a:gd name="connsiteX5" fmla="*/ 0 w 3981690"/>
+                  <a:gd name="connsiteY5" fmla="*/ 2747229 h 2747229"/>
+                  <a:gd name="connsiteX6" fmla="*/ 270716 w 3981690"/>
+                  <a:gd name="connsiteY6" fmla="*/ 1341084 h 2747229"/>
+                  <a:gd name="connsiteX0" fmla="*/ 270716 w 3981690"/>
+                  <a:gd name="connsiteY0" fmla="*/ 1325819 h 2731964"/>
+                  <a:gd name="connsiteX1" fmla="*/ 3101671 w 3981690"/>
+                  <a:gd name="connsiteY1" fmla="*/ 818331 h 2731964"/>
+                  <a:gd name="connsiteX2" fmla="*/ 3967603 w 3981690"/>
+                  <a:gd name="connsiteY2" fmla="*/ 22778 h 2731964"/>
+                  <a:gd name="connsiteX3" fmla="*/ 3494565 w 3981690"/>
+                  <a:gd name="connsiteY3" fmla="*/ 1421191 h 2731964"/>
+                  <a:gd name="connsiteX4" fmla="*/ 0 w 3981690"/>
+                  <a:gd name="connsiteY4" fmla="*/ 2731964 h 2731964"/>
+                  <a:gd name="connsiteX5" fmla="*/ 270716 w 3981690"/>
+                  <a:gd name="connsiteY5" fmla="*/ 1325819 h 2731964"/>
+                  <a:gd name="connsiteX0" fmla="*/ 270716 w 3981690"/>
+                  <a:gd name="connsiteY0" fmla="*/ 1325819 h 2731964"/>
+                  <a:gd name="connsiteX1" fmla="*/ 3115116 w 3981690"/>
+                  <a:gd name="connsiteY1" fmla="*/ 849933 h 2731964"/>
+                  <a:gd name="connsiteX2" fmla="*/ 3967603 w 3981690"/>
+                  <a:gd name="connsiteY2" fmla="*/ 22778 h 2731964"/>
+                  <a:gd name="connsiteX3" fmla="*/ 3494565 w 3981690"/>
+                  <a:gd name="connsiteY3" fmla="*/ 1421191 h 2731964"/>
+                  <a:gd name="connsiteX4" fmla="*/ 0 w 3981690"/>
+                  <a:gd name="connsiteY4" fmla="*/ 2731964 h 2731964"/>
+                  <a:gd name="connsiteX5" fmla="*/ 270716 w 3981690"/>
+                  <a:gd name="connsiteY5" fmla="*/ 1325819 h 2731964"/>
+                  <a:gd name="connsiteX0" fmla="*/ 270716 w 3979616"/>
+                  <a:gd name="connsiteY0" fmla="*/ 1338805 h 2744950"/>
+                  <a:gd name="connsiteX1" fmla="*/ 3115116 w 3979616"/>
+                  <a:gd name="connsiteY1" fmla="*/ 862919 h 2744950"/>
+                  <a:gd name="connsiteX2" fmla="*/ 3964863 w 3979616"/>
+                  <a:gd name="connsiteY2" fmla="*/ 22575 h 2744950"/>
+                  <a:gd name="connsiteX3" fmla="*/ 3494565 w 3979616"/>
+                  <a:gd name="connsiteY3" fmla="*/ 1434177 h 2744950"/>
+                  <a:gd name="connsiteX4" fmla="*/ 0 w 3979616"/>
+                  <a:gd name="connsiteY4" fmla="*/ 2744950 h 2744950"/>
+                  <a:gd name="connsiteX5" fmla="*/ 270716 w 3979616"/>
+                  <a:gd name="connsiteY5" fmla="*/ 1338805 h 2744950"/>
+                  <a:gd name="connsiteX0" fmla="*/ 270716 w 3979616"/>
+                  <a:gd name="connsiteY0" fmla="*/ 1338805 h 2744950"/>
+                  <a:gd name="connsiteX1" fmla="*/ 3115116 w 3979616"/>
+                  <a:gd name="connsiteY1" fmla="*/ 862919 h 2744950"/>
+                  <a:gd name="connsiteX2" fmla="*/ 3964863 w 3979616"/>
+                  <a:gd name="connsiteY2" fmla="*/ 22575 h 2744950"/>
+                  <a:gd name="connsiteX3" fmla="*/ 3494565 w 3979616"/>
+                  <a:gd name="connsiteY3" fmla="*/ 1434177 h 2744950"/>
+                  <a:gd name="connsiteX4" fmla="*/ 0 w 3979616"/>
+                  <a:gd name="connsiteY4" fmla="*/ 2744950 h 2744950"/>
+                  <a:gd name="connsiteX5" fmla="*/ 270716 w 3979616"/>
+                  <a:gd name="connsiteY5" fmla="*/ 1338805 h 2744950"/>
+                  <a:gd name="connsiteX0" fmla="*/ 270716 w 3979616"/>
+                  <a:gd name="connsiteY0" fmla="*/ 1338805 h 2744950"/>
+                  <a:gd name="connsiteX1" fmla="*/ 3147171 w 3979616"/>
+                  <a:gd name="connsiteY1" fmla="*/ 856261 h 2744950"/>
+                  <a:gd name="connsiteX2" fmla="*/ 3964863 w 3979616"/>
+                  <a:gd name="connsiteY2" fmla="*/ 22575 h 2744950"/>
+                  <a:gd name="connsiteX3" fmla="*/ 3494565 w 3979616"/>
+                  <a:gd name="connsiteY3" fmla="*/ 1434177 h 2744950"/>
+                  <a:gd name="connsiteX4" fmla="*/ 0 w 3979616"/>
+                  <a:gd name="connsiteY4" fmla="*/ 2744950 h 2744950"/>
+                  <a:gd name="connsiteX5" fmla="*/ 270716 w 3979616"/>
+                  <a:gd name="connsiteY5" fmla="*/ 1338805 h 2744950"/>
+                  <a:gd name="connsiteX0" fmla="*/ 270716 w 3979616"/>
+                  <a:gd name="connsiteY0" fmla="*/ 1338805 h 2744950"/>
+                  <a:gd name="connsiteX1" fmla="*/ 3147171 w 3979616"/>
+                  <a:gd name="connsiteY1" fmla="*/ 856261 h 2744950"/>
+                  <a:gd name="connsiteX2" fmla="*/ 3964863 w 3979616"/>
+                  <a:gd name="connsiteY2" fmla="*/ 22575 h 2744950"/>
+                  <a:gd name="connsiteX3" fmla="*/ 3494565 w 3979616"/>
+                  <a:gd name="connsiteY3" fmla="*/ 1434177 h 2744950"/>
+                  <a:gd name="connsiteX4" fmla="*/ 0 w 3979616"/>
+                  <a:gd name="connsiteY4" fmla="*/ 2744950 h 2744950"/>
+                  <a:gd name="connsiteX5" fmla="*/ 270716 w 3979616"/>
+                  <a:gd name="connsiteY5" fmla="*/ 1338805 h 2744950"/>
+                  <a:gd name="connsiteX0" fmla="*/ 270716 w 3979616"/>
+                  <a:gd name="connsiteY0" fmla="*/ 1338805 h 2744950"/>
+                  <a:gd name="connsiteX1" fmla="*/ 3147171 w 3979616"/>
+                  <a:gd name="connsiteY1" fmla="*/ 856261 h 2744950"/>
+                  <a:gd name="connsiteX2" fmla="*/ 3964863 w 3979616"/>
+                  <a:gd name="connsiteY2" fmla="*/ 22575 h 2744950"/>
+                  <a:gd name="connsiteX3" fmla="*/ 3494565 w 3979616"/>
+                  <a:gd name="connsiteY3" fmla="*/ 1434177 h 2744950"/>
+                  <a:gd name="connsiteX4" fmla="*/ 0 w 3979616"/>
+                  <a:gd name="connsiteY4" fmla="*/ 2744950 h 2744950"/>
+                  <a:gd name="connsiteX5" fmla="*/ 270716 w 3979616"/>
+                  <a:gd name="connsiteY5" fmla="*/ 1338805 h 2744950"/>
+                  <a:gd name="connsiteX0" fmla="*/ 270716 w 3987461"/>
+                  <a:gd name="connsiteY0" fmla="*/ 1290171 h 2696316"/>
+                  <a:gd name="connsiteX1" fmla="*/ 3147171 w 3987461"/>
+                  <a:gd name="connsiteY1" fmla="*/ 807627 h 2696316"/>
+                  <a:gd name="connsiteX2" fmla="*/ 3975128 w 3987461"/>
+                  <a:gd name="connsiteY2" fmla="*/ 23350 h 2696316"/>
+                  <a:gd name="connsiteX3" fmla="*/ 3494565 w 3987461"/>
+                  <a:gd name="connsiteY3" fmla="*/ 1385543 h 2696316"/>
+                  <a:gd name="connsiteX4" fmla="*/ 0 w 3987461"/>
+                  <a:gd name="connsiteY4" fmla="*/ 2696316 h 2696316"/>
+                  <a:gd name="connsiteX5" fmla="*/ 270716 w 3987461"/>
+                  <a:gd name="connsiteY5" fmla="*/ 1290171 h 2696316"/>
+                  <a:gd name="connsiteX0" fmla="*/ 270716 w 4052855"/>
+                  <a:gd name="connsiteY0" fmla="*/ 1291744 h 2697889"/>
+                  <a:gd name="connsiteX1" fmla="*/ 3147171 w 4052855"/>
+                  <a:gd name="connsiteY1" fmla="*/ 809200 h 2697889"/>
+                  <a:gd name="connsiteX2" fmla="*/ 3975128 w 4052855"/>
+                  <a:gd name="connsiteY2" fmla="*/ 24923 h 2697889"/>
+                  <a:gd name="connsiteX3" fmla="*/ 3668247 w 4052855"/>
+                  <a:gd name="connsiteY3" fmla="*/ 1295999 h 2697889"/>
+                  <a:gd name="connsiteX4" fmla="*/ 0 w 4052855"/>
+                  <a:gd name="connsiteY4" fmla="*/ 2697889 h 2697889"/>
+                  <a:gd name="connsiteX5" fmla="*/ 270716 w 4052855"/>
+                  <a:gd name="connsiteY5" fmla="*/ 1291744 h 2697889"/>
+                  <a:gd name="connsiteX0" fmla="*/ 270716 w 3994568"/>
+                  <a:gd name="connsiteY0" fmla="*/ 1296864 h 2703009"/>
+                  <a:gd name="connsiteX1" fmla="*/ 3147171 w 3994568"/>
+                  <a:gd name="connsiteY1" fmla="*/ 814320 h 2703009"/>
+                  <a:gd name="connsiteX2" fmla="*/ 3975128 w 3994568"/>
+                  <a:gd name="connsiteY2" fmla="*/ 30043 h 2703009"/>
+                  <a:gd name="connsiteX3" fmla="*/ 3668247 w 3994568"/>
+                  <a:gd name="connsiteY3" fmla="*/ 1301119 h 2703009"/>
+                  <a:gd name="connsiteX4" fmla="*/ 0 w 3994568"/>
+                  <a:gd name="connsiteY4" fmla="*/ 2703009 h 2703009"/>
+                  <a:gd name="connsiteX5" fmla="*/ 270716 w 3994568"/>
+                  <a:gd name="connsiteY5" fmla="*/ 1296864 h 2703009"/>
+                  <a:gd name="connsiteX0" fmla="*/ 270716 w 4005801"/>
+                  <a:gd name="connsiteY0" fmla="*/ 1301070 h 2707215"/>
+                  <a:gd name="connsiteX1" fmla="*/ 3147171 w 4005801"/>
+                  <a:gd name="connsiteY1" fmla="*/ 818526 h 2707215"/>
+                  <a:gd name="connsiteX2" fmla="*/ 3975128 w 4005801"/>
+                  <a:gd name="connsiteY2" fmla="*/ 34249 h 2707215"/>
+                  <a:gd name="connsiteX3" fmla="*/ 3668247 w 4005801"/>
+                  <a:gd name="connsiteY3" fmla="*/ 1305325 h 2707215"/>
+                  <a:gd name="connsiteX4" fmla="*/ 0 w 4005801"/>
+                  <a:gd name="connsiteY4" fmla="*/ 2707215 h 2707215"/>
+                  <a:gd name="connsiteX5" fmla="*/ 270716 w 4005801"/>
+                  <a:gd name="connsiteY5" fmla="*/ 1301070 h 2707215"/>
+                </a:gdLst>
+                <a:ahLst/>
+                <a:cxnLst>
+                  <a:cxn ang="0">
+                    <a:pos x="connsiteX0" y="connsiteY0"/>
+                  </a:cxn>
+                  <a:cxn ang="0">
+                    <a:pos x="connsiteX1" y="connsiteY1"/>
+                  </a:cxn>
+                  <a:cxn ang="0">
+                    <a:pos x="connsiteX2" y="connsiteY2"/>
+                  </a:cxn>
+                  <a:cxn ang="0">
+                    <a:pos x="connsiteX3" y="connsiteY3"/>
+                  </a:cxn>
+                  <a:cxn ang="0">
+                    <a:pos x="connsiteX4" y="connsiteY4"/>
+                  </a:cxn>
+                  <a:cxn ang="0">
+                    <a:pos x="connsiteX5" y="connsiteY5"/>
+                  </a:cxn>
+                </a:cxnLst>
+                <a:rect l="l" t="t" r="r" b="b"/>
+                <a:pathLst>
+                  <a:path w="4005801" h="2707215">
+                    <a:moveTo>
+                      <a:pt x="270716" y="1301070"/>
+                    </a:moveTo>
+                    <a:cubicBezTo>
+                      <a:pt x="1218618" y="1229624"/>
+                      <a:pt x="2411184" y="1096462"/>
+                      <a:pt x="3147171" y="818526"/>
+                    </a:cubicBezTo>
+                    <a:cubicBezTo>
+                      <a:pt x="3724295" y="534227"/>
+                      <a:pt x="3899253" y="223130"/>
+                      <a:pt x="3975128" y="34249"/>
+                    </a:cubicBezTo>
+                    <a:cubicBezTo>
+                      <a:pt x="3973564" y="-176950"/>
+                      <a:pt x="4151288" y="630566"/>
+                      <a:pt x="3668247" y="1305325"/>
+                    </a:cubicBezTo>
+                    <a:cubicBezTo>
+                      <a:pt x="3050248" y="1595382"/>
+                      <a:pt x="444304" y="2650712"/>
+                      <a:pt x="0" y="2707215"/>
+                    </a:cubicBezTo>
+                    <a:lnTo>
+                      <a:pt x="270716" y="1301070"/>
+                    </a:lnTo>
+                    <a:close/>
+                  </a:path>
+                </a:pathLst>
+              </a:custGeom>
+              <a:solidFill>
+                <a:srgbClr val="FF0000"/>
+              </a:solidFill>
+              <a:ln>
+                <a:noFill/>
+              </a:ln>
+              <a:effectLst/>
+            </p:spPr>
+            <p:style>
+              <a:lnRef idx="2">
+                <a:schemeClr val="accent1">
+                  <a:shade val="50000"/>
+                </a:schemeClr>
+              </a:lnRef>
+              <a:fillRef idx="1">
+                <a:schemeClr val="accent1"/>
+              </a:fillRef>
+              <a:effectRef idx="0">
+                <a:schemeClr val="accent1"/>
+              </a:effectRef>
+              <a:fontRef idx="minor">
+                <a:schemeClr val="lt1"/>
+              </a:fontRef>
+            </p:style>
+            <p:txBody>
+              <a:bodyPr rtlCol="0" anchor="ctr"/>
+              <a:lstStyle/>
+              <a:p>
+                <a:pPr algn="ctr"/>
+                <a:endParaRPr lang="pt-BR"/>
+              </a:p>
+            </p:txBody>
+          </p:sp>
+          <p:sp>
+            <p:nvSpPr>
+              <p:cNvPr id="17" name="Retângulo 5"/>
+              <p:cNvSpPr/>
+              <p:nvPr/>
+            </p:nvSpPr>
+            <p:spPr>
+              <a:xfrm rot="2445425">
+                <a:off x="8195251" y="3114800"/>
+                <a:ext cx="353905" cy="925838"/>
+              </a:xfrm>
+              <a:custGeom>
+                <a:avLst/>
+                <a:gdLst>
+                  <a:gd name="connsiteX0" fmla="*/ 0 w 347063"/>
+                  <a:gd name="connsiteY0" fmla="*/ 0 h 917899"/>
+                  <a:gd name="connsiteX1" fmla="*/ 347063 w 347063"/>
+                  <a:gd name="connsiteY1" fmla="*/ 0 h 917899"/>
+                  <a:gd name="connsiteX2" fmla="*/ 347063 w 347063"/>
+                  <a:gd name="connsiteY2" fmla="*/ 917899 h 917899"/>
+                  <a:gd name="connsiteX3" fmla="*/ 0 w 347063"/>
+                  <a:gd name="connsiteY3" fmla="*/ 917899 h 917899"/>
+                  <a:gd name="connsiteX4" fmla="*/ 0 w 347063"/>
+                  <a:gd name="connsiteY4" fmla="*/ 0 h 917899"/>
+                  <a:gd name="connsiteX0" fmla="*/ 0 w 347063"/>
+                  <a:gd name="connsiteY0" fmla="*/ 0 h 917899"/>
+                  <a:gd name="connsiteX1" fmla="*/ 347063 w 347063"/>
+                  <a:gd name="connsiteY1" fmla="*/ 0 h 917899"/>
+                  <a:gd name="connsiteX2" fmla="*/ 347063 w 347063"/>
+                  <a:gd name="connsiteY2" fmla="*/ 917899 h 917899"/>
+                  <a:gd name="connsiteX3" fmla="*/ 81999 w 347063"/>
+                  <a:gd name="connsiteY3" fmla="*/ 860383 h 917899"/>
+                  <a:gd name="connsiteX4" fmla="*/ 0 w 347063"/>
+                  <a:gd name="connsiteY4" fmla="*/ 0 h 917899"/>
+                  <a:gd name="connsiteX0" fmla="*/ 0 w 347063"/>
+                  <a:gd name="connsiteY0" fmla="*/ 0 h 917899"/>
+                  <a:gd name="connsiteX1" fmla="*/ 347063 w 347063"/>
+                  <a:gd name="connsiteY1" fmla="*/ 0 h 917899"/>
+                  <a:gd name="connsiteX2" fmla="*/ 347063 w 347063"/>
+                  <a:gd name="connsiteY2" fmla="*/ 917899 h 917899"/>
+                  <a:gd name="connsiteX3" fmla="*/ 83949 w 347063"/>
+                  <a:gd name="connsiteY3" fmla="*/ 881728 h 917899"/>
+                  <a:gd name="connsiteX4" fmla="*/ 0 w 347063"/>
+                  <a:gd name="connsiteY4" fmla="*/ 0 h 917899"/>
+                  <a:gd name="connsiteX0" fmla="*/ 0 w 347063"/>
+                  <a:gd name="connsiteY0" fmla="*/ 0 h 917899"/>
+                  <a:gd name="connsiteX1" fmla="*/ 347063 w 347063"/>
+                  <a:gd name="connsiteY1" fmla="*/ 0 h 917899"/>
+                  <a:gd name="connsiteX2" fmla="*/ 347063 w 347063"/>
+                  <a:gd name="connsiteY2" fmla="*/ 917899 h 917899"/>
+                  <a:gd name="connsiteX3" fmla="*/ 87230 w 347063"/>
+                  <a:gd name="connsiteY3" fmla="*/ 872122 h 917899"/>
+                  <a:gd name="connsiteX4" fmla="*/ 83949 w 347063"/>
+                  <a:gd name="connsiteY4" fmla="*/ 881728 h 917899"/>
+                  <a:gd name="connsiteX5" fmla="*/ 0 w 347063"/>
+                  <a:gd name="connsiteY5" fmla="*/ 0 h 917899"/>
+                  <a:gd name="connsiteX0" fmla="*/ 0 w 347063"/>
+                  <a:gd name="connsiteY0" fmla="*/ 0 h 917899"/>
+                  <a:gd name="connsiteX1" fmla="*/ 290642 w 347063"/>
+                  <a:gd name="connsiteY1" fmla="*/ 22315 h 917899"/>
+                  <a:gd name="connsiteX2" fmla="*/ 347063 w 347063"/>
+                  <a:gd name="connsiteY2" fmla="*/ 917899 h 917899"/>
+                  <a:gd name="connsiteX3" fmla="*/ 87230 w 347063"/>
+                  <a:gd name="connsiteY3" fmla="*/ 872122 h 917899"/>
+                  <a:gd name="connsiteX4" fmla="*/ 83949 w 347063"/>
+                  <a:gd name="connsiteY4" fmla="*/ 881728 h 917899"/>
+                  <a:gd name="connsiteX5" fmla="*/ 0 w 347063"/>
+                  <a:gd name="connsiteY5" fmla="*/ 0 h 917899"/>
+                  <a:gd name="connsiteX0" fmla="*/ 0 w 347063"/>
+                  <a:gd name="connsiteY0" fmla="*/ 0 h 917899"/>
+                  <a:gd name="connsiteX1" fmla="*/ 278394 w 347063"/>
+                  <a:gd name="connsiteY1" fmla="*/ 12117 h 917899"/>
+                  <a:gd name="connsiteX2" fmla="*/ 347063 w 347063"/>
+                  <a:gd name="connsiteY2" fmla="*/ 917899 h 917899"/>
+                  <a:gd name="connsiteX3" fmla="*/ 87230 w 347063"/>
+                  <a:gd name="connsiteY3" fmla="*/ 872122 h 917899"/>
+                  <a:gd name="connsiteX4" fmla="*/ 83949 w 347063"/>
+                  <a:gd name="connsiteY4" fmla="*/ 881728 h 917899"/>
+                  <a:gd name="connsiteX5" fmla="*/ 0 w 347063"/>
+                  <a:gd name="connsiteY5" fmla="*/ 0 h 917899"/>
+                  <a:gd name="connsiteX0" fmla="*/ 0 w 353905"/>
+                  <a:gd name="connsiteY0" fmla="*/ 0 h 925838"/>
+                  <a:gd name="connsiteX1" fmla="*/ 285236 w 353905"/>
+                  <a:gd name="connsiteY1" fmla="*/ 20056 h 925838"/>
+                  <a:gd name="connsiteX2" fmla="*/ 353905 w 353905"/>
+                  <a:gd name="connsiteY2" fmla="*/ 925838 h 925838"/>
+                  <a:gd name="connsiteX3" fmla="*/ 94072 w 353905"/>
+                  <a:gd name="connsiteY3" fmla="*/ 880061 h 925838"/>
+                  <a:gd name="connsiteX4" fmla="*/ 90791 w 353905"/>
+                  <a:gd name="connsiteY4" fmla="*/ 889667 h 925838"/>
+                  <a:gd name="connsiteX5" fmla="*/ 0 w 353905"/>
+                  <a:gd name="connsiteY5" fmla="*/ 0 h 925838"/>
+                </a:gdLst>
+                <a:ahLst/>
+                <a:cxnLst>
+                  <a:cxn ang="0">
+                    <a:pos x="connsiteX0" y="connsiteY0"/>
+                  </a:cxn>
+                  <a:cxn ang="0">
+                    <a:pos x="connsiteX1" y="connsiteY1"/>
+                  </a:cxn>
+                  <a:cxn ang="0">
+                    <a:pos x="connsiteX2" y="connsiteY2"/>
+                  </a:cxn>
+                  <a:cxn ang="0">
+                    <a:pos x="connsiteX3" y="connsiteY3"/>
+                  </a:cxn>
+                  <a:cxn ang="0">
+                    <a:pos x="connsiteX4" y="connsiteY4"/>
+                  </a:cxn>
+                  <a:cxn ang="0">
+                    <a:pos x="connsiteX5" y="connsiteY5"/>
+                  </a:cxn>
+                </a:cxnLst>
+                <a:rect l="l" t="t" r="r" b="b"/>
+                <a:pathLst>
+                  <a:path w="353905" h="925838">
+                    <a:moveTo>
+                      <a:pt x="0" y="0"/>
+                    </a:moveTo>
+                    <a:lnTo>
+                      <a:pt x="285236" y="20056"/>
+                    </a:lnTo>
+                    <a:lnTo>
+                      <a:pt x="353905" y="925838"/>
+                    </a:lnTo>
+                    <a:cubicBezTo>
+                      <a:pt x="268921" y="912466"/>
+                      <a:pt x="179056" y="893433"/>
+                      <a:pt x="94072" y="880061"/>
+                    </a:cubicBezTo>
+                    <a:lnTo>
+                      <a:pt x="90791" y="889667"/>
+                    </a:lnTo>
+                    <a:lnTo>
+                      <a:pt x="0" y="0"/>
+                    </a:lnTo>
+                    <a:close/>
+                  </a:path>
+                </a:pathLst>
+              </a:custGeom>
+              <a:solidFill>
+                <a:srgbClr val="C00000"/>
+              </a:solidFill>
+              <a:ln>
+                <a:noFill/>
+              </a:ln>
+            </p:spPr>
+            <p:style>
+              <a:lnRef idx="2">
+                <a:schemeClr val="accent1">
+                  <a:shade val="50000"/>
+                </a:schemeClr>
+              </a:lnRef>
+              <a:fillRef idx="1">
+                <a:schemeClr val="accent1"/>
+              </a:fillRef>
+              <a:effectRef idx="0">
+                <a:schemeClr val="accent1"/>
+              </a:effectRef>
+              <a:fontRef idx="minor">
+                <a:schemeClr val="lt1"/>
+              </a:fontRef>
+            </p:style>
+            <p:txBody>
+              <a:bodyPr rtlCol="0" anchor="ctr"/>
+              <a:lstStyle/>
+              <a:p>
+                <a:pPr algn="ctr"/>
+                <a:endParaRPr lang="pt-BR"/>
+              </a:p>
+            </p:txBody>
+          </p:sp>
+        </p:grpSp>
+      </p:grpSp>
     </p:spTree>
     <p:extLst>
       <p:ext uri="{BB962C8B-B14F-4D97-AF65-F5344CB8AC3E}">
@@ -9813,11 +11903,7 @@
           <a:p>
             <a:r>
               <a:rPr lang="pt-BR" sz="3600" dirty="0" smtClean="0"/>
-              <a:t>Imagem </a:t>
-            </a:r>
-            <a:r>
-              <a:rPr lang="pt-BR" sz="3600" dirty="0" smtClean="0"/>
-              <a:t>5</a:t>
+              <a:t>Imagem 5</a:t>
             </a:r>
             <a:endParaRPr lang="pt-BR" sz="3600" dirty="0"/>
           </a:p>
@@ -10122,11 +12208,7 @@
           <a:p>
             <a:r>
               <a:rPr lang="pt-BR" sz="3600" dirty="0" smtClean="0"/>
-              <a:t>Imagem </a:t>
-            </a:r>
-            <a:r>
-              <a:rPr lang="pt-BR" sz="3600" dirty="0" smtClean="0"/>
-              <a:t>6</a:t>
+              <a:t>Imagem 6</a:t>
             </a:r>
             <a:endParaRPr lang="pt-BR" sz="3600" dirty="0"/>
           </a:p>
@@ -12976,7 +15058,7 @@
   <a:extraClrSchemeLst/>
   <a:extLst>
     <a:ext uri="{05A4C25C-085E-4340-85A3-A5531E510DB2}">
-      <thm15:themeFamily xmlns:thm15="http://schemas.microsoft.com/office/thememl/2012/main" xmlns="" name="Office Theme" id="{62F939B6-93AF-4DB8-9C6B-D6C7DFDC589F}" vid="{4A3C46E8-61CC-4603-A589-7422A47A8E4A}"/>
+      <thm15:themeFamily xmlns="" xmlns:thm15="http://schemas.microsoft.com/office/thememl/2012/main" name="Office Theme" id="{62F939B6-93AF-4DB8-9C6B-D6C7DFDC589F}" vid="{4A3C46E8-61CC-4603-A589-7422A47A8E4A}"/>
     </a:ext>
   </a:extLst>
 </a:theme>

--- a/Rascunhos/Imagens/imagens para HIV.pptx
+++ b/Rascunhos/Imagens/imagens para HIV.pptx
@@ -5,12 +5,13 @@
     <p:sldMasterId id="2147483648" r:id="rId1"/>
   </p:sldMasterIdLst>
   <p:sldIdLst>
-    <p:sldId id="257" r:id="rId2"/>
-    <p:sldId id="262" r:id="rId3"/>
-    <p:sldId id="258" r:id="rId4"/>
-    <p:sldId id="263" r:id="rId5"/>
-    <p:sldId id="261" r:id="rId6"/>
-    <p:sldId id="256" r:id="rId7"/>
+    <p:sldId id="264" r:id="rId2"/>
+    <p:sldId id="257" r:id="rId3"/>
+    <p:sldId id="262" r:id="rId4"/>
+    <p:sldId id="258" r:id="rId5"/>
+    <p:sldId id="263" r:id="rId6"/>
+    <p:sldId id="261" r:id="rId7"/>
+    <p:sldId id="256" r:id="rId8"/>
   </p:sldIdLst>
   <p:sldSz cx="12192000" cy="6858000"/>
   <p:notesSz cx="6858000" cy="9144000"/>
@@ -243,7 +244,7 @@
           <a:p>
             <a:fld id="{6EC27022-61B4-4658-BCF4-E6488D58E6A6}" type="datetimeFigureOut">
               <a:rPr lang="pt-BR" smtClean="0"/>
-              <a:t>11/04/2019</a:t>
+              <a:t>12/04/2019</a:t>
             </a:fld>
             <a:endParaRPr lang="pt-BR"/>
           </a:p>
@@ -413,7 +414,7 @@
           <a:p>
             <a:fld id="{6EC27022-61B4-4658-BCF4-E6488D58E6A6}" type="datetimeFigureOut">
               <a:rPr lang="pt-BR" smtClean="0"/>
-              <a:t>11/04/2019</a:t>
+              <a:t>12/04/2019</a:t>
             </a:fld>
             <a:endParaRPr lang="pt-BR"/>
           </a:p>
@@ -593,7 +594,7 @@
           <a:p>
             <a:fld id="{6EC27022-61B4-4658-BCF4-E6488D58E6A6}" type="datetimeFigureOut">
               <a:rPr lang="pt-BR" smtClean="0"/>
-              <a:t>11/04/2019</a:t>
+              <a:t>12/04/2019</a:t>
             </a:fld>
             <a:endParaRPr lang="pt-BR"/>
           </a:p>
@@ -763,7 +764,7 @@
           <a:p>
             <a:fld id="{6EC27022-61B4-4658-BCF4-E6488D58E6A6}" type="datetimeFigureOut">
               <a:rPr lang="pt-BR" smtClean="0"/>
-              <a:t>11/04/2019</a:t>
+              <a:t>12/04/2019</a:t>
             </a:fld>
             <a:endParaRPr lang="pt-BR"/>
           </a:p>
@@ -1009,7 +1010,7 @@
           <a:p>
             <a:fld id="{6EC27022-61B4-4658-BCF4-E6488D58E6A6}" type="datetimeFigureOut">
               <a:rPr lang="pt-BR" smtClean="0"/>
-              <a:t>11/04/2019</a:t>
+              <a:t>12/04/2019</a:t>
             </a:fld>
             <a:endParaRPr lang="pt-BR"/>
           </a:p>
@@ -1241,7 +1242,7 @@
           <a:p>
             <a:fld id="{6EC27022-61B4-4658-BCF4-E6488D58E6A6}" type="datetimeFigureOut">
               <a:rPr lang="pt-BR" smtClean="0"/>
-              <a:t>11/04/2019</a:t>
+              <a:t>12/04/2019</a:t>
             </a:fld>
             <a:endParaRPr lang="pt-BR"/>
           </a:p>
@@ -1608,7 +1609,7 @@
           <a:p>
             <a:fld id="{6EC27022-61B4-4658-BCF4-E6488D58E6A6}" type="datetimeFigureOut">
               <a:rPr lang="pt-BR" smtClean="0"/>
-              <a:t>11/04/2019</a:t>
+              <a:t>12/04/2019</a:t>
             </a:fld>
             <a:endParaRPr lang="pt-BR"/>
           </a:p>
@@ -1726,7 +1727,7 @@
           <a:p>
             <a:fld id="{6EC27022-61B4-4658-BCF4-E6488D58E6A6}" type="datetimeFigureOut">
               <a:rPr lang="pt-BR" smtClean="0"/>
-              <a:t>11/04/2019</a:t>
+              <a:t>12/04/2019</a:t>
             </a:fld>
             <a:endParaRPr lang="pt-BR"/>
           </a:p>
@@ -1821,7 +1822,7 @@
           <a:p>
             <a:fld id="{6EC27022-61B4-4658-BCF4-E6488D58E6A6}" type="datetimeFigureOut">
               <a:rPr lang="pt-BR" smtClean="0"/>
-              <a:t>11/04/2019</a:t>
+              <a:t>12/04/2019</a:t>
             </a:fld>
             <a:endParaRPr lang="pt-BR"/>
           </a:p>
@@ -2098,7 +2099,7 @@
           <a:p>
             <a:fld id="{6EC27022-61B4-4658-BCF4-E6488D58E6A6}" type="datetimeFigureOut">
               <a:rPr lang="pt-BR" smtClean="0"/>
-              <a:t>11/04/2019</a:t>
+              <a:t>12/04/2019</a:t>
             </a:fld>
             <a:endParaRPr lang="pt-BR"/>
           </a:p>
@@ -2351,7 +2352,7 @@
           <a:p>
             <a:fld id="{6EC27022-61B4-4658-BCF4-E6488D58E6A6}" type="datetimeFigureOut">
               <a:rPr lang="pt-BR" smtClean="0"/>
-              <a:t>11/04/2019</a:t>
+              <a:t>12/04/2019</a:t>
             </a:fld>
             <a:endParaRPr lang="pt-BR"/>
           </a:p>
@@ -2564,7 +2565,7 @@
           <a:p>
             <a:fld id="{6EC27022-61B4-4658-BCF4-E6488D58E6A6}" type="datetimeFigureOut">
               <a:rPr lang="pt-BR" smtClean="0"/>
-              <a:t>11/04/2019</a:t>
+              <a:t>12/04/2019</a:t>
             </a:fld>
             <a:endParaRPr lang="pt-BR"/>
           </a:p>
@@ -2953,6 +2954,3047 @@
 </file>
 
 <file path=ppt/slides/slide1.xml><?xml version="1.0" encoding="utf-8"?>
+<p:sld xmlns:a="http://schemas.openxmlformats.org/drawingml/2006/main" xmlns:r="http://schemas.openxmlformats.org/officeDocument/2006/relationships" xmlns:p="http://schemas.openxmlformats.org/presentationml/2006/main">
+  <p:cSld>
+    <p:spTree>
+      <p:nvGrpSpPr>
+        <p:cNvPr id="1" name=""/>
+        <p:cNvGrpSpPr/>
+        <p:nvPr/>
+      </p:nvGrpSpPr>
+      <p:grpSpPr>
+        <a:xfrm>
+          <a:off x="0" y="0"/>
+          <a:ext cx="0" cy="0"/>
+          <a:chOff x="0" y="0"/>
+          <a:chExt cx="0" cy="0"/>
+        </a:xfrm>
+      </p:grpSpPr>
+      <p:grpSp>
+        <p:nvGrpSpPr>
+          <p:cNvPr id="452" name="Grupo 451"/>
+          <p:cNvGrpSpPr/>
+          <p:nvPr/>
+        </p:nvGrpSpPr>
+        <p:grpSpPr>
+          <a:xfrm>
+            <a:off x="956808" y="1379351"/>
+            <a:ext cx="9957472" cy="2781139"/>
+            <a:chOff x="956808" y="1379351"/>
+            <a:chExt cx="9957472" cy="2781139"/>
+          </a:xfrm>
+        </p:grpSpPr>
+        <p:sp>
+          <p:nvSpPr>
+            <p:cNvPr id="3" name="Retângulo 2">
+              <a:extLst>
+                <a:ext uri="{FF2B5EF4-FFF2-40B4-BE49-F238E27FC236}">
+                  <a16:creationId xmlns="" xmlns:a16="http://schemas.microsoft.com/office/drawing/2014/main" id="{22D3461F-A14E-4642-A041-9CC09656F8CD}"/>
+                </a:ext>
+              </a:extLst>
+            </p:cNvPr>
+            <p:cNvSpPr/>
+            <p:nvPr/>
+          </p:nvSpPr>
+          <p:spPr>
+            <a:xfrm>
+              <a:off x="956808" y="1379351"/>
+              <a:ext cx="9957472" cy="2781139"/>
+            </a:xfrm>
+            <a:prstGeom prst="rect">
+              <a:avLst/>
+            </a:prstGeom>
+            <a:solidFill>
+              <a:srgbClr val="FAA6A0"/>
+            </a:solidFill>
+            <a:ln>
+              <a:noFill/>
+            </a:ln>
+          </p:spPr>
+          <p:style>
+            <a:lnRef idx="2">
+              <a:schemeClr val="accent1">
+                <a:shade val="50000"/>
+              </a:schemeClr>
+            </a:lnRef>
+            <a:fillRef idx="1">
+              <a:schemeClr val="accent1"/>
+            </a:fillRef>
+            <a:effectRef idx="0">
+              <a:schemeClr val="accent1"/>
+            </a:effectRef>
+            <a:fontRef idx="minor">
+              <a:schemeClr val="lt1"/>
+            </a:fontRef>
+          </p:style>
+          <p:txBody>
+            <a:bodyPr rtlCol="0" anchor="ctr"/>
+            <a:lstStyle/>
+            <a:p>
+              <a:pPr algn="ctr"/>
+              <a:endParaRPr lang="pt-BR" dirty="0"/>
+            </a:p>
+          </p:txBody>
+        </p:sp>
+        <p:grpSp>
+          <p:nvGrpSpPr>
+            <p:cNvPr id="436" name="Grupo 435"/>
+            <p:cNvGrpSpPr/>
+            <p:nvPr/>
+          </p:nvGrpSpPr>
+          <p:grpSpPr>
+            <a:xfrm>
+              <a:off x="1110124" y="1580325"/>
+              <a:ext cx="2089820" cy="2277958"/>
+              <a:chOff x="1303094" y="1545656"/>
+              <a:chExt cx="2243137" cy="2445075"/>
+            </a:xfrm>
+          </p:grpSpPr>
+          <p:sp>
+            <p:nvSpPr>
+              <p:cNvPr id="431" name="Retângulo 2"/>
+              <p:cNvSpPr/>
+              <p:nvPr/>
+            </p:nvSpPr>
+            <p:spPr>
+              <a:xfrm>
+                <a:off x="2260786" y="1545656"/>
+                <a:ext cx="711109" cy="552722"/>
+              </a:xfrm>
+              <a:custGeom>
+                <a:avLst/>
+                <a:gdLst>
+                  <a:gd name="connsiteX0" fmla="*/ 0 w 1296365"/>
+                  <a:gd name="connsiteY0" fmla="*/ 0 h 946592"/>
+                  <a:gd name="connsiteX1" fmla="*/ 1296365 w 1296365"/>
+                  <a:gd name="connsiteY1" fmla="*/ 0 h 946592"/>
+                  <a:gd name="connsiteX2" fmla="*/ 1296365 w 1296365"/>
+                  <a:gd name="connsiteY2" fmla="*/ 946592 h 946592"/>
+                  <a:gd name="connsiteX3" fmla="*/ 0 w 1296365"/>
+                  <a:gd name="connsiteY3" fmla="*/ 946592 h 946592"/>
+                  <a:gd name="connsiteX4" fmla="*/ 0 w 1296365"/>
+                  <a:gd name="connsiteY4" fmla="*/ 0 h 946592"/>
+                  <a:gd name="connsiteX0" fmla="*/ 0 w 1296365"/>
+                  <a:gd name="connsiteY0" fmla="*/ 5919 h 952511"/>
+                  <a:gd name="connsiteX1" fmla="*/ 1296365 w 1296365"/>
+                  <a:gd name="connsiteY1" fmla="*/ 0 h 952511"/>
+                  <a:gd name="connsiteX2" fmla="*/ 1296365 w 1296365"/>
+                  <a:gd name="connsiteY2" fmla="*/ 952511 h 952511"/>
+                  <a:gd name="connsiteX3" fmla="*/ 0 w 1296365"/>
+                  <a:gd name="connsiteY3" fmla="*/ 952511 h 952511"/>
+                  <a:gd name="connsiteX4" fmla="*/ 0 w 1296365"/>
+                  <a:gd name="connsiteY4" fmla="*/ 5919 h 952511"/>
+                  <a:gd name="connsiteX0" fmla="*/ 0 w 1296365"/>
+                  <a:gd name="connsiteY0" fmla="*/ 5919 h 952511"/>
+                  <a:gd name="connsiteX1" fmla="*/ 1296365 w 1296365"/>
+                  <a:gd name="connsiteY1" fmla="*/ 0 h 952511"/>
+                  <a:gd name="connsiteX2" fmla="*/ 1296365 w 1296365"/>
+                  <a:gd name="connsiteY2" fmla="*/ 952511 h 952511"/>
+                  <a:gd name="connsiteX3" fmla="*/ 0 w 1296365"/>
+                  <a:gd name="connsiteY3" fmla="*/ 952511 h 952511"/>
+                  <a:gd name="connsiteX4" fmla="*/ 0 w 1296365"/>
+                  <a:gd name="connsiteY4" fmla="*/ 5919 h 952511"/>
+                  <a:gd name="connsiteX0" fmla="*/ 0 w 1296365"/>
+                  <a:gd name="connsiteY0" fmla="*/ 5919 h 952511"/>
+                  <a:gd name="connsiteX1" fmla="*/ 1296365 w 1296365"/>
+                  <a:gd name="connsiteY1" fmla="*/ 0 h 952511"/>
+                  <a:gd name="connsiteX2" fmla="*/ 1284528 w 1296365"/>
+                  <a:gd name="connsiteY2" fmla="*/ 937715 h 952511"/>
+                  <a:gd name="connsiteX3" fmla="*/ 0 w 1296365"/>
+                  <a:gd name="connsiteY3" fmla="*/ 952511 h 952511"/>
+                  <a:gd name="connsiteX4" fmla="*/ 0 w 1296365"/>
+                  <a:gd name="connsiteY4" fmla="*/ 5919 h 952511"/>
+                  <a:gd name="connsiteX0" fmla="*/ 0 w 1296365"/>
+                  <a:gd name="connsiteY0" fmla="*/ 5919 h 952511"/>
+                  <a:gd name="connsiteX1" fmla="*/ 1296365 w 1296365"/>
+                  <a:gd name="connsiteY1" fmla="*/ 0 h 952511"/>
+                  <a:gd name="connsiteX2" fmla="*/ 1284528 w 1296365"/>
+                  <a:gd name="connsiteY2" fmla="*/ 937715 h 952511"/>
+                  <a:gd name="connsiteX3" fmla="*/ 0 w 1296365"/>
+                  <a:gd name="connsiteY3" fmla="*/ 952511 h 952511"/>
+                  <a:gd name="connsiteX4" fmla="*/ 0 w 1296365"/>
+                  <a:gd name="connsiteY4" fmla="*/ 5919 h 952511"/>
+                  <a:gd name="connsiteX0" fmla="*/ 0 w 1296365"/>
+                  <a:gd name="connsiteY0" fmla="*/ 5919 h 952511"/>
+                  <a:gd name="connsiteX1" fmla="*/ 1296365 w 1296365"/>
+                  <a:gd name="connsiteY1" fmla="*/ 0 h 952511"/>
+                  <a:gd name="connsiteX2" fmla="*/ 1284528 w 1296365"/>
+                  <a:gd name="connsiteY2" fmla="*/ 937715 h 952511"/>
+                  <a:gd name="connsiteX3" fmla="*/ 0 w 1296365"/>
+                  <a:gd name="connsiteY3" fmla="*/ 952511 h 952511"/>
+                  <a:gd name="connsiteX4" fmla="*/ 0 w 1296365"/>
+                  <a:gd name="connsiteY4" fmla="*/ 5919 h 952511"/>
+                  <a:gd name="connsiteX0" fmla="*/ 0 w 1296365"/>
+                  <a:gd name="connsiteY0" fmla="*/ 5919 h 952511"/>
+                  <a:gd name="connsiteX1" fmla="*/ 1296365 w 1296365"/>
+                  <a:gd name="connsiteY1" fmla="*/ 0 h 952511"/>
+                  <a:gd name="connsiteX2" fmla="*/ 1284528 w 1296365"/>
+                  <a:gd name="connsiteY2" fmla="*/ 937715 h 952511"/>
+                  <a:gd name="connsiteX3" fmla="*/ 0 w 1296365"/>
+                  <a:gd name="connsiteY3" fmla="*/ 952511 h 952511"/>
+                  <a:gd name="connsiteX4" fmla="*/ 0 w 1296365"/>
+                  <a:gd name="connsiteY4" fmla="*/ 5919 h 952511"/>
+                  <a:gd name="connsiteX0" fmla="*/ 0 w 1296365"/>
+                  <a:gd name="connsiteY0" fmla="*/ 5919 h 952511"/>
+                  <a:gd name="connsiteX1" fmla="*/ 1296365 w 1296365"/>
+                  <a:gd name="connsiteY1" fmla="*/ 0 h 952511"/>
+                  <a:gd name="connsiteX2" fmla="*/ 1284528 w 1296365"/>
+                  <a:gd name="connsiteY2" fmla="*/ 937715 h 952511"/>
+                  <a:gd name="connsiteX3" fmla="*/ 0 w 1296365"/>
+                  <a:gd name="connsiteY3" fmla="*/ 952511 h 952511"/>
+                  <a:gd name="connsiteX4" fmla="*/ 0 w 1296365"/>
+                  <a:gd name="connsiteY4" fmla="*/ 5919 h 952511"/>
+                  <a:gd name="connsiteX0" fmla="*/ 0 w 1296365"/>
+                  <a:gd name="connsiteY0" fmla="*/ 5919 h 967307"/>
+                  <a:gd name="connsiteX1" fmla="*/ 1296365 w 1296365"/>
+                  <a:gd name="connsiteY1" fmla="*/ 0 h 967307"/>
+                  <a:gd name="connsiteX2" fmla="*/ 1284528 w 1296365"/>
+                  <a:gd name="connsiteY2" fmla="*/ 937715 h 967307"/>
+                  <a:gd name="connsiteX3" fmla="*/ 127247 w 1296365"/>
+                  <a:gd name="connsiteY3" fmla="*/ 967307 h 967307"/>
+                  <a:gd name="connsiteX4" fmla="*/ 0 w 1296365"/>
+                  <a:gd name="connsiteY4" fmla="*/ 5919 h 967307"/>
+                  <a:gd name="connsiteX0" fmla="*/ 0 w 1296365"/>
+                  <a:gd name="connsiteY0" fmla="*/ 5919 h 967307"/>
+                  <a:gd name="connsiteX1" fmla="*/ 1296365 w 1296365"/>
+                  <a:gd name="connsiteY1" fmla="*/ 0 h 967307"/>
+                  <a:gd name="connsiteX2" fmla="*/ 1284528 w 1296365"/>
+                  <a:gd name="connsiteY2" fmla="*/ 937715 h 967307"/>
+                  <a:gd name="connsiteX3" fmla="*/ 127247 w 1296365"/>
+                  <a:gd name="connsiteY3" fmla="*/ 967307 h 967307"/>
+                  <a:gd name="connsiteX4" fmla="*/ 0 w 1296365"/>
+                  <a:gd name="connsiteY4" fmla="*/ 5919 h 967307"/>
+                  <a:gd name="connsiteX0" fmla="*/ 0 w 1296365"/>
+                  <a:gd name="connsiteY0" fmla="*/ 5919 h 967307"/>
+                  <a:gd name="connsiteX1" fmla="*/ 1296365 w 1296365"/>
+                  <a:gd name="connsiteY1" fmla="*/ 0 h 967307"/>
+                  <a:gd name="connsiteX2" fmla="*/ 1127689 w 1296365"/>
+                  <a:gd name="connsiteY2" fmla="*/ 937715 h 967307"/>
+                  <a:gd name="connsiteX3" fmla="*/ 127247 w 1296365"/>
+                  <a:gd name="connsiteY3" fmla="*/ 967307 h 967307"/>
+                  <a:gd name="connsiteX4" fmla="*/ 0 w 1296365"/>
+                  <a:gd name="connsiteY4" fmla="*/ 5919 h 967307"/>
+                  <a:gd name="connsiteX0" fmla="*/ 0 w 1296365"/>
+                  <a:gd name="connsiteY0" fmla="*/ 5919 h 967307"/>
+                  <a:gd name="connsiteX1" fmla="*/ 1296365 w 1296365"/>
+                  <a:gd name="connsiteY1" fmla="*/ 0 h 967307"/>
+                  <a:gd name="connsiteX2" fmla="*/ 1127689 w 1296365"/>
+                  <a:gd name="connsiteY2" fmla="*/ 937715 h 967307"/>
+                  <a:gd name="connsiteX3" fmla="*/ 127247 w 1296365"/>
+                  <a:gd name="connsiteY3" fmla="*/ 967307 h 967307"/>
+                  <a:gd name="connsiteX4" fmla="*/ 0 w 1296365"/>
+                  <a:gd name="connsiteY4" fmla="*/ 5919 h 967307"/>
+                  <a:gd name="connsiteX0" fmla="*/ 0 w 1296365"/>
+                  <a:gd name="connsiteY0" fmla="*/ 5919 h 967307"/>
+                  <a:gd name="connsiteX1" fmla="*/ 1296365 w 1296365"/>
+                  <a:gd name="connsiteY1" fmla="*/ 0 h 967307"/>
+                  <a:gd name="connsiteX2" fmla="*/ 1127689 w 1296365"/>
+                  <a:gd name="connsiteY2" fmla="*/ 937715 h 967307"/>
+                  <a:gd name="connsiteX3" fmla="*/ 127247 w 1296365"/>
+                  <a:gd name="connsiteY3" fmla="*/ 967307 h 967307"/>
+                  <a:gd name="connsiteX4" fmla="*/ 0 w 1296365"/>
+                  <a:gd name="connsiteY4" fmla="*/ 5919 h 967307"/>
+                  <a:gd name="connsiteX0" fmla="*/ 0 w 1249018"/>
+                  <a:gd name="connsiteY0" fmla="*/ 177554 h 967307"/>
+                  <a:gd name="connsiteX1" fmla="*/ 1249018 w 1249018"/>
+                  <a:gd name="connsiteY1" fmla="*/ 0 h 967307"/>
+                  <a:gd name="connsiteX2" fmla="*/ 1080342 w 1249018"/>
+                  <a:gd name="connsiteY2" fmla="*/ 937715 h 967307"/>
+                  <a:gd name="connsiteX3" fmla="*/ 79900 w 1249018"/>
+                  <a:gd name="connsiteY3" fmla="*/ 967307 h 967307"/>
+                  <a:gd name="connsiteX4" fmla="*/ 0 w 1249018"/>
+                  <a:gd name="connsiteY4" fmla="*/ 177554 h 967307"/>
+                  <a:gd name="connsiteX0" fmla="*/ 0 w 1293407"/>
+                  <a:gd name="connsiteY0" fmla="*/ 349189 h 967307"/>
+                  <a:gd name="connsiteX1" fmla="*/ 1293407 w 1293407"/>
+                  <a:gd name="connsiteY1" fmla="*/ 0 h 967307"/>
+                  <a:gd name="connsiteX2" fmla="*/ 1124731 w 1293407"/>
+                  <a:gd name="connsiteY2" fmla="*/ 937715 h 967307"/>
+                  <a:gd name="connsiteX3" fmla="*/ 124289 w 1293407"/>
+                  <a:gd name="connsiteY3" fmla="*/ 967307 h 967307"/>
+                  <a:gd name="connsiteX4" fmla="*/ 0 w 1293407"/>
+                  <a:gd name="connsiteY4" fmla="*/ 349189 h 967307"/>
+                  <a:gd name="connsiteX0" fmla="*/ 0 w 1293407"/>
+                  <a:gd name="connsiteY0" fmla="*/ 349189 h 967307"/>
+                  <a:gd name="connsiteX1" fmla="*/ 1293407 w 1293407"/>
+                  <a:gd name="connsiteY1" fmla="*/ 0 h 967307"/>
+                  <a:gd name="connsiteX2" fmla="*/ 1124731 w 1293407"/>
+                  <a:gd name="connsiteY2" fmla="*/ 937715 h 967307"/>
+                  <a:gd name="connsiteX3" fmla="*/ 124289 w 1293407"/>
+                  <a:gd name="connsiteY3" fmla="*/ 967307 h 967307"/>
+                  <a:gd name="connsiteX4" fmla="*/ 0 w 1293407"/>
+                  <a:gd name="connsiteY4" fmla="*/ 349189 h 967307"/>
+                  <a:gd name="connsiteX0" fmla="*/ 0 w 1148405"/>
+                  <a:gd name="connsiteY0" fmla="*/ 0 h 618118"/>
+                  <a:gd name="connsiteX1" fmla="*/ 1148405 w 1148405"/>
+                  <a:gd name="connsiteY1" fmla="*/ 50307 h 618118"/>
+                  <a:gd name="connsiteX2" fmla="*/ 1124731 w 1148405"/>
+                  <a:gd name="connsiteY2" fmla="*/ 588526 h 618118"/>
+                  <a:gd name="connsiteX3" fmla="*/ 124289 w 1148405"/>
+                  <a:gd name="connsiteY3" fmla="*/ 618118 h 618118"/>
+                  <a:gd name="connsiteX4" fmla="*/ 0 w 1148405"/>
+                  <a:gd name="connsiteY4" fmla="*/ 0 h 618118"/>
+                  <a:gd name="connsiteX0" fmla="*/ 0 w 1257896"/>
+                  <a:gd name="connsiteY0" fmla="*/ 147961 h 766079"/>
+                  <a:gd name="connsiteX1" fmla="*/ 1257896 w 1257896"/>
+                  <a:gd name="connsiteY1" fmla="*/ 0 h 766079"/>
+                  <a:gd name="connsiteX2" fmla="*/ 1124731 w 1257896"/>
+                  <a:gd name="connsiteY2" fmla="*/ 736487 h 766079"/>
+                  <a:gd name="connsiteX3" fmla="*/ 124289 w 1257896"/>
+                  <a:gd name="connsiteY3" fmla="*/ 766079 h 766079"/>
+                  <a:gd name="connsiteX4" fmla="*/ 0 w 1257896"/>
+                  <a:gd name="connsiteY4" fmla="*/ 147961 h 766079"/>
+                  <a:gd name="connsiteX0" fmla="*/ 0 w 1266094"/>
+                  <a:gd name="connsiteY0" fmla="*/ 147961 h 766079"/>
+                  <a:gd name="connsiteX1" fmla="*/ 1257896 w 1266094"/>
+                  <a:gd name="connsiteY1" fmla="*/ 0 h 766079"/>
+                  <a:gd name="connsiteX2" fmla="*/ 1124731 w 1266094"/>
+                  <a:gd name="connsiteY2" fmla="*/ 736487 h 766079"/>
+                  <a:gd name="connsiteX3" fmla="*/ 124289 w 1266094"/>
+                  <a:gd name="connsiteY3" fmla="*/ 766079 h 766079"/>
+                  <a:gd name="connsiteX4" fmla="*/ 0 w 1266094"/>
+                  <a:gd name="connsiteY4" fmla="*/ 147961 h 766079"/>
+                  <a:gd name="connsiteX0" fmla="*/ 0 w 1270231"/>
+                  <a:gd name="connsiteY0" fmla="*/ 147961 h 766079"/>
+                  <a:gd name="connsiteX1" fmla="*/ 1257896 w 1270231"/>
+                  <a:gd name="connsiteY1" fmla="*/ 0 h 766079"/>
+                  <a:gd name="connsiteX2" fmla="*/ 1124731 w 1270231"/>
+                  <a:gd name="connsiteY2" fmla="*/ 736487 h 766079"/>
+                  <a:gd name="connsiteX3" fmla="*/ 124289 w 1270231"/>
+                  <a:gd name="connsiteY3" fmla="*/ 766079 h 766079"/>
+                  <a:gd name="connsiteX4" fmla="*/ 0 w 1270231"/>
+                  <a:gd name="connsiteY4" fmla="*/ 147961 h 766079"/>
+                  <a:gd name="connsiteX0" fmla="*/ 0 w 1261805"/>
+                  <a:gd name="connsiteY0" fmla="*/ 147961 h 766079"/>
+                  <a:gd name="connsiteX1" fmla="*/ 1257896 w 1261805"/>
+                  <a:gd name="connsiteY1" fmla="*/ 0 h 766079"/>
+                  <a:gd name="connsiteX2" fmla="*/ 1124731 w 1261805"/>
+                  <a:gd name="connsiteY2" fmla="*/ 736487 h 766079"/>
+                  <a:gd name="connsiteX3" fmla="*/ 124289 w 1261805"/>
+                  <a:gd name="connsiteY3" fmla="*/ 766079 h 766079"/>
+                  <a:gd name="connsiteX4" fmla="*/ 0 w 1261805"/>
+                  <a:gd name="connsiteY4" fmla="*/ 147961 h 766079"/>
+                  <a:gd name="connsiteX0" fmla="*/ 0 w 1257896"/>
+                  <a:gd name="connsiteY0" fmla="*/ 147961 h 766079"/>
+                  <a:gd name="connsiteX1" fmla="*/ 1257896 w 1257896"/>
+                  <a:gd name="connsiteY1" fmla="*/ 0 h 766079"/>
+                  <a:gd name="connsiteX2" fmla="*/ 1124731 w 1257896"/>
+                  <a:gd name="connsiteY2" fmla="*/ 736487 h 766079"/>
+                  <a:gd name="connsiteX3" fmla="*/ 124289 w 1257896"/>
+                  <a:gd name="connsiteY3" fmla="*/ 766079 h 766079"/>
+                  <a:gd name="connsiteX4" fmla="*/ 0 w 1257896"/>
+                  <a:gd name="connsiteY4" fmla="*/ 147961 h 766079"/>
+                  <a:gd name="connsiteX0" fmla="*/ 0 w 1243099"/>
+                  <a:gd name="connsiteY0" fmla="*/ 130205 h 748323"/>
+                  <a:gd name="connsiteX1" fmla="*/ 1243099 w 1243099"/>
+                  <a:gd name="connsiteY1" fmla="*/ 0 h 748323"/>
+                  <a:gd name="connsiteX2" fmla="*/ 1124731 w 1243099"/>
+                  <a:gd name="connsiteY2" fmla="*/ 718731 h 748323"/>
+                  <a:gd name="connsiteX3" fmla="*/ 124289 w 1243099"/>
+                  <a:gd name="connsiteY3" fmla="*/ 748323 h 748323"/>
+                  <a:gd name="connsiteX4" fmla="*/ 0 w 1243099"/>
+                  <a:gd name="connsiteY4" fmla="*/ 130205 h 748323"/>
+                  <a:gd name="connsiteX0" fmla="*/ 0 w 1254517"/>
+                  <a:gd name="connsiteY0" fmla="*/ 130205 h 748323"/>
+                  <a:gd name="connsiteX1" fmla="*/ 1243099 w 1254517"/>
+                  <a:gd name="connsiteY1" fmla="*/ 0 h 748323"/>
+                  <a:gd name="connsiteX2" fmla="*/ 1124731 w 1254517"/>
+                  <a:gd name="connsiteY2" fmla="*/ 718731 h 748323"/>
+                  <a:gd name="connsiteX3" fmla="*/ 124289 w 1254517"/>
+                  <a:gd name="connsiteY3" fmla="*/ 748323 h 748323"/>
+                  <a:gd name="connsiteX4" fmla="*/ 0 w 1254517"/>
+                  <a:gd name="connsiteY4" fmla="*/ 130205 h 748323"/>
+                  <a:gd name="connsiteX0" fmla="*/ 0 w 1256988"/>
+                  <a:gd name="connsiteY0" fmla="*/ 130205 h 748323"/>
+                  <a:gd name="connsiteX1" fmla="*/ 1243099 w 1256988"/>
+                  <a:gd name="connsiteY1" fmla="*/ 0 h 748323"/>
+                  <a:gd name="connsiteX2" fmla="*/ 1124731 w 1256988"/>
+                  <a:gd name="connsiteY2" fmla="*/ 718731 h 748323"/>
+                  <a:gd name="connsiteX3" fmla="*/ 124289 w 1256988"/>
+                  <a:gd name="connsiteY3" fmla="*/ 748323 h 748323"/>
+                  <a:gd name="connsiteX4" fmla="*/ 0 w 1256988"/>
+                  <a:gd name="connsiteY4" fmla="*/ 130205 h 748323"/>
+                  <a:gd name="connsiteX0" fmla="*/ 0 w 1256988"/>
+                  <a:gd name="connsiteY0" fmla="*/ 130205 h 751283"/>
+                  <a:gd name="connsiteX1" fmla="*/ 1243099 w 1256988"/>
+                  <a:gd name="connsiteY1" fmla="*/ 0 h 751283"/>
+                  <a:gd name="connsiteX2" fmla="*/ 1124731 w 1256988"/>
+                  <a:gd name="connsiteY2" fmla="*/ 718731 h 751283"/>
+                  <a:gd name="connsiteX3" fmla="*/ 139085 w 1256988"/>
+                  <a:gd name="connsiteY3" fmla="*/ 751283 h 751283"/>
+                  <a:gd name="connsiteX4" fmla="*/ 0 w 1256988"/>
+                  <a:gd name="connsiteY4" fmla="*/ 130205 h 751283"/>
+                  <a:gd name="connsiteX0" fmla="*/ 0 w 1256988"/>
+                  <a:gd name="connsiteY0" fmla="*/ 130205 h 751283"/>
+                  <a:gd name="connsiteX1" fmla="*/ 1243099 w 1256988"/>
+                  <a:gd name="connsiteY1" fmla="*/ 0 h 751283"/>
+                  <a:gd name="connsiteX2" fmla="*/ 1124731 w 1256988"/>
+                  <a:gd name="connsiteY2" fmla="*/ 718731 h 751283"/>
+                  <a:gd name="connsiteX3" fmla="*/ 139085 w 1256988"/>
+                  <a:gd name="connsiteY3" fmla="*/ 751283 h 751283"/>
+                  <a:gd name="connsiteX4" fmla="*/ 0 w 1256988"/>
+                  <a:gd name="connsiteY4" fmla="*/ 130205 h 751283"/>
+                  <a:gd name="connsiteX0" fmla="*/ 0 w 1256988"/>
+                  <a:gd name="connsiteY0" fmla="*/ 280313 h 901391"/>
+                  <a:gd name="connsiteX1" fmla="*/ 1243099 w 1256988"/>
+                  <a:gd name="connsiteY1" fmla="*/ 150108 h 901391"/>
+                  <a:gd name="connsiteX2" fmla="*/ 1124731 w 1256988"/>
+                  <a:gd name="connsiteY2" fmla="*/ 868839 h 901391"/>
+                  <a:gd name="connsiteX3" fmla="*/ 139085 w 1256988"/>
+                  <a:gd name="connsiteY3" fmla="*/ 901391 h 901391"/>
+                  <a:gd name="connsiteX4" fmla="*/ 0 w 1256988"/>
+                  <a:gd name="connsiteY4" fmla="*/ 280313 h 901391"/>
+                  <a:gd name="connsiteX0" fmla="*/ 0 w 1256988"/>
+                  <a:gd name="connsiteY0" fmla="*/ 362333 h 983411"/>
+                  <a:gd name="connsiteX1" fmla="*/ 1243099 w 1256988"/>
+                  <a:gd name="connsiteY1" fmla="*/ 232128 h 983411"/>
+                  <a:gd name="connsiteX2" fmla="*/ 1124731 w 1256988"/>
+                  <a:gd name="connsiteY2" fmla="*/ 950859 h 983411"/>
+                  <a:gd name="connsiteX3" fmla="*/ 139085 w 1256988"/>
+                  <a:gd name="connsiteY3" fmla="*/ 983411 h 983411"/>
+                  <a:gd name="connsiteX4" fmla="*/ 0 w 1256988"/>
+                  <a:gd name="connsiteY4" fmla="*/ 362333 h 983411"/>
+                  <a:gd name="connsiteX0" fmla="*/ 0 w 1253077"/>
+                  <a:gd name="connsiteY0" fmla="*/ 360297 h 981375"/>
+                  <a:gd name="connsiteX1" fmla="*/ 1238639 w 1253077"/>
+                  <a:gd name="connsiteY1" fmla="*/ 234553 h 981375"/>
+                  <a:gd name="connsiteX2" fmla="*/ 1124731 w 1253077"/>
+                  <a:gd name="connsiteY2" fmla="*/ 948823 h 981375"/>
+                  <a:gd name="connsiteX3" fmla="*/ 139085 w 1253077"/>
+                  <a:gd name="connsiteY3" fmla="*/ 981375 h 981375"/>
+                  <a:gd name="connsiteX4" fmla="*/ 0 w 1253077"/>
+                  <a:gd name="connsiteY4" fmla="*/ 360297 h 981375"/>
+                  <a:gd name="connsiteX0" fmla="*/ 0 w 1256988"/>
+                  <a:gd name="connsiteY0" fmla="*/ 364387 h 985465"/>
+                  <a:gd name="connsiteX1" fmla="*/ 1243099 w 1256988"/>
+                  <a:gd name="connsiteY1" fmla="*/ 229722 h 985465"/>
+                  <a:gd name="connsiteX2" fmla="*/ 1124731 w 1256988"/>
+                  <a:gd name="connsiteY2" fmla="*/ 952913 h 985465"/>
+                  <a:gd name="connsiteX3" fmla="*/ 139085 w 1256988"/>
+                  <a:gd name="connsiteY3" fmla="*/ 985465 h 985465"/>
+                  <a:gd name="connsiteX4" fmla="*/ 0 w 1256988"/>
+                  <a:gd name="connsiteY4" fmla="*/ 364387 h 985465"/>
+                  <a:gd name="connsiteX0" fmla="*/ 0 w 1256988"/>
+                  <a:gd name="connsiteY0" fmla="*/ 351884 h 972962"/>
+                  <a:gd name="connsiteX1" fmla="*/ 1243099 w 1256988"/>
+                  <a:gd name="connsiteY1" fmla="*/ 217219 h 972962"/>
+                  <a:gd name="connsiteX2" fmla="*/ 1124731 w 1256988"/>
+                  <a:gd name="connsiteY2" fmla="*/ 940410 h 972962"/>
+                  <a:gd name="connsiteX3" fmla="*/ 139085 w 1256988"/>
+                  <a:gd name="connsiteY3" fmla="*/ 972962 h 972962"/>
+                  <a:gd name="connsiteX4" fmla="*/ 0 w 1256988"/>
+                  <a:gd name="connsiteY4" fmla="*/ 351884 h 972962"/>
+                  <a:gd name="connsiteX0" fmla="*/ 0 w 1256988"/>
+                  <a:gd name="connsiteY0" fmla="*/ 365975 h 987053"/>
+                  <a:gd name="connsiteX1" fmla="*/ 1243099 w 1256988"/>
+                  <a:gd name="connsiteY1" fmla="*/ 231310 h 987053"/>
+                  <a:gd name="connsiteX2" fmla="*/ 1124731 w 1256988"/>
+                  <a:gd name="connsiteY2" fmla="*/ 954501 h 987053"/>
+                  <a:gd name="connsiteX3" fmla="*/ 139085 w 1256988"/>
+                  <a:gd name="connsiteY3" fmla="*/ 987053 h 987053"/>
+                  <a:gd name="connsiteX4" fmla="*/ 0 w 1256988"/>
+                  <a:gd name="connsiteY4" fmla="*/ 365975 h 987053"/>
+                  <a:gd name="connsiteX0" fmla="*/ 0 w 1269902"/>
+                  <a:gd name="connsiteY0" fmla="*/ 365975 h 987053"/>
+                  <a:gd name="connsiteX1" fmla="*/ 1243099 w 1269902"/>
+                  <a:gd name="connsiteY1" fmla="*/ 231310 h 987053"/>
+                  <a:gd name="connsiteX2" fmla="*/ 1187178 w 1269902"/>
+                  <a:gd name="connsiteY2" fmla="*/ 976803 h 987053"/>
+                  <a:gd name="connsiteX3" fmla="*/ 139085 w 1269902"/>
+                  <a:gd name="connsiteY3" fmla="*/ 987053 h 987053"/>
+                  <a:gd name="connsiteX4" fmla="*/ 0 w 1269902"/>
+                  <a:gd name="connsiteY4" fmla="*/ 365975 h 987053"/>
+                </a:gdLst>
+                <a:ahLst/>
+                <a:cxnLst>
+                  <a:cxn ang="0">
+                    <a:pos x="connsiteX0" y="connsiteY0"/>
+                  </a:cxn>
+                  <a:cxn ang="0">
+                    <a:pos x="connsiteX1" y="connsiteY1"/>
+                  </a:cxn>
+                  <a:cxn ang="0">
+                    <a:pos x="connsiteX2" y="connsiteY2"/>
+                  </a:cxn>
+                  <a:cxn ang="0">
+                    <a:pos x="connsiteX3" y="connsiteY3"/>
+                  </a:cxn>
+                  <a:cxn ang="0">
+                    <a:pos x="connsiteX4" y="connsiteY4"/>
+                  </a:cxn>
+                </a:cxnLst>
+                <a:rect l="l" t="t" r="r" b="b"/>
+                <a:pathLst>
+                  <a:path w="1269902" h="987053">
+                    <a:moveTo>
+                      <a:pt x="0" y="365975"/>
+                    </a:moveTo>
+                    <a:cubicBezTo>
+                      <a:pt x="29667" y="-204169"/>
+                      <a:pt x="1270899" y="6880"/>
+                      <a:pt x="1243099" y="231310"/>
+                    </a:cubicBezTo>
+                    <a:cubicBezTo>
+                      <a:pt x="1287488" y="584325"/>
+                      <a:pt x="1281873" y="753993"/>
+                      <a:pt x="1187178" y="976803"/>
+                    </a:cubicBezTo>
+                    <a:cubicBezTo>
+                      <a:pt x="1054923" y="969898"/>
+                      <a:pt x="756651" y="698034"/>
+                      <a:pt x="139085" y="987053"/>
+                    </a:cubicBezTo>
+                    <a:cubicBezTo>
+                      <a:pt x="79900" y="795810"/>
+                      <a:pt x="26634" y="743649"/>
+                      <a:pt x="0" y="365975"/>
+                    </a:cubicBezTo>
+                    <a:close/>
+                  </a:path>
+                </a:pathLst>
+              </a:custGeom>
+              <a:solidFill>
+                <a:srgbClr val="CC0000"/>
+              </a:solidFill>
+              <a:ln>
+                <a:noFill/>
+              </a:ln>
+              <a:effectLst/>
+            </p:spPr>
+            <p:style>
+              <a:lnRef idx="2">
+                <a:schemeClr val="accent1">
+                  <a:shade val="50000"/>
+                </a:schemeClr>
+              </a:lnRef>
+              <a:fillRef idx="1">
+                <a:schemeClr val="accent1"/>
+              </a:fillRef>
+              <a:effectRef idx="0">
+                <a:schemeClr val="accent1"/>
+              </a:effectRef>
+              <a:fontRef idx="minor">
+                <a:schemeClr val="lt1"/>
+              </a:fontRef>
+            </p:style>
+            <p:txBody>
+              <a:bodyPr rtlCol="0" anchor="ctr"/>
+              <a:lstStyle/>
+              <a:p>
+                <a:pPr algn="ctr"/>
+                <a:endParaRPr lang="pt-BR"/>
+              </a:p>
+            </p:txBody>
+          </p:sp>
+          <p:sp>
+            <p:nvSpPr>
+              <p:cNvPr id="432" name="Retângulo 4"/>
+              <p:cNvSpPr/>
+              <p:nvPr/>
+            </p:nvSpPr>
+            <p:spPr>
+              <a:xfrm rot="19113608">
+                <a:off x="2371189" y="1611454"/>
+                <a:ext cx="817910" cy="2379277"/>
+              </a:xfrm>
+              <a:custGeom>
+                <a:avLst/>
+                <a:gdLst>
+                  <a:gd name="connsiteX0" fmla="*/ 0 w 1397985"/>
+                  <a:gd name="connsiteY0" fmla="*/ 0 h 4258811"/>
+                  <a:gd name="connsiteX1" fmla="*/ 1397985 w 1397985"/>
+                  <a:gd name="connsiteY1" fmla="*/ 0 h 4258811"/>
+                  <a:gd name="connsiteX2" fmla="*/ 1397985 w 1397985"/>
+                  <a:gd name="connsiteY2" fmla="*/ 4258811 h 4258811"/>
+                  <a:gd name="connsiteX3" fmla="*/ 0 w 1397985"/>
+                  <a:gd name="connsiteY3" fmla="*/ 4258811 h 4258811"/>
+                  <a:gd name="connsiteX4" fmla="*/ 0 w 1397985"/>
+                  <a:gd name="connsiteY4" fmla="*/ 0 h 4258811"/>
+                  <a:gd name="connsiteX0" fmla="*/ 0 w 1445386"/>
+                  <a:gd name="connsiteY0" fmla="*/ 0 h 4258811"/>
+                  <a:gd name="connsiteX1" fmla="*/ 1445386 w 1445386"/>
+                  <a:gd name="connsiteY1" fmla="*/ 41848 h 4258811"/>
+                  <a:gd name="connsiteX2" fmla="*/ 1397985 w 1445386"/>
+                  <a:gd name="connsiteY2" fmla="*/ 4258811 h 4258811"/>
+                  <a:gd name="connsiteX3" fmla="*/ 0 w 1445386"/>
+                  <a:gd name="connsiteY3" fmla="*/ 4258811 h 4258811"/>
+                  <a:gd name="connsiteX4" fmla="*/ 0 w 1445386"/>
+                  <a:gd name="connsiteY4" fmla="*/ 0 h 4258811"/>
+                  <a:gd name="connsiteX0" fmla="*/ 278464 w 1445386"/>
+                  <a:gd name="connsiteY0" fmla="*/ 723046 h 4216963"/>
+                  <a:gd name="connsiteX1" fmla="*/ 1445386 w 1445386"/>
+                  <a:gd name="connsiteY1" fmla="*/ 0 h 4216963"/>
+                  <a:gd name="connsiteX2" fmla="*/ 1397985 w 1445386"/>
+                  <a:gd name="connsiteY2" fmla="*/ 4216963 h 4216963"/>
+                  <a:gd name="connsiteX3" fmla="*/ 0 w 1445386"/>
+                  <a:gd name="connsiteY3" fmla="*/ 4216963 h 4216963"/>
+                  <a:gd name="connsiteX4" fmla="*/ 278464 w 1445386"/>
+                  <a:gd name="connsiteY4" fmla="*/ 723046 h 4216963"/>
+                  <a:gd name="connsiteX0" fmla="*/ 278464 w 1445386"/>
+                  <a:gd name="connsiteY0" fmla="*/ 723046 h 4216963"/>
+                  <a:gd name="connsiteX1" fmla="*/ 1445386 w 1445386"/>
+                  <a:gd name="connsiteY1" fmla="*/ 0 h 4216963"/>
+                  <a:gd name="connsiteX2" fmla="*/ 1068841 w 1445386"/>
+                  <a:gd name="connsiteY2" fmla="*/ 3634409 h 4216963"/>
+                  <a:gd name="connsiteX3" fmla="*/ 0 w 1445386"/>
+                  <a:gd name="connsiteY3" fmla="*/ 4216963 h 4216963"/>
+                  <a:gd name="connsiteX4" fmla="*/ 278464 w 1445386"/>
+                  <a:gd name="connsiteY4" fmla="*/ 723046 h 4216963"/>
+                  <a:gd name="connsiteX0" fmla="*/ 293704 w 1460626"/>
+                  <a:gd name="connsiteY0" fmla="*/ 723046 h 4248924"/>
+                  <a:gd name="connsiteX1" fmla="*/ 1460626 w 1460626"/>
+                  <a:gd name="connsiteY1" fmla="*/ 0 h 4248924"/>
+                  <a:gd name="connsiteX2" fmla="*/ 1084081 w 1460626"/>
+                  <a:gd name="connsiteY2" fmla="*/ 3634409 h 4248924"/>
+                  <a:gd name="connsiteX3" fmla="*/ 0 w 1460626"/>
+                  <a:gd name="connsiteY3" fmla="*/ 4248924 h 4248924"/>
+                  <a:gd name="connsiteX4" fmla="*/ 293704 w 1460626"/>
+                  <a:gd name="connsiteY4" fmla="*/ 723046 h 4248924"/>
+                  <a:gd name="connsiteX0" fmla="*/ 302385 w 1469307"/>
+                  <a:gd name="connsiteY0" fmla="*/ 723046 h 4248924"/>
+                  <a:gd name="connsiteX1" fmla="*/ 1469307 w 1469307"/>
+                  <a:gd name="connsiteY1" fmla="*/ 0 h 4248924"/>
+                  <a:gd name="connsiteX2" fmla="*/ 1092762 w 1469307"/>
+                  <a:gd name="connsiteY2" fmla="*/ 3634409 h 4248924"/>
+                  <a:gd name="connsiteX3" fmla="*/ 8681 w 1469307"/>
+                  <a:gd name="connsiteY3" fmla="*/ 4248924 h 4248924"/>
+                  <a:gd name="connsiteX4" fmla="*/ 302385 w 1469307"/>
+                  <a:gd name="connsiteY4" fmla="*/ 723046 h 4248924"/>
+                  <a:gd name="connsiteX0" fmla="*/ 324594 w 1491516"/>
+                  <a:gd name="connsiteY0" fmla="*/ 723046 h 4248924"/>
+                  <a:gd name="connsiteX1" fmla="*/ 1491516 w 1491516"/>
+                  <a:gd name="connsiteY1" fmla="*/ 0 h 4248924"/>
+                  <a:gd name="connsiteX2" fmla="*/ 1114971 w 1491516"/>
+                  <a:gd name="connsiteY2" fmla="*/ 3634409 h 4248924"/>
+                  <a:gd name="connsiteX3" fmla="*/ 30890 w 1491516"/>
+                  <a:gd name="connsiteY3" fmla="*/ 4248924 h 4248924"/>
+                  <a:gd name="connsiteX4" fmla="*/ 324594 w 1491516"/>
+                  <a:gd name="connsiteY4" fmla="*/ 723046 h 4248924"/>
+                  <a:gd name="connsiteX0" fmla="*/ 293704 w 1460626"/>
+                  <a:gd name="connsiteY0" fmla="*/ 723046 h 4248924"/>
+                  <a:gd name="connsiteX1" fmla="*/ 1460626 w 1460626"/>
+                  <a:gd name="connsiteY1" fmla="*/ 0 h 4248924"/>
+                  <a:gd name="connsiteX2" fmla="*/ 1084081 w 1460626"/>
+                  <a:gd name="connsiteY2" fmla="*/ 3634409 h 4248924"/>
+                  <a:gd name="connsiteX3" fmla="*/ 0 w 1460626"/>
+                  <a:gd name="connsiteY3" fmla="*/ 4248924 h 4248924"/>
+                  <a:gd name="connsiteX4" fmla="*/ 293704 w 1460626"/>
+                  <a:gd name="connsiteY4" fmla="*/ 723046 h 4248924"/>
+                  <a:gd name="connsiteX0" fmla="*/ 276327 w 1460626"/>
+                  <a:gd name="connsiteY0" fmla="*/ 720681 h 4248924"/>
+                  <a:gd name="connsiteX1" fmla="*/ 1460626 w 1460626"/>
+                  <a:gd name="connsiteY1" fmla="*/ 0 h 4248924"/>
+                  <a:gd name="connsiteX2" fmla="*/ 1084081 w 1460626"/>
+                  <a:gd name="connsiteY2" fmla="*/ 3634409 h 4248924"/>
+                  <a:gd name="connsiteX3" fmla="*/ 0 w 1460626"/>
+                  <a:gd name="connsiteY3" fmla="*/ 4248924 h 4248924"/>
+                  <a:gd name="connsiteX4" fmla="*/ 276327 w 1460626"/>
+                  <a:gd name="connsiteY4" fmla="*/ 720681 h 4248924"/>
+                  <a:gd name="connsiteX0" fmla="*/ 276327 w 1460626"/>
+                  <a:gd name="connsiteY0" fmla="*/ 720681 h 4248924"/>
+                  <a:gd name="connsiteX1" fmla="*/ 1460626 w 1460626"/>
+                  <a:gd name="connsiteY1" fmla="*/ 0 h 4248924"/>
+                  <a:gd name="connsiteX2" fmla="*/ 1084081 w 1460626"/>
+                  <a:gd name="connsiteY2" fmla="*/ 3634409 h 4248924"/>
+                  <a:gd name="connsiteX3" fmla="*/ 0 w 1460626"/>
+                  <a:gd name="connsiteY3" fmla="*/ 4248924 h 4248924"/>
+                  <a:gd name="connsiteX4" fmla="*/ 276327 w 1460626"/>
+                  <a:gd name="connsiteY4" fmla="*/ 720681 h 4248924"/>
+                  <a:gd name="connsiteX0" fmla="*/ 276327 w 1460626"/>
+                  <a:gd name="connsiteY0" fmla="*/ 720681 h 4248924"/>
+                  <a:gd name="connsiteX1" fmla="*/ 1460626 w 1460626"/>
+                  <a:gd name="connsiteY1" fmla="*/ 0 h 4248924"/>
+                  <a:gd name="connsiteX2" fmla="*/ 1084081 w 1460626"/>
+                  <a:gd name="connsiteY2" fmla="*/ 3634409 h 4248924"/>
+                  <a:gd name="connsiteX3" fmla="*/ 0 w 1460626"/>
+                  <a:gd name="connsiteY3" fmla="*/ 4248924 h 4248924"/>
+                  <a:gd name="connsiteX4" fmla="*/ 276327 w 1460626"/>
+                  <a:gd name="connsiteY4" fmla="*/ 720681 h 4248924"/>
+                  <a:gd name="connsiteX0" fmla="*/ 276327 w 1460626"/>
+                  <a:gd name="connsiteY0" fmla="*/ 720681 h 4248924"/>
+                  <a:gd name="connsiteX1" fmla="*/ 1460626 w 1460626"/>
+                  <a:gd name="connsiteY1" fmla="*/ 0 h 4248924"/>
+                  <a:gd name="connsiteX2" fmla="*/ 1084081 w 1460626"/>
+                  <a:gd name="connsiteY2" fmla="*/ 3634409 h 4248924"/>
+                  <a:gd name="connsiteX3" fmla="*/ 0 w 1460626"/>
+                  <a:gd name="connsiteY3" fmla="*/ 4248924 h 4248924"/>
+                  <a:gd name="connsiteX4" fmla="*/ 276327 w 1460626"/>
+                  <a:gd name="connsiteY4" fmla="*/ 720681 h 4248924"/>
+                  <a:gd name="connsiteX0" fmla="*/ 290911 w 1460626"/>
+                  <a:gd name="connsiteY0" fmla="*/ 733557 h 4248924"/>
+                  <a:gd name="connsiteX1" fmla="*/ 1460626 w 1460626"/>
+                  <a:gd name="connsiteY1" fmla="*/ 0 h 4248924"/>
+                  <a:gd name="connsiteX2" fmla="*/ 1084081 w 1460626"/>
+                  <a:gd name="connsiteY2" fmla="*/ 3634409 h 4248924"/>
+                  <a:gd name="connsiteX3" fmla="*/ 0 w 1460626"/>
+                  <a:gd name="connsiteY3" fmla="*/ 4248924 h 4248924"/>
+                  <a:gd name="connsiteX4" fmla="*/ 290911 w 1460626"/>
+                  <a:gd name="connsiteY4" fmla="*/ 733557 h 4248924"/>
+                  <a:gd name="connsiteX0" fmla="*/ 290911 w 1460626"/>
+                  <a:gd name="connsiteY0" fmla="*/ 733557 h 4248924"/>
+                  <a:gd name="connsiteX1" fmla="*/ 1460626 w 1460626"/>
+                  <a:gd name="connsiteY1" fmla="*/ 0 h 4248924"/>
+                  <a:gd name="connsiteX2" fmla="*/ 1084081 w 1460626"/>
+                  <a:gd name="connsiteY2" fmla="*/ 3634409 h 4248924"/>
+                  <a:gd name="connsiteX3" fmla="*/ 0 w 1460626"/>
+                  <a:gd name="connsiteY3" fmla="*/ 4248924 h 4248924"/>
+                  <a:gd name="connsiteX4" fmla="*/ 290911 w 1460626"/>
+                  <a:gd name="connsiteY4" fmla="*/ 733557 h 4248924"/>
+                  <a:gd name="connsiteX0" fmla="*/ 290911 w 1460626"/>
+                  <a:gd name="connsiteY0" fmla="*/ 733557 h 4248924"/>
+                  <a:gd name="connsiteX1" fmla="*/ 1460626 w 1460626"/>
+                  <a:gd name="connsiteY1" fmla="*/ 0 h 4248924"/>
+                  <a:gd name="connsiteX2" fmla="*/ 1084081 w 1460626"/>
+                  <a:gd name="connsiteY2" fmla="*/ 3634409 h 4248924"/>
+                  <a:gd name="connsiteX3" fmla="*/ 0 w 1460626"/>
+                  <a:gd name="connsiteY3" fmla="*/ 4248924 h 4248924"/>
+                  <a:gd name="connsiteX4" fmla="*/ 290911 w 1460626"/>
+                  <a:gd name="connsiteY4" fmla="*/ 733557 h 4248924"/>
+                  <a:gd name="connsiteX0" fmla="*/ 290911 w 1460626"/>
+                  <a:gd name="connsiteY0" fmla="*/ 733557 h 4248924"/>
+                  <a:gd name="connsiteX1" fmla="*/ 1460626 w 1460626"/>
+                  <a:gd name="connsiteY1" fmla="*/ 0 h 4248924"/>
+                  <a:gd name="connsiteX2" fmla="*/ 1084081 w 1460626"/>
+                  <a:gd name="connsiteY2" fmla="*/ 3634409 h 4248924"/>
+                  <a:gd name="connsiteX3" fmla="*/ 0 w 1460626"/>
+                  <a:gd name="connsiteY3" fmla="*/ 4248924 h 4248924"/>
+                  <a:gd name="connsiteX4" fmla="*/ 290911 w 1460626"/>
+                  <a:gd name="connsiteY4" fmla="*/ 733557 h 4248924"/>
+                  <a:gd name="connsiteX0" fmla="*/ 290911 w 1460626"/>
+                  <a:gd name="connsiteY0" fmla="*/ 733557 h 4248924"/>
+                  <a:gd name="connsiteX1" fmla="*/ 1460626 w 1460626"/>
+                  <a:gd name="connsiteY1" fmla="*/ 0 h 4248924"/>
+                  <a:gd name="connsiteX2" fmla="*/ 1084081 w 1460626"/>
+                  <a:gd name="connsiteY2" fmla="*/ 3634409 h 4248924"/>
+                  <a:gd name="connsiteX3" fmla="*/ 0 w 1460626"/>
+                  <a:gd name="connsiteY3" fmla="*/ 4248924 h 4248924"/>
+                  <a:gd name="connsiteX4" fmla="*/ 290911 w 1460626"/>
+                  <a:gd name="connsiteY4" fmla="*/ 733557 h 4248924"/>
+                </a:gdLst>
+                <a:ahLst/>
+                <a:cxnLst>
+                  <a:cxn ang="0">
+                    <a:pos x="connsiteX0" y="connsiteY0"/>
+                  </a:cxn>
+                  <a:cxn ang="0">
+                    <a:pos x="connsiteX1" y="connsiteY1"/>
+                  </a:cxn>
+                  <a:cxn ang="0">
+                    <a:pos x="connsiteX2" y="connsiteY2"/>
+                  </a:cxn>
+                  <a:cxn ang="0">
+                    <a:pos x="connsiteX3" y="connsiteY3"/>
+                  </a:cxn>
+                  <a:cxn ang="0">
+                    <a:pos x="connsiteX4" y="connsiteY4"/>
+                  </a:cxn>
+                </a:cxnLst>
+                <a:rect l="l" t="t" r="r" b="b"/>
+                <a:pathLst>
+                  <a:path w="1460626" h="4248924">
+                    <a:moveTo>
+                      <a:pt x="290911" y="733557"/>
+                    </a:moveTo>
+                    <a:cubicBezTo>
+                      <a:pt x="531650" y="454671"/>
+                      <a:pt x="1037774" y="176503"/>
+                      <a:pt x="1460626" y="0"/>
+                    </a:cubicBezTo>
+                    <a:cubicBezTo>
+                      <a:pt x="632255" y="603925"/>
+                      <a:pt x="874022" y="2567868"/>
+                      <a:pt x="1084081" y="3634409"/>
+                    </a:cubicBezTo>
+                    <a:lnTo>
+                      <a:pt x="0" y="4248924"/>
+                    </a:lnTo>
+                    <a:cubicBezTo>
+                      <a:pt x="57596" y="2979653"/>
+                      <a:pt x="-46585" y="1768692"/>
+                      <a:pt x="290911" y="733557"/>
+                    </a:cubicBezTo>
+                    <a:close/>
+                  </a:path>
+                </a:pathLst>
+              </a:custGeom>
+              <a:solidFill>
+                <a:srgbClr val="F44336"/>
+              </a:solidFill>
+              <a:ln>
+                <a:noFill/>
+              </a:ln>
+              <a:effectLst/>
+            </p:spPr>
+            <p:style>
+              <a:lnRef idx="2">
+                <a:schemeClr val="accent1">
+                  <a:shade val="50000"/>
+                </a:schemeClr>
+              </a:lnRef>
+              <a:fillRef idx="1">
+                <a:schemeClr val="accent1"/>
+              </a:fillRef>
+              <a:effectRef idx="0">
+                <a:schemeClr val="accent1"/>
+              </a:effectRef>
+              <a:fontRef idx="minor">
+                <a:schemeClr val="lt1"/>
+              </a:fontRef>
+            </p:style>
+            <p:txBody>
+              <a:bodyPr rtlCol="0" anchor="ctr"/>
+              <a:lstStyle/>
+              <a:p>
+                <a:pPr algn="ctr"/>
+                <a:endParaRPr lang="pt-BR"/>
+              </a:p>
+            </p:txBody>
+          </p:sp>
+          <p:sp>
+            <p:nvSpPr>
+              <p:cNvPr id="433" name="Retângulo 1"/>
+              <p:cNvSpPr/>
+              <p:nvPr/>
+            </p:nvSpPr>
+            <p:spPr>
+              <a:xfrm rot="19604205">
+                <a:off x="1303094" y="2112921"/>
+                <a:ext cx="2243137" cy="1515963"/>
+              </a:xfrm>
+              <a:custGeom>
+                <a:avLst/>
+                <a:gdLst>
+                  <a:gd name="connsiteX0" fmla="*/ 0 w 4924425"/>
+                  <a:gd name="connsiteY0" fmla="*/ 0 h 1219200"/>
+                  <a:gd name="connsiteX1" fmla="*/ 4924425 w 4924425"/>
+                  <a:gd name="connsiteY1" fmla="*/ 0 h 1219200"/>
+                  <a:gd name="connsiteX2" fmla="*/ 4924425 w 4924425"/>
+                  <a:gd name="connsiteY2" fmla="*/ 1219200 h 1219200"/>
+                  <a:gd name="connsiteX3" fmla="*/ 0 w 4924425"/>
+                  <a:gd name="connsiteY3" fmla="*/ 1219200 h 1219200"/>
+                  <a:gd name="connsiteX4" fmla="*/ 0 w 4924425"/>
+                  <a:gd name="connsiteY4" fmla="*/ 0 h 1219200"/>
+                  <a:gd name="connsiteX0" fmla="*/ 0 w 4924425"/>
+                  <a:gd name="connsiteY0" fmla="*/ 214339 h 1433539"/>
+                  <a:gd name="connsiteX1" fmla="*/ 2843706 w 4924425"/>
+                  <a:gd name="connsiteY1" fmla="*/ 0 h 1433539"/>
+                  <a:gd name="connsiteX2" fmla="*/ 4924425 w 4924425"/>
+                  <a:gd name="connsiteY2" fmla="*/ 1433539 h 1433539"/>
+                  <a:gd name="connsiteX3" fmla="*/ 0 w 4924425"/>
+                  <a:gd name="connsiteY3" fmla="*/ 1433539 h 1433539"/>
+                  <a:gd name="connsiteX4" fmla="*/ 0 w 4924425"/>
+                  <a:gd name="connsiteY4" fmla="*/ 214339 h 1433539"/>
+                  <a:gd name="connsiteX0" fmla="*/ 0 w 4924425"/>
+                  <a:gd name="connsiteY0" fmla="*/ 214339 h 1433539"/>
+                  <a:gd name="connsiteX1" fmla="*/ 2843706 w 4924425"/>
+                  <a:gd name="connsiteY1" fmla="*/ 0 h 1433539"/>
+                  <a:gd name="connsiteX2" fmla="*/ 4924425 w 4924425"/>
+                  <a:gd name="connsiteY2" fmla="*/ 1433539 h 1433539"/>
+                  <a:gd name="connsiteX3" fmla="*/ 0 w 4924425"/>
+                  <a:gd name="connsiteY3" fmla="*/ 1433539 h 1433539"/>
+                  <a:gd name="connsiteX4" fmla="*/ 0 w 4924425"/>
+                  <a:gd name="connsiteY4" fmla="*/ 214339 h 1433539"/>
+                  <a:gd name="connsiteX0" fmla="*/ 0 w 4924425"/>
+                  <a:gd name="connsiteY0" fmla="*/ 507488 h 1726688"/>
+                  <a:gd name="connsiteX1" fmla="*/ 2830955 w 4924425"/>
+                  <a:gd name="connsiteY1" fmla="*/ 0 h 1726688"/>
+                  <a:gd name="connsiteX2" fmla="*/ 4924425 w 4924425"/>
+                  <a:gd name="connsiteY2" fmla="*/ 1726688 h 1726688"/>
+                  <a:gd name="connsiteX3" fmla="*/ 0 w 4924425"/>
+                  <a:gd name="connsiteY3" fmla="*/ 1726688 h 1726688"/>
+                  <a:gd name="connsiteX4" fmla="*/ 0 w 4924425"/>
+                  <a:gd name="connsiteY4" fmla="*/ 507488 h 1726688"/>
+                  <a:gd name="connsiteX0" fmla="*/ 0 w 4924425"/>
+                  <a:gd name="connsiteY0" fmla="*/ 507488 h 1726688"/>
+                  <a:gd name="connsiteX1" fmla="*/ 2830955 w 4924425"/>
+                  <a:gd name="connsiteY1" fmla="*/ 0 h 1726688"/>
+                  <a:gd name="connsiteX2" fmla="*/ 4924425 w 4924425"/>
+                  <a:gd name="connsiteY2" fmla="*/ 1726688 h 1726688"/>
+                  <a:gd name="connsiteX3" fmla="*/ 0 w 4924425"/>
+                  <a:gd name="connsiteY3" fmla="*/ 1726688 h 1726688"/>
+                  <a:gd name="connsiteX4" fmla="*/ 0 w 4924425"/>
+                  <a:gd name="connsiteY4" fmla="*/ 507488 h 1726688"/>
+                  <a:gd name="connsiteX0" fmla="*/ 0 w 4924425"/>
+                  <a:gd name="connsiteY0" fmla="*/ 507488 h 1726688"/>
+                  <a:gd name="connsiteX1" fmla="*/ 2830955 w 4924425"/>
+                  <a:gd name="connsiteY1" fmla="*/ 0 h 1726688"/>
+                  <a:gd name="connsiteX2" fmla="*/ 4924425 w 4924425"/>
+                  <a:gd name="connsiteY2" fmla="*/ 1726688 h 1726688"/>
+                  <a:gd name="connsiteX3" fmla="*/ 0 w 4924425"/>
+                  <a:gd name="connsiteY3" fmla="*/ 1726688 h 1726688"/>
+                  <a:gd name="connsiteX4" fmla="*/ 0 w 4924425"/>
+                  <a:gd name="connsiteY4" fmla="*/ 507488 h 1726688"/>
+                  <a:gd name="connsiteX0" fmla="*/ 0 w 4924425"/>
+                  <a:gd name="connsiteY0" fmla="*/ 507488 h 1726688"/>
+                  <a:gd name="connsiteX1" fmla="*/ 2830955 w 4924425"/>
+                  <a:gd name="connsiteY1" fmla="*/ 0 h 1726688"/>
+                  <a:gd name="connsiteX2" fmla="*/ 4924425 w 4924425"/>
+                  <a:gd name="connsiteY2" fmla="*/ 1726688 h 1726688"/>
+                  <a:gd name="connsiteX3" fmla="*/ 0 w 4924425"/>
+                  <a:gd name="connsiteY3" fmla="*/ 1726688 h 1726688"/>
+                  <a:gd name="connsiteX4" fmla="*/ 0 w 4924425"/>
+                  <a:gd name="connsiteY4" fmla="*/ 507488 h 1726688"/>
+                  <a:gd name="connsiteX0" fmla="*/ 0 w 5281653"/>
+                  <a:gd name="connsiteY0" fmla="*/ 507488 h 1726688"/>
+                  <a:gd name="connsiteX1" fmla="*/ 2830955 w 5281653"/>
+                  <a:gd name="connsiteY1" fmla="*/ 0 h 1726688"/>
+                  <a:gd name="connsiteX2" fmla="*/ 5281653 w 5281653"/>
+                  <a:gd name="connsiteY2" fmla="*/ 1095271 h 1726688"/>
+                  <a:gd name="connsiteX3" fmla="*/ 0 w 5281653"/>
+                  <a:gd name="connsiteY3" fmla="*/ 1726688 h 1726688"/>
+                  <a:gd name="connsiteX4" fmla="*/ 0 w 5281653"/>
+                  <a:gd name="connsiteY4" fmla="*/ 507488 h 1726688"/>
+                  <a:gd name="connsiteX0" fmla="*/ 0 w 4692468"/>
+                  <a:gd name="connsiteY0" fmla="*/ 507488 h 1726688"/>
+                  <a:gd name="connsiteX1" fmla="*/ 2830955 w 4692468"/>
+                  <a:gd name="connsiteY1" fmla="*/ 0 h 1726688"/>
+                  <a:gd name="connsiteX2" fmla="*/ 4692468 w 4692468"/>
+                  <a:gd name="connsiteY2" fmla="*/ 378440 h 1726688"/>
+                  <a:gd name="connsiteX3" fmla="*/ 0 w 4692468"/>
+                  <a:gd name="connsiteY3" fmla="*/ 1726688 h 1726688"/>
+                  <a:gd name="connsiteX4" fmla="*/ 0 w 4692468"/>
+                  <a:gd name="connsiteY4" fmla="*/ 507488 h 1726688"/>
+                  <a:gd name="connsiteX0" fmla="*/ 0 w 4843025"/>
+                  <a:gd name="connsiteY0" fmla="*/ 1169214 h 2388414"/>
+                  <a:gd name="connsiteX1" fmla="*/ 2830955 w 4843025"/>
+                  <a:gd name="connsiteY1" fmla="*/ 661726 h 2388414"/>
+                  <a:gd name="connsiteX2" fmla="*/ 3959456 w 4843025"/>
+                  <a:gd name="connsiteY2" fmla="*/ 4235 h 2388414"/>
+                  <a:gd name="connsiteX3" fmla="*/ 4692468 w 4843025"/>
+                  <a:gd name="connsiteY3" fmla="*/ 1040166 h 2388414"/>
+                  <a:gd name="connsiteX4" fmla="*/ 0 w 4843025"/>
+                  <a:gd name="connsiteY4" fmla="*/ 2388414 h 2388414"/>
+                  <a:gd name="connsiteX5" fmla="*/ 0 w 4843025"/>
+                  <a:gd name="connsiteY5" fmla="*/ 1169214 h 2388414"/>
+                  <a:gd name="connsiteX0" fmla="*/ 0 w 4780066"/>
+                  <a:gd name="connsiteY0" fmla="*/ 510063 h 1729263"/>
+                  <a:gd name="connsiteX1" fmla="*/ 2830955 w 4780066"/>
+                  <a:gd name="connsiteY1" fmla="*/ 2575 h 1729263"/>
+                  <a:gd name="connsiteX2" fmla="*/ 4692468 w 4780066"/>
+                  <a:gd name="connsiteY2" fmla="*/ 381015 h 1729263"/>
+                  <a:gd name="connsiteX3" fmla="*/ 0 w 4780066"/>
+                  <a:gd name="connsiteY3" fmla="*/ 1729263 h 1729263"/>
+                  <a:gd name="connsiteX4" fmla="*/ 0 w 4780066"/>
+                  <a:gd name="connsiteY4" fmla="*/ 510063 h 1729263"/>
+                  <a:gd name="connsiteX0" fmla="*/ 0 w 3810256"/>
+                  <a:gd name="connsiteY0" fmla="*/ 508581 h 1727781"/>
+                  <a:gd name="connsiteX1" fmla="*/ 2830955 w 3810256"/>
+                  <a:gd name="connsiteY1" fmla="*/ 1093 h 1727781"/>
+                  <a:gd name="connsiteX2" fmla="*/ 3623923 w 3810256"/>
+                  <a:gd name="connsiteY2" fmla="*/ 567138 h 1727781"/>
+                  <a:gd name="connsiteX3" fmla="*/ 0 w 3810256"/>
+                  <a:gd name="connsiteY3" fmla="*/ 1727781 h 1727781"/>
+                  <a:gd name="connsiteX4" fmla="*/ 0 w 3810256"/>
+                  <a:gd name="connsiteY4" fmla="*/ 508581 h 1727781"/>
+                  <a:gd name="connsiteX0" fmla="*/ 270716 w 4080972"/>
+                  <a:gd name="connsiteY0" fmla="*/ 508581 h 1914726"/>
+                  <a:gd name="connsiteX1" fmla="*/ 3101671 w 4080972"/>
+                  <a:gd name="connsiteY1" fmla="*/ 1093 h 1914726"/>
+                  <a:gd name="connsiteX2" fmla="*/ 3894639 w 4080972"/>
+                  <a:gd name="connsiteY2" fmla="*/ 567138 h 1914726"/>
+                  <a:gd name="connsiteX3" fmla="*/ 0 w 4080972"/>
+                  <a:gd name="connsiteY3" fmla="*/ 1914726 h 1914726"/>
+                  <a:gd name="connsiteX4" fmla="*/ 270716 w 4080972"/>
+                  <a:gd name="connsiteY4" fmla="*/ 508581 h 1914726"/>
+                  <a:gd name="connsiteX0" fmla="*/ 270716 w 4257821"/>
+                  <a:gd name="connsiteY0" fmla="*/ 1255704 h 2661849"/>
+                  <a:gd name="connsiteX1" fmla="*/ 3101671 w 4257821"/>
+                  <a:gd name="connsiteY1" fmla="*/ 748216 h 2661849"/>
+                  <a:gd name="connsiteX2" fmla="*/ 3999717 w 4257821"/>
+                  <a:gd name="connsiteY2" fmla="*/ 7903 h 2661849"/>
+                  <a:gd name="connsiteX3" fmla="*/ 3894639 w 4257821"/>
+                  <a:gd name="connsiteY3" fmla="*/ 1314261 h 2661849"/>
+                  <a:gd name="connsiteX4" fmla="*/ 0 w 4257821"/>
+                  <a:gd name="connsiteY4" fmla="*/ 2661849 h 2661849"/>
+                  <a:gd name="connsiteX5" fmla="*/ 270716 w 4257821"/>
+                  <a:gd name="connsiteY5" fmla="*/ 1255704 h 2661849"/>
+                  <a:gd name="connsiteX0" fmla="*/ 270716 w 4257821"/>
+                  <a:gd name="connsiteY0" fmla="*/ 1247866 h 2654011"/>
+                  <a:gd name="connsiteX1" fmla="*/ 3101671 w 4257821"/>
+                  <a:gd name="connsiteY1" fmla="*/ 740378 h 2654011"/>
+                  <a:gd name="connsiteX2" fmla="*/ 3999717 w 4257821"/>
+                  <a:gd name="connsiteY2" fmla="*/ 65 h 2654011"/>
+                  <a:gd name="connsiteX3" fmla="*/ 3894639 w 4257821"/>
+                  <a:gd name="connsiteY3" fmla="*/ 1306423 h 2654011"/>
+                  <a:gd name="connsiteX4" fmla="*/ 0 w 4257821"/>
+                  <a:gd name="connsiteY4" fmla="*/ 2654011 h 2654011"/>
+                  <a:gd name="connsiteX5" fmla="*/ 270716 w 4257821"/>
+                  <a:gd name="connsiteY5" fmla="*/ 1247866 h 2654011"/>
+                  <a:gd name="connsiteX0" fmla="*/ 270716 w 4198965"/>
+                  <a:gd name="connsiteY0" fmla="*/ 1300661 h 2706806"/>
+                  <a:gd name="connsiteX1" fmla="*/ 3101671 w 4198965"/>
+                  <a:gd name="connsiteY1" fmla="*/ 793173 h 2706806"/>
+                  <a:gd name="connsiteX2" fmla="*/ 3999717 w 4198965"/>
+                  <a:gd name="connsiteY2" fmla="*/ 52860 h 2706806"/>
+                  <a:gd name="connsiteX3" fmla="*/ 3894639 w 4198965"/>
+                  <a:gd name="connsiteY3" fmla="*/ 1359218 h 2706806"/>
+                  <a:gd name="connsiteX4" fmla="*/ 0 w 4198965"/>
+                  <a:gd name="connsiteY4" fmla="*/ 2706806 h 2706806"/>
+                  <a:gd name="connsiteX5" fmla="*/ 270716 w 4198965"/>
+                  <a:gd name="connsiteY5" fmla="*/ 1300661 h 2706806"/>
+                  <a:gd name="connsiteX0" fmla="*/ 270716 w 4073874"/>
+                  <a:gd name="connsiteY0" fmla="*/ 507488 h 1913633"/>
+                  <a:gd name="connsiteX1" fmla="*/ 3101671 w 4073874"/>
+                  <a:gd name="connsiteY1" fmla="*/ 0 h 1913633"/>
+                  <a:gd name="connsiteX2" fmla="*/ 3894639 w 4073874"/>
+                  <a:gd name="connsiteY2" fmla="*/ 566045 h 1913633"/>
+                  <a:gd name="connsiteX3" fmla="*/ 0 w 4073874"/>
+                  <a:gd name="connsiteY3" fmla="*/ 1913633 h 1913633"/>
+                  <a:gd name="connsiteX4" fmla="*/ 270716 w 4073874"/>
+                  <a:gd name="connsiteY4" fmla="*/ 507488 h 1913633"/>
+                  <a:gd name="connsiteX0" fmla="*/ 270716 w 3101671"/>
+                  <a:gd name="connsiteY0" fmla="*/ 507488 h 1913633"/>
+                  <a:gd name="connsiteX1" fmla="*/ 3101671 w 3101671"/>
+                  <a:gd name="connsiteY1" fmla="*/ 0 h 1913633"/>
+                  <a:gd name="connsiteX2" fmla="*/ 0 w 3101671"/>
+                  <a:gd name="connsiteY2" fmla="*/ 1913633 h 1913633"/>
+                  <a:gd name="connsiteX3" fmla="*/ 270716 w 3101671"/>
+                  <a:gd name="connsiteY3" fmla="*/ 507488 h 1913633"/>
+                  <a:gd name="connsiteX0" fmla="*/ 270716 w 3764782"/>
+                  <a:gd name="connsiteY0" fmla="*/ 514922 h 1921067"/>
+                  <a:gd name="connsiteX1" fmla="*/ 3101671 w 3764782"/>
+                  <a:gd name="connsiteY1" fmla="*/ 7434 h 1921067"/>
+                  <a:gd name="connsiteX2" fmla="*/ 3549548 w 3764782"/>
+                  <a:gd name="connsiteY2" fmla="*/ 543838 h 1921067"/>
+                  <a:gd name="connsiteX3" fmla="*/ 0 w 3764782"/>
+                  <a:gd name="connsiteY3" fmla="*/ 1921067 h 1921067"/>
+                  <a:gd name="connsiteX4" fmla="*/ 270716 w 3764782"/>
+                  <a:gd name="connsiteY4" fmla="*/ 514922 h 1921067"/>
+                  <a:gd name="connsiteX0" fmla="*/ 270716 w 3829101"/>
+                  <a:gd name="connsiteY0" fmla="*/ 2145800 h 3551945"/>
+                  <a:gd name="connsiteX1" fmla="*/ 3101671 w 3829101"/>
+                  <a:gd name="connsiteY1" fmla="*/ 1638312 h 3551945"/>
+                  <a:gd name="connsiteX2" fmla="*/ 3504313 w 3829101"/>
+                  <a:gd name="connsiteY2" fmla="*/ 3467 h 3551945"/>
+                  <a:gd name="connsiteX3" fmla="*/ 3549548 w 3829101"/>
+                  <a:gd name="connsiteY3" fmla="*/ 2174716 h 3551945"/>
+                  <a:gd name="connsiteX4" fmla="*/ 0 w 3829101"/>
+                  <a:gd name="connsiteY4" fmla="*/ 3551945 h 3551945"/>
+                  <a:gd name="connsiteX5" fmla="*/ 270716 w 3829101"/>
+                  <a:gd name="connsiteY5" fmla="*/ 2145800 h 3551945"/>
+                  <a:gd name="connsiteX0" fmla="*/ 270716 w 3912666"/>
+                  <a:gd name="connsiteY0" fmla="*/ 1620791 h 3026936"/>
+                  <a:gd name="connsiteX1" fmla="*/ 3101671 w 3912666"/>
+                  <a:gd name="connsiteY1" fmla="*/ 1113303 h 3026936"/>
+                  <a:gd name="connsiteX2" fmla="*/ 3751284 w 3912666"/>
+                  <a:gd name="connsiteY2" fmla="*/ 4985 h 3026936"/>
+                  <a:gd name="connsiteX3" fmla="*/ 3549548 w 3912666"/>
+                  <a:gd name="connsiteY3" fmla="*/ 1649707 h 3026936"/>
+                  <a:gd name="connsiteX4" fmla="*/ 0 w 3912666"/>
+                  <a:gd name="connsiteY4" fmla="*/ 3026936 h 3026936"/>
+                  <a:gd name="connsiteX5" fmla="*/ 270716 w 3912666"/>
+                  <a:gd name="connsiteY5" fmla="*/ 1620791 h 3026936"/>
+                  <a:gd name="connsiteX0" fmla="*/ 270716 w 4031083"/>
+                  <a:gd name="connsiteY0" fmla="*/ 1309776 h 2715921"/>
+                  <a:gd name="connsiteX1" fmla="*/ 3101671 w 4031083"/>
+                  <a:gd name="connsiteY1" fmla="*/ 802288 h 2715921"/>
+                  <a:gd name="connsiteX2" fmla="*/ 3967603 w 4031083"/>
+                  <a:gd name="connsiteY2" fmla="*/ 6735 h 2715921"/>
+                  <a:gd name="connsiteX3" fmla="*/ 3549548 w 4031083"/>
+                  <a:gd name="connsiteY3" fmla="*/ 1338692 h 2715921"/>
+                  <a:gd name="connsiteX4" fmla="*/ 0 w 4031083"/>
+                  <a:gd name="connsiteY4" fmla="*/ 2715921 h 2715921"/>
+                  <a:gd name="connsiteX5" fmla="*/ 270716 w 4031083"/>
+                  <a:gd name="connsiteY5" fmla="*/ 1309776 h 2715921"/>
+                  <a:gd name="connsiteX0" fmla="*/ 270716 w 3978139"/>
+                  <a:gd name="connsiteY0" fmla="*/ 1309776 h 2715921"/>
+                  <a:gd name="connsiteX1" fmla="*/ 3101671 w 3978139"/>
+                  <a:gd name="connsiteY1" fmla="*/ 802288 h 2715921"/>
+                  <a:gd name="connsiteX2" fmla="*/ 3967603 w 3978139"/>
+                  <a:gd name="connsiteY2" fmla="*/ 6735 h 2715921"/>
+                  <a:gd name="connsiteX3" fmla="*/ 3549548 w 3978139"/>
+                  <a:gd name="connsiteY3" fmla="*/ 1338692 h 2715921"/>
+                  <a:gd name="connsiteX4" fmla="*/ 0 w 3978139"/>
+                  <a:gd name="connsiteY4" fmla="*/ 2715921 h 2715921"/>
+                  <a:gd name="connsiteX5" fmla="*/ 270716 w 3978139"/>
+                  <a:gd name="connsiteY5" fmla="*/ 1309776 h 2715921"/>
+                  <a:gd name="connsiteX0" fmla="*/ 270716 w 3997782"/>
+                  <a:gd name="connsiteY0" fmla="*/ 1326890 h 2733035"/>
+                  <a:gd name="connsiteX1" fmla="*/ 3101671 w 3997782"/>
+                  <a:gd name="connsiteY1" fmla="*/ 819402 h 2733035"/>
+                  <a:gd name="connsiteX2" fmla="*/ 3967603 w 3997782"/>
+                  <a:gd name="connsiteY2" fmla="*/ 23849 h 2733035"/>
+                  <a:gd name="connsiteX3" fmla="*/ 3549548 w 3997782"/>
+                  <a:gd name="connsiteY3" fmla="*/ 1355806 h 2733035"/>
+                  <a:gd name="connsiteX4" fmla="*/ 0 w 3997782"/>
+                  <a:gd name="connsiteY4" fmla="*/ 2733035 h 2733035"/>
+                  <a:gd name="connsiteX5" fmla="*/ 270716 w 3997782"/>
+                  <a:gd name="connsiteY5" fmla="*/ 1326890 h 2733035"/>
+                  <a:gd name="connsiteX0" fmla="*/ 270716 w 3981690"/>
+                  <a:gd name="connsiteY0" fmla="*/ 1325819 h 2731964"/>
+                  <a:gd name="connsiteX1" fmla="*/ 3101671 w 3981690"/>
+                  <a:gd name="connsiteY1" fmla="*/ 818331 h 2731964"/>
+                  <a:gd name="connsiteX2" fmla="*/ 3967603 w 3981690"/>
+                  <a:gd name="connsiteY2" fmla="*/ 22778 h 2731964"/>
+                  <a:gd name="connsiteX3" fmla="*/ 3494565 w 3981690"/>
+                  <a:gd name="connsiteY3" fmla="*/ 1421191 h 2731964"/>
+                  <a:gd name="connsiteX4" fmla="*/ 0 w 3981690"/>
+                  <a:gd name="connsiteY4" fmla="*/ 2731964 h 2731964"/>
+                  <a:gd name="connsiteX5" fmla="*/ 270716 w 3981690"/>
+                  <a:gd name="connsiteY5" fmla="*/ 1325819 h 2731964"/>
+                  <a:gd name="connsiteX0" fmla="*/ 270716 w 3981690"/>
+                  <a:gd name="connsiteY0" fmla="*/ 1325819 h 2731964"/>
+                  <a:gd name="connsiteX1" fmla="*/ 3101671 w 3981690"/>
+                  <a:gd name="connsiteY1" fmla="*/ 818331 h 2731964"/>
+                  <a:gd name="connsiteX2" fmla="*/ 3967603 w 3981690"/>
+                  <a:gd name="connsiteY2" fmla="*/ 22778 h 2731964"/>
+                  <a:gd name="connsiteX3" fmla="*/ 3494565 w 3981690"/>
+                  <a:gd name="connsiteY3" fmla="*/ 1421191 h 2731964"/>
+                  <a:gd name="connsiteX4" fmla="*/ 0 w 3981690"/>
+                  <a:gd name="connsiteY4" fmla="*/ 2731964 h 2731964"/>
+                  <a:gd name="connsiteX5" fmla="*/ 270716 w 3981690"/>
+                  <a:gd name="connsiteY5" fmla="*/ 1325819 h 2731964"/>
+                  <a:gd name="connsiteX0" fmla="*/ 270716 w 3981690"/>
+                  <a:gd name="connsiteY0" fmla="*/ 1331311 h 2737456"/>
+                  <a:gd name="connsiteX1" fmla="*/ 3101671 w 3981690"/>
+                  <a:gd name="connsiteY1" fmla="*/ 823823 h 2737456"/>
+                  <a:gd name="connsiteX2" fmla="*/ 3506141 w 3981690"/>
+                  <a:gd name="connsiteY2" fmla="*/ 456326 h 2737456"/>
+                  <a:gd name="connsiteX3" fmla="*/ 3967603 w 3981690"/>
+                  <a:gd name="connsiteY3" fmla="*/ 28270 h 2737456"/>
+                  <a:gd name="connsiteX4" fmla="*/ 3494565 w 3981690"/>
+                  <a:gd name="connsiteY4" fmla="*/ 1426683 h 2737456"/>
+                  <a:gd name="connsiteX5" fmla="*/ 0 w 3981690"/>
+                  <a:gd name="connsiteY5" fmla="*/ 2737456 h 2737456"/>
+                  <a:gd name="connsiteX6" fmla="*/ 270716 w 3981690"/>
+                  <a:gd name="connsiteY6" fmla="*/ 1331311 h 2737456"/>
+                  <a:gd name="connsiteX0" fmla="*/ 270716 w 3981690"/>
+                  <a:gd name="connsiteY0" fmla="*/ 1407690 h 2813835"/>
+                  <a:gd name="connsiteX1" fmla="*/ 3101671 w 3981690"/>
+                  <a:gd name="connsiteY1" fmla="*/ 900202 h 2813835"/>
+                  <a:gd name="connsiteX2" fmla="*/ 3506141 w 3981690"/>
+                  <a:gd name="connsiteY2" fmla="*/ 532705 h 2813835"/>
+                  <a:gd name="connsiteX3" fmla="*/ 3967603 w 3981690"/>
+                  <a:gd name="connsiteY3" fmla="*/ 104649 h 2813835"/>
+                  <a:gd name="connsiteX4" fmla="*/ 3494565 w 3981690"/>
+                  <a:gd name="connsiteY4" fmla="*/ 1503062 h 2813835"/>
+                  <a:gd name="connsiteX5" fmla="*/ 0 w 3981690"/>
+                  <a:gd name="connsiteY5" fmla="*/ 2813835 h 2813835"/>
+                  <a:gd name="connsiteX6" fmla="*/ 270716 w 3981690"/>
+                  <a:gd name="connsiteY6" fmla="*/ 1407690 h 2813835"/>
+                  <a:gd name="connsiteX0" fmla="*/ 270716 w 3981690"/>
+                  <a:gd name="connsiteY0" fmla="*/ 1407690 h 2813835"/>
+                  <a:gd name="connsiteX1" fmla="*/ 3101671 w 3981690"/>
+                  <a:gd name="connsiteY1" fmla="*/ 900202 h 2813835"/>
+                  <a:gd name="connsiteX2" fmla="*/ 3506141 w 3981690"/>
+                  <a:gd name="connsiteY2" fmla="*/ 532705 h 2813835"/>
+                  <a:gd name="connsiteX3" fmla="*/ 3967603 w 3981690"/>
+                  <a:gd name="connsiteY3" fmla="*/ 104649 h 2813835"/>
+                  <a:gd name="connsiteX4" fmla="*/ 3494565 w 3981690"/>
+                  <a:gd name="connsiteY4" fmla="*/ 1503062 h 2813835"/>
+                  <a:gd name="connsiteX5" fmla="*/ 0 w 3981690"/>
+                  <a:gd name="connsiteY5" fmla="*/ 2813835 h 2813835"/>
+                  <a:gd name="connsiteX6" fmla="*/ 270716 w 3981690"/>
+                  <a:gd name="connsiteY6" fmla="*/ 1407690 h 2813835"/>
+                  <a:gd name="connsiteX0" fmla="*/ 270716 w 3981690"/>
+                  <a:gd name="connsiteY0" fmla="*/ 1341084 h 2747229"/>
+                  <a:gd name="connsiteX1" fmla="*/ 3101671 w 3981690"/>
+                  <a:gd name="connsiteY1" fmla="*/ 833596 h 2747229"/>
+                  <a:gd name="connsiteX2" fmla="*/ 3506141 w 3981690"/>
+                  <a:gd name="connsiteY2" fmla="*/ 466099 h 2747229"/>
+                  <a:gd name="connsiteX3" fmla="*/ 3967603 w 3981690"/>
+                  <a:gd name="connsiteY3" fmla="*/ 38043 h 2747229"/>
+                  <a:gd name="connsiteX4" fmla="*/ 3494565 w 3981690"/>
+                  <a:gd name="connsiteY4" fmla="*/ 1436456 h 2747229"/>
+                  <a:gd name="connsiteX5" fmla="*/ 0 w 3981690"/>
+                  <a:gd name="connsiteY5" fmla="*/ 2747229 h 2747229"/>
+                  <a:gd name="connsiteX6" fmla="*/ 270716 w 3981690"/>
+                  <a:gd name="connsiteY6" fmla="*/ 1341084 h 2747229"/>
+                  <a:gd name="connsiteX0" fmla="*/ 270716 w 3981690"/>
+                  <a:gd name="connsiteY0" fmla="*/ 1341084 h 2747229"/>
+                  <a:gd name="connsiteX1" fmla="*/ 3101671 w 3981690"/>
+                  <a:gd name="connsiteY1" fmla="*/ 833596 h 2747229"/>
+                  <a:gd name="connsiteX2" fmla="*/ 3506141 w 3981690"/>
+                  <a:gd name="connsiteY2" fmla="*/ 466099 h 2747229"/>
+                  <a:gd name="connsiteX3" fmla="*/ 3967603 w 3981690"/>
+                  <a:gd name="connsiteY3" fmla="*/ 38043 h 2747229"/>
+                  <a:gd name="connsiteX4" fmla="*/ 3494565 w 3981690"/>
+                  <a:gd name="connsiteY4" fmla="*/ 1436456 h 2747229"/>
+                  <a:gd name="connsiteX5" fmla="*/ 0 w 3981690"/>
+                  <a:gd name="connsiteY5" fmla="*/ 2747229 h 2747229"/>
+                  <a:gd name="connsiteX6" fmla="*/ 270716 w 3981690"/>
+                  <a:gd name="connsiteY6" fmla="*/ 1341084 h 2747229"/>
+                  <a:gd name="connsiteX0" fmla="*/ 270716 w 3981690"/>
+                  <a:gd name="connsiteY0" fmla="*/ 1325819 h 2731964"/>
+                  <a:gd name="connsiteX1" fmla="*/ 3101671 w 3981690"/>
+                  <a:gd name="connsiteY1" fmla="*/ 818331 h 2731964"/>
+                  <a:gd name="connsiteX2" fmla="*/ 3967603 w 3981690"/>
+                  <a:gd name="connsiteY2" fmla="*/ 22778 h 2731964"/>
+                  <a:gd name="connsiteX3" fmla="*/ 3494565 w 3981690"/>
+                  <a:gd name="connsiteY3" fmla="*/ 1421191 h 2731964"/>
+                  <a:gd name="connsiteX4" fmla="*/ 0 w 3981690"/>
+                  <a:gd name="connsiteY4" fmla="*/ 2731964 h 2731964"/>
+                  <a:gd name="connsiteX5" fmla="*/ 270716 w 3981690"/>
+                  <a:gd name="connsiteY5" fmla="*/ 1325819 h 2731964"/>
+                  <a:gd name="connsiteX0" fmla="*/ 270716 w 3981690"/>
+                  <a:gd name="connsiteY0" fmla="*/ 1325819 h 2731964"/>
+                  <a:gd name="connsiteX1" fmla="*/ 3115116 w 3981690"/>
+                  <a:gd name="connsiteY1" fmla="*/ 849933 h 2731964"/>
+                  <a:gd name="connsiteX2" fmla="*/ 3967603 w 3981690"/>
+                  <a:gd name="connsiteY2" fmla="*/ 22778 h 2731964"/>
+                  <a:gd name="connsiteX3" fmla="*/ 3494565 w 3981690"/>
+                  <a:gd name="connsiteY3" fmla="*/ 1421191 h 2731964"/>
+                  <a:gd name="connsiteX4" fmla="*/ 0 w 3981690"/>
+                  <a:gd name="connsiteY4" fmla="*/ 2731964 h 2731964"/>
+                  <a:gd name="connsiteX5" fmla="*/ 270716 w 3981690"/>
+                  <a:gd name="connsiteY5" fmla="*/ 1325819 h 2731964"/>
+                  <a:gd name="connsiteX0" fmla="*/ 270716 w 3979616"/>
+                  <a:gd name="connsiteY0" fmla="*/ 1338805 h 2744950"/>
+                  <a:gd name="connsiteX1" fmla="*/ 3115116 w 3979616"/>
+                  <a:gd name="connsiteY1" fmla="*/ 862919 h 2744950"/>
+                  <a:gd name="connsiteX2" fmla="*/ 3964863 w 3979616"/>
+                  <a:gd name="connsiteY2" fmla="*/ 22575 h 2744950"/>
+                  <a:gd name="connsiteX3" fmla="*/ 3494565 w 3979616"/>
+                  <a:gd name="connsiteY3" fmla="*/ 1434177 h 2744950"/>
+                  <a:gd name="connsiteX4" fmla="*/ 0 w 3979616"/>
+                  <a:gd name="connsiteY4" fmla="*/ 2744950 h 2744950"/>
+                  <a:gd name="connsiteX5" fmla="*/ 270716 w 3979616"/>
+                  <a:gd name="connsiteY5" fmla="*/ 1338805 h 2744950"/>
+                  <a:gd name="connsiteX0" fmla="*/ 270716 w 3979616"/>
+                  <a:gd name="connsiteY0" fmla="*/ 1338805 h 2744950"/>
+                  <a:gd name="connsiteX1" fmla="*/ 3115116 w 3979616"/>
+                  <a:gd name="connsiteY1" fmla="*/ 862919 h 2744950"/>
+                  <a:gd name="connsiteX2" fmla="*/ 3964863 w 3979616"/>
+                  <a:gd name="connsiteY2" fmla="*/ 22575 h 2744950"/>
+                  <a:gd name="connsiteX3" fmla="*/ 3494565 w 3979616"/>
+                  <a:gd name="connsiteY3" fmla="*/ 1434177 h 2744950"/>
+                  <a:gd name="connsiteX4" fmla="*/ 0 w 3979616"/>
+                  <a:gd name="connsiteY4" fmla="*/ 2744950 h 2744950"/>
+                  <a:gd name="connsiteX5" fmla="*/ 270716 w 3979616"/>
+                  <a:gd name="connsiteY5" fmla="*/ 1338805 h 2744950"/>
+                  <a:gd name="connsiteX0" fmla="*/ 270716 w 3979616"/>
+                  <a:gd name="connsiteY0" fmla="*/ 1338805 h 2744950"/>
+                  <a:gd name="connsiteX1" fmla="*/ 3147171 w 3979616"/>
+                  <a:gd name="connsiteY1" fmla="*/ 856261 h 2744950"/>
+                  <a:gd name="connsiteX2" fmla="*/ 3964863 w 3979616"/>
+                  <a:gd name="connsiteY2" fmla="*/ 22575 h 2744950"/>
+                  <a:gd name="connsiteX3" fmla="*/ 3494565 w 3979616"/>
+                  <a:gd name="connsiteY3" fmla="*/ 1434177 h 2744950"/>
+                  <a:gd name="connsiteX4" fmla="*/ 0 w 3979616"/>
+                  <a:gd name="connsiteY4" fmla="*/ 2744950 h 2744950"/>
+                  <a:gd name="connsiteX5" fmla="*/ 270716 w 3979616"/>
+                  <a:gd name="connsiteY5" fmla="*/ 1338805 h 2744950"/>
+                  <a:gd name="connsiteX0" fmla="*/ 270716 w 3979616"/>
+                  <a:gd name="connsiteY0" fmla="*/ 1338805 h 2744950"/>
+                  <a:gd name="connsiteX1" fmla="*/ 3147171 w 3979616"/>
+                  <a:gd name="connsiteY1" fmla="*/ 856261 h 2744950"/>
+                  <a:gd name="connsiteX2" fmla="*/ 3964863 w 3979616"/>
+                  <a:gd name="connsiteY2" fmla="*/ 22575 h 2744950"/>
+                  <a:gd name="connsiteX3" fmla="*/ 3494565 w 3979616"/>
+                  <a:gd name="connsiteY3" fmla="*/ 1434177 h 2744950"/>
+                  <a:gd name="connsiteX4" fmla="*/ 0 w 3979616"/>
+                  <a:gd name="connsiteY4" fmla="*/ 2744950 h 2744950"/>
+                  <a:gd name="connsiteX5" fmla="*/ 270716 w 3979616"/>
+                  <a:gd name="connsiteY5" fmla="*/ 1338805 h 2744950"/>
+                  <a:gd name="connsiteX0" fmla="*/ 270716 w 3979616"/>
+                  <a:gd name="connsiteY0" fmla="*/ 1338805 h 2744950"/>
+                  <a:gd name="connsiteX1" fmla="*/ 3147171 w 3979616"/>
+                  <a:gd name="connsiteY1" fmla="*/ 856261 h 2744950"/>
+                  <a:gd name="connsiteX2" fmla="*/ 3964863 w 3979616"/>
+                  <a:gd name="connsiteY2" fmla="*/ 22575 h 2744950"/>
+                  <a:gd name="connsiteX3" fmla="*/ 3494565 w 3979616"/>
+                  <a:gd name="connsiteY3" fmla="*/ 1434177 h 2744950"/>
+                  <a:gd name="connsiteX4" fmla="*/ 0 w 3979616"/>
+                  <a:gd name="connsiteY4" fmla="*/ 2744950 h 2744950"/>
+                  <a:gd name="connsiteX5" fmla="*/ 270716 w 3979616"/>
+                  <a:gd name="connsiteY5" fmla="*/ 1338805 h 2744950"/>
+                  <a:gd name="connsiteX0" fmla="*/ 270716 w 3987461"/>
+                  <a:gd name="connsiteY0" fmla="*/ 1290171 h 2696316"/>
+                  <a:gd name="connsiteX1" fmla="*/ 3147171 w 3987461"/>
+                  <a:gd name="connsiteY1" fmla="*/ 807627 h 2696316"/>
+                  <a:gd name="connsiteX2" fmla="*/ 3975128 w 3987461"/>
+                  <a:gd name="connsiteY2" fmla="*/ 23350 h 2696316"/>
+                  <a:gd name="connsiteX3" fmla="*/ 3494565 w 3987461"/>
+                  <a:gd name="connsiteY3" fmla="*/ 1385543 h 2696316"/>
+                  <a:gd name="connsiteX4" fmla="*/ 0 w 3987461"/>
+                  <a:gd name="connsiteY4" fmla="*/ 2696316 h 2696316"/>
+                  <a:gd name="connsiteX5" fmla="*/ 270716 w 3987461"/>
+                  <a:gd name="connsiteY5" fmla="*/ 1290171 h 2696316"/>
+                  <a:gd name="connsiteX0" fmla="*/ 270716 w 4052855"/>
+                  <a:gd name="connsiteY0" fmla="*/ 1291744 h 2697889"/>
+                  <a:gd name="connsiteX1" fmla="*/ 3147171 w 4052855"/>
+                  <a:gd name="connsiteY1" fmla="*/ 809200 h 2697889"/>
+                  <a:gd name="connsiteX2" fmla="*/ 3975128 w 4052855"/>
+                  <a:gd name="connsiteY2" fmla="*/ 24923 h 2697889"/>
+                  <a:gd name="connsiteX3" fmla="*/ 3668247 w 4052855"/>
+                  <a:gd name="connsiteY3" fmla="*/ 1295999 h 2697889"/>
+                  <a:gd name="connsiteX4" fmla="*/ 0 w 4052855"/>
+                  <a:gd name="connsiteY4" fmla="*/ 2697889 h 2697889"/>
+                  <a:gd name="connsiteX5" fmla="*/ 270716 w 4052855"/>
+                  <a:gd name="connsiteY5" fmla="*/ 1291744 h 2697889"/>
+                  <a:gd name="connsiteX0" fmla="*/ 270716 w 3994568"/>
+                  <a:gd name="connsiteY0" fmla="*/ 1296864 h 2703009"/>
+                  <a:gd name="connsiteX1" fmla="*/ 3147171 w 3994568"/>
+                  <a:gd name="connsiteY1" fmla="*/ 814320 h 2703009"/>
+                  <a:gd name="connsiteX2" fmla="*/ 3975128 w 3994568"/>
+                  <a:gd name="connsiteY2" fmla="*/ 30043 h 2703009"/>
+                  <a:gd name="connsiteX3" fmla="*/ 3668247 w 3994568"/>
+                  <a:gd name="connsiteY3" fmla="*/ 1301119 h 2703009"/>
+                  <a:gd name="connsiteX4" fmla="*/ 0 w 3994568"/>
+                  <a:gd name="connsiteY4" fmla="*/ 2703009 h 2703009"/>
+                  <a:gd name="connsiteX5" fmla="*/ 270716 w 3994568"/>
+                  <a:gd name="connsiteY5" fmla="*/ 1296864 h 2703009"/>
+                  <a:gd name="connsiteX0" fmla="*/ 270716 w 4005801"/>
+                  <a:gd name="connsiteY0" fmla="*/ 1301070 h 2707215"/>
+                  <a:gd name="connsiteX1" fmla="*/ 3147171 w 4005801"/>
+                  <a:gd name="connsiteY1" fmla="*/ 818526 h 2707215"/>
+                  <a:gd name="connsiteX2" fmla="*/ 3975128 w 4005801"/>
+                  <a:gd name="connsiteY2" fmla="*/ 34249 h 2707215"/>
+                  <a:gd name="connsiteX3" fmla="*/ 3668247 w 4005801"/>
+                  <a:gd name="connsiteY3" fmla="*/ 1305325 h 2707215"/>
+                  <a:gd name="connsiteX4" fmla="*/ 0 w 4005801"/>
+                  <a:gd name="connsiteY4" fmla="*/ 2707215 h 2707215"/>
+                  <a:gd name="connsiteX5" fmla="*/ 270716 w 4005801"/>
+                  <a:gd name="connsiteY5" fmla="*/ 1301070 h 2707215"/>
+                </a:gdLst>
+                <a:ahLst/>
+                <a:cxnLst>
+                  <a:cxn ang="0">
+                    <a:pos x="connsiteX0" y="connsiteY0"/>
+                  </a:cxn>
+                  <a:cxn ang="0">
+                    <a:pos x="connsiteX1" y="connsiteY1"/>
+                  </a:cxn>
+                  <a:cxn ang="0">
+                    <a:pos x="connsiteX2" y="connsiteY2"/>
+                  </a:cxn>
+                  <a:cxn ang="0">
+                    <a:pos x="connsiteX3" y="connsiteY3"/>
+                  </a:cxn>
+                  <a:cxn ang="0">
+                    <a:pos x="connsiteX4" y="connsiteY4"/>
+                  </a:cxn>
+                  <a:cxn ang="0">
+                    <a:pos x="connsiteX5" y="connsiteY5"/>
+                  </a:cxn>
+                </a:cxnLst>
+                <a:rect l="l" t="t" r="r" b="b"/>
+                <a:pathLst>
+                  <a:path w="4005801" h="2707215">
+                    <a:moveTo>
+                      <a:pt x="270716" y="1301070"/>
+                    </a:moveTo>
+                    <a:cubicBezTo>
+                      <a:pt x="1218618" y="1229624"/>
+                      <a:pt x="2411184" y="1096462"/>
+                      <a:pt x="3147171" y="818526"/>
+                    </a:cubicBezTo>
+                    <a:cubicBezTo>
+                      <a:pt x="3724295" y="534227"/>
+                      <a:pt x="3899253" y="223130"/>
+                      <a:pt x="3975128" y="34249"/>
+                    </a:cubicBezTo>
+                    <a:cubicBezTo>
+                      <a:pt x="3973564" y="-176950"/>
+                      <a:pt x="4151288" y="630566"/>
+                      <a:pt x="3668247" y="1305325"/>
+                    </a:cubicBezTo>
+                    <a:cubicBezTo>
+                      <a:pt x="3050248" y="1595382"/>
+                      <a:pt x="444304" y="2650712"/>
+                      <a:pt x="0" y="2707215"/>
+                    </a:cubicBezTo>
+                    <a:lnTo>
+                      <a:pt x="270716" y="1301070"/>
+                    </a:lnTo>
+                    <a:close/>
+                  </a:path>
+                </a:pathLst>
+              </a:custGeom>
+              <a:solidFill>
+                <a:srgbClr val="F44336"/>
+              </a:solidFill>
+              <a:ln>
+                <a:noFill/>
+              </a:ln>
+              <a:effectLst/>
+            </p:spPr>
+            <p:style>
+              <a:lnRef idx="2">
+                <a:schemeClr val="accent1">
+                  <a:shade val="50000"/>
+                </a:schemeClr>
+              </a:lnRef>
+              <a:fillRef idx="1">
+                <a:schemeClr val="accent1"/>
+              </a:fillRef>
+              <a:effectRef idx="0">
+                <a:schemeClr val="accent1"/>
+              </a:effectRef>
+              <a:fontRef idx="minor">
+                <a:schemeClr val="lt1"/>
+              </a:fontRef>
+            </p:style>
+            <p:txBody>
+              <a:bodyPr rtlCol="0" anchor="ctr"/>
+              <a:lstStyle/>
+              <a:p>
+                <a:pPr algn="ctr"/>
+                <a:endParaRPr lang="pt-BR"/>
+              </a:p>
+            </p:txBody>
+          </p:sp>
+          <p:sp>
+            <p:nvSpPr>
+              <p:cNvPr id="434" name="Retângulo 5"/>
+              <p:cNvSpPr/>
+              <p:nvPr/>
+            </p:nvSpPr>
+            <p:spPr>
+              <a:xfrm rot="2445425">
+                <a:off x="2700365" y="2787693"/>
+                <a:ext cx="198177" cy="518443"/>
+              </a:xfrm>
+              <a:custGeom>
+                <a:avLst/>
+                <a:gdLst>
+                  <a:gd name="connsiteX0" fmla="*/ 0 w 347063"/>
+                  <a:gd name="connsiteY0" fmla="*/ 0 h 917899"/>
+                  <a:gd name="connsiteX1" fmla="*/ 347063 w 347063"/>
+                  <a:gd name="connsiteY1" fmla="*/ 0 h 917899"/>
+                  <a:gd name="connsiteX2" fmla="*/ 347063 w 347063"/>
+                  <a:gd name="connsiteY2" fmla="*/ 917899 h 917899"/>
+                  <a:gd name="connsiteX3" fmla="*/ 0 w 347063"/>
+                  <a:gd name="connsiteY3" fmla="*/ 917899 h 917899"/>
+                  <a:gd name="connsiteX4" fmla="*/ 0 w 347063"/>
+                  <a:gd name="connsiteY4" fmla="*/ 0 h 917899"/>
+                  <a:gd name="connsiteX0" fmla="*/ 0 w 347063"/>
+                  <a:gd name="connsiteY0" fmla="*/ 0 h 917899"/>
+                  <a:gd name="connsiteX1" fmla="*/ 347063 w 347063"/>
+                  <a:gd name="connsiteY1" fmla="*/ 0 h 917899"/>
+                  <a:gd name="connsiteX2" fmla="*/ 347063 w 347063"/>
+                  <a:gd name="connsiteY2" fmla="*/ 917899 h 917899"/>
+                  <a:gd name="connsiteX3" fmla="*/ 81999 w 347063"/>
+                  <a:gd name="connsiteY3" fmla="*/ 860383 h 917899"/>
+                  <a:gd name="connsiteX4" fmla="*/ 0 w 347063"/>
+                  <a:gd name="connsiteY4" fmla="*/ 0 h 917899"/>
+                  <a:gd name="connsiteX0" fmla="*/ 0 w 347063"/>
+                  <a:gd name="connsiteY0" fmla="*/ 0 h 917899"/>
+                  <a:gd name="connsiteX1" fmla="*/ 347063 w 347063"/>
+                  <a:gd name="connsiteY1" fmla="*/ 0 h 917899"/>
+                  <a:gd name="connsiteX2" fmla="*/ 347063 w 347063"/>
+                  <a:gd name="connsiteY2" fmla="*/ 917899 h 917899"/>
+                  <a:gd name="connsiteX3" fmla="*/ 83949 w 347063"/>
+                  <a:gd name="connsiteY3" fmla="*/ 881728 h 917899"/>
+                  <a:gd name="connsiteX4" fmla="*/ 0 w 347063"/>
+                  <a:gd name="connsiteY4" fmla="*/ 0 h 917899"/>
+                  <a:gd name="connsiteX0" fmla="*/ 0 w 347063"/>
+                  <a:gd name="connsiteY0" fmla="*/ 0 h 917899"/>
+                  <a:gd name="connsiteX1" fmla="*/ 347063 w 347063"/>
+                  <a:gd name="connsiteY1" fmla="*/ 0 h 917899"/>
+                  <a:gd name="connsiteX2" fmla="*/ 347063 w 347063"/>
+                  <a:gd name="connsiteY2" fmla="*/ 917899 h 917899"/>
+                  <a:gd name="connsiteX3" fmla="*/ 87230 w 347063"/>
+                  <a:gd name="connsiteY3" fmla="*/ 872122 h 917899"/>
+                  <a:gd name="connsiteX4" fmla="*/ 83949 w 347063"/>
+                  <a:gd name="connsiteY4" fmla="*/ 881728 h 917899"/>
+                  <a:gd name="connsiteX5" fmla="*/ 0 w 347063"/>
+                  <a:gd name="connsiteY5" fmla="*/ 0 h 917899"/>
+                  <a:gd name="connsiteX0" fmla="*/ 0 w 347063"/>
+                  <a:gd name="connsiteY0" fmla="*/ 0 h 917899"/>
+                  <a:gd name="connsiteX1" fmla="*/ 290642 w 347063"/>
+                  <a:gd name="connsiteY1" fmla="*/ 22315 h 917899"/>
+                  <a:gd name="connsiteX2" fmla="*/ 347063 w 347063"/>
+                  <a:gd name="connsiteY2" fmla="*/ 917899 h 917899"/>
+                  <a:gd name="connsiteX3" fmla="*/ 87230 w 347063"/>
+                  <a:gd name="connsiteY3" fmla="*/ 872122 h 917899"/>
+                  <a:gd name="connsiteX4" fmla="*/ 83949 w 347063"/>
+                  <a:gd name="connsiteY4" fmla="*/ 881728 h 917899"/>
+                  <a:gd name="connsiteX5" fmla="*/ 0 w 347063"/>
+                  <a:gd name="connsiteY5" fmla="*/ 0 h 917899"/>
+                  <a:gd name="connsiteX0" fmla="*/ 0 w 347063"/>
+                  <a:gd name="connsiteY0" fmla="*/ 0 h 917899"/>
+                  <a:gd name="connsiteX1" fmla="*/ 278394 w 347063"/>
+                  <a:gd name="connsiteY1" fmla="*/ 12117 h 917899"/>
+                  <a:gd name="connsiteX2" fmla="*/ 347063 w 347063"/>
+                  <a:gd name="connsiteY2" fmla="*/ 917899 h 917899"/>
+                  <a:gd name="connsiteX3" fmla="*/ 87230 w 347063"/>
+                  <a:gd name="connsiteY3" fmla="*/ 872122 h 917899"/>
+                  <a:gd name="connsiteX4" fmla="*/ 83949 w 347063"/>
+                  <a:gd name="connsiteY4" fmla="*/ 881728 h 917899"/>
+                  <a:gd name="connsiteX5" fmla="*/ 0 w 347063"/>
+                  <a:gd name="connsiteY5" fmla="*/ 0 h 917899"/>
+                  <a:gd name="connsiteX0" fmla="*/ 0 w 353905"/>
+                  <a:gd name="connsiteY0" fmla="*/ 0 h 925838"/>
+                  <a:gd name="connsiteX1" fmla="*/ 285236 w 353905"/>
+                  <a:gd name="connsiteY1" fmla="*/ 20056 h 925838"/>
+                  <a:gd name="connsiteX2" fmla="*/ 353905 w 353905"/>
+                  <a:gd name="connsiteY2" fmla="*/ 925838 h 925838"/>
+                  <a:gd name="connsiteX3" fmla="*/ 94072 w 353905"/>
+                  <a:gd name="connsiteY3" fmla="*/ 880061 h 925838"/>
+                  <a:gd name="connsiteX4" fmla="*/ 90791 w 353905"/>
+                  <a:gd name="connsiteY4" fmla="*/ 889667 h 925838"/>
+                  <a:gd name="connsiteX5" fmla="*/ 0 w 353905"/>
+                  <a:gd name="connsiteY5" fmla="*/ 0 h 925838"/>
+                </a:gdLst>
+                <a:ahLst/>
+                <a:cxnLst>
+                  <a:cxn ang="0">
+                    <a:pos x="connsiteX0" y="connsiteY0"/>
+                  </a:cxn>
+                  <a:cxn ang="0">
+                    <a:pos x="connsiteX1" y="connsiteY1"/>
+                  </a:cxn>
+                  <a:cxn ang="0">
+                    <a:pos x="connsiteX2" y="connsiteY2"/>
+                  </a:cxn>
+                  <a:cxn ang="0">
+                    <a:pos x="connsiteX3" y="connsiteY3"/>
+                  </a:cxn>
+                  <a:cxn ang="0">
+                    <a:pos x="connsiteX4" y="connsiteY4"/>
+                  </a:cxn>
+                  <a:cxn ang="0">
+                    <a:pos x="connsiteX5" y="connsiteY5"/>
+                  </a:cxn>
+                </a:cxnLst>
+                <a:rect l="l" t="t" r="r" b="b"/>
+                <a:pathLst>
+                  <a:path w="353905" h="925838">
+                    <a:moveTo>
+                      <a:pt x="0" y="0"/>
+                    </a:moveTo>
+                    <a:lnTo>
+                      <a:pt x="285236" y="20056"/>
+                    </a:lnTo>
+                    <a:lnTo>
+                      <a:pt x="353905" y="925838"/>
+                    </a:lnTo>
+                    <a:cubicBezTo>
+                      <a:pt x="268921" y="912466"/>
+                      <a:pt x="179056" y="893433"/>
+                      <a:pt x="94072" y="880061"/>
+                    </a:cubicBezTo>
+                    <a:lnTo>
+                      <a:pt x="90791" y="889667"/>
+                    </a:lnTo>
+                    <a:lnTo>
+                      <a:pt x="0" y="0"/>
+                    </a:lnTo>
+                    <a:close/>
+                  </a:path>
+                </a:pathLst>
+              </a:custGeom>
+              <a:solidFill>
+                <a:srgbClr val="CC0000"/>
+              </a:solidFill>
+              <a:ln>
+                <a:noFill/>
+              </a:ln>
+            </p:spPr>
+            <p:style>
+              <a:lnRef idx="2">
+                <a:schemeClr val="accent1">
+                  <a:shade val="50000"/>
+                </a:schemeClr>
+              </a:lnRef>
+              <a:fillRef idx="1">
+                <a:schemeClr val="accent1"/>
+              </a:fillRef>
+              <a:effectRef idx="0">
+                <a:schemeClr val="accent1"/>
+              </a:effectRef>
+              <a:fontRef idx="minor">
+                <a:schemeClr val="lt1"/>
+              </a:fontRef>
+            </p:style>
+            <p:txBody>
+              <a:bodyPr rtlCol="0" anchor="ctr"/>
+              <a:lstStyle/>
+              <a:p>
+                <a:pPr algn="ctr"/>
+                <a:endParaRPr lang="pt-BR"/>
+              </a:p>
+            </p:txBody>
+          </p:sp>
+        </p:grpSp>
+        <p:grpSp>
+          <p:nvGrpSpPr>
+            <p:cNvPr id="447" name="Grupo 446"/>
+            <p:cNvGrpSpPr/>
+            <p:nvPr/>
+          </p:nvGrpSpPr>
+          <p:grpSpPr>
+            <a:xfrm>
+              <a:off x="8482474" y="1580325"/>
+              <a:ext cx="2089820" cy="2277958"/>
+              <a:chOff x="1303094" y="1545656"/>
+              <a:chExt cx="2243137" cy="2445075"/>
+            </a:xfrm>
+          </p:grpSpPr>
+          <p:sp>
+            <p:nvSpPr>
+              <p:cNvPr id="448" name="Retângulo 2"/>
+              <p:cNvSpPr/>
+              <p:nvPr/>
+            </p:nvSpPr>
+            <p:spPr>
+              <a:xfrm>
+                <a:off x="2260786" y="1545656"/>
+                <a:ext cx="711109" cy="552722"/>
+              </a:xfrm>
+              <a:custGeom>
+                <a:avLst/>
+                <a:gdLst>
+                  <a:gd name="connsiteX0" fmla="*/ 0 w 1296365"/>
+                  <a:gd name="connsiteY0" fmla="*/ 0 h 946592"/>
+                  <a:gd name="connsiteX1" fmla="*/ 1296365 w 1296365"/>
+                  <a:gd name="connsiteY1" fmla="*/ 0 h 946592"/>
+                  <a:gd name="connsiteX2" fmla="*/ 1296365 w 1296365"/>
+                  <a:gd name="connsiteY2" fmla="*/ 946592 h 946592"/>
+                  <a:gd name="connsiteX3" fmla="*/ 0 w 1296365"/>
+                  <a:gd name="connsiteY3" fmla="*/ 946592 h 946592"/>
+                  <a:gd name="connsiteX4" fmla="*/ 0 w 1296365"/>
+                  <a:gd name="connsiteY4" fmla="*/ 0 h 946592"/>
+                  <a:gd name="connsiteX0" fmla="*/ 0 w 1296365"/>
+                  <a:gd name="connsiteY0" fmla="*/ 5919 h 952511"/>
+                  <a:gd name="connsiteX1" fmla="*/ 1296365 w 1296365"/>
+                  <a:gd name="connsiteY1" fmla="*/ 0 h 952511"/>
+                  <a:gd name="connsiteX2" fmla="*/ 1296365 w 1296365"/>
+                  <a:gd name="connsiteY2" fmla="*/ 952511 h 952511"/>
+                  <a:gd name="connsiteX3" fmla="*/ 0 w 1296365"/>
+                  <a:gd name="connsiteY3" fmla="*/ 952511 h 952511"/>
+                  <a:gd name="connsiteX4" fmla="*/ 0 w 1296365"/>
+                  <a:gd name="connsiteY4" fmla="*/ 5919 h 952511"/>
+                  <a:gd name="connsiteX0" fmla="*/ 0 w 1296365"/>
+                  <a:gd name="connsiteY0" fmla="*/ 5919 h 952511"/>
+                  <a:gd name="connsiteX1" fmla="*/ 1296365 w 1296365"/>
+                  <a:gd name="connsiteY1" fmla="*/ 0 h 952511"/>
+                  <a:gd name="connsiteX2" fmla="*/ 1296365 w 1296365"/>
+                  <a:gd name="connsiteY2" fmla="*/ 952511 h 952511"/>
+                  <a:gd name="connsiteX3" fmla="*/ 0 w 1296365"/>
+                  <a:gd name="connsiteY3" fmla="*/ 952511 h 952511"/>
+                  <a:gd name="connsiteX4" fmla="*/ 0 w 1296365"/>
+                  <a:gd name="connsiteY4" fmla="*/ 5919 h 952511"/>
+                  <a:gd name="connsiteX0" fmla="*/ 0 w 1296365"/>
+                  <a:gd name="connsiteY0" fmla="*/ 5919 h 952511"/>
+                  <a:gd name="connsiteX1" fmla="*/ 1296365 w 1296365"/>
+                  <a:gd name="connsiteY1" fmla="*/ 0 h 952511"/>
+                  <a:gd name="connsiteX2" fmla="*/ 1284528 w 1296365"/>
+                  <a:gd name="connsiteY2" fmla="*/ 937715 h 952511"/>
+                  <a:gd name="connsiteX3" fmla="*/ 0 w 1296365"/>
+                  <a:gd name="connsiteY3" fmla="*/ 952511 h 952511"/>
+                  <a:gd name="connsiteX4" fmla="*/ 0 w 1296365"/>
+                  <a:gd name="connsiteY4" fmla="*/ 5919 h 952511"/>
+                  <a:gd name="connsiteX0" fmla="*/ 0 w 1296365"/>
+                  <a:gd name="connsiteY0" fmla="*/ 5919 h 952511"/>
+                  <a:gd name="connsiteX1" fmla="*/ 1296365 w 1296365"/>
+                  <a:gd name="connsiteY1" fmla="*/ 0 h 952511"/>
+                  <a:gd name="connsiteX2" fmla="*/ 1284528 w 1296365"/>
+                  <a:gd name="connsiteY2" fmla="*/ 937715 h 952511"/>
+                  <a:gd name="connsiteX3" fmla="*/ 0 w 1296365"/>
+                  <a:gd name="connsiteY3" fmla="*/ 952511 h 952511"/>
+                  <a:gd name="connsiteX4" fmla="*/ 0 w 1296365"/>
+                  <a:gd name="connsiteY4" fmla="*/ 5919 h 952511"/>
+                  <a:gd name="connsiteX0" fmla="*/ 0 w 1296365"/>
+                  <a:gd name="connsiteY0" fmla="*/ 5919 h 952511"/>
+                  <a:gd name="connsiteX1" fmla="*/ 1296365 w 1296365"/>
+                  <a:gd name="connsiteY1" fmla="*/ 0 h 952511"/>
+                  <a:gd name="connsiteX2" fmla="*/ 1284528 w 1296365"/>
+                  <a:gd name="connsiteY2" fmla="*/ 937715 h 952511"/>
+                  <a:gd name="connsiteX3" fmla="*/ 0 w 1296365"/>
+                  <a:gd name="connsiteY3" fmla="*/ 952511 h 952511"/>
+                  <a:gd name="connsiteX4" fmla="*/ 0 w 1296365"/>
+                  <a:gd name="connsiteY4" fmla="*/ 5919 h 952511"/>
+                  <a:gd name="connsiteX0" fmla="*/ 0 w 1296365"/>
+                  <a:gd name="connsiteY0" fmla="*/ 5919 h 952511"/>
+                  <a:gd name="connsiteX1" fmla="*/ 1296365 w 1296365"/>
+                  <a:gd name="connsiteY1" fmla="*/ 0 h 952511"/>
+                  <a:gd name="connsiteX2" fmla="*/ 1284528 w 1296365"/>
+                  <a:gd name="connsiteY2" fmla="*/ 937715 h 952511"/>
+                  <a:gd name="connsiteX3" fmla="*/ 0 w 1296365"/>
+                  <a:gd name="connsiteY3" fmla="*/ 952511 h 952511"/>
+                  <a:gd name="connsiteX4" fmla="*/ 0 w 1296365"/>
+                  <a:gd name="connsiteY4" fmla="*/ 5919 h 952511"/>
+                  <a:gd name="connsiteX0" fmla="*/ 0 w 1296365"/>
+                  <a:gd name="connsiteY0" fmla="*/ 5919 h 952511"/>
+                  <a:gd name="connsiteX1" fmla="*/ 1296365 w 1296365"/>
+                  <a:gd name="connsiteY1" fmla="*/ 0 h 952511"/>
+                  <a:gd name="connsiteX2" fmla="*/ 1284528 w 1296365"/>
+                  <a:gd name="connsiteY2" fmla="*/ 937715 h 952511"/>
+                  <a:gd name="connsiteX3" fmla="*/ 0 w 1296365"/>
+                  <a:gd name="connsiteY3" fmla="*/ 952511 h 952511"/>
+                  <a:gd name="connsiteX4" fmla="*/ 0 w 1296365"/>
+                  <a:gd name="connsiteY4" fmla="*/ 5919 h 952511"/>
+                  <a:gd name="connsiteX0" fmla="*/ 0 w 1296365"/>
+                  <a:gd name="connsiteY0" fmla="*/ 5919 h 967307"/>
+                  <a:gd name="connsiteX1" fmla="*/ 1296365 w 1296365"/>
+                  <a:gd name="connsiteY1" fmla="*/ 0 h 967307"/>
+                  <a:gd name="connsiteX2" fmla="*/ 1284528 w 1296365"/>
+                  <a:gd name="connsiteY2" fmla="*/ 937715 h 967307"/>
+                  <a:gd name="connsiteX3" fmla="*/ 127247 w 1296365"/>
+                  <a:gd name="connsiteY3" fmla="*/ 967307 h 967307"/>
+                  <a:gd name="connsiteX4" fmla="*/ 0 w 1296365"/>
+                  <a:gd name="connsiteY4" fmla="*/ 5919 h 967307"/>
+                  <a:gd name="connsiteX0" fmla="*/ 0 w 1296365"/>
+                  <a:gd name="connsiteY0" fmla="*/ 5919 h 967307"/>
+                  <a:gd name="connsiteX1" fmla="*/ 1296365 w 1296365"/>
+                  <a:gd name="connsiteY1" fmla="*/ 0 h 967307"/>
+                  <a:gd name="connsiteX2" fmla="*/ 1284528 w 1296365"/>
+                  <a:gd name="connsiteY2" fmla="*/ 937715 h 967307"/>
+                  <a:gd name="connsiteX3" fmla="*/ 127247 w 1296365"/>
+                  <a:gd name="connsiteY3" fmla="*/ 967307 h 967307"/>
+                  <a:gd name="connsiteX4" fmla="*/ 0 w 1296365"/>
+                  <a:gd name="connsiteY4" fmla="*/ 5919 h 967307"/>
+                  <a:gd name="connsiteX0" fmla="*/ 0 w 1296365"/>
+                  <a:gd name="connsiteY0" fmla="*/ 5919 h 967307"/>
+                  <a:gd name="connsiteX1" fmla="*/ 1296365 w 1296365"/>
+                  <a:gd name="connsiteY1" fmla="*/ 0 h 967307"/>
+                  <a:gd name="connsiteX2" fmla="*/ 1127689 w 1296365"/>
+                  <a:gd name="connsiteY2" fmla="*/ 937715 h 967307"/>
+                  <a:gd name="connsiteX3" fmla="*/ 127247 w 1296365"/>
+                  <a:gd name="connsiteY3" fmla="*/ 967307 h 967307"/>
+                  <a:gd name="connsiteX4" fmla="*/ 0 w 1296365"/>
+                  <a:gd name="connsiteY4" fmla="*/ 5919 h 967307"/>
+                  <a:gd name="connsiteX0" fmla="*/ 0 w 1296365"/>
+                  <a:gd name="connsiteY0" fmla="*/ 5919 h 967307"/>
+                  <a:gd name="connsiteX1" fmla="*/ 1296365 w 1296365"/>
+                  <a:gd name="connsiteY1" fmla="*/ 0 h 967307"/>
+                  <a:gd name="connsiteX2" fmla="*/ 1127689 w 1296365"/>
+                  <a:gd name="connsiteY2" fmla="*/ 937715 h 967307"/>
+                  <a:gd name="connsiteX3" fmla="*/ 127247 w 1296365"/>
+                  <a:gd name="connsiteY3" fmla="*/ 967307 h 967307"/>
+                  <a:gd name="connsiteX4" fmla="*/ 0 w 1296365"/>
+                  <a:gd name="connsiteY4" fmla="*/ 5919 h 967307"/>
+                  <a:gd name="connsiteX0" fmla="*/ 0 w 1296365"/>
+                  <a:gd name="connsiteY0" fmla="*/ 5919 h 967307"/>
+                  <a:gd name="connsiteX1" fmla="*/ 1296365 w 1296365"/>
+                  <a:gd name="connsiteY1" fmla="*/ 0 h 967307"/>
+                  <a:gd name="connsiteX2" fmla="*/ 1127689 w 1296365"/>
+                  <a:gd name="connsiteY2" fmla="*/ 937715 h 967307"/>
+                  <a:gd name="connsiteX3" fmla="*/ 127247 w 1296365"/>
+                  <a:gd name="connsiteY3" fmla="*/ 967307 h 967307"/>
+                  <a:gd name="connsiteX4" fmla="*/ 0 w 1296365"/>
+                  <a:gd name="connsiteY4" fmla="*/ 5919 h 967307"/>
+                  <a:gd name="connsiteX0" fmla="*/ 0 w 1249018"/>
+                  <a:gd name="connsiteY0" fmla="*/ 177554 h 967307"/>
+                  <a:gd name="connsiteX1" fmla="*/ 1249018 w 1249018"/>
+                  <a:gd name="connsiteY1" fmla="*/ 0 h 967307"/>
+                  <a:gd name="connsiteX2" fmla="*/ 1080342 w 1249018"/>
+                  <a:gd name="connsiteY2" fmla="*/ 937715 h 967307"/>
+                  <a:gd name="connsiteX3" fmla="*/ 79900 w 1249018"/>
+                  <a:gd name="connsiteY3" fmla="*/ 967307 h 967307"/>
+                  <a:gd name="connsiteX4" fmla="*/ 0 w 1249018"/>
+                  <a:gd name="connsiteY4" fmla="*/ 177554 h 967307"/>
+                  <a:gd name="connsiteX0" fmla="*/ 0 w 1293407"/>
+                  <a:gd name="connsiteY0" fmla="*/ 349189 h 967307"/>
+                  <a:gd name="connsiteX1" fmla="*/ 1293407 w 1293407"/>
+                  <a:gd name="connsiteY1" fmla="*/ 0 h 967307"/>
+                  <a:gd name="connsiteX2" fmla="*/ 1124731 w 1293407"/>
+                  <a:gd name="connsiteY2" fmla="*/ 937715 h 967307"/>
+                  <a:gd name="connsiteX3" fmla="*/ 124289 w 1293407"/>
+                  <a:gd name="connsiteY3" fmla="*/ 967307 h 967307"/>
+                  <a:gd name="connsiteX4" fmla="*/ 0 w 1293407"/>
+                  <a:gd name="connsiteY4" fmla="*/ 349189 h 967307"/>
+                  <a:gd name="connsiteX0" fmla="*/ 0 w 1293407"/>
+                  <a:gd name="connsiteY0" fmla="*/ 349189 h 967307"/>
+                  <a:gd name="connsiteX1" fmla="*/ 1293407 w 1293407"/>
+                  <a:gd name="connsiteY1" fmla="*/ 0 h 967307"/>
+                  <a:gd name="connsiteX2" fmla="*/ 1124731 w 1293407"/>
+                  <a:gd name="connsiteY2" fmla="*/ 937715 h 967307"/>
+                  <a:gd name="connsiteX3" fmla="*/ 124289 w 1293407"/>
+                  <a:gd name="connsiteY3" fmla="*/ 967307 h 967307"/>
+                  <a:gd name="connsiteX4" fmla="*/ 0 w 1293407"/>
+                  <a:gd name="connsiteY4" fmla="*/ 349189 h 967307"/>
+                  <a:gd name="connsiteX0" fmla="*/ 0 w 1148405"/>
+                  <a:gd name="connsiteY0" fmla="*/ 0 h 618118"/>
+                  <a:gd name="connsiteX1" fmla="*/ 1148405 w 1148405"/>
+                  <a:gd name="connsiteY1" fmla="*/ 50307 h 618118"/>
+                  <a:gd name="connsiteX2" fmla="*/ 1124731 w 1148405"/>
+                  <a:gd name="connsiteY2" fmla="*/ 588526 h 618118"/>
+                  <a:gd name="connsiteX3" fmla="*/ 124289 w 1148405"/>
+                  <a:gd name="connsiteY3" fmla="*/ 618118 h 618118"/>
+                  <a:gd name="connsiteX4" fmla="*/ 0 w 1148405"/>
+                  <a:gd name="connsiteY4" fmla="*/ 0 h 618118"/>
+                  <a:gd name="connsiteX0" fmla="*/ 0 w 1257896"/>
+                  <a:gd name="connsiteY0" fmla="*/ 147961 h 766079"/>
+                  <a:gd name="connsiteX1" fmla="*/ 1257896 w 1257896"/>
+                  <a:gd name="connsiteY1" fmla="*/ 0 h 766079"/>
+                  <a:gd name="connsiteX2" fmla="*/ 1124731 w 1257896"/>
+                  <a:gd name="connsiteY2" fmla="*/ 736487 h 766079"/>
+                  <a:gd name="connsiteX3" fmla="*/ 124289 w 1257896"/>
+                  <a:gd name="connsiteY3" fmla="*/ 766079 h 766079"/>
+                  <a:gd name="connsiteX4" fmla="*/ 0 w 1257896"/>
+                  <a:gd name="connsiteY4" fmla="*/ 147961 h 766079"/>
+                  <a:gd name="connsiteX0" fmla="*/ 0 w 1266094"/>
+                  <a:gd name="connsiteY0" fmla="*/ 147961 h 766079"/>
+                  <a:gd name="connsiteX1" fmla="*/ 1257896 w 1266094"/>
+                  <a:gd name="connsiteY1" fmla="*/ 0 h 766079"/>
+                  <a:gd name="connsiteX2" fmla="*/ 1124731 w 1266094"/>
+                  <a:gd name="connsiteY2" fmla="*/ 736487 h 766079"/>
+                  <a:gd name="connsiteX3" fmla="*/ 124289 w 1266094"/>
+                  <a:gd name="connsiteY3" fmla="*/ 766079 h 766079"/>
+                  <a:gd name="connsiteX4" fmla="*/ 0 w 1266094"/>
+                  <a:gd name="connsiteY4" fmla="*/ 147961 h 766079"/>
+                  <a:gd name="connsiteX0" fmla="*/ 0 w 1270231"/>
+                  <a:gd name="connsiteY0" fmla="*/ 147961 h 766079"/>
+                  <a:gd name="connsiteX1" fmla="*/ 1257896 w 1270231"/>
+                  <a:gd name="connsiteY1" fmla="*/ 0 h 766079"/>
+                  <a:gd name="connsiteX2" fmla="*/ 1124731 w 1270231"/>
+                  <a:gd name="connsiteY2" fmla="*/ 736487 h 766079"/>
+                  <a:gd name="connsiteX3" fmla="*/ 124289 w 1270231"/>
+                  <a:gd name="connsiteY3" fmla="*/ 766079 h 766079"/>
+                  <a:gd name="connsiteX4" fmla="*/ 0 w 1270231"/>
+                  <a:gd name="connsiteY4" fmla="*/ 147961 h 766079"/>
+                  <a:gd name="connsiteX0" fmla="*/ 0 w 1261805"/>
+                  <a:gd name="connsiteY0" fmla="*/ 147961 h 766079"/>
+                  <a:gd name="connsiteX1" fmla="*/ 1257896 w 1261805"/>
+                  <a:gd name="connsiteY1" fmla="*/ 0 h 766079"/>
+                  <a:gd name="connsiteX2" fmla="*/ 1124731 w 1261805"/>
+                  <a:gd name="connsiteY2" fmla="*/ 736487 h 766079"/>
+                  <a:gd name="connsiteX3" fmla="*/ 124289 w 1261805"/>
+                  <a:gd name="connsiteY3" fmla="*/ 766079 h 766079"/>
+                  <a:gd name="connsiteX4" fmla="*/ 0 w 1261805"/>
+                  <a:gd name="connsiteY4" fmla="*/ 147961 h 766079"/>
+                  <a:gd name="connsiteX0" fmla="*/ 0 w 1257896"/>
+                  <a:gd name="connsiteY0" fmla="*/ 147961 h 766079"/>
+                  <a:gd name="connsiteX1" fmla="*/ 1257896 w 1257896"/>
+                  <a:gd name="connsiteY1" fmla="*/ 0 h 766079"/>
+                  <a:gd name="connsiteX2" fmla="*/ 1124731 w 1257896"/>
+                  <a:gd name="connsiteY2" fmla="*/ 736487 h 766079"/>
+                  <a:gd name="connsiteX3" fmla="*/ 124289 w 1257896"/>
+                  <a:gd name="connsiteY3" fmla="*/ 766079 h 766079"/>
+                  <a:gd name="connsiteX4" fmla="*/ 0 w 1257896"/>
+                  <a:gd name="connsiteY4" fmla="*/ 147961 h 766079"/>
+                  <a:gd name="connsiteX0" fmla="*/ 0 w 1243099"/>
+                  <a:gd name="connsiteY0" fmla="*/ 130205 h 748323"/>
+                  <a:gd name="connsiteX1" fmla="*/ 1243099 w 1243099"/>
+                  <a:gd name="connsiteY1" fmla="*/ 0 h 748323"/>
+                  <a:gd name="connsiteX2" fmla="*/ 1124731 w 1243099"/>
+                  <a:gd name="connsiteY2" fmla="*/ 718731 h 748323"/>
+                  <a:gd name="connsiteX3" fmla="*/ 124289 w 1243099"/>
+                  <a:gd name="connsiteY3" fmla="*/ 748323 h 748323"/>
+                  <a:gd name="connsiteX4" fmla="*/ 0 w 1243099"/>
+                  <a:gd name="connsiteY4" fmla="*/ 130205 h 748323"/>
+                  <a:gd name="connsiteX0" fmla="*/ 0 w 1254517"/>
+                  <a:gd name="connsiteY0" fmla="*/ 130205 h 748323"/>
+                  <a:gd name="connsiteX1" fmla="*/ 1243099 w 1254517"/>
+                  <a:gd name="connsiteY1" fmla="*/ 0 h 748323"/>
+                  <a:gd name="connsiteX2" fmla="*/ 1124731 w 1254517"/>
+                  <a:gd name="connsiteY2" fmla="*/ 718731 h 748323"/>
+                  <a:gd name="connsiteX3" fmla="*/ 124289 w 1254517"/>
+                  <a:gd name="connsiteY3" fmla="*/ 748323 h 748323"/>
+                  <a:gd name="connsiteX4" fmla="*/ 0 w 1254517"/>
+                  <a:gd name="connsiteY4" fmla="*/ 130205 h 748323"/>
+                  <a:gd name="connsiteX0" fmla="*/ 0 w 1256988"/>
+                  <a:gd name="connsiteY0" fmla="*/ 130205 h 748323"/>
+                  <a:gd name="connsiteX1" fmla="*/ 1243099 w 1256988"/>
+                  <a:gd name="connsiteY1" fmla="*/ 0 h 748323"/>
+                  <a:gd name="connsiteX2" fmla="*/ 1124731 w 1256988"/>
+                  <a:gd name="connsiteY2" fmla="*/ 718731 h 748323"/>
+                  <a:gd name="connsiteX3" fmla="*/ 124289 w 1256988"/>
+                  <a:gd name="connsiteY3" fmla="*/ 748323 h 748323"/>
+                  <a:gd name="connsiteX4" fmla="*/ 0 w 1256988"/>
+                  <a:gd name="connsiteY4" fmla="*/ 130205 h 748323"/>
+                  <a:gd name="connsiteX0" fmla="*/ 0 w 1256988"/>
+                  <a:gd name="connsiteY0" fmla="*/ 130205 h 751283"/>
+                  <a:gd name="connsiteX1" fmla="*/ 1243099 w 1256988"/>
+                  <a:gd name="connsiteY1" fmla="*/ 0 h 751283"/>
+                  <a:gd name="connsiteX2" fmla="*/ 1124731 w 1256988"/>
+                  <a:gd name="connsiteY2" fmla="*/ 718731 h 751283"/>
+                  <a:gd name="connsiteX3" fmla="*/ 139085 w 1256988"/>
+                  <a:gd name="connsiteY3" fmla="*/ 751283 h 751283"/>
+                  <a:gd name="connsiteX4" fmla="*/ 0 w 1256988"/>
+                  <a:gd name="connsiteY4" fmla="*/ 130205 h 751283"/>
+                  <a:gd name="connsiteX0" fmla="*/ 0 w 1256988"/>
+                  <a:gd name="connsiteY0" fmla="*/ 130205 h 751283"/>
+                  <a:gd name="connsiteX1" fmla="*/ 1243099 w 1256988"/>
+                  <a:gd name="connsiteY1" fmla="*/ 0 h 751283"/>
+                  <a:gd name="connsiteX2" fmla="*/ 1124731 w 1256988"/>
+                  <a:gd name="connsiteY2" fmla="*/ 718731 h 751283"/>
+                  <a:gd name="connsiteX3" fmla="*/ 139085 w 1256988"/>
+                  <a:gd name="connsiteY3" fmla="*/ 751283 h 751283"/>
+                  <a:gd name="connsiteX4" fmla="*/ 0 w 1256988"/>
+                  <a:gd name="connsiteY4" fmla="*/ 130205 h 751283"/>
+                  <a:gd name="connsiteX0" fmla="*/ 0 w 1256988"/>
+                  <a:gd name="connsiteY0" fmla="*/ 280313 h 901391"/>
+                  <a:gd name="connsiteX1" fmla="*/ 1243099 w 1256988"/>
+                  <a:gd name="connsiteY1" fmla="*/ 150108 h 901391"/>
+                  <a:gd name="connsiteX2" fmla="*/ 1124731 w 1256988"/>
+                  <a:gd name="connsiteY2" fmla="*/ 868839 h 901391"/>
+                  <a:gd name="connsiteX3" fmla="*/ 139085 w 1256988"/>
+                  <a:gd name="connsiteY3" fmla="*/ 901391 h 901391"/>
+                  <a:gd name="connsiteX4" fmla="*/ 0 w 1256988"/>
+                  <a:gd name="connsiteY4" fmla="*/ 280313 h 901391"/>
+                  <a:gd name="connsiteX0" fmla="*/ 0 w 1256988"/>
+                  <a:gd name="connsiteY0" fmla="*/ 362333 h 983411"/>
+                  <a:gd name="connsiteX1" fmla="*/ 1243099 w 1256988"/>
+                  <a:gd name="connsiteY1" fmla="*/ 232128 h 983411"/>
+                  <a:gd name="connsiteX2" fmla="*/ 1124731 w 1256988"/>
+                  <a:gd name="connsiteY2" fmla="*/ 950859 h 983411"/>
+                  <a:gd name="connsiteX3" fmla="*/ 139085 w 1256988"/>
+                  <a:gd name="connsiteY3" fmla="*/ 983411 h 983411"/>
+                  <a:gd name="connsiteX4" fmla="*/ 0 w 1256988"/>
+                  <a:gd name="connsiteY4" fmla="*/ 362333 h 983411"/>
+                  <a:gd name="connsiteX0" fmla="*/ 0 w 1253077"/>
+                  <a:gd name="connsiteY0" fmla="*/ 360297 h 981375"/>
+                  <a:gd name="connsiteX1" fmla="*/ 1238639 w 1253077"/>
+                  <a:gd name="connsiteY1" fmla="*/ 234553 h 981375"/>
+                  <a:gd name="connsiteX2" fmla="*/ 1124731 w 1253077"/>
+                  <a:gd name="connsiteY2" fmla="*/ 948823 h 981375"/>
+                  <a:gd name="connsiteX3" fmla="*/ 139085 w 1253077"/>
+                  <a:gd name="connsiteY3" fmla="*/ 981375 h 981375"/>
+                  <a:gd name="connsiteX4" fmla="*/ 0 w 1253077"/>
+                  <a:gd name="connsiteY4" fmla="*/ 360297 h 981375"/>
+                  <a:gd name="connsiteX0" fmla="*/ 0 w 1256988"/>
+                  <a:gd name="connsiteY0" fmla="*/ 364387 h 985465"/>
+                  <a:gd name="connsiteX1" fmla="*/ 1243099 w 1256988"/>
+                  <a:gd name="connsiteY1" fmla="*/ 229722 h 985465"/>
+                  <a:gd name="connsiteX2" fmla="*/ 1124731 w 1256988"/>
+                  <a:gd name="connsiteY2" fmla="*/ 952913 h 985465"/>
+                  <a:gd name="connsiteX3" fmla="*/ 139085 w 1256988"/>
+                  <a:gd name="connsiteY3" fmla="*/ 985465 h 985465"/>
+                  <a:gd name="connsiteX4" fmla="*/ 0 w 1256988"/>
+                  <a:gd name="connsiteY4" fmla="*/ 364387 h 985465"/>
+                  <a:gd name="connsiteX0" fmla="*/ 0 w 1256988"/>
+                  <a:gd name="connsiteY0" fmla="*/ 351884 h 972962"/>
+                  <a:gd name="connsiteX1" fmla="*/ 1243099 w 1256988"/>
+                  <a:gd name="connsiteY1" fmla="*/ 217219 h 972962"/>
+                  <a:gd name="connsiteX2" fmla="*/ 1124731 w 1256988"/>
+                  <a:gd name="connsiteY2" fmla="*/ 940410 h 972962"/>
+                  <a:gd name="connsiteX3" fmla="*/ 139085 w 1256988"/>
+                  <a:gd name="connsiteY3" fmla="*/ 972962 h 972962"/>
+                  <a:gd name="connsiteX4" fmla="*/ 0 w 1256988"/>
+                  <a:gd name="connsiteY4" fmla="*/ 351884 h 972962"/>
+                  <a:gd name="connsiteX0" fmla="*/ 0 w 1256988"/>
+                  <a:gd name="connsiteY0" fmla="*/ 365975 h 987053"/>
+                  <a:gd name="connsiteX1" fmla="*/ 1243099 w 1256988"/>
+                  <a:gd name="connsiteY1" fmla="*/ 231310 h 987053"/>
+                  <a:gd name="connsiteX2" fmla="*/ 1124731 w 1256988"/>
+                  <a:gd name="connsiteY2" fmla="*/ 954501 h 987053"/>
+                  <a:gd name="connsiteX3" fmla="*/ 139085 w 1256988"/>
+                  <a:gd name="connsiteY3" fmla="*/ 987053 h 987053"/>
+                  <a:gd name="connsiteX4" fmla="*/ 0 w 1256988"/>
+                  <a:gd name="connsiteY4" fmla="*/ 365975 h 987053"/>
+                  <a:gd name="connsiteX0" fmla="*/ 0 w 1269902"/>
+                  <a:gd name="connsiteY0" fmla="*/ 365975 h 987053"/>
+                  <a:gd name="connsiteX1" fmla="*/ 1243099 w 1269902"/>
+                  <a:gd name="connsiteY1" fmla="*/ 231310 h 987053"/>
+                  <a:gd name="connsiteX2" fmla="*/ 1187178 w 1269902"/>
+                  <a:gd name="connsiteY2" fmla="*/ 976803 h 987053"/>
+                  <a:gd name="connsiteX3" fmla="*/ 139085 w 1269902"/>
+                  <a:gd name="connsiteY3" fmla="*/ 987053 h 987053"/>
+                  <a:gd name="connsiteX4" fmla="*/ 0 w 1269902"/>
+                  <a:gd name="connsiteY4" fmla="*/ 365975 h 987053"/>
+                </a:gdLst>
+                <a:ahLst/>
+                <a:cxnLst>
+                  <a:cxn ang="0">
+                    <a:pos x="connsiteX0" y="connsiteY0"/>
+                  </a:cxn>
+                  <a:cxn ang="0">
+                    <a:pos x="connsiteX1" y="connsiteY1"/>
+                  </a:cxn>
+                  <a:cxn ang="0">
+                    <a:pos x="connsiteX2" y="connsiteY2"/>
+                  </a:cxn>
+                  <a:cxn ang="0">
+                    <a:pos x="connsiteX3" y="connsiteY3"/>
+                  </a:cxn>
+                  <a:cxn ang="0">
+                    <a:pos x="connsiteX4" y="connsiteY4"/>
+                  </a:cxn>
+                </a:cxnLst>
+                <a:rect l="l" t="t" r="r" b="b"/>
+                <a:pathLst>
+                  <a:path w="1269902" h="987053">
+                    <a:moveTo>
+                      <a:pt x="0" y="365975"/>
+                    </a:moveTo>
+                    <a:cubicBezTo>
+                      <a:pt x="29667" y="-204169"/>
+                      <a:pt x="1270899" y="6880"/>
+                      <a:pt x="1243099" y="231310"/>
+                    </a:cubicBezTo>
+                    <a:cubicBezTo>
+                      <a:pt x="1287488" y="584325"/>
+                      <a:pt x="1281873" y="753993"/>
+                      <a:pt x="1187178" y="976803"/>
+                    </a:cubicBezTo>
+                    <a:cubicBezTo>
+                      <a:pt x="1054923" y="969898"/>
+                      <a:pt x="756651" y="698034"/>
+                      <a:pt x="139085" y="987053"/>
+                    </a:cubicBezTo>
+                    <a:cubicBezTo>
+                      <a:pt x="79900" y="795810"/>
+                      <a:pt x="26634" y="743649"/>
+                      <a:pt x="0" y="365975"/>
+                    </a:cubicBezTo>
+                    <a:close/>
+                  </a:path>
+                </a:pathLst>
+              </a:custGeom>
+              <a:solidFill>
+                <a:srgbClr val="CC0000"/>
+              </a:solidFill>
+              <a:ln>
+                <a:noFill/>
+              </a:ln>
+              <a:effectLst/>
+            </p:spPr>
+            <p:style>
+              <a:lnRef idx="2">
+                <a:schemeClr val="accent1">
+                  <a:shade val="50000"/>
+                </a:schemeClr>
+              </a:lnRef>
+              <a:fillRef idx="1">
+                <a:schemeClr val="accent1"/>
+              </a:fillRef>
+              <a:effectRef idx="0">
+                <a:schemeClr val="accent1"/>
+              </a:effectRef>
+              <a:fontRef idx="minor">
+                <a:schemeClr val="lt1"/>
+              </a:fontRef>
+            </p:style>
+            <p:txBody>
+              <a:bodyPr rtlCol="0" anchor="ctr"/>
+              <a:lstStyle/>
+              <a:p>
+                <a:pPr algn="ctr"/>
+                <a:endParaRPr lang="pt-BR"/>
+              </a:p>
+            </p:txBody>
+          </p:sp>
+          <p:sp>
+            <p:nvSpPr>
+              <p:cNvPr id="449" name="Retângulo 4"/>
+              <p:cNvSpPr/>
+              <p:nvPr/>
+            </p:nvSpPr>
+            <p:spPr>
+              <a:xfrm rot="19113608">
+                <a:off x="2371189" y="1611454"/>
+                <a:ext cx="817910" cy="2379277"/>
+              </a:xfrm>
+              <a:custGeom>
+                <a:avLst/>
+                <a:gdLst>
+                  <a:gd name="connsiteX0" fmla="*/ 0 w 1397985"/>
+                  <a:gd name="connsiteY0" fmla="*/ 0 h 4258811"/>
+                  <a:gd name="connsiteX1" fmla="*/ 1397985 w 1397985"/>
+                  <a:gd name="connsiteY1" fmla="*/ 0 h 4258811"/>
+                  <a:gd name="connsiteX2" fmla="*/ 1397985 w 1397985"/>
+                  <a:gd name="connsiteY2" fmla="*/ 4258811 h 4258811"/>
+                  <a:gd name="connsiteX3" fmla="*/ 0 w 1397985"/>
+                  <a:gd name="connsiteY3" fmla="*/ 4258811 h 4258811"/>
+                  <a:gd name="connsiteX4" fmla="*/ 0 w 1397985"/>
+                  <a:gd name="connsiteY4" fmla="*/ 0 h 4258811"/>
+                  <a:gd name="connsiteX0" fmla="*/ 0 w 1445386"/>
+                  <a:gd name="connsiteY0" fmla="*/ 0 h 4258811"/>
+                  <a:gd name="connsiteX1" fmla="*/ 1445386 w 1445386"/>
+                  <a:gd name="connsiteY1" fmla="*/ 41848 h 4258811"/>
+                  <a:gd name="connsiteX2" fmla="*/ 1397985 w 1445386"/>
+                  <a:gd name="connsiteY2" fmla="*/ 4258811 h 4258811"/>
+                  <a:gd name="connsiteX3" fmla="*/ 0 w 1445386"/>
+                  <a:gd name="connsiteY3" fmla="*/ 4258811 h 4258811"/>
+                  <a:gd name="connsiteX4" fmla="*/ 0 w 1445386"/>
+                  <a:gd name="connsiteY4" fmla="*/ 0 h 4258811"/>
+                  <a:gd name="connsiteX0" fmla="*/ 278464 w 1445386"/>
+                  <a:gd name="connsiteY0" fmla="*/ 723046 h 4216963"/>
+                  <a:gd name="connsiteX1" fmla="*/ 1445386 w 1445386"/>
+                  <a:gd name="connsiteY1" fmla="*/ 0 h 4216963"/>
+                  <a:gd name="connsiteX2" fmla="*/ 1397985 w 1445386"/>
+                  <a:gd name="connsiteY2" fmla="*/ 4216963 h 4216963"/>
+                  <a:gd name="connsiteX3" fmla="*/ 0 w 1445386"/>
+                  <a:gd name="connsiteY3" fmla="*/ 4216963 h 4216963"/>
+                  <a:gd name="connsiteX4" fmla="*/ 278464 w 1445386"/>
+                  <a:gd name="connsiteY4" fmla="*/ 723046 h 4216963"/>
+                  <a:gd name="connsiteX0" fmla="*/ 278464 w 1445386"/>
+                  <a:gd name="connsiteY0" fmla="*/ 723046 h 4216963"/>
+                  <a:gd name="connsiteX1" fmla="*/ 1445386 w 1445386"/>
+                  <a:gd name="connsiteY1" fmla="*/ 0 h 4216963"/>
+                  <a:gd name="connsiteX2" fmla="*/ 1068841 w 1445386"/>
+                  <a:gd name="connsiteY2" fmla="*/ 3634409 h 4216963"/>
+                  <a:gd name="connsiteX3" fmla="*/ 0 w 1445386"/>
+                  <a:gd name="connsiteY3" fmla="*/ 4216963 h 4216963"/>
+                  <a:gd name="connsiteX4" fmla="*/ 278464 w 1445386"/>
+                  <a:gd name="connsiteY4" fmla="*/ 723046 h 4216963"/>
+                  <a:gd name="connsiteX0" fmla="*/ 293704 w 1460626"/>
+                  <a:gd name="connsiteY0" fmla="*/ 723046 h 4248924"/>
+                  <a:gd name="connsiteX1" fmla="*/ 1460626 w 1460626"/>
+                  <a:gd name="connsiteY1" fmla="*/ 0 h 4248924"/>
+                  <a:gd name="connsiteX2" fmla="*/ 1084081 w 1460626"/>
+                  <a:gd name="connsiteY2" fmla="*/ 3634409 h 4248924"/>
+                  <a:gd name="connsiteX3" fmla="*/ 0 w 1460626"/>
+                  <a:gd name="connsiteY3" fmla="*/ 4248924 h 4248924"/>
+                  <a:gd name="connsiteX4" fmla="*/ 293704 w 1460626"/>
+                  <a:gd name="connsiteY4" fmla="*/ 723046 h 4248924"/>
+                  <a:gd name="connsiteX0" fmla="*/ 302385 w 1469307"/>
+                  <a:gd name="connsiteY0" fmla="*/ 723046 h 4248924"/>
+                  <a:gd name="connsiteX1" fmla="*/ 1469307 w 1469307"/>
+                  <a:gd name="connsiteY1" fmla="*/ 0 h 4248924"/>
+                  <a:gd name="connsiteX2" fmla="*/ 1092762 w 1469307"/>
+                  <a:gd name="connsiteY2" fmla="*/ 3634409 h 4248924"/>
+                  <a:gd name="connsiteX3" fmla="*/ 8681 w 1469307"/>
+                  <a:gd name="connsiteY3" fmla="*/ 4248924 h 4248924"/>
+                  <a:gd name="connsiteX4" fmla="*/ 302385 w 1469307"/>
+                  <a:gd name="connsiteY4" fmla="*/ 723046 h 4248924"/>
+                  <a:gd name="connsiteX0" fmla="*/ 324594 w 1491516"/>
+                  <a:gd name="connsiteY0" fmla="*/ 723046 h 4248924"/>
+                  <a:gd name="connsiteX1" fmla="*/ 1491516 w 1491516"/>
+                  <a:gd name="connsiteY1" fmla="*/ 0 h 4248924"/>
+                  <a:gd name="connsiteX2" fmla="*/ 1114971 w 1491516"/>
+                  <a:gd name="connsiteY2" fmla="*/ 3634409 h 4248924"/>
+                  <a:gd name="connsiteX3" fmla="*/ 30890 w 1491516"/>
+                  <a:gd name="connsiteY3" fmla="*/ 4248924 h 4248924"/>
+                  <a:gd name="connsiteX4" fmla="*/ 324594 w 1491516"/>
+                  <a:gd name="connsiteY4" fmla="*/ 723046 h 4248924"/>
+                  <a:gd name="connsiteX0" fmla="*/ 293704 w 1460626"/>
+                  <a:gd name="connsiteY0" fmla="*/ 723046 h 4248924"/>
+                  <a:gd name="connsiteX1" fmla="*/ 1460626 w 1460626"/>
+                  <a:gd name="connsiteY1" fmla="*/ 0 h 4248924"/>
+                  <a:gd name="connsiteX2" fmla="*/ 1084081 w 1460626"/>
+                  <a:gd name="connsiteY2" fmla="*/ 3634409 h 4248924"/>
+                  <a:gd name="connsiteX3" fmla="*/ 0 w 1460626"/>
+                  <a:gd name="connsiteY3" fmla="*/ 4248924 h 4248924"/>
+                  <a:gd name="connsiteX4" fmla="*/ 293704 w 1460626"/>
+                  <a:gd name="connsiteY4" fmla="*/ 723046 h 4248924"/>
+                  <a:gd name="connsiteX0" fmla="*/ 276327 w 1460626"/>
+                  <a:gd name="connsiteY0" fmla="*/ 720681 h 4248924"/>
+                  <a:gd name="connsiteX1" fmla="*/ 1460626 w 1460626"/>
+                  <a:gd name="connsiteY1" fmla="*/ 0 h 4248924"/>
+                  <a:gd name="connsiteX2" fmla="*/ 1084081 w 1460626"/>
+                  <a:gd name="connsiteY2" fmla="*/ 3634409 h 4248924"/>
+                  <a:gd name="connsiteX3" fmla="*/ 0 w 1460626"/>
+                  <a:gd name="connsiteY3" fmla="*/ 4248924 h 4248924"/>
+                  <a:gd name="connsiteX4" fmla="*/ 276327 w 1460626"/>
+                  <a:gd name="connsiteY4" fmla="*/ 720681 h 4248924"/>
+                  <a:gd name="connsiteX0" fmla="*/ 276327 w 1460626"/>
+                  <a:gd name="connsiteY0" fmla="*/ 720681 h 4248924"/>
+                  <a:gd name="connsiteX1" fmla="*/ 1460626 w 1460626"/>
+                  <a:gd name="connsiteY1" fmla="*/ 0 h 4248924"/>
+                  <a:gd name="connsiteX2" fmla="*/ 1084081 w 1460626"/>
+                  <a:gd name="connsiteY2" fmla="*/ 3634409 h 4248924"/>
+                  <a:gd name="connsiteX3" fmla="*/ 0 w 1460626"/>
+                  <a:gd name="connsiteY3" fmla="*/ 4248924 h 4248924"/>
+                  <a:gd name="connsiteX4" fmla="*/ 276327 w 1460626"/>
+                  <a:gd name="connsiteY4" fmla="*/ 720681 h 4248924"/>
+                  <a:gd name="connsiteX0" fmla="*/ 276327 w 1460626"/>
+                  <a:gd name="connsiteY0" fmla="*/ 720681 h 4248924"/>
+                  <a:gd name="connsiteX1" fmla="*/ 1460626 w 1460626"/>
+                  <a:gd name="connsiteY1" fmla="*/ 0 h 4248924"/>
+                  <a:gd name="connsiteX2" fmla="*/ 1084081 w 1460626"/>
+                  <a:gd name="connsiteY2" fmla="*/ 3634409 h 4248924"/>
+                  <a:gd name="connsiteX3" fmla="*/ 0 w 1460626"/>
+                  <a:gd name="connsiteY3" fmla="*/ 4248924 h 4248924"/>
+                  <a:gd name="connsiteX4" fmla="*/ 276327 w 1460626"/>
+                  <a:gd name="connsiteY4" fmla="*/ 720681 h 4248924"/>
+                  <a:gd name="connsiteX0" fmla="*/ 276327 w 1460626"/>
+                  <a:gd name="connsiteY0" fmla="*/ 720681 h 4248924"/>
+                  <a:gd name="connsiteX1" fmla="*/ 1460626 w 1460626"/>
+                  <a:gd name="connsiteY1" fmla="*/ 0 h 4248924"/>
+                  <a:gd name="connsiteX2" fmla="*/ 1084081 w 1460626"/>
+                  <a:gd name="connsiteY2" fmla="*/ 3634409 h 4248924"/>
+                  <a:gd name="connsiteX3" fmla="*/ 0 w 1460626"/>
+                  <a:gd name="connsiteY3" fmla="*/ 4248924 h 4248924"/>
+                  <a:gd name="connsiteX4" fmla="*/ 276327 w 1460626"/>
+                  <a:gd name="connsiteY4" fmla="*/ 720681 h 4248924"/>
+                  <a:gd name="connsiteX0" fmla="*/ 290911 w 1460626"/>
+                  <a:gd name="connsiteY0" fmla="*/ 733557 h 4248924"/>
+                  <a:gd name="connsiteX1" fmla="*/ 1460626 w 1460626"/>
+                  <a:gd name="connsiteY1" fmla="*/ 0 h 4248924"/>
+                  <a:gd name="connsiteX2" fmla="*/ 1084081 w 1460626"/>
+                  <a:gd name="connsiteY2" fmla="*/ 3634409 h 4248924"/>
+                  <a:gd name="connsiteX3" fmla="*/ 0 w 1460626"/>
+                  <a:gd name="connsiteY3" fmla="*/ 4248924 h 4248924"/>
+                  <a:gd name="connsiteX4" fmla="*/ 290911 w 1460626"/>
+                  <a:gd name="connsiteY4" fmla="*/ 733557 h 4248924"/>
+                  <a:gd name="connsiteX0" fmla="*/ 290911 w 1460626"/>
+                  <a:gd name="connsiteY0" fmla="*/ 733557 h 4248924"/>
+                  <a:gd name="connsiteX1" fmla="*/ 1460626 w 1460626"/>
+                  <a:gd name="connsiteY1" fmla="*/ 0 h 4248924"/>
+                  <a:gd name="connsiteX2" fmla="*/ 1084081 w 1460626"/>
+                  <a:gd name="connsiteY2" fmla="*/ 3634409 h 4248924"/>
+                  <a:gd name="connsiteX3" fmla="*/ 0 w 1460626"/>
+                  <a:gd name="connsiteY3" fmla="*/ 4248924 h 4248924"/>
+                  <a:gd name="connsiteX4" fmla="*/ 290911 w 1460626"/>
+                  <a:gd name="connsiteY4" fmla="*/ 733557 h 4248924"/>
+                  <a:gd name="connsiteX0" fmla="*/ 290911 w 1460626"/>
+                  <a:gd name="connsiteY0" fmla="*/ 733557 h 4248924"/>
+                  <a:gd name="connsiteX1" fmla="*/ 1460626 w 1460626"/>
+                  <a:gd name="connsiteY1" fmla="*/ 0 h 4248924"/>
+                  <a:gd name="connsiteX2" fmla="*/ 1084081 w 1460626"/>
+                  <a:gd name="connsiteY2" fmla="*/ 3634409 h 4248924"/>
+                  <a:gd name="connsiteX3" fmla="*/ 0 w 1460626"/>
+                  <a:gd name="connsiteY3" fmla="*/ 4248924 h 4248924"/>
+                  <a:gd name="connsiteX4" fmla="*/ 290911 w 1460626"/>
+                  <a:gd name="connsiteY4" fmla="*/ 733557 h 4248924"/>
+                  <a:gd name="connsiteX0" fmla="*/ 290911 w 1460626"/>
+                  <a:gd name="connsiteY0" fmla="*/ 733557 h 4248924"/>
+                  <a:gd name="connsiteX1" fmla="*/ 1460626 w 1460626"/>
+                  <a:gd name="connsiteY1" fmla="*/ 0 h 4248924"/>
+                  <a:gd name="connsiteX2" fmla="*/ 1084081 w 1460626"/>
+                  <a:gd name="connsiteY2" fmla="*/ 3634409 h 4248924"/>
+                  <a:gd name="connsiteX3" fmla="*/ 0 w 1460626"/>
+                  <a:gd name="connsiteY3" fmla="*/ 4248924 h 4248924"/>
+                  <a:gd name="connsiteX4" fmla="*/ 290911 w 1460626"/>
+                  <a:gd name="connsiteY4" fmla="*/ 733557 h 4248924"/>
+                  <a:gd name="connsiteX0" fmla="*/ 290911 w 1460626"/>
+                  <a:gd name="connsiteY0" fmla="*/ 733557 h 4248924"/>
+                  <a:gd name="connsiteX1" fmla="*/ 1460626 w 1460626"/>
+                  <a:gd name="connsiteY1" fmla="*/ 0 h 4248924"/>
+                  <a:gd name="connsiteX2" fmla="*/ 1084081 w 1460626"/>
+                  <a:gd name="connsiteY2" fmla="*/ 3634409 h 4248924"/>
+                  <a:gd name="connsiteX3" fmla="*/ 0 w 1460626"/>
+                  <a:gd name="connsiteY3" fmla="*/ 4248924 h 4248924"/>
+                  <a:gd name="connsiteX4" fmla="*/ 290911 w 1460626"/>
+                  <a:gd name="connsiteY4" fmla="*/ 733557 h 4248924"/>
+                </a:gdLst>
+                <a:ahLst/>
+                <a:cxnLst>
+                  <a:cxn ang="0">
+                    <a:pos x="connsiteX0" y="connsiteY0"/>
+                  </a:cxn>
+                  <a:cxn ang="0">
+                    <a:pos x="connsiteX1" y="connsiteY1"/>
+                  </a:cxn>
+                  <a:cxn ang="0">
+                    <a:pos x="connsiteX2" y="connsiteY2"/>
+                  </a:cxn>
+                  <a:cxn ang="0">
+                    <a:pos x="connsiteX3" y="connsiteY3"/>
+                  </a:cxn>
+                  <a:cxn ang="0">
+                    <a:pos x="connsiteX4" y="connsiteY4"/>
+                  </a:cxn>
+                </a:cxnLst>
+                <a:rect l="l" t="t" r="r" b="b"/>
+                <a:pathLst>
+                  <a:path w="1460626" h="4248924">
+                    <a:moveTo>
+                      <a:pt x="290911" y="733557"/>
+                    </a:moveTo>
+                    <a:cubicBezTo>
+                      <a:pt x="531650" y="454671"/>
+                      <a:pt x="1037774" y="176503"/>
+                      <a:pt x="1460626" y="0"/>
+                    </a:cubicBezTo>
+                    <a:cubicBezTo>
+                      <a:pt x="632255" y="603925"/>
+                      <a:pt x="874022" y="2567868"/>
+                      <a:pt x="1084081" y="3634409"/>
+                    </a:cubicBezTo>
+                    <a:lnTo>
+                      <a:pt x="0" y="4248924"/>
+                    </a:lnTo>
+                    <a:cubicBezTo>
+                      <a:pt x="57596" y="2979653"/>
+                      <a:pt x="-46585" y="1768692"/>
+                      <a:pt x="290911" y="733557"/>
+                    </a:cubicBezTo>
+                    <a:close/>
+                  </a:path>
+                </a:pathLst>
+              </a:custGeom>
+              <a:solidFill>
+                <a:srgbClr val="F44336"/>
+              </a:solidFill>
+              <a:ln>
+                <a:noFill/>
+              </a:ln>
+              <a:effectLst/>
+            </p:spPr>
+            <p:style>
+              <a:lnRef idx="2">
+                <a:schemeClr val="accent1">
+                  <a:shade val="50000"/>
+                </a:schemeClr>
+              </a:lnRef>
+              <a:fillRef idx="1">
+                <a:schemeClr val="accent1"/>
+              </a:fillRef>
+              <a:effectRef idx="0">
+                <a:schemeClr val="accent1"/>
+              </a:effectRef>
+              <a:fontRef idx="minor">
+                <a:schemeClr val="lt1"/>
+              </a:fontRef>
+            </p:style>
+            <p:txBody>
+              <a:bodyPr rtlCol="0" anchor="ctr"/>
+              <a:lstStyle/>
+              <a:p>
+                <a:pPr algn="ctr"/>
+                <a:endParaRPr lang="pt-BR"/>
+              </a:p>
+            </p:txBody>
+          </p:sp>
+          <p:sp>
+            <p:nvSpPr>
+              <p:cNvPr id="450" name="Retângulo 1"/>
+              <p:cNvSpPr/>
+              <p:nvPr/>
+            </p:nvSpPr>
+            <p:spPr>
+              <a:xfrm rot="19604205">
+                <a:off x="1303094" y="2112921"/>
+                <a:ext cx="2243137" cy="1515963"/>
+              </a:xfrm>
+              <a:custGeom>
+                <a:avLst/>
+                <a:gdLst>
+                  <a:gd name="connsiteX0" fmla="*/ 0 w 4924425"/>
+                  <a:gd name="connsiteY0" fmla="*/ 0 h 1219200"/>
+                  <a:gd name="connsiteX1" fmla="*/ 4924425 w 4924425"/>
+                  <a:gd name="connsiteY1" fmla="*/ 0 h 1219200"/>
+                  <a:gd name="connsiteX2" fmla="*/ 4924425 w 4924425"/>
+                  <a:gd name="connsiteY2" fmla="*/ 1219200 h 1219200"/>
+                  <a:gd name="connsiteX3" fmla="*/ 0 w 4924425"/>
+                  <a:gd name="connsiteY3" fmla="*/ 1219200 h 1219200"/>
+                  <a:gd name="connsiteX4" fmla="*/ 0 w 4924425"/>
+                  <a:gd name="connsiteY4" fmla="*/ 0 h 1219200"/>
+                  <a:gd name="connsiteX0" fmla="*/ 0 w 4924425"/>
+                  <a:gd name="connsiteY0" fmla="*/ 214339 h 1433539"/>
+                  <a:gd name="connsiteX1" fmla="*/ 2843706 w 4924425"/>
+                  <a:gd name="connsiteY1" fmla="*/ 0 h 1433539"/>
+                  <a:gd name="connsiteX2" fmla="*/ 4924425 w 4924425"/>
+                  <a:gd name="connsiteY2" fmla="*/ 1433539 h 1433539"/>
+                  <a:gd name="connsiteX3" fmla="*/ 0 w 4924425"/>
+                  <a:gd name="connsiteY3" fmla="*/ 1433539 h 1433539"/>
+                  <a:gd name="connsiteX4" fmla="*/ 0 w 4924425"/>
+                  <a:gd name="connsiteY4" fmla="*/ 214339 h 1433539"/>
+                  <a:gd name="connsiteX0" fmla="*/ 0 w 4924425"/>
+                  <a:gd name="connsiteY0" fmla="*/ 214339 h 1433539"/>
+                  <a:gd name="connsiteX1" fmla="*/ 2843706 w 4924425"/>
+                  <a:gd name="connsiteY1" fmla="*/ 0 h 1433539"/>
+                  <a:gd name="connsiteX2" fmla="*/ 4924425 w 4924425"/>
+                  <a:gd name="connsiteY2" fmla="*/ 1433539 h 1433539"/>
+                  <a:gd name="connsiteX3" fmla="*/ 0 w 4924425"/>
+                  <a:gd name="connsiteY3" fmla="*/ 1433539 h 1433539"/>
+                  <a:gd name="connsiteX4" fmla="*/ 0 w 4924425"/>
+                  <a:gd name="connsiteY4" fmla="*/ 214339 h 1433539"/>
+                  <a:gd name="connsiteX0" fmla="*/ 0 w 4924425"/>
+                  <a:gd name="connsiteY0" fmla="*/ 507488 h 1726688"/>
+                  <a:gd name="connsiteX1" fmla="*/ 2830955 w 4924425"/>
+                  <a:gd name="connsiteY1" fmla="*/ 0 h 1726688"/>
+                  <a:gd name="connsiteX2" fmla="*/ 4924425 w 4924425"/>
+                  <a:gd name="connsiteY2" fmla="*/ 1726688 h 1726688"/>
+                  <a:gd name="connsiteX3" fmla="*/ 0 w 4924425"/>
+                  <a:gd name="connsiteY3" fmla="*/ 1726688 h 1726688"/>
+                  <a:gd name="connsiteX4" fmla="*/ 0 w 4924425"/>
+                  <a:gd name="connsiteY4" fmla="*/ 507488 h 1726688"/>
+                  <a:gd name="connsiteX0" fmla="*/ 0 w 4924425"/>
+                  <a:gd name="connsiteY0" fmla="*/ 507488 h 1726688"/>
+                  <a:gd name="connsiteX1" fmla="*/ 2830955 w 4924425"/>
+                  <a:gd name="connsiteY1" fmla="*/ 0 h 1726688"/>
+                  <a:gd name="connsiteX2" fmla="*/ 4924425 w 4924425"/>
+                  <a:gd name="connsiteY2" fmla="*/ 1726688 h 1726688"/>
+                  <a:gd name="connsiteX3" fmla="*/ 0 w 4924425"/>
+                  <a:gd name="connsiteY3" fmla="*/ 1726688 h 1726688"/>
+                  <a:gd name="connsiteX4" fmla="*/ 0 w 4924425"/>
+                  <a:gd name="connsiteY4" fmla="*/ 507488 h 1726688"/>
+                  <a:gd name="connsiteX0" fmla="*/ 0 w 4924425"/>
+                  <a:gd name="connsiteY0" fmla="*/ 507488 h 1726688"/>
+                  <a:gd name="connsiteX1" fmla="*/ 2830955 w 4924425"/>
+                  <a:gd name="connsiteY1" fmla="*/ 0 h 1726688"/>
+                  <a:gd name="connsiteX2" fmla="*/ 4924425 w 4924425"/>
+                  <a:gd name="connsiteY2" fmla="*/ 1726688 h 1726688"/>
+                  <a:gd name="connsiteX3" fmla="*/ 0 w 4924425"/>
+                  <a:gd name="connsiteY3" fmla="*/ 1726688 h 1726688"/>
+                  <a:gd name="connsiteX4" fmla="*/ 0 w 4924425"/>
+                  <a:gd name="connsiteY4" fmla="*/ 507488 h 1726688"/>
+                  <a:gd name="connsiteX0" fmla="*/ 0 w 4924425"/>
+                  <a:gd name="connsiteY0" fmla="*/ 507488 h 1726688"/>
+                  <a:gd name="connsiteX1" fmla="*/ 2830955 w 4924425"/>
+                  <a:gd name="connsiteY1" fmla="*/ 0 h 1726688"/>
+                  <a:gd name="connsiteX2" fmla="*/ 4924425 w 4924425"/>
+                  <a:gd name="connsiteY2" fmla="*/ 1726688 h 1726688"/>
+                  <a:gd name="connsiteX3" fmla="*/ 0 w 4924425"/>
+                  <a:gd name="connsiteY3" fmla="*/ 1726688 h 1726688"/>
+                  <a:gd name="connsiteX4" fmla="*/ 0 w 4924425"/>
+                  <a:gd name="connsiteY4" fmla="*/ 507488 h 1726688"/>
+                  <a:gd name="connsiteX0" fmla="*/ 0 w 5281653"/>
+                  <a:gd name="connsiteY0" fmla="*/ 507488 h 1726688"/>
+                  <a:gd name="connsiteX1" fmla="*/ 2830955 w 5281653"/>
+                  <a:gd name="connsiteY1" fmla="*/ 0 h 1726688"/>
+                  <a:gd name="connsiteX2" fmla="*/ 5281653 w 5281653"/>
+                  <a:gd name="connsiteY2" fmla="*/ 1095271 h 1726688"/>
+                  <a:gd name="connsiteX3" fmla="*/ 0 w 5281653"/>
+                  <a:gd name="connsiteY3" fmla="*/ 1726688 h 1726688"/>
+                  <a:gd name="connsiteX4" fmla="*/ 0 w 5281653"/>
+                  <a:gd name="connsiteY4" fmla="*/ 507488 h 1726688"/>
+                  <a:gd name="connsiteX0" fmla="*/ 0 w 4692468"/>
+                  <a:gd name="connsiteY0" fmla="*/ 507488 h 1726688"/>
+                  <a:gd name="connsiteX1" fmla="*/ 2830955 w 4692468"/>
+                  <a:gd name="connsiteY1" fmla="*/ 0 h 1726688"/>
+                  <a:gd name="connsiteX2" fmla="*/ 4692468 w 4692468"/>
+                  <a:gd name="connsiteY2" fmla="*/ 378440 h 1726688"/>
+                  <a:gd name="connsiteX3" fmla="*/ 0 w 4692468"/>
+                  <a:gd name="connsiteY3" fmla="*/ 1726688 h 1726688"/>
+                  <a:gd name="connsiteX4" fmla="*/ 0 w 4692468"/>
+                  <a:gd name="connsiteY4" fmla="*/ 507488 h 1726688"/>
+                  <a:gd name="connsiteX0" fmla="*/ 0 w 4843025"/>
+                  <a:gd name="connsiteY0" fmla="*/ 1169214 h 2388414"/>
+                  <a:gd name="connsiteX1" fmla="*/ 2830955 w 4843025"/>
+                  <a:gd name="connsiteY1" fmla="*/ 661726 h 2388414"/>
+                  <a:gd name="connsiteX2" fmla="*/ 3959456 w 4843025"/>
+                  <a:gd name="connsiteY2" fmla="*/ 4235 h 2388414"/>
+                  <a:gd name="connsiteX3" fmla="*/ 4692468 w 4843025"/>
+                  <a:gd name="connsiteY3" fmla="*/ 1040166 h 2388414"/>
+                  <a:gd name="connsiteX4" fmla="*/ 0 w 4843025"/>
+                  <a:gd name="connsiteY4" fmla="*/ 2388414 h 2388414"/>
+                  <a:gd name="connsiteX5" fmla="*/ 0 w 4843025"/>
+                  <a:gd name="connsiteY5" fmla="*/ 1169214 h 2388414"/>
+                  <a:gd name="connsiteX0" fmla="*/ 0 w 4780066"/>
+                  <a:gd name="connsiteY0" fmla="*/ 510063 h 1729263"/>
+                  <a:gd name="connsiteX1" fmla="*/ 2830955 w 4780066"/>
+                  <a:gd name="connsiteY1" fmla="*/ 2575 h 1729263"/>
+                  <a:gd name="connsiteX2" fmla="*/ 4692468 w 4780066"/>
+                  <a:gd name="connsiteY2" fmla="*/ 381015 h 1729263"/>
+                  <a:gd name="connsiteX3" fmla="*/ 0 w 4780066"/>
+                  <a:gd name="connsiteY3" fmla="*/ 1729263 h 1729263"/>
+                  <a:gd name="connsiteX4" fmla="*/ 0 w 4780066"/>
+                  <a:gd name="connsiteY4" fmla="*/ 510063 h 1729263"/>
+                  <a:gd name="connsiteX0" fmla="*/ 0 w 3810256"/>
+                  <a:gd name="connsiteY0" fmla="*/ 508581 h 1727781"/>
+                  <a:gd name="connsiteX1" fmla="*/ 2830955 w 3810256"/>
+                  <a:gd name="connsiteY1" fmla="*/ 1093 h 1727781"/>
+                  <a:gd name="connsiteX2" fmla="*/ 3623923 w 3810256"/>
+                  <a:gd name="connsiteY2" fmla="*/ 567138 h 1727781"/>
+                  <a:gd name="connsiteX3" fmla="*/ 0 w 3810256"/>
+                  <a:gd name="connsiteY3" fmla="*/ 1727781 h 1727781"/>
+                  <a:gd name="connsiteX4" fmla="*/ 0 w 3810256"/>
+                  <a:gd name="connsiteY4" fmla="*/ 508581 h 1727781"/>
+                  <a:gd name="connsiteX0" fmla="*/ 270716 w 4080972"/>
+                  <a:gd name="connsiteY0" fmla="*/ 508581 h 1914726"/>
+                  <a:gd name="connsiteX1" fmla="*/ 3101671 w 4080972"/>
+                  <a:gd name="connsiteY1" fmla="*/ 1093 h 1914726"/>
+                  <a:gd name="connsiteX2" fmla="*/ 3894639 w 4080972"/>
+                  <a:gd name="connsiteY2" fmla="*/ 567138 h 1914726"/>
+                  <a:gd name="connsiteX3" fmla="*/ 0 w 4080972"/>
+                  <a:gd name="connsiteY3" fmla="*/ 1914726 h 1914726"/>
+                  <a:gd name="connsiteX4" fmla="*/ 270716 w 4080972"/>
+                  <a:gd name="connsiteY4" fmla="*/ 508581 h 1914726"/>
+                  <a:gd name="connsiteX0" fmla="*/ 270716 w 4257821"/>
+                  <a:gd name="connsiteY0" fmla="*/ 1255704 h 2661849"/>
+                  <a:gd name="connsiteX1" fmla="*/ 3101671 w 4257821"/>
+                  <a:gd name="connsiteY1" fmla="*/ 748216 h 2661849"/>
+                  <a:gd name="connsiteX2" fmla="*/ 3999717 w 4257821"/>
+                  <a:gd name="connsiteY2" fmla="*/ 7903 h 2661849"/>
+                  <a:gd name="connsiteX3" fmla="*/ 3894639 w 4257821"/>
+                  <a:gd name="connsiteY3" fmla="*/ 1314261 h 2661849"/>
+                  <a:gd name="connsiteX4" fmla="*/ 0 w 4257821"/>
+                  <a:gd name="connsiteY4" fmla="*/ 2661849 h 2661849"/>
+                  <a:gd name="connsiteX5" fmla="*/ 270716 w 4257821"/>
+                  <a:gd name="connsiteY5" fmla="*/ 1255704 h 2661849"/>
+                  <a:gd name="connsiteX0" fmla="*/ 270716 w 4257821"/>
+                  <a:gd name="connsiteY0" fmla="*/ 1247866 h 2654011"/>
+                  <a:gd name="connsiteX1" fmla="*/ 3101671 w 4257821"/>
+                  <a:gd name="connsiteY1" fmla="*/ 740378 h 2654011"/>
+                  <a:gd name="connsiteX2" fmla="*/ 3999717 w 4257821"/>
+                  <a:gd name="connsiteY2" fmla="*/ 65 h 2654011"/>
+                  <a:gd name="connsiteX3" fmla="*/ 3894639 w 4257821"/>
+                  <a:gd name="connsiteY3" fmla="*/ 1306423 h 2654011"/>
+                  <a:gd name="connsiteX4" fmla="*/ 0 w 4257821"/>
+                  <a:gd name="connsiteY4" fmla="*/ 2654011 h 2654011"/>
+                  <a:gd name="connsiteX5" fmla="*/ 270716 w 4257821"/>
+                  <a:gd name="connsiteY5" fmla="*/ 1247866 h 2654011"/>
+                  <a:gd name="connsiteX0" fmla="*/ 270716 w 4198965"/>
+                  <a:gd name="connsiteY0" fmla="*/ 1300661 h 2706806"/>
+                  <a:gd name="connsiteX1" fmla="*/ 3101671 w 4198965"/>
+                  <a:gd name="connsiteY1" fmla="*/ 793173 h 2706806"/>
+                  <a:gd name="connsiteX2" fmla="*/ 3999717 w 4198965"/>
+                  <a:gd name="connsiteY2" fmla="*/ 52860 h 2706806"/>
+                  <a:gd name="connsiteX3" fmla="*/ 3894639 w 4198965"/>
+                  <a:gd name="connsiteY3" fmla="*/ 1359218 h 2706806"/>
+                  <a:gd name="connsiteX4" fmla="*/ 0 w 4198965"/>
+                  <a:gd name="connsiteY4" fmla="*/ 2706806 h 2706806"/>
+                  <a:gd name="connsiteX5" fmla="*/ 270716 w 4198965"/>
+                  <a:gd name="connsiteY5" fmla="*/ 1300661 h 2706806"/>
+                  <a:gd name="connsiteX0" fmla="*/ 270716 w 4073874"/>
+                  <a:gd name="connsiteY0" fmla="*/ 507488 h 1913633"/>
+                  <a:gd name="connsiteX1" fmla="*/ 3101671 w 4073874"/>
+                  <a:gd name="connsiteY1" fmla="*/ 0 h 1913633"/>
+                  <a:gd name="connsiteX2" fmla="*/ 3894639 w 4073874"/>
+                  <a:gd name="connsiteY2" fmla="*/ 566045 h 1913633"/>
+                  <a:gd name="connsiteX3" fmla="*/ 0 w 4073874"/>
+                  <a:gd name="connsiteY3" fmla="*/ 1913633 h 1913633"/>
+                  <a:gd name="connsiteX4" fmla="*/ 270716 w 4073874"/>
+                  <a:gd name="connsiteY4" fmla="*/ 507488 h 1913633"/>
+                  <a:gd name="connsiteX0" fmla="*/ 270716 w 3101671"/>
+                  <a:gd name="connsiteY0" fmla="*/ 507488 h 1913633"/>
+                  <a:gd name="connsiteX1" fmla="*/ 3101671 w 3101671"/>
+                  <a:gd name="connsiteY1" fmla="*/ 0 h 1913633"/>
+                  <a:gd name="connsiteX2" fmla="*/ 0 w 3101671"/>
+                  <a:gd name="connsiteY2" fmla="*/ 1913633 h 1913633"/>
+                  <a:gd name="connsiteX3" fmla="*/ 270716 w 3101671"/>
+                  <a:gd name="connsiteY3" fmla="*/ 507488 h 1913633"/>
+                  <a:gd name="connsiteX0" fmla="*/ 270716 w 3764782"/>
+                  <a:gd name="connsiteY0" fmla="*/ 514922 h 1921067"/>
+                  <a:gd name="connsiteX1" fmla="*/ 3101671 w 3764782"/>
+                  <a:gd name="connsiteY1" fmla="*/ 7434 h 1921067"/>
+                  <a:gd name="connsiteX2" fmla="*/ 3549548 w 3764782"/>
+                  <a:gd name="connsiteY2" fmla="*/ 543838 h 1921067"/>
+                  <a:gd name="connsiteX3" fmla="*/ 0 w 3764782"/>
+                  <a:gd name="connsiteY3" fmla="*/ 1921067 h 1921067"/>
+                  <a:gd name="connsiteX4" fmla="*/ 270716 w 3764782"/>
+                  <a:gd name="connsiteY4" fmla="*/ 514922 h 1921067"/>
+                  <a:gd name="connsiteX0" fmla="*/ 270716 w 3829101"/>
+                  <a:gd name="connsiteY0" fmla="*/ 2145800 h 3551945"/>
+                  <a:gd name="connsiteX1" fmla="*/ 3101671 w 3829101"/>
+                  <a:gd name="connsiteY1" fmla="*/ 1638312 h 3551945"/>
+                  <a:gd name="connsiteX2" fmla="*/ 3504313 w 3829101"/>
+                  <a:gd name="connsiteY2" fmla="*/ 3467 h 3551945"/>
+                  <a:gd name="connsiteX3" fmla="*/ 3549548 w 3829101"/>
+                  <a:gd name="connsiteY3" fmla="*/ 2174716 h 3551945"/>
+                  <a:gd name="connsiteX4" fmla="*/ 0 w 3829101"/>
+                  <a:gd name="connsiteY4" fmla="*/ 3551945 h 3551945"/>
+                  <a:gd name="connsiteX5" fmla="*/ 270716 w 3829101"/>
+                  <a:gd name="connsiteY5" fmla="*/ 2145800 h 3551945"/>
+                  <a:gd name="connsiteX0" fmla="*/ 270716 w 3912666"/>
+                  <a:gd name="connsiteY0" fmla="*/ 1620791 h 3026936"/>
+                  <a:gd name="connsiteX1" fmla="*/ 3101671 w 3912666"/>
+                  <a:gd name="connsiteY1" fmla="*/ 1113303 h 3026936"/>
+                  <a:gd name="connsiteX2" fmla="*/ 3751284 w 3912666"/>
+                  <a:gd name="connsiteY2" fmla="*/ 4985 h 3026936"/>
+                  <a:gd name="connsiteX3" fmla="*/ 3549548 w 3912666"/>
+                  <a:gd name="connsiteY3" fmla="*/ 1649707 h 3026936"/>
+                  <a:gd name="connsiteX4" fmla="*/ 0 w 3912666"/>
+                  <a:gd name="connsiteY4" fmla="*/ 3026936 h 3026936"/>
+                  <a:gd name="connsiteX5" fmla="*/ 270716 w 3912666"/>
+                  <a:gd name="connsiteY5" fmla="*/ 1620791 h 3026936"/>
+                  <a:gd name="connsiteX0" fmla="*/ 270716 w 4031083"/>
+                  <a:gd name="connsiteY0" fmla="*/ 1309776 h 2715921"/>
+                  <a:gd name="connsiteX1" fmla="*/ 3101671 w 4031083"/>
+                  <a:gd name="connsiteY1" fmla="*/ 802288 h 2715921"/>
+                  <a:gd name="connsiteX2" fmla="*/ 3967603 w 4031083"/>
+                  <a:gd name="connsiteY2" fmla="*/ 6735 h 2715921"/>
+                  <a:gd name="connsiteX3" fmla="*/ 3549548 w 4031083"/>
+                  <a:gd name="connsiteY3" fmla="*/ 1338692 h 2715921"/>
+                  <a:gd name="connsiteX4" fmla="*/ 0 w 4031083"/>
+                  <a:gd name="connsiteY4" fmla="*/ 2715921 h 2715921"/>
+                  <a:gd name="connsiteX5" fmla="*/ 270716 w 4031083"/>
+                  <a:gd name="connsiteY5" fmla="*/ 1309776 h 2715921"/>
+                  <a:gd name="connsiteX0" fmla="*/ 270716 w 3978139"/>
+                  <a:gd name="connsiteY0" fmla="*/ 1309776 h 2715921"/>
+                  <a:gd name="connsiteX1" fmla="*/ 3101671 w 3978139"/>
+                  <a:gd name="connsiteY1" fmla="*/ 802288 h 2715921"/>
+                  <a:gd name="connsiteX2" fmla="*/ 3967603 w 3978139"/>
+                  <a:gd name="connsiteY2" fmla="*/ 6735 h 2715921"/>
+                  <a:gd name="connsiteX3" fmla="*/ 3549548 w 3978139"/>
+                  <a:gd name="connsiteY3" fmla="*/ 1338692 h 2715921"/>
+                  <a:gd name="connsiteX4" fmla="*/ 0 w 3978139"/>
+                  <a:gd name="connsiteY4" fmla="*/ 2715921 h 2715921"/>
+                  <a:gd name="connsiteX5" fmla="*/ 270716 w 3978139"/>
+                  <a:gd name="connsiteY5" fmla="*/ 1309776 h 2715921"/>
+                  <a:gd name="connsiteX0" fmla="*/ 270716 w 3997782"/>
+                  <a:gd name="connsiteY0" fmla="*/ 1326890 h 2733035"/>
+                  <a:gd name="connsiteX1" fmla="*/ 3101671 w 3997782"/>
+                  <a:gd name="connsiteY1" fmla="*/ 819402 h 2733035"/>
+                  <a:gd name="connsiteX2" fmla="*/ 3967603 w 3997782"/>
+                  <a:gd name="connsiteY2" fmla="*/ 23849 h 2733035"/>
+                  <a:gd name="connsiteX3" fmla="*/ 3549548 w 3997782"/>
+                  <a:gd name="connsiteY3" fmla="*/ 1355806 h 2733035"/>
+                  <a:gd name="connsiteX4" fmla="*/ 0 w 3997782"/>
+                  <a:gd name="connsiteY4" fmla="*/ 2733035 h 2733035"/>
+                  <a:gd name="connsiteX5" fmla="*/ 270716 w 3997782"/>
+                  <a:gd name="connsiteY5" fmla="*/ 1326890 h 2733035"/>
+                  <a:gd name="connsiteX0" fmla="*/ 270716 w 3981690"/>
+                  <a:gd name="connsiteY0" fmla="*/ 1325819 h 2731964"/>
+                  <a:gd name="connsiteX1" fmla="*/ 3101671 w 3981690"/>
+                  <a:gd name="connsiteY1" fmla="*/ 818331 h 2731964"/>
+                  <a:gd name="connsiteX2" fmla="*/ 3967603 w 3981690"/>
+                  <a:gd name="connsiteY2" fmla="*/ 22778 h 2731964"/>
+                  <a:gd name="connsiteX3" fmla="*/ 3494565 w 3981690"/>
+                  <a:gd name="connsiteY3" fmla="*/ 1421191 h 2731964"/>
+                  <a:gd name="connsiteX4" fmla="*/ 0 w 3981690"/>
+                  <a:gd name="connsiteY4" fmla="*/ 2731964 h 2731964"/>
+                  <a:gd name="connsiteX5" fmla="*/ 270716 w 3981690"/>
+                  <a:gd name="connsiteY5" fmla="*/ 1325819 h 2731964"/>
+                  <a:gd name="connsiteX0" fmla="*/ 270716 w 3981690"/>
+                  <a:gd name="connsiteY0" fmla="*/ 1325819 h 2731964"/>
+                  <a:gd name="connsiteX1" fmla="*/ 3101671 w 3981690"/>
+                  <a:gd name="connsiteY1" fmla="*/ 818331 h 2731964"/>
+                  <a:gd name="connsiteX2" fmla="*/ 3967603 w 3981690"/>
+                  <a:gd name="connsiteY2" fmla="*/ 22778 h 2731964"/>
+                  <a:gd name="connsiteX3" fmla="*/ 3494565 w 3981690"/>
+                  <a:gd name="connsiteY3" fmla="*/ 1421191 h 2731964"/>
+                  <a:gd name="connsiteX4" fmla="*/ 0 w 3981690"/>
+                  <a:gd name="connsiteY4" fmla="*/ 2731964 h 2731964"/>
+                  <a:gd name="connsiteX5" fmla="*/ 270716 w 3981690"/>
+                  <a:gd name="connsiteY5" fmla="*/ 1325819 h 2731964"/>
+                  <a:gd name="connsiteX0" fmla="*/ 270716 w 3981690"/>
+                  <a:gd name="connsiteY0" fmla="*/ 1331311 h 2737456"/>
+                  <a:gd name="connsiteX1" fmla="*/ 3101671 w 3981690"/>
+                  <a:gd name="connsiteY1" fmla="*/ 823823 h 2737456"/>
+                  <a:gd name="connsiteX2" fmla="*/ 3506141 w 3981690"/>
+                  <a:gd name="connsiteY2" fmla="*/ 456326 h 2737456"/>
+                  <a:gd name="connsiteX3" fmla="*/ 3967603 w 3981690"/>
+                  <a:gd name="connsiteY3" fmla="*/ 28270 h 2737456"/>
+                  <a:gd name="connsiteX4" fmla="*/ 3494565 w 3981690"/>
+                  <a:gd name="connsiteY4" fmla="*/ 1426683 h 2737456"/>
+                  <a:gd name="connsiteX5" fmla="*/ 0 w 3981690"/>
+                  <a:gd name="connsiteY5" fmla="*/ 2737456 h 2737456"/>
+                  <a:gd name="connsiteX6" fmla="*/ 270716 w 3981690"/>
+                  <a:gd name="connsiteY6" fmla="*/ 1331311 h 2737456"/>
+                  <a:gd name="connsiteX0" fmla="*/ 270716 w 3981690"/>
+                  <a:gd name="connsiteY0" fmla="*/ 1407690 h 2813835"/>
+                  <a:gd name="connsiteX1" fmla="*/ 3101671 w 3981690"/>
+                  <a:gd name="connsiteY1" fmla="*/ 900202 h 2813835"/>
+                  <a:gd name="connsiteX2" fmla="*/ 3506141 w 3981690"/>
+                  <a:gd name="connsiteY2" fmla="*/ 532705 h 2813835"/>
+                  <a:gd name="connsiteX3" fmla="*/ 3967603 w 3981690"/>
+                  <a:gd name="connsiteY3" fmla="*/ 104649 h 2813835"/>
+                  <a:gd name="connsiteX4" fmla="*/ 3494565 w 3981690"/>
+                  <a:gd name="connsiteY4" fmla="*/ 1503062 h 2813835"/>
+                  <a:gd name="connsiteX5" fmla="*/ 0 w 3981690"/>
+                  <a:gd name="connsiteY5" fmla="*/ 2813835 h 2813835"/>
+                  <a:gd name="connsiteX6" fmla="*/ 270716 w 3981690"/>
+                  <a:gd name="connsiteY6" fmla="*/ 1407690 h 2813835"/>
+                  <a:gd name="connsiteX0" fmla="*/ 270716 w 3981690"/>
+                  <a:gd name="connsiteY0" fmla="*/ 1407690 h 2813835"/>
+                  <a:gd name="connsiteX1" fmla="*/ 3101671 w 3981690"/>
+                  <a:gd name="connsiteY1" fmla="*/ 900202 h 2813835"/>
+                  <a:gd name="connsiteX2" fmla="*/ 3506141 w 3981690"/>
+                  <a:gd name="connsiteY2" fmla="*/ 532705 h 2813835"/>
+                  <a:gd name="connsiteX3" fmla="*/ 3967603 w 3981690"/>
+                  <a:gd name="connsiteY3" fmla="*/ 104649 h 2813835"/>
+                  <a:gd name="connsiteX4" fmla="*/ 3494565 w 3981690"/>
+                  <a:gd name="connsiteY4" fmla="*/ 1503062 h 2813835"/>
+                  <a:gd name="connsiteX5" fmla="*/ 0 w 3981690"/>
+                  <a:gd name="connsiteY5" fmla="*/ 2813835 h 2813835"/>
+                  <a:gd name="connsiteX6" fmla="*/ 270716 w 3981690"/>
+                  <a:gd name="connsiteY6" fmla="*/ 1407690 h 2813835"/>
+                  <a:gd name="connsiteX0" fmla="*/ 270716 w 3981690"/>
+                  <a:gd name="connsiteY0" fmla="*/ 1341084 h 2747229"/>
+                  <a:gd name="connsiteX1" fmla="*/ 3101671 w 3981690"/>
+                  <a:gd name="connsiteY1" fmla="*/ 833596 h 2747229"/>
+                  <a:gd name="connsiteX2" fmla="*/ 3506141 w 3981690"/>
+                  <a:gd name="connsiteY2" fmla="*/ 466099 h 2747229"/>
+                  <a:gd name="connsiteX3" fmla="*/ 3967603 w 3981690"/>
+                  <a:gd name="connsiteY3" fmla="*/ 38043 h 2747229"/>
+                  <a:gd name="connsiteX4" fmla="*/ 3494565 w 3981690"/>
+                  <a:gd name="connsiteY4" fmla="*/ 1436456 h 2747229"/>
+                  <a:gd name="connsiteX5" fmla="*/ 0 w 3981690"/>
+                  <a:gd name="connsiteY5" fmla="*/ 2747229 h 2747229"/>
+                  <a:gd name="connsiteX6" fmla="*/ 270716 w 3981690"/>
+                  <a:gd name="connsiteY6" fmla="*/ 1341084 h 2747229"/>
+                  <a:gd name="connsiteX0" fmla="*/ 270716 w 3981690"/>
+                  <a:gd name="connsiteY0" fmla="*/ 1341084 h 2747229"/>
+                  <a:gd name="connsiteX1" fmla="*/ 3101671 w 3981690"/>
+                  <a:gd name="connsiteY1" fmla="*/ 833596 h 2747229"/>
+                  <a:gd name="connsiteX2" fmla="*/ 3506141 w 3981690"/>
+                  <a:gd name="connsiteY2" fmla="*/ 466099 h 2747229"/>
+                  <a:gd name="connsiteX3" fmla="*/ 3967603 w 3981690"/>
+                  <a:gd name="connsiteY3" fmla="*/ 38043 h 2747229"/>
+                  <a:gd name="connsiteX4" fmla="*/ 3494565 w 3981690"/>
+                  <a:gd name="connsiteY4" fmla="*/ 1436456 h 2747229"/>
+                  <a:gd name="connsiteX5" fmla="*/ 0 w 3981690"/>
+                  <a:gd name="connsiteY5" fmla="*/ 2747229 h 2747229"/>
+                  <a:gd name="connsiteX6" fmla="*/ 270716 w 3981690"/>
+                  <a:gd name="connsiteY6" fmla="*/ 1341084 h 2747229"/>
+                  <a:gd name="connsiteX0" fmla="*/ 270716 w 3981690"/>
+                  <a:gd name="connsiteY0" fmla="*/ 1325819 h 2731964"/>
+                  <a:gd name="connsiteX1" fmla="*/ 3101671 w 3981690"/>
+                  <a:gd name="connsiteY1" fmla="*/ 818331 h 2731964"/>
+                  <a:gd name="connsiteX2" fmla="*/ 3967603 w 3981690"/>
+                  <a:gd name="connsiteY2" fmla="*/ 22778 h 2731964"/>
+                  <a:gd name="connsiteX3" fmla="*/ 3494565 w 3981690"/>
+                  <a:gd name="connsiteY3" fmla="*/ 1421191 h 2731964"/>
+                  <a:gd name="connsiteX4" fmla="*/ 0 w 3981690"/>
+                  <a:gd name="connsiteY4" fmla="*/ 2731964 h 2731964"/>
+                  <a:gd name="connsiteX5" fmla="*/ 270716 w 3981690"/>
+                  <a:gd name="connsiteY5" fmla="*/ 1325819 h 2731964"/>
+                  <a:gd name="connsiteX0" fmla="*/ 270716 w 3981690"/>
+                  <a:gd name="connsiteY0" fmla="*/ 1325819 h 2731964"/>
+                  <a:gd name="connsiteX1" fmla="*/ 3115116 w 3981690"/>
+                  <a:gd name="connsiteY1" fmla="*/ 849933 h 2731964"/>
+                  <a:gd name="connsiteX2" fmla="*/ 3967603 w 3981690"/>
+                  <a:gd name="connsiteY2" fmla="*/ 22778 h 2731964"/>
+                  <a:gd name="connsiteX3" fmla="*/ 3494565 w 3981690"/>
+                  <a:gd name="connsiteY3" fmla="*/ 1421191 h 2731964"/>
+                  <a:gd name="connsiteX4" fmla="*/ 0 w 3981690"/>
+                  <a:gd name="connsiteY4" fmla="*/ 2731964 h 2731964"/>
+                  <a:gd name="connsiteX5" fmla="*/ 270716 w 3981690"/>
+                  <a:gd name="connsiteY5" fmla="*/ 1325819 h 2731964"/>
+                  <a:gd name="connsiteX0" fmla="*/ 270716 w 3979616"/>
+                  <a:gd name="connsiteY0" fmla="*/ 1338805 h 2744950"/>
+                  <a:gd name="connsiteX1" fmla="*/ 3115116 w 3979616"/>
+                  <a:gd name="connsiteY1" fmla="*/ 862919 h 2744950"/>
+                  <a:gd name="connsiteX2" fmla="*/ 3964863 w 3979616"/>
+                  <a:gd name="connsiteY2" fmla="*/ 22575 h 2744950"/>
+                  <a:gd name="connsiteX3" fmla="*/ 3494565 w 3979616"/>
+                  <a:gd name="connsiteY3" fmla="*/ 1434177 h 2744950"/>
+                  <a:gd name="connsiteX4" fmla="*/ 0 w 3979616"/>
+                  <a:gd name="connsiteY4" fmla="*/ 2744950 h 2744950"/>
+                  <a:gd name="connsiteX5" fmla="*/ 270716 w 3979616"/>
+                  <a:gd name="connsiteY5" fmla="*/ 1338805 h 2744950"/>
+                  <a:gd name="connsiteX0" fmla="*/ 270716 w 3979616"/>
+                  <a:gd name="connsiteY0" fmla="*/ 1338805 h 2744950"/>
+                  <a:gd name="connsiteX1" fmla="*/ 3115116 w 3979616"/>
+                  <a:gd name="connsiteY1" fmla="*/ 862919 h 2744950"/>
+                  <a:gd name="connsiteX2" fmla="*/ 3964863 w 3979616"/>
+                  <a:gd name="connsiteY2" fmla="*/ 22575 h 2744950"/>
+                  <a:gd name="connsiteX3" fmla="*/ 3494565 w 3979616"/>
+                  <a:gd name="connsiteY3" fmla="*/ 1434177 h 2744950"/>
+                  <a:gd name="connsiteX4" fmla="*/ 0 w 3979616"/>
+                  <a:gd name="connsiteY4" fmla="*/ 2744950 h 2744950"/>
+                  <a:gd name="connsiteX5" fmla="*/ 270716 w 3979616"/>
+                  <a:gd name="connsiteY5" fmla="*/ 1338805 h 2744950"/>
+                  <a:gd name="connsiteX0" fmla="*/ 270716 w 3979616"/>
+                  <a:gd name="connsiteY0" fmla="*/ 1338805 h 2744950"/>
+                  <a:gd name="connsiteX1" fmla="*/ 3147171 w 3979616"/>
+                  <a:gd name="connsiteY1" fmla="*/ 856261 h 2744950"/>
+                  <a:gd name="connsiteX2" fmla="*/ 3964863 w 3979616"/>
+                  <a:gd name="connsiteY2" fmla="*/ 22575 h 2744950"/>
+                  <a:gd name="connsiteX3" fmla="*/ 3494565 w 3979616"/>
+                  <a:gd name="connsiteY3" fmla="*/ 1434177 h 2744950"/>
+                  <a:gd name="connsiteX4" fmla="*/ 0 w 3979616"/>
+                  <a:gd name="connsiteY4" fmla="*/ 2744950 h 2744950"/>
+                  <a:gd name="connsiteX5" fmla="*/ 270716 w 3979616"/>
+                  <a:gd name="connsiteY5" fmla="*/ 1338805 h 2744950"/>
+                  <a:gd name="connsiteX0" fmla="*/ 270716 w 3979616"/>
+                  <a:gd name="connsiteY0" fmla="*/ 1338805 h 2744950"/>
+                  <a:gd name="connsiteX1" fmla="*/ 3147171 w 3979616"/>
+                  <a:gd name="connsiteY1" fmla="*/ 856261 h 2744950"/>
+                  <a:gd name="connsiteX2" fmla="*/ 3964863 w 3979616"/>
+                  <a:gd name="connsiteY2" fmla="*/ 22575 h 2744950"/>
+                  <a:gd name="connsiteX3" fmla="*/ 3494565 w 3979616"/>
+                  <a:gd name="connsiteY3" fmla="*/ 1434177 h 2744950"/>
+                  <a:gd name="connsiteX4" fmla="*/ 0 w 3979616"/>
+                  <a:gd name="connsiteY4" fmla="*/ 2744950 h 2744950"/>
+                  <a:gd name="connsiteX5" fmla="*/ 270716 w 3979616"/>
+                  <a:gd name="connsiteY5" fmla="*/ 1338805 h 2744950"/>
+                  <a:gd name="connsiteX0" fmla="*/ 270716 w 3979616"/>
+                  <a:gd name="connsiteY0" fmla="*/ 1338805 h 2744950"/>
+                  <a:gd name="connsiteX1" fmla="*/ 3147171 w 3979616"/>
+                  <a:gd name="connsiteY1" fmla="*/ 856261 h 2744950"/>
+                  <a:gd name="connsiteX2" fmla="*/ 3964863 w 3979616"/>
+                  <a:gd name="connsiteY2" fmla="*/ 22575 h 2744950"/>
+                  <a:gd name="connsiteX3" fmla="*/ 3494565 w 3979616"/>
+                  <a:gd name="connsiteY3" fmla="*/ 1434177 h 2744950"/>
+                  <a:gd name="connsiteX4" fmla="*/ 0 w 3979616"/>
+                  <a:gd name="connsiteY4" fmla="*/ 2744950 h 2744950"/>
+                  <a:gd name="connsiteX5" fmla="*/ 270716 w 3979616"/>
+                  <a:gd name="connsiteY5" fmla="*/ 1338805 h 2744950"/>
+                  <a:gd name="connsiteX0" fmla="*/ 270716 w 3987461"/>
+                  <a:gd name="connsiteY0" fmla="*/ 1290171 h 2696316"/>
+                  <a:gd name="connsiteX1" fmla="*/ 3147171 w 3987461"/>
+                  <a:gd name="connsiteY1" fmla="*/ 807627 h 2696316"/>
+                  <a:gd name="connsiteX2" fmla="*/ 3975128 w 3987461"/>
+                  <a:gd name="connsiteY2" fmla="*/ 23350 h 2696316"/>
+                  <a:gd name="connsiteX3" fmla="*/ 3494565 w 3987461"/>
+                  <a:gd name="connsiteY3" fmla="*/ 1385543 h 2696316"/>
+                  <a:gd name="connsiteX4" fmla="*/ 0 w 3987461"/>
+                  <a:gd name="connsiteY4" fmla="*/ 2696316 h 2696316"/>
+                  <a:gd name="connsiteX5" fmla="*/ 270716 w 3987461"/>
+                  <a:gd name="connsiteY5" fmla="*/ 1290171 h 2696316"/>
+                  <a:gd name="connsiteX0" fmla="*/ 270716 w 4052855"/>
+                  <a:gd name="connsiteY0" fmla="*/ 1291744 h 2697889"/>
+                  <a:gd name="connsiteX1" fmla="*/ 3147171 w 4052855"/>
+                  <a:gd name="connsiteY1" fmla="*/ 809200 h 2697889"/>
+                  <a:gd name="connsiteX2" fmla="*/ 3975128 w 4052855"/>
+                  <a:gd name="connsiteY2" fmla="*/ 24923 h 2697889"/>
+                  <a:gd name="connsiteX3" fmla="*/ 3668247 w 4052855"/>
+                  <a:gd name="connsiteY3" fmla="*/ 1295999 h 2697889"/>
+                  <a:gd name="connsiteX4" fmla="*/ 0 w 4052855"/>
+                  <a:gd name="connsiteY4" fmla="*/ 2697889 h 2697889"/>
+                  <a:gd name="connsiteX5" fmla="*/ 270716 w 4052855"/>
+                  <a:gd name="connsiteY5" fmla="*/ 1291744 h 2697889"/>
+                  <a:gd name="connsiteX0" fmla="*/ 270716 w 3994568"/>
+                  <a:gd name="connsiteY0" fmla="*/ 1296864 h 2703009"/>
+                  <a:gd name="connsiteX1" fmla="*/ 3147171 w 3994568"/>
+                  <a:gd name="connsiteY1" fmla="*/ 814320 h 2703009"/>
+                  <a:gd name="connsiteX2" fmla="*/ 3975128 w 3994568"/>
+                  <a:gd name="connsiteY2" fmla="*/ 30043 h 2703009"/>
+                  <a:gd name="connsiteX3" fmla="*/ 3668247 w 3994568"/>
+                  <a:gd name="connsiteY3" fmla="*/ 1301119 h 2703009"/>
+                  <a:gd name="connsiteX4" fmla="*/ 0 w 3994568"/>
+                  <a:gd name="connsiteY4" fmla="*/ 2703009 h 2703009"/>
+                  <a:gd name="connsiteX5" fmla="*/ 270716 w 3994568"/>
+                  <a:gd name="connsiteY5" fmla="*/ 1296864 h 2703009"/>
+                  <a:gd name="connsiteX0" fmla="*/ 270716 w 4005801"/>
+                  <a:gd name="connsiteY0" fmla="*/ 1301070 h 2707215"/>
+                  <a:gd name="connsiteX1" fmla="*/ 3147171 w 4005801"/>
+                  <a:gd name="connsiteY1" fmla="*/ 818526 h 2707215"/>
+                  <a:gd name="connsiteX2" fmla="*/ 3975128 w 4005801"/>
+                  <a:gd name="connsiteY2" fmla="*/ 34249 h 2707215"/>
+                  <a:gd name="connsiteX3" fmla="*/ 3668247 w 4005801"/>
+                  <a:gd name="connsiteY3" fmla="*/ 1305325 h 2707215"/>
+                  <a:gd name="connsiteX4" fmla="*/ 0 w 4005801"/>
+                  <a:gd name="connsiteY4" fmla="*/ 2707215 h 2707215"/>
+                  <a:gd name="connsiteX5" fmla="*/ 270716 w 4005801"/>
+                  <a:gd name="connsiteY5" fmla="*/ 1301070 h 2707215"/>
+                </a:gdLst>
+                <a:ahLst/>
+                <a:cxnLst>
+                  <a:cxn ang="0">
+                    <a:pos x="connsiteX0" y="connsiteY0"/>
+                  </a:cxn>
+                  <a:cxn ang="0">
+                    <a:pos x="connsiteX1" y="connsiteY1"/>
+                  </a:cxn>
+                  <a:cxn ang="0">
+                    <a:pos x="connsiteX2" y="connsiteY2"/>
+                  </a:cxn>
+                  <a:cxn ang="0">
+                    <a:pos x="connsiteX3" y="connsiteY3"/>
+                  </a:cxn>
+                  <a:cxn ang="0">
+                    <a:pos x="connsiteX4" y="connsiteY4"/>
+                  </a:cxn>
+                  <a:cxn ang="0">
+                    <a:pos x="connsiteX5" y="connsiteY5"/>
+                  </a:cxn>
+                </a:cxnLst>
+                <a:rect l="l" t="t" r="r" b="b"/>
+                <a:pathLst>
+                  <a:path w="4005801" h="2707215">
+                    <a:moveTo>
+                      <a:pt x="270716" y="1301070"/>
+                    </a:moveTo>
+                    <a:cubicBezTo>
+                      <a:pt x="1218618" y="1229624"/>
+                      <a:pt x="2411184" y="1096462"/>
+                      <a:pt x="3147171" y="818526"/>
+                    </a:cubicBezTo>
+                    <a:cubicBezTo>
+                      <a:pt x="3724295" y="534227"/>
+                      <a:pt x="3899253" y="223130"/>
+                      <a:pt x="3975128" y="34249"/>
+                    </a:cubicBezTo>
+                    <a:cubicBezTo>
+                      <a:pt x="3973564" y="-176950"/>
+                      <a:pt x="4151288" y="630566"/>
+                      <a:pt x="3668247" y="1305325"/>
+                    </a:cubicBezTo>
+                    <a:cubicBezTo>
+                      <a:pt x="3050248" y="1595382"/>
+                      <a:pt x="444304" y="2650712"/>
+                      <a:pt x="0" y="2707215"/>
+                    </a:cubicBezTo>
+                    <a:lnTo>
+                      <a:pt x="270716" y="1301070"/>
+                    </a:lnTo>
+                    <a:close/>
+                  </a:path>
+                </a:pathLst>
+              </a:custGeom>
+              <a:solidFill>
+                <a:srgbClr val="F44336"/>
+              </a:solidFill>
+              <a:ln>
+                <a:noFill/>
+              </a:ln>
+              <a:effectLst/>
+            </p:spPr>
+            <p:style>
+              <a:lnRef idx="2">
+                <a:schemeClr val="accent1">
+                  <a:shade val="50000"/>
+                </a:schemeClr>
+              </a:lnRef>
+              <a:fillRef idx="1">
+                <a:schemeClr val="accent1"/>
+              </a:fillRef>
+              <a:effectRef idx="0">
+                <a:schemeClr val="accent1"/>
+              </a:effectRef>
+              <a:fontRef idx="minor">
+                <a:schemeClr val="lt1"/>
+              </a:fontRef>
+            </p:style>
+            <p:txBody>
+              <a:bodyPr rtlCol="0" anchor="ctr"/>
+              <a:lstStyle/>
+              <a:p>
+                <a:pPr algn="ctr"/>
+                <a:endParaRPr lang="pt-BR"/>
+              </a:p>
+            </p:txBody>
+          </p:sp>
+          <p:sp>
+            <p:nvSpPr>
+              <p:cNvPr id="451" name="Retângulo 5"/>
+              <p:cNvSpPr/>
+              <p:nvPr/>
+            </p:nvSpPr>
+            <p:spPr>
+              <a:xfrm rot="2445425">
+                <a:off x="2700365" y="2787693"/>
+                <a:ext cx="198177" cy="518443"/>
+              </a:xfrm>
+              <a:custGeom>
+                <a:avLst/>
+                <a:gdLst>
+                  <a:gd name="connsiteX0" fmla="*/ 0 w 347063"/>
+                  <a:gd name="connsiteY0" fmla="*/ 0 h 917899"/>
+                  <a:gd name="connsiteX1" fmla="*/ 347063 w 347063"/>
+                  <a:gd name="connsiteY1" fmla="*/ 0 h 917899"/>
+                  <a:gd name="connsiteX2" fmla="*/ 347063 w 347063"/>
+                  <a:gd name="connsiteY2" fmla="*/ 917899 h 917899"/>
+                  <a:gd name="connsiteX3" fmla="*/ 0 w 347063"/>
+                  <a:gd name="connsiteY3" fmla="*/ 917899 h 917899"/>
+                  <a:gd name="connsiteX4" fmla="*/ 0 w 347063"/>
+                  <a:gd name="connsiteY4" fmla="*/ 0 h 917899"/>
+                  <a:gd name="connsiteX0" fmla="*/ 0 w 347063"/>
+                  <a:gd name="connsiteY0" fmla="*/ 0 h 917899"/>
+                  <a:gd name="connsiteX1" fmla="*/ 347063 w 347063"/>
+                  <a:gd name="connsiteY1" fmla="*/ 0 h 917899"/>
+                  <a:gd name="connsiteX2" fmla="*/ 347063 w 347063"/>
+                  <a:gd name="connsiteY2" fmla="*/ 917899 h 917899"/>
+                  <a:gd name="connsiteX3" fmla="*/ 81999 w 347063"/>
+                  <a:gd name="connsiteY3" fmla="*/ 860383 h 917899"/>
+                  <a:gd name="connsiteX4" fmla="*/ 0 w 347063"/>
+                  <a:gd name="connsiteY4" fmla="*/ 0 h 917899"/>
+                  <a:gd name="connsiteX0" fmla="*/ 0 w 347063"/>
+                  <a:gd name="connsiteY0" fmla="*/ 0 h 917899"/>
+                  <a:gd name="connsiteX1" fmla="*/ 347063 w 347063"/>
+                  <a:gd name="connsiteY1" fmla="*/ 0 h 917899"/>
+                  <a:gd name="connsiteX2" fmla="*/ 347063 w 347063"/>
+                  <a:gd name="connsiteY2" fmla="*/ 917899 h 917899"/>
+                  <a:gd name="connsiteX3" fmla="*/ 83949 w 347063"/>
+                  <a:gd name="connsiteY3" fmla="*/ 881728 h 917899"/>
+                  <a:gd name="connsiteX4" fmla="*/ 0 w 347063"/>
+                  <a:gd name="connsiteY4" fmla="*/ 0 h 917899"/>
+                  <a:gd name="connsiteX0" fmla="*/ 0 w 347063"/>
+                  <a:gd name="connsiteY0" fmla="*/ 0 h 917899"/>
+                  <a:gd name="connsiteX1" fmla="*/ 347063 w 347063"/>
+                  <a:gd name="connsiteY1" fmla="*/ 0 h 917899"/>
+                  <a:gd name="connsiteX2" fmla="*/ 347063 w 347063"/>
+                  <a:gd name="connsiteY2" fmla="*/ 917899 h 917899"/>
+                  <a:gd name="connsiteX3" fmla="*/ 87230 w 347063"/>
+                  <a:gd name="connsiteY3" fmla="*/ 872122 h 917899"/>
+                  <a:gd name="connsiteX4" fmla="*/ 83949 w 347063"/>
+                  <a:gd name="connsiteY4" fmla="*/ 881728 h 917899"/>
+                  <a:gd name="connsiteX5" fmla="*/ 0 w 347063"/>
+                  <a:gd name="connsiteY5" fmla="*/ 0 h 917899"/>
+                  <a:gd name="connsiteX0" fmla="*/ 0 w 347063"/>
+                  <a:gd name="connsiteY0" fmla="*/ 0 h 917899"/>
+                  <a:gd name="connsiteX1" fmla="*/ 290642 w 347063"/>
+                  <a:gd name="connsiteY1" fmla="*/ 22315 h 917899"/>
+                  <a:gd name="connsiteX2" fmla="*/ 347063 w 347063"/>
+                  <a:gd name="connsiteY2" fmla="*/ 917899 h 917899"/>
+                  <a:gd name="connsiteX3" fmla="*/ 87230 w 347063"/>
+                  <a:gd name="connsiteY3" fmla="*/ 872122 h 917899"/>
+                  <a:gd name="connsiteX4" fmla="*/ 83949 w 347063"/>
+                  <a:gd name="connsiteY4" fmla="*/ 881728 h 917899"/>
+                  <a:gd name="connsiteX5" fmla="*/ 0 w 347063"/>
+                  <a:gd name="connsiteY5" fmla="*/ 0 h 917899"/>
+                  <a:gd name="connsiteX0" fmla="*/ 0 w 347063"/>
+                  <a:gd name="connsiteY0" fmla="*/ 0 h 917899"/>
+                  <a:gd name="connsiteX1" fmla="*/ 278394 w 347063"/>
+                  <a:gd name="connsiteY1" fmla="*/ 12117 h 917899"/>
+                  <a:gd name="connsiteX2" fmla="*/ 347063 w 347063"/>
+                  <a:gd name="connsiteY2" fmla="*/ 917899 h 917899"/>
+                  <a:gd name="connsiteX3" fmla="*/ 87230 w 347063"/>
+                  <a:gd name="connsiteY3" fmla="*/ 872122 h 917899"/>
+                  <a:gd name="connsiteX4" fmla="*/ 83949 w 347063"/>
+                  <a:gd name="connsiteY4" fmla="*/ 881728 h 917899"/>
+                  <a:gd name="connsiteX5" fmla="*/ 0 w 347063"/>
+                  <a:gd name="connsiteY5" fmla="*/ 0 h 917899"/>
+                  <a:gd name="connsiteX0" fmla="*/ 0 w 353905"/>
+                  <a:gd name="connsiteY0" fmla="*/ 0 h 925838"/>
+                  <a:gd name="connsiteX1" fmla="*/ 285236 w 353905"/>
+                  <a:gd name="connsiteY1" fmla="*/ 20056 h 925838"/>
+                  <a:gd name="connsiteX2" fmla="*/ 353905 w 353905"/>
+                  <a:gd name="connsiteY2" fmla="*/ 925838 h 925838"/>
+                  <a:gd name="connsiteX3" fmla="*/ 94072 w 353905"/>
+                  <a:gd name="connsiteY3" fmla="*/ 880061 h 925838"/>
+                  <a:gd name="connsiteX4" fmla="*/ 90791 w 353905"/>
+                  <a:gd name="connsiteY4" fmla="*/ 889667 h 925838"/>
+                  <a:gd name="connsiteX5" fmla="*/ 0 w 353905"/>
+                  <a:gd name="connsiteY5" fmla="*/ 0 h 925838"/>
+                </a:gdLst>
+                <a:ahLst/>
+                <a:cxnLst>
+                  <a:cxn ang="0">
+                    <a:pos x="connsiteX0" y="connsiteY0"/>
+                  </a:cxn>
+                  <a:cxn ang="0">
+                    <a:pos x="connsiteX1" y="connsiteY1"/>
+                  </a:cxn>
+                  <a:cxn ang="0">
+                    <a:pos x="connsiteX2" y="connsiteY2"/>
+                  </a:cxn>
+                  <a:cxn ang="0">
+                    <a:pos x="connsiteX3" y="connsiteY3"/>
+                  </a:cxn>
+                  <a:cxn ang="0">
+                    <a:pos x="connsiteX4" y="connsiteY4"/>
+                  </a:cxn>
+                  <a:cxn ang="0">
+                    <a:pos x="connsiteX5" y="connsiteY5"/>
+                  </a:cxn>
+                </a:cxnLst>
+                <a:rect l="l" t="t" r="r" b="b"/>
+                <a:pathLst>
+                  <a:path w="353905" h="925838">
+                    <a:moveTo>
+                      <a:pt x="0" y="0"/>
+                    </a:moveTo>
+                    <a:lnTo>
+                      <a:pt x="285236" y="20056"/>
+                    </a:lnTo>
+                    <a:lnTo>
+                      <a:pt x="353905" y="925838"/>
+                    </a:lnTo>
+                    <a:cubicBezTo>
+                      <a:pt x="268921" y="912466"/>
+                      <a:pt x="179056" y="893433"/>
+                      <a:pt x="94072" y="880061"/>
+                    </a:cubicBezTo>
+                    <a:lnTo>
+                      <a:pt x="90791" y="889667"/>
+                    </a:lnTo>
+                    <a:lnTo>
+                      <a:pt x="0" y="0"/>
+                    </a:lnTo>
+                    <a:close/>
+                  </a:path>
+                </a:pathLst>
+              </a:custGeom>
+              <a:solidFill>
+                <a:srgbClr val="CC0000"/>
+              </a:solidFill>
+              <a:ln>
+                <a:noFill/>
+              </a:ln>
+            </p:spPr>
+            <p:style>
+              <a:lnRef idx="2">
+                <a:schemeClr val="accent1">
+                  <a:shade val="50000"/>
+                </a:schemeClr>
+              </a:lnRef>
+              <a:fillRef idx="1">
+                <a:schemeClr val="accent1"/>
+              </a:fillRef>
+              <a:effectRef idx="0">
+                <a:schemeClr val="accent1"/>
+              </a:effectRef>
+              <a:fontRef idx="minor">
+                <a:schemeClr val="lt1"/>
+              </a:fontRef>
+            </p:style>
+            <p:txBody>
+              <a:bodyPr rtlCol="0" anchor="ctr"/>
+              <a:lstStyle/>
+              <a:p>
+                <a:pPr algn="ctr"/>
+                <a:endParaRPr lang="pt-BR"/>
+              </a:p>
+            </p:txBody>
+          </p:sp>
+        </p:grpSp>
+      </p:grpSp>
+    </p:spTree>
+    <p:extLst>
+      <p:ext uri="{BB962C8B-B14F-4D97-AF65-F5344CB8AC3E}">
+        <p14:creationId xmlns:p14="http://schemas.microsoft.com/office/powerpoint/2010/main" val="2603695664"/>
+      </p:ext>
+    </p:extLst>
+  </p:cSld>
+  <p:clrMapOvr>
+    <a:masterClrMapping/>
+  </p:clrMapOvr>
+</p:sld>
+</file>
+
+<file path=ppt/slides/slide2.xml><?xml version="1.0" encoding="utf-8"?>
 <p:sld xmlns:a="http://schemas.openxmlformats.org/drawingml/2006/main" xmlns:r="http://schemas.openxmlformats.org/officeDocument/2006/relationships" xmlns:p="http://schemas.openxmlformats.org/presentationml/2006/main">
   <p:cSld>
     <p:spTree>
@@ -4618,7 +7660,7 @@
 </p:sld>
 </file>
 
-<file path=ppt/slides/slide2.xml><?xml version="1.0" encoding="utf-8"?>
+<file path=ppt/slides/slide3.xml><?xml version="1.0" encoding="utf-8"?>
 <p:sld xmlns:a="http://schemas.openxmlformats.org/drawingml/2006/main" xmlns:r="http://schemas.openxmlformats.org/officeDocument/2006/relationships" xmlns:p="http://schemas.openxmlformats.org/presentationml/2006/main">
   <p:cSld>
     <p:spTree>
@@ -5043,7 +8085,7 @@
               <p:cNvPr id="16" name="Retângulo: Cantos Arredondados 8">
                 <a:extLst>
                   <a:ext uri="{FF2B5EF4-FFF2-40B4-BE49-F238E27FC236}">
-                    <a16:creationId xmlns:a16="http://schemas.microsoft.com/office/drawing/2014/main" xmlns="" id="{F8102B5C-A279-4902-B60D-5047349AC13D}"/>
+                    <a16:creationId xmlns="" xmlns:a16="http://schemas.microsoft.com/office/drawing/2014/main" id="{F8102B5C-A279-4902-B60D-5047349AC13D}"/>
                   </a:ext>
                 </a:extLst>
               </p:cNvPr>
@@ -5408,7 +8450,7 @@
               <p:cNvPr id="59" name="Agrupar 6">
                 <a:extLst>
                   <a:ext uri="{FF2B5EF4-FFF2-40B4-BE49-F238E27FC236}">
-                    <a16:creationId xmlns:a16="http://schemas.microsoft.com/office/drawing/2014/main" xmlns="" id="{E976DEB7-185B-4375-9DBA-5D78AF26D6D7}"/>
+                    <a16:creationId xmlns="" xmlns:a16="http://schemas.microsoft.com/office/drawing/2014/main" id="{E976DEB7-185B-4375-9DBA-5D78AF26D6D7}"/>
                   </a:ext>
                 </a:extLst>
               </p:cNvPr>
@@ -5428,7 +8470,7 @@
                 <p:cNvPr id="61" name="Elipse 60">
                   <a:extLst>
                     <a:ext uri="{FF2B5EF4-FFF2-40B4-BE49-F238E27FC236}">
-                      <a16:creationId xmlns:a16="http://schemas.microsoft.com/office/drawing/2014/main" xmlns="" id="{8DA61EDA-D65F-407B-82BD-B427144766D3}"/>
+                      <a16:creationId xmlns="" xmlns:a16="http://schemas.microsoft.com/office/drawing/2014/main" id="{8DA61EDA-D65F-407B-82BD-B427144766D3}"/>
                     </a:ext>
                   </a:extLst>
                 </p:cNvPr>
@@ -5480,7 +8522,7 @@
                 <p:cNvPr id="62" name="Elipse 61">
                   <a:extLst>
                     <a:ext uri="{FF2B5EF4-FFF2-40B4-BE49-F238E27FC236}">
-                      <a16:creationId xmlns:a16="http://schemas.microsoft.com/office/drawing/2014/main" xmlns="" id="{A6965E2E-3446-4C27-9E1F-A31F25446713}"/>
+                      <a16:creationId xmlns="" xmlns:a16="http://schemas.microsoft.com/office/drawing/2014/main" id="{A6965E2E-3446-4C27-9E1F-A31F25446713}"/>
                     </a:ext>
                   </a:extLst>
                 </p:cNvPr>
@@ -5884,7 +8926,7 @@
               <p:cNvPr id="80" name="Agrupar 6">
                 <a:extLst>
                   <a:ext uri="{FF2B5EF4-FFF2-40B4-BE49-F238E27FC236}">
-                    <a16:creationId xmlns:a16="http://schemas.microsoft.com/office/drawing/2014/main" xmlns="" id="{E976DEB7-185B-4375-9DBA-5D78AF26D6D7}"/>
+                    <a16:creationId xmlns="" xmlns:a16="http://schemas.microsoft.com/office/drawing/2014/main" id="{E976DEB7-185B-4375-9DBA-5D78AF26D6D7}"/>
                   </a:ext>
                 </a:extLst>
               </p:cNvPr>
@@ -5904,7 +8946,7 @@
                 <p:cNvPr id="82" name="Elipse 81">
                   <a:extLst>
                     <a:ext uri="{FF2B5EF4-FFF2-40B4-BE49-F238E27FC236}">
-                      <a16:creationId xmlns:a16="http://schemas.microsoft.com/office/drawing/2014/main" xmlns="" id="{8DA61EDA-D65F-407B-82BD-B427144766D3}"/>
+                      <a16:creationId xmlns="" xmlns:a16="http://schemas.microsoft.com/office/drawing/2014/main" id="{8DA61EDA-D65F-407B-82BD-B427144766D3}"/>
                     </a:ext>
                   </a:extLst>
                 </p:cNvPr>
@@ -5956,7 +8998,7 @@
                 <p:cNvPr id="83" name="Elipse 82">
                   <a:extLst>
                     <a:ext uri="{FF2B5EF4-FFF2-40B4-BE49-F238E27FC236}">
-                      <a16:creationId xmlns:a16="http://schemas.microsoft.com/office/drawing/2014/main" xmlns="" id="{A6965E2E-3446-4C27-9E1F-A31F25446713}"/>
+                      <a16:creationId xmlns="" xmlns:a16="http://schemas.microsoft.com/office/drawing/2014/main" id="{A6965E2E-3446-4C27-9E1F-A31F25446713}"/>
                     </a:ext>
                   </a:extLst>
                 </p:cNvPr>
@@ -6656,7 +9698,7 @@
               <p:cNvPr id="106" name="Agrupar 6">
                 <a:extLst>
                   <a:ext uri="{FF2B5EF4-FFF2-40B4-BE49-F238E27FC236}">
-                    <a16:creationId xmlns:a16="http://schemas.microsoft.com/office/drawing/2014/main" xmlns="" id="{E976DEB7-185B-4375-9DBA-5D78AF26D6D7}"/>
+                    <a16:creationId xmlns="" xmlns:a16="http://schemas.microsoft.com/office/drawing/2014/main" id="{E976DEB7-185B-4375-9DBA-5D78AF26D6D7}"/>
                   </a:ext>
                 </a:extLst>
               </p:cNvPr>
@@ -6676,7 +9718,7 @@
                 <p:cNvPr id="108" name="Elipse 107">
                   <a:extLst>
                     <a:ext uri="{FF2B5EF4-FFF2-40B4-BE49-F238E27FC236}">
-                      <a16:creationId xmlns:a16="http://schemas.microsoft.com/office/drawing/2014/main" xmlns="" id="{8DA61EDA-D65F-407B-82BD-B427144766D3}"/>
+                      <a16:creationId xmlns="" xmlns:a16="http://schemas.microsoft.com/office/drawing/2014/main" id="{8DA61EDA-D65F-407B-82BD-B427144766D3}"/>
                     </a:ext>
                   </a:extLst>
                 </p:cNvPr>
@@ -6728,7 +9770,7 @@
                 <p:cNvPr id="109" name="Elipse 108">
                   <a:extLst>
                     <a:ext uri="{FF2B5EF4-FFF2-40B4-BE49-F238E27FC236}">
-                      <a16:creationId xmlns:a16="http://schemas.microsoft.com/office/drawing/2014/main" xmlns="" id="{A6965E2E-3446-4C27-9E1F-A31F25446713}"/>
+                      <a16:creationId xmlns="" xmlns:a16="http://schemas.microsoft.com/office/drawing/2014/main" id="{A6965E2E-3446-4C27-9E1F-A31F25446713}"/>
                     </a:ext>
                   </a:extLst>
                 </p:cNvPr>
@@ -6836,7 +9878,7 @@
               <p:cNvPr id="111" name="Agrupar 6">
                 <a:extLst>
                   <a:ext uri="{FF2B5EF4-FFF2-40B4-BE49-F238E27FC236}">
-                    <a16:creationId xmlns:a16="http://schemas.microsoft.com/office/drawing/2014/main" xmlns="" id="{E976DEB7-185B-4375-9DBA-5D78AF26D6D7}"/>
+                    <a16:creationId xmlns="" xmlns:a16="http://schemas.microsoft.com/office/drawing/2014/main" id="{E976DEB7-185B-4375-9DBA-5D78AF26D6D7}"/>
                   </a:ext>
                 </a:extLst>
               </p:cNvPr>
@@ -6856,7 +9898,7 @@
                 <p:cNvPr id="113" name="Elipse 112">
                   <a:extLst>
                     <a:ext uri="{FF2B5EF4-FFF2-40B4-BE49-F238E27FC236}">
-                      <a16:creationId xmlns:a16="http://schemas.microsoft.com/office/drawing/2014/main" xmlns="" id="{8DA61EDA-D65F-407B-82BD-B427144766D3}"/>
+                      <a16:creationId xmlns="" xmlns:a16="http://schemas.microsoft.com/office/drawing/2014/main" id="{8DA61EDA-D65F-407B-82BD-B427144766D3}"/>
                     </a:ext>
                   </a:extLst>
                 </p:cNvPr>
@@ -6908,7 +9950,7 @@
                 <p:cNvPr id="114" name="Elipse 113">
                   <a:extLst>
                     <a:ext uri="{FF2B5EF4-FFF2-40B4-BE49-F238E27FC236}">
-                      <a16:creationId xmlns:a16="http://schemas.microsoft.com/office/drawing/2014/main" xmlns="" id="{A6965E2E-3446-4C27-9E1F-A31F25446713}"/>
+                      <a16:creationId xmlns="" xmlns:a16="http://schemas.microsoft.com/office/drawing/2014/main" id="{A6965E2E-3446-4C27-9E1F-A31F25446713}"/>
                     </a:ext>
                   </a:extLst>
                 </p:cNvPr>
@@ -7016,7 +10058,7 @@
               <p:cNvPr id="116" name="Agrupar 6">
                 <a:extLst>
                   <a:ext uri="{FF2B5EF4-FFF2-40B4-BE49-F238E27FC236}">
-                    <a16:creationId xmlns:a16="http://schemas.microsoft.com/office/drawing/2014/main" xmlns="" id="{E976DEB7-185B-4375-9DBA-5D78AF26D6D7}"/>
+                    <a16:creationId xmlns="" xmlns:a16="http://schemas.microsoft.com/office/drawing/2014/main" id="{E976DEB7-185B-4375-9DBA-5D78AF26D6D7}"/>
                   </a:ext>
                 </a:extLst>
               </p:cNvPr>
@@ -7036,7 +10078,7 @@
                 <p:cNvPr id="118" name="Elipse 117">
                   <a:extLst>
                     <a:ext uri="{FF2B5EF4-FFF2-40B4-BE49-F238E27FC236}">
-                      <a16:creationId xmlns:a16="http://schemas.microsoft.com/office/drawing/2014/main" xmlns="" id="{8DA61EDA-D65F-407B-82BD-B427144766D3}"/>
+                      <a16:creationId xmlns="" xmlns:a16="http://schemas.microsoft.com/office/drawing/2014/main" id="{8DA61EDA-D65F-407B-82BD-B427144766D3}"/>
                     </a:ext>
                   </a:extLst>
                 </p:cNvPr>
@@ -7088,7 +10130,7 @@
                 <p:cNvPr id="119" name="Elipse 118">
                   <a:extLst>
                     <a:ext uri="{FF2B5EF4-FFF2-40B4-BE49-F238E27FC236}">
-                      <a16:creationId xmlns:a16="http://schemas.microsoft.com/office/drawing/2014/main" xmlns="" id="{A6965E2E-3446-4C27-9E1F-A31F25446713}"/>
+                      <a16:creationId xmlns="" xmlns:a16="http://schemas.microsoft.com/office/drawing/2014/main" id="{A6965E2E-3446-4C27-9E1F-A31F25446713}"/>
                     </a:ext>
                   </a:extLst>
                 </p:cNvPr>
@@ -7495,7 +10537,7 @@
               <p:cNvPr id="122" name="Retângulo: Cantos Arredondados 8">
                 <a:extLst>
                   <a:ext uri="{FF2B5EF4-FFF2-40B4-BE49-F238E27FC236}">
-                    <a16:creationId xmlns:a16="http://schemas.microsoft.com/office/drawing/2014/main" xmlns="" id="{F8102B5C-A279-4902-B60D-5047349AC13D}"/>
+                    <a16:creationId xmlns="" xmlns:a16="http://schemas.microsoft.com/office/drawing/2014/main" id="{F8102B5C-A279-4902-B60D-5047349AC13D}"/>
                   </a:ext>
                 </a:extLst>
               </p:cNvPr>
@@ -7863,7 +10905,7 @@
               <p:cNvPr id="131" name="Retângulo: Cantos Arredondados 8">
                 <a:extLst>
                   <a:ext uri="{FF2B5EF4-FFF2-40B4-BE49-F238E27FC236}">
-                    <a16:creationId xmlns:a16="http://schemas.microsoft.com/office/drawing/2014/main" xmlns="" id="{F8102B5C-A279-4902-B60D-5047349AC13D}"/>
+                    <a16:creationId xmlns="" xmlns:a16="http://schemas.microsoft.com/office/drawing/2014/main" id="{F8102B5C-A279-4902-B60D-5047349AC13D}"/>
                   </a:ext>
                 </a:extLst>
               </p:cNvPr>
@@ -8231,7 +11273,7 @@
               <p:cNvPr id="140" name="Retângulo: Cantos Arredondados 8">
                 <a:extLst>
                   <a:ext uri="{FF2B5EF4-FFF2-40B4-BE49-F238E27FC236}">
-                    <a16:creationId xmlns:a16="http://schemas.microsoft.com/office/drawing/2014/main" xmlns="" id="{F8102B5C-A279-4902-B60D-5047349AC13D}"/>
+                    <a16:creationId xmlns="" xmlns:a16="http://schemas.microsoft.com/office/drawing/2014/main" id="{F8102B5C-A279-4902-B60D-5047349AC13D}"/>
                   </a:ext>
                 </a:extLst>
               </p:cNvPr>
@@ -8300,7 +11342,7 @@
               <p:cNvPr id="148" name="Agrupar 6">
                 <a:extLst>
                   <a:ext uri="{FF2B5EF4-FFF2-40B4-BE49-F238E27FC236}">
-                    <a16:creationId xmlns:a16="http://schemas.microsoft.com/office/drawing/2014/main" xmlns="" id="{E976DEB7-185B-4375-9DBA-5D78AF26D6D7}"/>
+                    <a16:creationId xmlns="" xmlns:a16="http://schemas.microsoft.com/office/drawing/2014/main" id="{E976DEB7-185B-4375-9DBA-5D78AF26D6D7}"/>
                   </a:ext>
                 </a:extLst>
               </p:cNvPr>
@@ -8320,7 +11362,7 @@
                 <p:cNvPr id="150" name="Elipse 149">
                   <a:extLst>
                     <a:ext uri="{FF2B5EF4-FFF2-40B4-BE49-F238E27FC236}">
-                      <a16:creationId xmlns:a16="http://schemas.microsoft.com/office/drawing/2014/main" xmlns="" id="{8DA61EDA-D65F-407B-82BD-B427144766D3}"/>
+                      <a16:creationId xmlns="" xmlns:a16="http://schemas.microsoft.com/office/drawing/2014/main" id="{8DA61EDA-D65F-407B-82BD-B427144766D3}"/>
                     </a:ext>
                   </a:extLst>
                 </p:cNvPr>
@@ -8372,7 +11414,7 @@
                 <p:cNvPr id="151" name="Elipse 150">
                   <a:extLst>
                     <a:ext uri="{FF2B5EF4-FFF2-40B4-BE49-F238E27FC236}">
-                      <a16:creationId xmlns:a16="http://schemas.microsoft.com/office/drawing/2014/main" xmlns="" id="{A6965E2E-3446-4C27-9E1F-A31F25446713}"/>
+                      <a16:creationId xmlns="" xmlns:a16="http://schemas.microsoft.com/office/drawing/2014/main" id="{A6965E2E-3446-4C27-9E1F-A31F25446713}"/>
                     </a:ext>
                   </a:extLst>
                 </p:cNvPr>
@@ -9371,7 +12413,7 @@
               <p:cNvPr id="72" name="Retângulo: Cantos Arredondados 8">
                 <a:extLst>
                   <a:ext uri="{FF2B5EF4-FFF2-40B4-BE49-F238E27FC236}">
-                    <a16:creationId xmlns:a16="http://schemas.microsoft.com/office/drawing/2014/main" xmlns="" id="{F8102B5C-A279-4902-B60D-5047349AC13D}"/>
+                    <a16:creationId xmlns="" xmlns:a16="http://schemas.microsoft.com/office/drawing/2014/main" id="{F8102B5C-A279-4902-B60D-5047349AC13D}"/>
                   </a:ext>
                 </a:extLst>
               </p:cNvPr>
@@ -9435,7 +12477,7 @@
 </p:sld>
 </file>
 
-<file path=ppt/slides/slide3.xml><?xml version="1.0" encoding="utf-8"?>
+<file path=ppt/slides/slide4.xml><?xml version="1.0" encoding="utf-8"?>
 <p:sld xmlns:a="http://schemas.openxmlformats.org/drawingml/2006/main" xmlns:r="http://schemas.openxmlformats.org/officeDocument/2006/relationships" xmlns:p="http://schemas.openxmlformats.org/presentationml/2006/main">
   <p:cSld>
     <p:spTree>
@@ -11862,7 +14904,7 @@
 </p:sld>
 </file>
 
-<file path=ppt/slides/slide4.xml><?xml version="1.0" encoding="utf-8"?>
+<file path=ppt/slides/slide5.xml><?xml version="1.0" encoding="utf-8"?>
 <p:sld xmlns:a="http://schemas.openxmlformats.org/drawingml/2006/main" xmlns:r="http://schemas.openxmlformats.org/officeDocument/2006/relationships" xmlns:p="http://schemas.openxmlformats.org/presentationml/2006/main">
   <p:cSld>
     <p:spTree>
@@ -12167,7 +15209,7 @@
 </p:sld>
 </file>
 
-<file path=ppt/slides/slide5.xml><?xml version="1.0" encoding="utf-8"?>
+<file path=ppt/slides/slide6.xml><?xml version="1.0" encoding="utf-8"?>
 <p:sld xmlns:a="http://schemas.openxmlformats.org/drawingml/2006/main" xmlns:r="http://schemas.openxmlformats.org/officeDocument/2006/relationships" xmlns:p="http://schemas.openxmlformats.org/presentationml/2006/main">
   <p:cSld>
     <p:spTree>
@@ -14071,7 +17113,7 @@
 </p:sld>
 </file>
 
-<file path=ppt/slides/slide6.xml><?xml version="1.0" encoding="utf-8"?>
+<file path=ppt/slides/slide7.xml><?xml version="1.0" encoding="utf-8"?>
 <p:sld xmlns:a="http://schemas.openxmlformats.org/drawingml/2006/main" xmlns:r="http://schemas.openxmlformats.org/officeDocument/2006/relationships" xmlns:p="http://schemas.openxmlformats.org/presentationml/2006/main">
   <p:cSld>
     <p:spTree>
@@ -15058,7 +18100,7 @@
   <a:extraClrSchemeLst/>
   <a:extLst>
     <a:ext uri="{05A4C25C-085E-4340-85A3-A5531E510DB2}">
-      <thm15:themeFamily xmlns="" xmlns:thm15="http://schemas.microsoft.com/office/thememl/2012/main" name="Office Theme" id="{62F939B6-93AF-4DB8-9C6B-D6C7DFDC589F}" vid="{4A3C46E8-61CC-4603-A589-7422A47A8E4A}"/>
+      <thm15:themeFamily xmlns:thm15="http://schemas.microsoft.com/office/thememl/2012/main" xmlns="" name="Office Theme" id="{62F939B6-93AF-4DB8-9C6B-D6C7DFDC589F}" vid="{4A3C46E8-61CC-4603-A589-7422A47A8E4A}"/>
     </a:ext>
   </a:extLst>
 </a:theme>

--- a/Rascunhos/Imagens/imagens para HIV.pptx
+++ b/Rascunhos/Imagens/imagens para HIV.pptx
@@ -10,8 +10,10 @@
     <p:sldId id="262" r:id="rId4"/>
     <p:sldId id="258" r:id="rId5"/>
     <p:sldId id="263" r:id="rId6"/>
-    <p:sldId id="261" r:id="rId7"/>
-    <p:sldId id="256" r:id="rId8"/>
+    <p:sldId id="265" r:id="rId7"/>
+    <p:sldId id="261" r:id="rId8"/>
+    <p:sldId id="256" r:id="rId9"/>
+    <p:sldId id="266" r:id="rId10"/>
   </p:sldIdLst>
   <p:sldSz cx="12192000" cy="6858000"/>
   <p:notesSz cx="6858000" cy="9144000"/>
@@ -244,7 +246,7 @@
           <a:p>
             <a:fld id="{6EC27022-61B4-4658-BCF4-E6488D58E6A6}" type="datetimeFigureOut">
               <a:rPr lang="pt-BR" smtClean="0"/>
-              <a:t>12/04/2019</a:t>
+              <a:t>24/04/2019</a:t>
             </a:fld>
             <a:endParaRPr lang="pt-BR"/>
           </a:p>
@@ -414,7 +416,7 @@
           <a:p>
             <a:fld id="{6EC27022-61B4-4658-BCF4-E6488D58E6A6}" type="datetimeFigureOut">
               <a:rPr lang="pt-BR" smtClean="0"/>
-              <a:t>12/04/2019</a:t>
+              <a:t>24/04/2019</a:t>
             </a:fld>
             <a:endParaRPr lang="pt-BR"/>
           </a:p>
@@ -594,7 +596,7 @@
           <a:p>
             <a:fld id="{6EC27022-61B4-4658-BCF4-E6488D58E6A6}" type="datetimeFigureOut">
               <a:rPr lang="pt-BR" smtClean="0"/>
-              <a:t>12/04/2019</a:t>
+              <a:t>24/04/2019</a:t>
             </a:fld>
             <a:endParaRPr lang="pt-BR"/>
           </a:p>
@@ -764,7 +766,7 @@
           <a:p>
             <a:fld id="{6EC27022-61B4-4658-BCF4-E6488D58E6A6}" type="datetimeFigureOut">
               <a:rPr lang="pt-BR" smtClean="0"/>
-              <a:t>12/04/2019</a:t>
+              <a:t>24/04/2019</a:t>
             </a:fld>
             <a:endParaRPr lang="pt-BR"/>
           </a:p>
@@ -1010,7 +1012,7 @@
           <a:p>
             <a:fld id="{6EC27022-61B4-4658-BCF4-E6488D58E6A6}" type="datetimeFigureOut">
               <a:rPr lang="pt-BR" smtClean="0"/>
-              <a:t>12/04/2019</a:t>
+              <a:t>24/04/2019</a:t>
             </a:fld>
             <a:endParaRPr lang="pt-BR"/>
           </a:p>
@@ -1242,7 +1244,7 @@
           <a:p>
             <a:fld id="{6EC27022-61B4-4658-BCF4-E6488D58E6A6}" type="datetimeFigureOut">
               <a:rPr lang="pt-BR" smtClean="0"/>
-              <a:t>12/04/2019</a:t>
+              <a:t>24/04/2019</a:t>
             </a:fld>
             <a:endParaRPr lang="pt-BR"/>
           </a:p>
@@ -1609,7 +1611,7 @@
           <a:p>
             <a:fld id="{6EC27022-61B4-4658-BCF4-E6488D58E6A6}" type="datetimeFigureOut">
               <a:rPr lang="pt-BR" smtClean="0"/>
-              <a:t>12/04/2019</a:t>
+              <a:t>24/04/2019</a:t>
             </a:fld>
             <a:endParaRPr lang="pt-BR"/>
           </a:p>
@@ -1727,7 +1729,7 @@
           <a:p>
             <a:fld id="{6EC27022-61B4-4658-BCF4-E6488D58E6A6}" type="datetimeFigureOut">
               <a:rPr lang="pt-BR" smtClean="0"/>
-              <a:t>12/04/2019</a:t>
+              <a:t>24/04/2019</a:t>
             </a:fld>
             <a:endParaRPr lang="pt-BR"/>
           </a:p>
@@ -1822,7 +1824,7 @@
           <a:p>
             <a:fld id="{6EC27022-61B4-4658-BCF4-E6488D58E6A6}" type="datetimeFigureOut">
               <a:rPr lang="pt-BR" smtClean="0"/>
-              <a:t>12/04/2019</a:t>
+              <a:t>24/04/2019</a:t>
             </a:fld>
             <a:endParaRPr lang="pt-BR"/>
           </a:p>
@@ -2099,7 +2101,7 @@
           <a:p>
             <a:fld id="{6EC27022-61B4-4658-BCF4-E6488D58E6A6}" type="datetimeFigureOut">
               <a:rPr lang="pt-BR" smtClean="0"/>
-              <a:t>12/04/2019</a:t>
+              <a:t>24/04/2019</a:t>
             </a:fld>
             <a:endParaRPr lang="pt-BR"/>
           </a:p>
@@ -2352,7 +2354,7 @@
           <a:p>
             <a:fld id="{6EC27022-61B4-4658-BCF4-E6488D58E6A6}" type="datetimeFigureOut">
               <a:rPr lang="pt-BR" smtClean="0"/>
-              <a:t>12/04/2019</a:t>
+              <a:t>24/04/2019</a:t>
             </a:fld>
             <a:endParaRPr lang="pt-BR"/>
           </a:p>
@@ -2565,7 +2567,7 @@
           <a:p>
             <a:fld id="{6EC27022-61B4-4658-BCF4-E6488D58E6A6}" type="datetimeFigureOut">
               <a:rPr lang="pt-BR" smtClean="0"/>
-              <a:t>12/04/2019</a:t>
+              <a:t>24/04/2019</a:t>
             </a:fld>
             <a:endParaRPr lang="pt-BR"/>
           </a:p>
@@ -15234,6 +15236,109 @@
         </p:nvSpPr>
         <p:spPr>
           <a:xfrm>
+            <a:off x="688489" y="527124"/>
+            <a:ext cx="1484574" cy="369332"/>
+          </a:xfrm>
+          <a:prstGeom prst="rect">
+            <a:avLst/>
+          </a:prstGeom>
+          <a:noFill/>
+        </p:spPr>
+        <p:txBody>
+          <a:bodyPr wrap="none" rtlCol="0">
+            <a:spAutoFit/>
+          </a:bodyPr>
+          <a:lstStyle/>
+          <a:p>
+            <a:r>
+              <a:rPr lang="pt-BR" dirty="0" smtClean="0"/>
+              <a:t>DEPOIMENTO</a:t>
+            </a:r>
+            <a:endParaRPr lang="pt-BR" dirty="0"/>
+          </a:p>
+        </p:txBody>
+      </p:sp>
+      <p:sp>
+        <p:nvSpPr>
+          <p:cNvPr id="3" name="Retângulo de cantos arredondados 2"/>
+          <p:cNvSpPr/>
+          <p:nvPr/>
+        </p:nvSpPr>
+        <p:spPr>
+          <a:xfrm>
+            <a:off x="839096" y="1882587"/>
+            <a:ext cx="4378363" cy="3334871"/>
+          </a:xfrm>
+          <a:prstGeom prst="roundRect">
+            <a:avLst/>
+          </a:prstGeom>
+          <a:ln>
+            <a:noFill/>
+          </a:ln>
+        </p:spPr>
+        <p:style>
+          <a:lnRef idx="2">
+            <a:schemeClr val="accent1">
+              <a:shade val="50000"/>
+            </a:schemeClr>
+          </a:lnRef>
+          <a:fillRef idx="1">
+            <a:schemeClr val="accent1"/>
+          </a:fillRef>
+          <a:effectRef idx="0">
+            <a:schemeClr val="accent1"/>
+          </a:effectRef>
+          <a:fontRef idx="minor">
+            <a:schemeClr val="lt1"/>
+          </a:fontRef>
+        </p:style>
+        <p:txBody>
+          <a:bodyPr rtlCol="0" anchor="ctr"/>
+          <a:lstStyle/>
+          <a:p>
+            <a:pPr algn="ctr"/>
+            <a:endParaRPr lang="pt-BR"/>
+          </a:p>
+        </p:txBody>
+      </p:sp>
+    </p:spTree>
+    <p:extLst>
+      <p:ext uri="{BB962C8B-B14F-4D97-AF65-F5344CB8AC3E}">
+        <p14:creationId xmlns:p14="http://schemas.microsoft.com/office/powerpoint/2010/main" val="966392122"/>
+      </p:ext>
+    </p:extLst>
+  </p:cSld>
+  <p:clrMapOvr>
+    <a:masterClrMapping/>
+  </p:clrMapOvr>
+</p:sld>
+</file>
+
+<file path=ppt/slides/slide7.xml><?xml version="1.0" encoding="utf-8"?>
+<p:sld xmlns:a="http://schemas.openxmlformats.org/drawingml/2006/main" xmlns:r="http://schemas.openxmlformats.org/officeDocument/2006/relationships" xmlns:p="http://schemas.openxmlformats.org/presentationml/2006/main">
+  <p:cSld>
+    <p:spTree>
+      <p:nvGrpSpPr>
+        <p:cNvPr id="1" name=""/>
+        <p:cNvGrpSpPr/>
+        <p:nvPr/>
+      </p:nvGrpSpPr>
+      <p:grpSpPr>
+        <a:xfrm>
+          <a:off x="0" y="0"/>
+          <a:ext cx="0" cy="0"/>
+          <a:chOff x="0" y="0"/>
+          <a:chExt cx="0" cy="0"/>
+        </a:xfrm>
+      </p:grpSpPr>
+      <p:sp>
+        <p:nvSpPr>
+          <p:cNvPr id="2" name="CaixaDeTexto 1"/>
+          <p:cNvSpPr txBox="1"/>
+          <p:nvPr/>
+        </p:nvSpPr>
+        <p:spPr>
+          <a:xfrm>
             <a:off x="667956" y="222934"/>
             <a:ext cx="2041906" cy="646331"/>
           </a:xfrm>
@@ -17113,7 +17218,7 @@
 </p:sld>
 </file>
 
-<file path=ppt/slides/slide7.xml><?xml version="1.0" encoding="utf-8"?>
+<file path=ppt/slides/slide8.xml><?xml version="1.0" encoding="utf-8"?>
 <p:sld xmlns:a="http://schemas.openxmlformats.org/drawingml/2006/main" xmlns:r="http://schemas.openxmlformats.org/officeDocument/2006/relationships" xmlns:p="http://schemas.openxmlformats.org/presentationml/2006/main">
   <p:cSld>
     <p:spTree>
@@ -17845,6 +17950,94 @@
 </p:sld>
 </file>
 
+<file path=ppt/slides/slide9.xml><?xml version="1.0" encoding="utf-8"?>
+<p:sld xmlns:a="http://schemas.openxmlformats.org/drawingml/2006/main" xmlns:r="http://schemas.openxmlformats.org/officeDocument/2006/relationships" xmlns:p="http://schemas.openxmlformats.org/presentationml/2006/main">
+  <p:cSld>
+    <p:spTree>
+      <p:nvGrpSpPr>
+        <p:cNvPr id="1" name=""/>
+        <p:cNvGrpSpPr/>
+        <p:nvPr/>
+      </p:nvGrpSpPr>
+      <p:grpSpPr>
+        <a:xfrm>
+          <a:off x="0" y="0"/>
+          <a:ext cx="0" cy="0"/>
+          <a:chOff x="0" y="0"/>
+          <a:chExt cx="0" cy="0"/>
+        </a:xfrm>
+      </p:grpSpPr>
+      <p:sp>
+        <p:nvSpPr>
+          <p:cNvPr id="2" name="Título 1"/>
+          <p:cNvSpPr>
+            <a:spLocks noGrp="1"/>
+          </p:cNvSpPr>
+          <p:nvPr>
+            <p:ph type="title"/>
+          </p:nvPr>
+        </p:nvSpPr>
+        <p:spPr>
+          <a:xfrm>
+            <a:off x="838200" y="365125"/>
+            <a:ext cx="2432125" cy="1325563"/>
+          </a:xfrm>
+        </p:spPr>
+        <p:txBody>
+          <a:bodyPr/>
+          <a:lstStyle/>
+          <a:p>
+            <a:r>
+              <a:rPr lang="pt-BR" dirty="0" smtClean="0"/>
+              <a:t>Imagem 8</a:t>
+            </a:r>
+            <a:endParaRPr lang="pt-BR" dirty="0"/>
+          </a:p>
+        </p:txBody>
+      </p:sp>
+      <p:pic>
+        <p:nvPicPr>
+          <p:cNvPr id="3" name="Imagem 2"/>
+          <p:cNvPicPr>
+            <a:picLocks noChangeAspect="1"/>
+          </p:cNvPicPr>
+          <p:nvPr/>
+        </p:nvPicPr>
+        <p:blipFill>
+          <a:blip r:embed="rId2">
+            <a:extLst>
+              <a:ext uri="{28A0092B-C50C-407E-A947-70E740481C1C}">
+                <a14:useLocalDpi xmlns:a14="http://schemas.microsoft.com/office/drawing/2010/main" val="0"/>
+              </a:ext>
+            </a:extLst>
+          </a:blip>
+          <a:stretch>
+            <a:fillRect/>
+          </a:stretch>
+        </p:blipFill>
+        <p:spPr>
+          <a:xfrm>
+            <a:off x="2198253" y="1874647"/>
+            <a:ext cx="6110778" cy="3727867"/>
+          </a:xfrm>
+          <a:prstGeom prst="rect">
+            <a:avLst/>
+          </a:prstGeom>
+        </p:spPr>
+      </p:pic>
+    </p:spTree>
+    <p:extLst>
+      <p:ext uri="{BB962C8B-B14F-4D97-AF65-F5344CB8AC3E}">
+        <p14:creationId xmlns:p14="http://schemas.microsoft.com/office/powerpoint/2010/main" val="2709642130"/>
+      </p:ext>
+    </p:extLst>
+  </p:cSld>
+  <p:clrMapOvr>
+    <a:masterClrMapping/>
+  </p:clrMapOvr>
+</p:sld>
+</file>
+
 <file path=ppt/theme/theme1.xml><?xml version="1.0" encoding="utf-8"?>
 <a:theme xmlns:a="http://schemas.openxmlformats.org/drawingml/2006/main" name="Tema do Office">
   <a:themeElements>
